--- a/bufferReplacement/Presentation_team3.pptx
+++ b/bufferReplacement/Presentation_team3.pptx
@@ -1,46 +1,46 @@
 
 <file path=ppt/presentation.xml><?xml version="1.0" encoding="utf-8"?>
-<p:presentation xmlns:a="http://schemas.openxmlformats.org/drawingml/2006/main" xmlns:r="http://schemas.openxmlformats.org/officeDocument/2006/relationships" xmlns:mc="http://schemas.openxmlformats.org/markup-compatibility/2006" xmlns:mv="urn:schemas-microsoft-com:mac:vml" xmlns:p="http://schemas.openxmlformats.org/presentationml/2006/main" xmlns:c="http://schemas.openxmlformats.org/drawingml/2006/chart" xmlns:dgm="http://schemas.openxmlformats.org/drawingml/2006/diagram" xmlns:o="urn:schemas-microsoft-com:office:office" xmlns:v="urn:schemas-microsoft-com:vml" xmlns:pvml="urn:schemas-microsoft-com:office:powerpoint" xmlns:com="http://schemas.openxmlformats.org/drawingml/2006/compatibility" xmlns:p14="http://schemas.microsoft.com/office/powerpoint/2010/main" autoCompressPictures="0" strictFirstAndLastChars="0" saveSubsetFonts="1">
+<p:presentation xmlns:a="http://schemas.openxmlformats.org/drawingml/2006/main" xmlns:r="http://schemas.openxmlformats.org/officeDocument/2006/relationships" xmlns:p="http://schemas.openxmlformats.org/presentationml/2006/main" strictFirstAndLastChars="0" saveSubsetFonts="1" autoCompressPictures="0">
   <p:sldMasterIdLst>
-    <p:sldMasterId id="2147483659" r:id="rId4"/>
+    <p:sldMasterId id="2147483659" r:id="rId1"/>
   </p:sldMasterIdLst>
   <p:notesMasterIdLst>
-    <p:notesMasterId r:id="rId5"/>
+    <p:notesMasterId r:id="rId30"/>
   </p:notesMasterIdLst>
   <p:sldIdLst>
-    <p:sldId id="256" r:id="rId6"/>
-    <p:sldId id="257" r:id="rId7"/>
-    <p:sldId id="258" r:id="rId8"/>
-    <p:sldId id="259" r:id="rId9"/>
-    <p:sldId id="260" r:id="rId10"/>
-    <p:sldId id="261" r:id="rId11"/>
-    <p:sldId id="262" r:id="rId12"/>
-    <p:sldId id="263" r:id="rId13"/>
-    <p:sldId id="264" r:id="rId14"/>
-    <p:sldId id="265" r:id="rId15"/>
-    <p:sldId id="266" r:id="rId16"/>
-    <p:sldId id="267" r:id="rId17"/>
-    <p:sldId id="268" r:id="rId18"/>
-    <p:sldId id="269" r:id="rId19"/>
-    <p:sldId id="270" r:id="rId20"/>
-    <p:sldId id="271" r:id="rId21"/>
-    <p:sldId id="272" r:id="rId22"/>
-    <p:sldId id="273" r:id="rId23"/>
-    <p:sldId id="274" r:id="rId24"/>
-    <p:sldId id="275" r:id="rId25"/>
-    <p:sldId id="276" r:id="rId26"/>
-    <p:sldId id="277" r:id="rId27"/>
-    <p:sldId id="278" r:id="rId28"/>
-    <p:sldId id="279" r:id="rId29"/>
-    <p:sldId id="280" r:id="rId30"/>
-    <p:sldId id="281" r:id="rId31"/>
-    <p:sldId id="282" r:id="rId32"/>
-    <p:sldId id="283" r:id="rId33"/>
+    <p:sldId id="256" r:id="rId2"/>
+    <p:sldId id="257" r:id="rId3"/>
+    <p:sldId id="258" r:id="rId4"/>
+    <p:sldId id="259" r:id="rId5"/>
+    <p:sldId id="260" r:id="rId6"/>
+    <p:sldId id="261" r:id="rId7"/>
+    <p:sldId id="262" r:id="rId8"/>
+    <p:sldId id="263" r:id="rId9"/>
+    <p:sldId id="264" r:id="rId10"/>
+    <p:sldId id="265" r:id="rId11"/>
+    <p:sldId id="266" r:id="rId12"/>
+    <p:sldId id="267" r:id="rId13"/>
+    <p:sldId id="268" r:id="rId14"/>
+    <p:sldId id="269" r:id="rId15"/>
+    <p:sldId id="270" r:id="rId16"/>
+    <p:sldId id="271" r:id="rId17"/>
+    <p:sldId id="272" r:id="rId18"/>
+    <p:sldId id="273" r:id="rId19"/>
+    <p:sldId id="274" r:id="rId20"/>
+    <p:sldId id="275" r:id="rId21"/>
+    <p:sldId id="276" r:id="rId22"/>
+    <p:sldId id="277" r:id="rId23"/>
+    <p:sldId id="278" r:id="rId24"/>
+    <p:sldId id="279" r:id="rId25"/>
+    <p:sldId id="280" r:id="rId26"/>
+    <p:sldId id="281" r:id="rId27"/>
+    <p:sldId id="282" r:id="rId28"/>
+    <p:sldId id="283" r:id="rId29"/>
   </p:sldIdLst>
-  <p:sldSz cy="5143500" cx="9144000"/>
+  <p:sldSz cx="9144000" cy="5143500" type="screen16x9"/>
   <p:notesSz cx="6858000" cy="9144000"/>
   <p:defaultTextStyle>
-    <a:defPPr lvl="0" marR="0" rtl="0" algn="l">
+    <a:defPPr marR="0" lvl="0" algn="l" rtl="0">
       <a:lnSpc>
         <a:spcPct val="100000"/>
       </a:lnSpc>
@@ -51,7 +51,7 @@
         <a:spcPts val="0"/>
       </a:spcAft>
     </a:defPPr>
-    <a:lvl1pPr lvl="0" marR="0" rtl="0" algn="l">
+    <a:lvl1pPr marR="0" lvl="0" algn="l" rtl="0">
       <a:lnSpc>
         <a:spcPct val="100000"/>
       </a:lnSpc>
@@ -62,7 +62,7 @@
         <a:spcPts val="0"/>
       </a:spcAft>
       <a:buNone/>
-      <a:defRPr b="0" i="0" sz="1400" u="none" cap="none" strike="noStrike">
+      <a:defRPr sz="1400" b="0" i="0" u="none" strike="noStrike" cap="none">
         <a:solidFill>
           <a:srgbClr val="000000"/>
         </a:solidFill>
@@ -72,7 +72,7 @@
         <a:sym typeface="Arial"/>
       </a:defRPr>
     </a:lvl1pPr>
-    <a:lvl2pPr lvl="1" marR="0" rtl="0" algn="l">
+    <a:lvl2pPr marR="0" lvl="1" algn="l" rtl="0">
       <a:lnSpc>
         <a:spcPct val="100000"/>
       </a:lnSpc>
@@ -83,7 +83,7 @@
         <a:spcPts val="0"/>
       </a:spcAft>
       <a:buNone/>
-      <a:defRPr b="0" i="0" sz="1400" u="none" cap="none" strike="noStrike">
+      <a:defRPr sz="1400" b="0" i="0" u="none" strike="noStrike" cap="none">
         <a:solidFill>
           <a:srgbClr val="000000"/>
         </a:solidFill>
@@ -93,7 +93,7 @@
         <a:sym typeface="Arial"/>
       </a:defRPr>
     </a:lvl2pPr>
-    <a:lvl3pPr lvl="2" marR="0" rtl="0" algn="l">
+    <a:lvl3pPr marR="0" lvl="2" algn="l" rtl="0">
       <a:lnSpc>
         <a:spcPct val="100000"/>
       </a:lnSpc>
@@ -104,7 +104,7 @@
         <a:spcPts val="0"/>
       </a:spcAft>
       <a:buNone/>
-      <a:defRPr b="0" i="0" sz="1400" u="none" cap="none" strike="noStrike">
+      <a:defRPr sz="1400" b="0" i="0" u="none" strike="noStrike" cap="none">
         <a:solidFill>
           <a:srgbClr val="000000"/>
         </a:solidFill>
@@ -114,7 +114,7 @@
         <a:sym typeface="Arial"/>
       </a:defRPr>
     </a:lvl3pPr>
-    <a:lvl4pPr lvl="3" marR="0" rtl="0" algn="l">
+    <a:lvl4pPr marR="0" lvl="3" algn="l" rtl="0">
       <a:lnSpc>
         <a:spcPct val="100000"/>
       </a:lnSpc>
@@ -125,7 +125,7 @@
         <a:spcPts val="0"/>
       </a:spcAft>
       <a:buNone/>
-      <a:defRPr b="0" i="0" sz="1400" u="none" cap="none" strike="noStrike">
+      <a:defRPr sz="1400" b="0" i="0" u="none" strike="noStrike" cap="none">
         <a:solidFill>
           <a:srgbClr val="000000"/>
         </a:solidFill>
@@ -135,7 +135,7 @@
         <a:sym typeface="Arial"/>
       </a:defRPr>
     </a:lvl4pPr>
-    <a:lvl5pPr lvl="4" marR="0" rtl="0" algn="l">
+    <a:lvl5pPr marR="0" lvl="4" algn="l" rtl="0">
       <a:lnSpc>
         <a:spcPct val="100000"/>
       </a:lnSpc>
@@ -146,7 +146,7 @@
         <a:spcPts val="0"/>
       </a:spcAft>
       <a:buNone/>
-      <a:defRPr b="0" i="0" sz="1400" u="none" cap="none" strike="noStrike">
+      <a:defRPr sz="1400" b="0" i="0" u="none" strike="noStrike" cap="none">
         <a:solidFill>
           <a:srgbClr val="000000"/>
         </a:solidFill>
@@ -156,7 +156,7 @@
         <a:sym typeface="Arial"/>
       </a:defRPr>
     </a:lvl5pPr>
-    <a:lvl6pPr lvl="5" marR="0" rtl="0" algn="l">
+    <a:lvl6pPr marR="0" lvl="5" algn="l" rtl="0">
       <a:lnSpc>
         <a:spcPct val="100000"/>
       </a:lnSpc>
@@ -167,7 +167,7 @@
         <a:spcPts val="0"/>
       </a:spcAft>
       <a:buNone/>
-      <a:defRPr b="0" i="0" sz="1400" u="none" cap="none" strike="noStrike">
+      <a:defRPr sz="1400" b="0" i="0" u="none" strike="noStrike" cap="none">
         <a:solidFill>
           <a:srgbClr val="000000"/>
         </a:solidFill>
@@ -177,7 +177,7 @@
         <a:sym typeface="Arial"/>
       </a:defRPr>
     </a:lvl6pPr>
-    <a:lvl7pPr lvl="6" marR="0" rtl="0" algn="l">
+    <a:lvl7pPr marR="0" lvl="6" algn="l" rtl="0">
       <a:lnSpc>
         <a:spcPct val="100000"/>
       </a:lnSpc>
@@ -188,7 +188,7 @@
         <a:spcPts val="0"/>
       </a:spcAft>
       <a:buNone/>
-      <a:defRPr b="0" i="0" sz="1400" u="none" cap="none" strike="noStrike">
+      <a:defRPr sz="1400" b="0" i="0" u="none" strike="noStrike" cap="none">
         <a:solidFill>
           <a:srgbClr val="000000"/>
         </a:solidFill>
@@ -198,7 +198,7 @@
         <a:sym typeface="Arial"/>
       </a:defRPr>
     </a:lvl7pPr>
-    <a:lvl8pPr lvl="7" marR="0" rtl="0" algn="l">
+    <a:lvl8pPr marR="0" lvl="7" algn="l" rtl="0">
       <a:lnSpc>
         <a:spcPct val="100000"/>
       </a:lnSpc>
@@ -209,7 +209,7 @@
         <a:spcPts val="0"/>
       </a:spcAft>
       <a:buNone/>
-      <a:defRPr b="0" i="0" sz="1400" u="none" cap="none" strike="noStrike">
+      <a:defRPr sz="1400" b="0" i="0" u="none" strike="noStrike" cap="none">
         <a:solidFill>
           <a:srgbClr val="000000"/>
         </a:solidFill>
@@ -219,7 +219,7 @@
         <a:sym typeface="Arial"/>
       </a:defRPr>
     </a:lvl8pPr>
-    <a:lvl9pPr lvl="8" marR="0" rtl="0" algn="l">
+    <a:lvl9pPr marR="0" lvl="8" algn="l" rtl="0">
       <a:lnSpc>
         <a:spcPct val="100000"/>
       </a:lnSpc>
@@ -230,7 +230,7 @@
         <a:spcPts val="0"/>
       </a:spcAft>
       <a:buNone/>
-      <a:defRPr b="0" i="0" sz="1400" u="none" cap="none" strike="noStrike">
+      <a:defRPr sz="1400" b="0" i="0" u="none" strike="noStrike" cap="none">
         <a:solidFill>
           <a:srgbClr val="000000"/>
         </a:solidFill>
@@ -245,11 +245,16 @@
 </file>
 
 <file path=ppt/notesMasters/notesMaster1.xml><?xml version="1.0" encoding="utf-8"?>
-<p:notesMaster xmlns:a="http://schemas.openxmlformats.org/drawingml/2006/main" xmlns:r="http://schemas.openxmlformats.org/officeDocument/2006/relationships" xmlns:mc="http://schemas.openxmlformats.org/markup-compatibility/2006" xmlns:mv="urn:schemas-microsoft-com:mac:vml" xmlns:p="http://schemas.openxmlformats.org/presentationml/2006/main" xmlns:c="http://schemas.openxmlformats.org/drawingml/2006/chart" xmlns:dgm="http://schemas.openxmlformats.org/drawingml/2006/diagram" xmlns:o="urn:schemas-microsoft-com:office:office" xmlns:v="urn:schemas-microsoft-com:vml" xmlns:pvml="urn:schemas-microsoft-com:office:powerpoint" xmlns:com="http://schemas.openxmlformats.org/drawingml/2006/compatibility" xmlns:p14="http://schemas.microsoft.com/office/powerpoint/2010/main">
+<p:notesMaster xmlns:a="http://schemas.openxmlformats.org/drawingml/2006/main" xmlns:r="http://schemas.openxmlformats.org/officeDocument/2006/relationships" xmlns:p="http://schemas.openxmlformats.org/presentationml/2006/main">
   <p:cSld>
+    <p:bg>
+      <p:bgRef idx="1001">
+        <a:schemeClr val="bg1"/>
+      </p:bgRef>
+    </p:bg>
     <p:spTree>
       <p:nvGrpSpPr>
-        <p:cNvPr id="2" name="Shape 2"/>
+        <p:cNvPr id="1" name="Shape 2"/>
         <p:cNvGrpSpPr/>
         <p:nvPr/>
       </p:nvGrpSpPr>
@@ -264,9 +269,11 @@
       <p:sp>
         <p:nvSpPr>
           <p:cNvPr id="3" name="Shape 3"/>
-          <p:cNvSpPr/>
+          <p:cNvSpPr>
+            <a:spLocks noGrp="1" noRot="1" noChangeAspect="1"/>
+          </p:cNvSpPr>
           <p:nvPr>
-            <p:ph idx="2" type="sldImg"/>
+            <p:ph type="sldImg" idx="2"/>
           </p:nvPr>
         </p:nvSpPr>
         <p:spPr>
@@ -275,8 +282,13 @@
             <a:ext cx="6096075" cy="3429000"/>
           </a:xfrm>
           <a:custGeom>
+            <a:avLst/>
+            <a:gdLst/>
+            <a:ahLst/>
+            <a:cxnLst/>
+            <a:rect l="0" t="0" r="0" b="0"/>
             <a:pathLst>
-              <a:path extrusionOk="0" h="120000" w="120000">
+              <a:path w="120000" h="120000" extrusionOk="0">
                 <a:moveTo>
                   <a:pt x="0" y="0"/>
                 </a:moveTo>
@@ -294,23 +306,25 @@
             </a:pathLst>
           </a:custGeom>
           <a:noFill/>
-          <a:ln cap="flat" cmpd="sng" w="9525">
+          <a:ln w="9525" cap="flat" cmpd="sng">
             <a:solidFill>
               <a:srgbClr val="000000"/>
             </a:solidFill>
             <a:prstDash val="solid"/>
             <a:round/>
-            <a:headEnd len="med" w="med" type="none"/>
-            <a:tailEnd len="med" w="med" type="none"/>
+            <a:headEnd type="none" w="med" len="med"/>
+            <a:tailEnd type="none" w="med" len="med"/>
           </a:ln>
         </p:spPr>
       </p:sp>
       <p:sp>
         <p:nvSpPr>
           <p:cNvPr id="4" name="Shape 4"/>
-          <p:cNvSpPr txBox="1"/>
+          <p:cNvSpPr txBox="1">
+            <a:spLocks noGrp="1"/>
+          </p:cNvSpPr>
           <p:nvPr>
-            <p:ph idx="1" type="body"/>
+            <p:ph type="body" idx="1"/>
           </p:nvPr>
         </p:nvSpPr>
         <p:spPr>
@@ -327,7 +341,7 @@
           </a:ln>
         </p:spPr>
         <p:txBody>
-          <a:bodyPr anchorCtr="0" anchor="t" bIns="91425" lIns="91425" rIns="91425" tIns="91425"/>
+          <a:bodyPr lIns="91425" tIns="91425" rIns="91425" bIns="91425" anchor="t" anchorCtr="0"/>
           <a:lstStyle>
             <a:lvl1pPr lvl="0">
               <a:spcBef>
@@ -384,21 +398,115 @@
               <a:defRPr sz="1100"/>
             </a:lvl9pPr>
           </a:lstStyle>
-          <a:p/>
+          <a:p>
+            <a:endParaRPr/>
+          </a:p>
         </p:txBody>
       </p:sp>
     </p:spTree>
   </p:cSld>
-  <p:clrMap accent1="accent1" accent2="accent2" accent3="accent3" accent4="accent4" accent5="accent5" accent6="accent6" bg1="lt1" bg2="dk2" tx1="dk1" tx2="lt2" folHlink="folHlink" hlink="hlink"/>
+  <p:clrMap bg1="lt1" tx1="dk1" bg2="dk2" tx2="lt2" accent1="accent1" accent2="accent2" accent3="accent3" accent4="accent4" accent5="accent5" accent6="accent6" hlink="hlink" folHlink="folHlink"/>
+  <p:notesStyle>
+    <a:lvl1pPr marL="0" algn="l" defTabSz="914400" rtl="0" eaLnBrk="1" latinLnBrk="1" hangingPunct="1">
+      <a:defRPr sz="1200" kern="1200">
+        <a:solidFill>
+          <a:schemeClr val="tx1"/>
+        </a:solidFill>
+        <a:latin typeface="+mn-lt"/>
+        <a:ea typeface="+mn-ea"/>
+        <a:cs typeface="+mn-cs"/>
+      </a:defRPr>
+    </a:lvl1pPr>
+    <a:lvl2pPr marL="457200" algn="l" defTabSz="914400" rtl="0" eaLnBrk="1" latinLnBrk="1" hangingPunct="1">
+      <a:defRPr sz="1200" kern="1200">
+        <a:solidFill>
+          <a:schemeClr val="tx1"/>
+        </a:solidFill>
+        <a:latin typeface="+mn-lt"/>
+        <a:ea typeface="+mn-ea"/>
+        <a:cs typeface="+mn-cs"/>
+      </a:defRPr>
+    </a:lvl2pPr>
+    <a:lvl3pPr marL="914400" algn="l" defTabSz="914400" rtl="0" eaLnBrk="1" latinLnBrk="1" hangingPunct="1">
+      <a:defRPr sz="1200" kern="1200">
+        <a:solidFill>
+          <a:schemeClr val="tx1"/>
+        </a:solidFill>
+        <a:latin typeface="+mn-lt"/>
+        <a:ea typeface="+mn-ea"/>
+        <a:cs typeface="+mn-cs"/>
+      </a:defRPr>
+    </a:lvl3pPr>
+    <a:lvl4pPr marL="1371600" algn="l" defTabSz="914400" rtl="0" eaLnBrk="1" latinLnBrk="1" hangingPunct="1">
+      <a:defRPr sz="1200" kern="1200">
+        <a:solidFill>
+          <a:schemeClr val="tx1"/>
+        </a:solidFill>
+        <a:latin typeface="+mn-lt"/>
+        <a:ea typeface="+mn-ea"/>
+        <a:cs typeface="+mn-cs"/>
+      </a:defRPr>
+    </a:lvl4pPr>
+    <a:lvl5pPr marL="1828800" algn="l" defTabSz="914400" rtl="0" eaLnBrk="1" latinLnBrk="1" hangingPunct="1">
+      <a:defRPr sz="1200" kern="1200">
+        <a:solidFill>
+          <a:schemeClr val="tx1"/>
+        </a:solidFill>
+        <a:latin typeface="+mn-lt"/>
+        <a:ea typeface="+mn-ea"/>
+        <a:cs typeface="+mn-cs"/>
+      </a:defRPr>
+    </a:lvl5pPr>
+    <a:lvl6pPr marL="2286000" algn="l" defTabSz="914400" rtl="0" eaLnBrk="1" latinLnBrk="1" hangingPunct="1">
+      <a:defRPr sz="1200" kern="1200">
+        <a:solidFill>
+          <a:schemeClr val="tx1"/>
+        </a:solidFill>
+        <a:latin typeface="+mn-lt"/>
+        <a:ea typeface="+mn-ea"/>
+        <a:cs typeface="+mn-cs"/>
+      </a:defRPr>
+    </a:lvl6pPr>
+    <a:lvl7pPr marL="2743200" algn="l" defTabSz="914400" rtl="0" eaLnBrk="1" latinLnBrk="1" hangingPunct="1">
+      <a:defRPr sz="1200" kern="1200">
+        <a:solidFill>
+          <a:schemeClr val="tx1"/>
+        </a:solidFill>
+        <a:latin typeface="+mn-lt"/>
+        <a:ea typeface="+mn-ea"/>
+        <a:cs typeface="+mn-cs"/>
+      </a:defRPr>
+    </a:lvl7pPr>
+    <a:lvl8pPr marL="3200400" algn="l" defTabSz="914400" rtl="0" eaLnBrk="1" latinLnBrk="1" hangingPunct="1">
+      <a:defRPr sz="1200" kern="1200">
+        <a:solidFill>
+          <a:schemeClr val="tx1"/>
+        </a:solidFill>
+        <a:latin typeface="+mn-lt"/>
+        <a:ea typeface="+mn-ea"/>
+        <a:cs typeface="+mn-cs"/>
+      </a:defRPr>
+    </a:lvl8pPr>
+    <a:lvl9pPr marL="3657600" algn="l" defTabSz="914400" rtl="0" eaLnBrk="1" latinLnBrk="1" hangingPunct="1">
+      <a:defRPr sz="1200" kern="1200">
+        <a:solidFill>
+          <a:schemeClr val="tx1"/>
+        </a:solidFill>
+        <a:latin typeface="+mn-lt"/>
+        <a:ea typeface="+mn-ea"/>
+        <a:cs typeface="+mn-cs"/>
+      </a:defRPr>
+    </a:lvl9pPr>
+  </p:notesStyle>
 </p:notesMaster>
 </file>
 
 <file path=ppt/notesSlides/notesSlide1.xml><?xml version="1.0" encoding="utf-8"?>
-<p:notes xmlns:a="http://schemas.openxmlformats.org/drawingml/2006/main" xmlns:r="http://schemas.openxmlformats.org/officeDocument/2006/relationships" xmlns:mc="http://schemas.openxmlformats.org/markup-compatibility/2006" xmlns:mv="urn:schemas-microsoft-com:mac:vml" xmlns:p="http://schemas.openxmlformats.org/presentationml/2006/main" xmlns:c="http://schemas.openxmlformats.org/drawingml/2006/chart" xmlns:dgm="http://schemas.openxmlformats.org/drawingml/2006/diagram" xmlns:o="urn:schemas-microsoft-com:office:office" xmlns:v="urn:schemas-microsoft-com:vml" xmlns:pvml="urn:schemas-microsoft-com:office:powerpoint" xmlns:com="http://schemas.openxmlformats.org/drawingml/2006/compatibility" xmlns:p14="http://schemas.microsoft.com/office/powerpoint/2010/main" showMasterPhAnim="0" showMasterSp="0">
+<p:notes xmlns:a="http://schemas.openxmlformats.org/drawingml/2006/main" xmlns:r="http://schemas.openxmlformats.org/officeDocument/2006/relationships" xmlns:p="http://schemas.openxmlformats.org/presentationml/2006/main" showMasterSp="0" showMasterPhAnim="0">
   <p:cSld>
     <p:spTree>
       <p:nvGrpSpPr>
-        <p:cNvPr id="50" name="Shape 50"/>
+        <p:cNvPr id="1" name="Shape 50"/>
         <p:cNvGrpSpPr/>
         <p:nvPr/>
       </p:nvGrpSpPr>
@@ -413,19 +521,26 @@
       <p:sp>
         <p:nvSpPr>
           <p:cNvPr id="51" name="Shape 51"/>
-          <p:cNvSpPr/>
+          <p:cNvSpPr>
+            <a:spLocks noGrp="1" noRot="1" noChangeAspect="1"/>
+          </p:cNvSpPr>
           <p:nvPr>
-            <p:ph idx="2" type="sldImg"/>
+            <p:ph type="sldImg" idx="2"/>
           </p:nvPr>
         </p:nvSpPr>
         <p:spPr>
           <a:xfrm>
-            <a:off x="381300" y="685800"/>
+            <a:off x="381000" y="685800"/>
             <a:ext cx="6096000" cy="3429000"/>
           </a:xfrm>
           <a:custGeom>
+            <a:avLst/>
+            <a:gdLst/>
+            <a:ahLst/>
+            <a:cxnLst/>
+            <a:rect l="0" t="0" r="0" b="0"/>
             <a:pathLst>
-              <a:path extrusionOk="0" h="120000" w="120000">
+              <a:path w="120000" h="120000" extrusionOk="0">
                 <a:moveTo>
                   <a:pt x="0" y="0"/>
                 </a:moveTo>
@@ -447,9 +562,11 @@
       <p:sp>
         <p:nvSpPr>
           <p:cNvPr id="52" name="Shape 52"/>
-          <p:cNvSpPr txBox="1"/>
+          <p:cNvSpPr txBox="1">
+            <a:spLocks noGrp="1"/>
+          </p:cNvSpPr>
           <p:nvPr>
-            <p:ph idx="1" type="body"/>
+            <p:ph type="body" idx="1"/>
           </p:nvPr>
         </p:nvSpPr>
         <p:spPr>
@@ -462,7 +579,7 @@
           </a:prstGeom>
         </p:spPr>
         <p:txBody>
-          <a:bodyPr anchorCtr="0" anchor="t" bIns="91425" lIns="91425" rIns="91425" tIns="91425">
+          <a:bodyPr lIns="91425" tIns="91425" rIns="91425" bIns="91425" anchor="t" anchorCtr="0">
             <a:noAutofit/>
           </a:bodyPr>
           <a:lstStyle/>
@@ -473,9 +590,6 @@
               </a:spcBef>
               <a:buNone/>
             </a:pPr>
-            <a:r>
-              <a:t/>
-            </a:r>
             <a:endParaRPr/>
           </a:p>
         </p:txBody>
@@ -489,11 +603,11 @@
 </file>
 
 <file path=ppt/notesSlides/notesSlide10.xml><?xml version="1.0" encoding="utf-8"?>
-<p:notes xmlns:a="http://schemas.openxmlformats.org/drawingml/2006/main" xmlns:r="http://schemas.openxmlformats.org/officeDocument/2006/relationships" xmlns:mc="http://schemas.openxmlformats.org/markup-compatibility/2006" xmlns:mv="urn:schemas-microsoft-com:mac:vml" xmlns:p="http://schemas.openxmlformats.org/presentationml/2006/main" xmlns:c="http://schemas.openxmlformats.org/drawingml/2006/chart" xmlns:dgm="http://schemas.openxmlformats.org/drawingml/2006/diagram" xmlns:o="urn:schemas-microsoft-com:office:office" xmlns:v="urn:schemas-microsoft-com:vml" xmlns:pvml="urn:schemas-microsoft-com:office:powerpoint" xmlns:com="http://schemas.openxmlformats.org/drawingml/2006/compatibility" xmlns:p14="http://schemas.microsoft.com/office/powerpoint/2010/main" showMasterPhAnim="0" showMasterSp="0">
+<p:notes xmlns:a="http://schemas.openxmlformats.org/drawingml/2006/main" xmlns:r="http://schemas.openxmlformats.org/officeDocument/2006/relationships" xmlns:p="http://schemas.openxmlformats.org/presentationml/2006/main" showMasterSp="0" showMasterPhAnim="0">
   <p:cSld>
     <p:spTree>
       <p:nvGrpSpPr>
-        <p:cNvPr id="139" name="Shape 139"/>
+        <p:cNvPr id="1" name="Shape 139"/>
         <p:cNvGrpSpPr/>
         <p:nvPr/>
       </p:nvGrpSpPr>
@@ -508,19 +622,26 @@
       <p:sp>
         <p:nvSpPr>
           <p:cNvPr id="140" name="Shape 140"/>
-          <p:cNvSpPr/>
+          <p:cNvSpPr>
+            <a:spLocks noGrp="1" noRot="1" noChangeAspect="1"/>
+          </p:cNvSpPr>
           <p:nvPr>
-            <p:ph idx="2" type="sldImg"/>
+            <p:ph type="sldImg" idx="2"/>
           </p:nvPr>
         </p:nvSpPr>
         <p:spPr>
           <a:xfrm>
-            <a:off x="381300" y="685800"/>
+            <a:off x="381000" y="685800"/>
             <a:ext cx="6096000" cy="3429000"/>
           </a:xfrm>
           <a:custGeom>
+            <a:avLst/>
+            <a:gdLst/>
+            <a:ahLst/>
+            <a:cxnLst/>
+            <a:rect l="0" t="0" r="0" b="0"/>
             <a:pathLst>
-              <a:path extrusionOk="0" h="120000" w="120000">
+              <a:path w="120000" h="120000" extrusionOk="0">
                 <a:moveTo>
                   <a:pt x="0" y="0"/>
                 </a:moveTo>
@@ -542,9 +663,11 @@
       <p:sp>
         <p:nvSpPr>
           <p:cNvPr id="141" name="Shape 141"/>
-          <p:cNvSpPr txBox="1"/>
+          <p:cNvSpPr txBox="1">
+            <a:spLocks noGrp="1"/>
+          </p:cNvSpPr>
           <p:nvPr>
-            <p:ph idx="1" type="body"/>
+            <p:ph type="body" idx="1"/>
           </p:nvPr>
         </p:nvSpPr>
         <p:spPr>
@@ -557,7 +680,7 @@
           </a:prstGeom>
         </p:spPr>
         <p:txBody>
-          <a:bodyPr anchorCtr="0" anchor="t" bIns="91425" lIns="91425" rIns="91425" tIns="91425">
+          <a:bodyPr lIns="91425" tIns="91425" rIns="91425" bIns="91425" anchor="t" anchorCtr="0">
             <a:noAutofit/>
           </a:bodyPr>
           <a:lstStyle/>
@@ -568,9 +691,6 @@
               </a:spcBef>
               <a:buNone/>
             </a:pPr>
-            <a:r>
-              <a:t/>
-            </a:r>
             <a:endParaRPr/>
           </a:p>
         </p:txBody>
@@ -584,11 +704,11 @@
 </file>
 
 <file path=ppt/notesSlides/notesSlide11.xml><?xml version="1.0" encoding="utf-8"?>
-<p:notes xmlns:a="http://schemas.openxmlformats.org/drawingml/2006/main" xmlns:r="http://schemas.openxmlformats.org/officeDocument/2006/relationships" xmlns:mc="http://schemas.openxmlformats.org/markup-compatibility/2006" xmlns:mv="urn:schemas-microsoft-com:mac:vml" xmlns:p="http://schemas.openxmlformats.org/presentationml/2006/main" xmlns:c="http://schemas.openxmlformats.org/drawingml/2006/chart" xmlns:dgm="http://schemas.openxmlformats.org/drawingml/2006/diagram" xmlns:o="urn:schemas-microsoft-com:office:office" xmlns:v="urn:schemas-microsoft-com:vml" xmlns:pvml="urn:schemas-microsoft-com:office:powerpoint" xmlns:com="http://schemas.openxmlformats.org/drawingml/2006/compatibility" xmlns:p14="http://schemas.microsoft.com/office/powerpoint/2010/main" showMasterPhAnim="0" showMasterSp="0">
+<p:notes xmlns:a="http://schemas.openxmlformats.org/drawingml/2006/main" xmlns:r="http://schemas.openxmlformats.org/officeDocument/2006/relationships" xmlns:p="http://schemas.openxmlformats.org/presentationml/2006/main" showMasterSp="0" showMasterPhAnim="0">
   <p:cSld>
     <p:spTree>
       <p:nvGrpSpPr>
-        <p:cNvPr id="157" name="Shape 157"/>
+        <p:cNvPr id="1" name="Shape 157"/>
         <p:cNvGrpSpPr/>
         <p:nvPr/>
       </p:nvGrpSpPr>
@@ -603,19 +723,26 @@
       <p:sp>
         <p:nvSpPr>
           <p:cNvPr id="158" name="Shape 158"/>
-          <p:cNvSpPr/>
+          <p:cNvSpPr>
+            <a:spLocks noGrp="1" noRot="1" noChangeAspect="1"/>
+          </p:cNvSpPr>
           <p:nvPr>
-            <p:ph idx="2" type="sldImg"/>
+            <p:ph type="sldImg" idx="2"/>
           </p:nvPr>
         </p:nvSpPr>
         <p:spPr>
           <a:xfrm>
-            <a:off x="381300" y="685800"/>
+            <a:off x="381000" y="685800"/>
             <a:ext cx="6096000" cy="3429000"/>
           </a:xfrm>
           <a:custGeom>
+            <a:avLst/>
+            <a:gdLst/>
+            <a:ahLst/>
+            <a:cxnLst/>
+            <a:rect l="0" t="0" r="0" b="0"/>
             <a:pathLst>
-              <a:path extrusionOk="0" h="120000" w="120000">
+              <a:path w="120000" h="120000" extrusionOk="0">
                 <a:moveTo>
                   <a:pt x="0" y="0"/>
                 </a:moveTo>
@@ -637,9 +764,11 @@
       <p:sp>
         <p:nvSpPr>
           <p:cNvPr id="159" name="Shape 159"/>
-          <p:cNvSpPr txBox="1"/>
+          <p:cNvSpPr txBox="1">
+            <a:spLocks noGrp="1"/>
+          </p:cNvSpPr>
           <p:nvPr>
-            <p:ph idx="1" type="body"/>
+            <p:ph type="body" idx="1"/>
           </p:nvPr>
         </p:nvSpPr>
         <p:spPr>
@@ -652,7 +781,7 @@
           </a:prstGeom>
         </p:spPr>
         <p:txBody>
-          <a:bodyPr anchorCtr="0" anchor="t" bIns="91425" lIns="91425" rIns="91425" tIns="91425">
+          <a:bodyPr lIns="91425" tIns="91425" rIns="91425" bIns="91425" anchor="t" anchorCtr="0">
             <a:noAutofit/>
           </a:bodyPr>
           <a:lstStyle/>
@@ -663,9 +792,6 @@
               </a:spcBef>
               <a:buNone/>
             </a:pPr>
-            <a:r>
-              <a:t/>
-            </a:r>
             <a:endParaRPr/>
           </a:p>
         </p:txBody>
@@ -679,11 +805,11 @@
 </file>
 
 <file path=ppt/notesSlides/notesSlide12.xml><?xml version="1.0" encoding="utf-8"?>
-<p:notes xmlns:a="http://schemas.openxmlformats.org/drawingml/2006/main" xmlns:r="http://schemas.openxmlformats.org/officeDocument/2006/relationships" xmlns:mc="http://schemas.openxmlformats.org/markup-compatibility/2006" xmlns:mv="urn:schemas-microsoft-com:mac:vml" xmlns:p="http://schemas.openxmlformats.org/presentationml/2006/main" xmlns:c="http://schemas.openxmlformats.org/drawingml/2006/chart" xmlns:dgm="http://schemas.openxmlformats.org/drawingml/2006/diagram" xmlns:o="urn:schemas-microsoft-com:office:office" xmlns:v="urn:schemas-microsoft-com:vml" xmlns:pvml="urn:schemas-microsoft-com:office:powerpoint" xmlns:com="http://schemas.openxmlformats.org/drawingml/2006/compatibility" xmlns:p14="http://schemas.microsoft.com/office/powerpoint/2010/main" showMasterPhAnim="0" showMasterSp="0">
+<p:notes xmlns:a="http://schemas.openxmlformats.org/drawingml/2006/main" xmlns:r="http://schemas.openxmlformats.org/officeDocument/2006/relationships" xmlns:p="http://schemas.openxmlformats.org/presentationml/2006/main" showMasterSp="0" showMasterPhAnim="0">
   <p:cSld>
     <p:spTree>
       <p:nvGrpSpPr>
-        <p:cNvPr id="162" name="Shape 162"/>
+        <p:cNvPr id="1" name="Shape 162"/>
         <p:cNvGrpSpPr/>
         <p:nvPr/>
       </p:nvGrpSpPr>
@@ -698,19 +824,26 @@
       <p:sp>
         <p:nvSpPr>
           <p:cNvPr id="163" name="Shape 163"/>
-          <p:cNvSpPr/>
+          <p:cNvSpPr>
+            <a:spLocks noGrp="1" noRot="1" noChangeAspect="1"/>
+          </p:cNvSpPr>
           <p:nvPr>
-            <p:ph idx="2" type="sldImg"/>
+            <p:ph type="sldImg" idx="2"/>
           </p:nvPr>
         </p:nvSpPr>
         <p:spPr>
           <a:xfrm>
-            <a:off x="381300" y="685800"/>
+            <a:off x="381000" y="685800"/>
             <a:ext cx="6096000" cy="3429000"/>
           </a:xfrm>
           <a:custGeom>
+            <a:avLst/>
+            <a:gdLst/>
+            <a:ahLst/>
+            <a:cxnLst/>
+            <a:rect l="0" t="0" r="0" b="0"/>
             <a:pathLst>
-              <a:path extrusionOk="0" h="120000" w="120000">
+              <a:path w="120000" h="120000" extrusionOk="0">
                 <a:moveTo>
                   <a:pt x="0" y="0"/>
                 </a:moveTo>
@@ -732,9 +865,11 @@
       <p:sp>
         <p:nvSpPr>
           <p:cNvPr id="164" name="Shape 164"/>
-          <p:cNvSpPr txBox="1"/>
+          <p:cNvSpPr txBox="1">
+            <a:spLocks noGrp="1"/>
+          </p:cNvSpPr>
           <p:nvPr>
-            <p:ph idx="1" type="body"/>
+            <p:ph type="body" idx="1"/>
           </p:nvPr>
         </p:nvSpPr>
         <p:spPr>
@@ -747,7 +882,7 @@
           </a:prstGeom>
         </p:spPr>
         <p:txBody>
-          <a:bodyPr anchorCtr="0" anchor="t" bIns="91425" lIns="91425" rIns="91425" tIns="91425">
+          <a:bodyPr lIns="91425" tIns="91425" rIns="91425" bIns="91425" anchor="t" anchorCtr="0">
             <a:noAutofit/>
           </a:bodyPr>
           <a:lstStyle/>
@@ -758,9 +893,6 @@
               </a:spcBef>
               <a:buNone/>
             </a:pPr>
-            <a:r>
-              <a:t/>
-            </a:r>
             <a:endParaRPr/>
           </a:p>
         </p:txBody>
@@ -774,11 +906,11 @@
 </file>
 
 <file path=ppt/notesSlides/notesSlide13.xml><?xml version="1.0" encoding="utf-8"?>
-<p:notes xmlns:a="http://schemas.openxmlformats.org/drawingml/2006/main" xmlns:r="http://schemas.openxmlformats.org/officeDocument/2006/relationships" xmlns:mc="http://schemas.openxmlformats.org/markup-compatibility/2006" xmlns:mv="urn:schemas-microsoft-com:mac:vml" xmlns:p="http://schemas.openxmlformats.org/presentationml/2006/main" xmlns:c="http://schemas.openxmlformats.org/drawingml/2006/chart" xmlns:dgm="http://schemas.openxmlformats.org/drawingml/2006/diagram" xmlns:o="urn:schemas-microsoft-com:office:office" xmlns:v="urn:schemas-microsoft-com:vml" xmlns:pvml="urn:schemas-microsoft-com:office:powerpoint" xmlns:com="http://schemas.openxmlformats.org/drawingml/2006/compatibility" xmlns:p14="http://schemas.microsoft.com/office/powerpoint/2010/main" showMasterPhAnim="0" showMasterSp="0">
+<p:notes xmlns:a="http://schemas.openxmlformats.org/drawingml/2006/main" xmlns:r="http://schemas.openxmlformats.org/officeDocument/2006/relationships" xmlns:p="http://schemas.openxmlformats.org/presentationml/2006/main" showMasterSp="0" showMasterPhAnim="0">
   <p:cSld>
     <p:spTree>
       <p:nvGrpSpPr>
-        <p:cNvPr id="172" name="Shape 172"/>
+        <p:cNvPr id="1" name="Shape 172"/>
         <p:cNvGrpSpPr/>
         <p:nvPr/>
       </p:nvGrpSpPr>
@@ -793,19 +925,26 @@
       <p:sp>
         <p:nvSpPr>
           <p:cNvPr id="173" name="Shape 173"/>
-          <p:cNvSpPr/>
+          <p:cNvSpPr>
+            <a:spLocks noGrp="1" noRot="1" noChangeAspect="1"/>
+          </p:cNvSpPr>
           <p:nvPr>
-            <p:ph idx="2" type="sldImg"/>
+            <p:ph type="sldImg" idx="2"/>
           </p:nvPr>
         </p:nvSpPr>
         <p:spPr>
           <a:xfrm>
-            <a:off x="381300" y="685800"/>
+            <a:off x="381000" y="685800"/>
             <a:ext cx="6096000" cy="3429000"/>
           </a:xfrm>
           <a:custGeom>
+            <a:avLst/>
+            <a:gdLst/>
+            <a:ahLst/>
+            <a:cxnLst/>
+            <a:rect l="0" t="0" r="0" b="0"/>
             <a:pathLst>
-              <a:path extrusionOk="0" h="120000" w="120000">
+              <a:path w="120000" h="120000" extrusionOk="0">
                 <a:moveTo>
                   <a:pt x="0" y="0"/>
                 </a:moveTo>
@@ -827,9 +966,11 @@
       <p:sp>
         <p:nvSpPr>
           <p:cNvPr id="174" name="Shape 174"/>
-          <p:cNvSpPr txBox="1"/>
+          <p:cNvSpPr txBox="1">
+            <a:spLocks noGrp="1"/>
+          </p:cNvSpPr>
           <p:nvPr>
-            <p:ph idx="1" type="body"/>
+            <p:ph type="body" idx="1"/>
           </p:nvPr>
         </p:nvSpPr>
         <p:spPr>
@@ -842,7 +983,7 @@
           </a:prstGeom>
         </p:spPr>
         <p:txBody>
-          <a:bodyPr anchorCtr="0" anchor="t" bIns="91425" lIns="91425" rIns="91425" tIns="91425">
+          <a:bodyPr lIns="91425" tIns="91425" rIns="91425" bIns="91425" anchor="t" anchorCtr="0">
             <a:noAutofit/>
           </a:bodyPr>
           <a:lstStyle/>
@@ -853,9 +994,6 @@
               </a:spcBef>
               <a:buNone/>
             </a:pPr>
-            <a:r>
-              <a:t/>
-            </a:r>
             <a:endParaRPr/>
           </a:p>
         </p:txBody>
@@ -869,11 +1007,11 @@
 </file>
 
 <file path=ppt/notesSlides/notesSlide14.xml><?xml version="1.0" encoding="utf-8"?>
-<p:notes xmlns:a="http://schemas.openxmlformats.org/drawingml/2006/main" xmlns:r="http://schemas.openxmlformats.org/officeDocument/2006/relationships" xmlns:mc="http://schemas.openxmlformats.org/markup-compatibility/2006" xmlns:mv="urn:schemas-microsoft-com:mac:vml" xmlns:p="http://schemas.openxmlformats.org/presentationml/2006/main" xmlns:c="http://schemas.openxmlformats.org/drawingml/2006/chart" xmlns:dgm="http://schemas.openxmlformats.org/drawingml/2006/diagram" xmlns:o="urn:schemas-microsoft-com:office:office" xmlns:v="urn:schemas-microsoft-com:vml" xmlns:pvml="urn:schemas-microsoft-com:office:powerpoint" xmlns:com="http://schemas.openxmlformats.org/drawingml/2006/compatibility" xmlns:p14="http://schemas.microsoft.com/office/powerpoint/2010/main" showMasterPhAnim="0" showMasterSp="0">
+<p:notes xmlns:a="http://schemas.openxmlformats.org/drawingml/2006/main" xmlns:r="http://schemas.openxmlformats.org/officeDocument/2006/relationships" xmlns:p="http://schemas.openxmlformats.org/presentationml/2006/main" showMasterSp="0" showMasterPhAnim="0">
   <p:cSld>
     <p:spTree>
       <p:nvGrpSpPr>
-        <p:cNvPr id="182" name="Shape 182"/>
+        <p:cNvPr id="1" name="Shape 182"/>
         <p:cNvGrpSpPr/>
         <p:nvPr/>
       </p:nvGrpSpPr>
@@ -888,19 +1026,26 @@
       <p:sp>
         <p:nvSpPr>
           <p:cNvPr id="183" name="Shape 183"/>
-          <p:cNvSpPr/>
+          <p:cNvSpPr>
+            <a:spLocks noGrp="1" noRot="1" noChangeAspect="1"/>
+          </p:cNvSpPr>
           <p:nvPr>
-            <p:ph idx="2" type="sldImg"/>
+            <p:ph type="sldImg" idx="2"/>
           </p:nvPr>
         </p:nvSpPr>
         <p:spPr>
           <a:xfrm>
-            <a:off x="381300" y="685800"/>
+            <a:off x="381000" y="685800"/>
             <a:ext cx="6096000" cy="3429000"/>
           </a:xfrm>
           <a:custGeom>
+            <a:avLst/>
+            <a:gdLst/>
+            <a:ahLst/>
+            <a:cxnLst/>
+            <a:rect l="0" t="0" r="0" b="0"/>
             <a:pathLst>
-              <a:path extrusionOk="0" h="120000" w="120000">
+              <a:path w="120000" h="120000" extrusionOk="0">
                 <a:moveTo>
                   <a:pt x="0" y="0"/>
                 </a:moveTo>
@@ -922,9 +1067,11 @@
       <p:sp>
         <p:nvSpPr>
           <p:cNvPr id="184" name="Shape 184"/>
-          <p:cNvSpPr txBox="1"/>
+          <p:cNvSpPr txBox="1">
+            <a:spLocks noGrp="1"/>
+          </p:cNvSpPr>
           <p:nvPr>
-            <p:ph idx="1" type="body"/>
+            <p:ph type="body" idx="1"/>
           </p:nvPr>
         </p:nvSpPr>
         <p:spPr>
@@ -937,7 +1084,7 @@
           </a:prstGeom>
         </p:spPr>
         <p:txBody>
-          <a:bodyPr anchorCtr="0" anchor="t" bIns="91425" lIns="91425" rIns="91425" tIns="91425">
+          <a:bodyPr lIns="91425" tIns="91425" rIns="91425" bIns="91425" anchor="t" anchorCtr="0">
             <a:noAutofit/>
           </a:bodyPr>
           <a:lstStyle/>
@@ -948,9 +1095,6 @@
               </a:spcBef>
               <a:buNone/>
             </a:pPr>
-            <a:r>
-              <a:t/>
-            </a:r>
             <a:endParaRPr/>
           </a:p>
         </p:txBody>
@@ -964,11 +1108,11 @@
 </file>
 
 <file path=ppt/notesSlides/notesSlide15.xml><?xml version="1.0" encoding="utf-8"?>
-<p:notes xmlns:a="http://schemas.openxmlformats.org/drawingml/2006/main" xmlns:r="http://schemas.openxmlformats.org/officeDocument/2006/relationships" xmlns:mc="http://schemas.openxmlformats.org/markup-compatibility/2006" xmlns:mv="urn:schemas-microsoft-com:mac:vml" xmlns:p="http://schemas.openxmlformats.org/presentationml/2006/main" xmlns:c="http://schemas.openxmlformats.org/drawingml/2006/chart" xmlns:dgm="http://schemas.openxmlformats.org/drawingml/2006/diagram" xmlns:o="urn:schemas-microsoft-com:office:office" xmlns:v="urn:schemas-microsoft-com:vml" xmlns:pvml="urn:schemas-microsoft-com:office:powerpoint" xmlns:com="http://schemas.openxmlformats.org/drawingml/2006/compatibility" xmlns:p14="http://schemas.microsoft.com/office/powerpoint/2010/main" showMasterPhAnim="0" showMasterSp="0">
+<p:notes xmlns:a="http://schemas.openxmlformats.org/drawingml/2006/main" xmlns:r="http://schemas.openxmlformats.org/officeDocument/2006/relationships" xmlns:p="http://schemas.openxmlformats.org/presentationml/2006/main" showMasterSp="0" showMasterPhAnim="0">
   <p:cSld>
     <p:spTree>
       <p:nvGrpSpPr>
-        <p:cNvPr id="187" name="Shape 187"/>
+        <p:cNvPr id="1" name="Shape 187"/>
         <p:cNvGrpSpPr/>
         <p:nvPr/>
       </p:nvGrpSpPr>
@@ -983,19 +1127,26 @@
       <p:sp>
         <p:nvSpPr>
           <p:cNvPr id="188" name="Shape 188"/>
-          <p:cNvSpPr/>
+          <p:cNvSpPr>
+            <a:spLocks noGrp="1" noRot="1" noChangeAspect="1"/>
+          </p:cNvSpPr>
           <p:nvPr>
-            <p:ph idx="2" type="sldImg"/>
+            <p:ph type="sldImg" idx="2"/>
           </p:nvPr>
         </p:nvSpPr>
         <p:spPr>
           <a:xfrm>
-            <a:off x="381300" y="685800"/>
+            <a:off x="381000" y="685800"/>
             <a:ext cx="6096000" cy="3429000"/>
           </a:xfrm>
           <a:custGeom>
+            <a:avLst/>
+            <a:gdLst/>
+            <a:ahLst/>
+            <a:cxnLst/>
+            <a:rect l="0" t="0" r="0" b="0"/>
             <a:pathLst>
-              <a:path extrusionOk="0" h="120000" w="120000">
+              <a:path w="120000" h="120000" extrusionOk="0">
                 <a:moveTo>
                   <a:pt x="0" y="0"/>
                 </a:moveTo>
@@ -1017,9 +1168,11 @@
       <p:sp>
         <p:nvSpPr>
           <p:cNvPr id="189" name="Shape 189"/>
-          <p:cNvSpPr txBox="1"/>
+          <p:cNvSpPr txBox="1">
+            <a:spLocks noGrp="1"/>
+          </p:cNvSpPr>
           <p:nvPr>
-            <p:ph idx="1" type="body"/>
+            <p:ph type="body" idx="1"/>
           </p:nvPr>
         </p:nvSpPr>
         <p:spPr>
@@ -1032,7 +1185,7 @@
           </a:prstGeom>
         </p:spPr>
         <p:txBody>
-          <a:bodyPr anchorCtr="0" anchor="t" bIns="91425" lIns="91425" rIns="91425" tIns="91425">
+          <a:bodyPr lIns="91425" tIns="91425" rIns="91425" bIns="91425" anchor="t" anchorCtr="0">
             <a:noAutofit/>
           </a:bodyPr>
           <a:lstStyle/>
@@ -1043,9 +1196,6 @@
               </a:spcBef>
               <a:buNone/>
             </a:pPr>
-            <a:r>
-              <a:t/>
-            </a:r>
             <a:endParaRPr/>
           </a:p>
         </p:txBody>
@@ -1059,11 +1209,11 @@
 </file>
 
 <file path=ppt/notesSlides/notesSlide16.xml><?xml version="1.0" encoding="utf-8"?>
-<p:notes xmlns:a="http://schemas.openxmlformats.org/drawingml/2006/main" xmlns:r="http://schemas.openxmlformats.org/officeDocument/2006/relationships" xmlns:mc="http://schemas.openxmlformats.org/markup-compatibility/2006" xmlns:mv="urn:schemas-microsoft-com:mac:vml" xmlns:p="http://schemas.openxmlformats.org/presentationml/2006/main" xmlns:c="http://schemas.openxmlformats.org/drawingml/2006/chart" xmlns:dgm="http://schemas.openxmlformats.org/drawingml/2006/diagram" xmlns:o="urn:schemas-microsoft-com:office:office" xmlns:v="urn:schemas-microsoft-com:vml" xmlns:pvml="urn:schemas-microsoft-com:office:powerpoint" xmlns:com="http://schemas.openxmlformats.org/drawingml/2006/compatibility" xmlns:p14="http://schemas.microsoft.com/office/powerpoint/2010/main" showMasterPhAnim="0" showMasterSp="0">
+<p:notes xmlns:a="http://schemas.openxmlformats.org/drawingml/2006/main" xmlns:r="http://schemas.openxmlformats.org/officeDocument/2006/relationships" xmlns:p="http://schemas.openxmlformats.org/presentationml/2006/main" showMasterSp="0" showMasterPhAnim="0">
   <p:cSld>
     <p:spTree>
       <p:nvGrpSpPr>
-        <p:cNvPr id="202" name="Shape 202"/>
+        <p:cNvPr id="1" name="Shape 202"/>
         <p:cNvGrpSpPr/>
         <p:nvPr/>
       </p:nvGrpSpPr>
@@ -1078,19 +1228,26 @@
       <p:sp>
         <p:nvSpPr>
           <p:cNvPr id="203" name="Shape 203"/>
-          <p:cNvSpPr/>
+          <p:cNvSpPr>
+            <a:spLocks noGrp="1" noRot="1" noChangeAspect="1"/>
+          </p:cNvSpPr>
           <p:nvPr>
-            <p:ph idx="2" type="sldImg"/>
+            <p:ph type="sldImg" idx="2"/>
           </p:nvPr>
         </p:nvSpPr>
         <p:spPr>
           <a:xfrm>
-            <a:off x="381300" y="685800"/>
+            <a:off x="381000" y="685800"/>
             <a:ext cx="6096000" cy="3429000"/>
           </a:xfrm>
           <a:custGeom>
+            <a:avLst/>
+            <a:gdLst/>
+            <a:ahLst/>
+            <a:cxnLst/>
+            <a:rect l="0" t="0" r="0" b="0"/>
             <a:pathLst>
-              <a:path extrusionOk="0" h="120000" w="120000">
+              <a:path w="120000" h="120000" extrusionOk="0">
                 <a:moveTo>
                   <a:pt x="0" y="0"/>
                 </a:moveTo>
@@ -1112,9 +1269,11 @@
       <p:sp>
         <p:nvSpPr>
           <p:cNvPr id="204" name="Shape 204"/>
-          <p:cNvSpPr txBox="1"/>
+          <p:cNvSpPr txBox="1">
+            <a:spLocks noGrp="1"/>
+          </p:cNvSpPr>
           <p:nvPr>
-            <p:ph idx="1" type="body"/>
+            <p:ph type="body" idx="1"/>
           </p:nvPr>
         </p:nvSpPr>
         <p:spPr>
@@ -1127,7 +1286,7 @@
           </a:prstGeom>
         </p:spPr>
         <p:txBody>
-          <a:bodyPr anchorCtr="0" anchor="t" bIns="91425" lIns="91425" rIns="91425" tIns="91425">
+          <a:bodyPr lIns="91425" tIns="91425" rIns="91425" bIns="91425" anchor="t" anchorCtr="0">
             <a:noAutofit/>
           </a:bodyPr>
           <a:lstStyle/>
@@ -1138,9 +1297,6 @@
               </a:spcBef>
               <a:buNone/>
             </a:pPr>
-            <a:r>
-              <a:t/>
-            </a:r>
             <a:endParaRPr/>
           </a:p>
         </p:txBody>
@@ -1154,11 +1310,11 @@
 </file>
 
 <file path=ppt/notesSlides/notesSlide17.xml><?xml version="1.0" encoding="utf-8"?>
-<p:notes xmlns:a="http://schemas.openxmlformats.org/drawingml/2006/main" xmlns:r="http://schemas.openxmlformats.org/officeDocument/2006/relationships" xmlns:mc="http://schemas.openxmlformats.org/markup-compatibility/2006" xmlns:mv="urn:schemas-microsoft-com:mac:vml" xmlns:p="http://schemas.openxmlformats.org/presentationml/2006/main" xmlns:c="http://schemas.openxmlformats.org/drawingml/2006/chart" xmlns:dgm="http://schemas.openxmlformats.org/drawingml/2006/diagram" xmlns:o="urn:schemas-microsoft-com:office:office" xmlns:v="urn:schemas-microsoft-com:vml" xmlns:pvml="urn:schemas-microsoft-com:office:powerpoint" xmlns:com="http://schemas.openxmlformats.org/drawingml/2006/compatibility" xmlns:p14="http://schemas.microsoft.com/office/powerpoint/2010/main" showMasterPhAnim="0" showMasterSp="0">
+<p:notes xmlns:a="http://schemas.openxmlformats.org/drawingml/2006/main" xmlns:r="http://schemas.openxmlformats.org/officeDocument/2006/relationships" xmlns:p="http://schemas.openxmlformats.org/presentationml/2006/main" showMasterSp="0" showMasterPhAnim="0">
   <p:cSld>
     <p:spTree>
       <p:nvGrpSpPr>
-        <p:cNvPr id="217" name="Shape 217"/>
+        <p:cNvPr id="1" name="Shape 217"/>
         <p:cNvGrpSpPr/>
         <p:nvPr/>
       </p:nvGrpSpPr>
@@ -1173,19 +1329,26 @@
       <p:sp>
         <p:nvSpPr>
           <p:cNvPr id="218" name="Shape 218"/>
-          <p:cNvSpPr/>
+          <p:cNvSpPr>
+            <a:spLocks noGrp="1" noRot="1" noChangeAspect="1"/>
+          </p:cNvSpPr>
           <p:nvPr>
-            <p:ph idx="2" type="sldImg"/>
+            <p:ph type="sldImg" idx="2"/>
           </p:nvPr>
         </p:nvSpPr>
         <p:spPr>
           <a:xfrm>
-            <a:off x="381300" y="685800"/>
+            <a:off x="381000" y="685800"/>
             <a:ext cx="6096000" cy="3429000"/>
           </a:xfrm>
           <a:custGeom>
+            <a:avLst/>
+            <a:gdLst/>
+            <a:ahLst/>
+            <a:cxnLst/>
+            <a:rect l="0" t="0" r="0" b="0"/>
             <a:pathLst>
-              <a:path extrusionOk="0" h="120000" w="120000">
+              <a:path w="120000" h="120000" extrusionOk="0">
                 <a:moveTo>
                   <a:pt x="0" y="0"/>
                 </a:moveTo>
@@ -1207,9 +1370,11 @@
       <p:sp>
         <p:nvSpPr>
           <p:cNvPr id="219" name="Shape 219"/>
-          <p:cNvSpPr txBox="1"/>
+          <p:cNvSpPr txBox="1">
+            <a:spLocks noGrp="1"/>
+          </p:cNvSpPr>
           <p:nvPr>
-            <p:ph idx="1" type="body"/>
+            <p:ph type="body" idx="1"/>
           </p:nvPr>
         </p:nvSpPr>
         <p:spPr>
@@ -1222,7 +1387,7 @@
           </a:prstGeom>
         </p:spPr>
         <p:txBody>
-          <a:bodyPr anchorCtr="0" anchor="t" bIns="91425" lIns="91425" rIns="91425" tIns="91425">
+          <a:bodyPr lIns="91425" tIns="91425" rIns="91425" bIns="91425" anchor="t" anchorCtr="0">
             <a:noAutofit/>
           </a:bodyPr>
           <a:lstStyle/>
@@ -1233,9 +1398,6 @@
               </a:spcBef>
               <a:buNone/>
             </a:pPr>
-            <a:r>
-              <a:t/>
-            </a:r>
             <a:endParaRPr/>
           </a:p>
         </p:txBody>
@@ -1249,11 +1411,11 @@
 </file>
 
 <file path=ppt/notesSlides/notesSlide18.xml><?xml version="1.0" encoding="utf-8"?>
-<p:notes xmlns:a="http://schemas.openxmlformats.org/drawingml/2006/main" xmlns:r="http://schemas.openxmlformats.org/officeDocument/2006/relationships" xmlns:mc="http://schemas.openxmlformats.org/markup-compatibility/2006" xmlns:mv="urn:schemas-microsoft-com:mac:vml" xmlns:p="http://schemas.openxmlformats.org/presentationml/2006/main" xmlns:c="http://schemas.openxmlformats.org/drawingml/2006/chart" xmlns:dgm="http://schemas.openxmlformats.org/drawingml/2006/diagram" xmlns:o="urn:schemas-microsoft-com:office:office" xmlns:v="urn:schemas-microsoft-com:vml" xmlns:pvml="urn:schemas-microsoft-com:office:powerpoint" xmlns:com="http://schemas.openxmlformats.org/drawingml/2006/compatibility" xmlns:p14="http://schemas.microsoft.com/office/powerpoint/2010/main" showMasterPhAnim="0" showMasterSp="0">
+<p:notes xmlns:a="http://schemas.openxmlformats.org/drawingml/2006/main" xmlns:r="http://schemas.openxmlformats.org/officeDocument/2006/relationships" xmlns:p="http://schemas.openxmlformats.org/presentationml/2006/main" showMasterSp="0" showMasterPhAnim="0">
   <p:cSld>
     <p:spTree>
       <p:nvGrpSpPr>
-        <p:cNvPr id="232" name="Shape 232"/>
+        <p:cNvPr id="1" name="Shape 232"/>
         <p:cNvGrpSpPr/>
         <p:nvPr/>
       </p:nvGrpSpPr>
@@ -1268,19 +1430,26 @@
       <p:sp>
         <p:nvSpPr>
           <p:cNvPr id="233" name="Shape 233"/>
-          <p:cNvSpPr/>
+          <p:cNvSpPr>
+            <a:spLocks noGrp="1" noRot="1" noChangeAspect="1"/>
+          </p:cNvSpPr>
           <p:nvPr>
-            <p:ph idx="2" type="sldImg"/>
+            <p:ph type="sldImg" idx="2"/>
           </p:nvPr>
         </p:nvSpPr>
         <p:spPr>
           <a:xfrm>
-            <a:off x="381300" y="685800"/>
+            <a:off x="381000" y="685800"/>
             <a:ext cx="6096000" cy="3429000"/>
           </a:xfrm>
           <a:custGeom>
+            <a:avLst/>
+            <a:gdLst/>
+            <a:ahLst/>
+            <a:cxnLst/>
+            <a:rect l="0" t="0" r="0" b="0"/>
             <a:pathLst>
-              <a:path extrusionOk="0" h="120000" w="120000">
+              <a:path w="120000" h="120000" extrusionOk="0">
                 <a:moveTo>
                   <a:pt x="0" y="0"/>
                 </a:moveTo>
@@ -1302,9 +1471,11 @@
       <p:sp>
         <p:nvSpPr>
           <p:cNvPr id="234" name="Shape 234"/>
-          <p:cNvSpPr txBox="1"/>
+          <p:cNvSpPr txBox="1">
+            <a:spLocks noGrp="1"/>
+          </p:cNvSpPr>
           <p:nvPr>
-            <p:ph idx="1" type="body"/>
+            <p:ph type="body" idx="1"/>
           </p:nvPr>
         </p:nvSpPr>
         <p:spPr>
@@ -1317,7 +1488,7 @@
           </a:prstGeom>
         </p:spPr>
         <p:txBody>
-          <a:bodyPr anchorCtr="0" anchor="t" bIns="91425" lIns="91425" rIns="91425" tIns="91425">
+          <a:bodyPr lIns="91425" tIns="91425" rIns="91425" bIns="91425" anchor="t" anchorCtr="0">
             <a:noAutofit/>
           </a:bodyPr>
           <a:lstStyle/>
@@ -1328,9 +1499,6 @@
               </a:spcBef>
               <a:buNone/>
             </a:pPr>
-            <a:r>
-              <a:t/>
-            </a:r>
             <a:endParaRPr/>
           </a:p>
         </p:txBody>
@@ -1344,11 +1512,11 @@
 </file>
 
 <file path=ppt/notesSlides/notesSlide19.xml><?xml version="1.0" encoding="utf-8"?>
-<p:notes xmlns:a="http://schemas.openxmlformats.org/drawingml/2006/main" xmlns:r="http://schemas.openxmlformats.org/officeDocument/2006/relationships" xmlns:mc="http://schemas.openxmlformats.org/markup-compatibility/2006" xmlns:mv="urn:schemas-microsoft-com:mac:vml" xmlns:p="http://schemas.openxmlformats.org/presentationml/2006/main" xmlns:c="http://schemas.openxmlformats.org/drawingml/2006/chart" xmlns:dgm="http://schemas.openxmlformats.org/drawingml/2006/diagram" xmlns:o="urn:schemas-microsoft-com:office:office" xmlns:v="urn:schemas-microsoft-com:vml" xmlns:pvml="urn:schemas-microsoft-com:office:powerpoint" xmlns:com="http://schemas.openxmlformats.org/drawingml/2006/compatibility" xmlns:p14="http://schemas.microsoft.com/office/powerpoint/2010/main" showMasterPhAnim="0" showMasterSp="0">
+<p:notes xmlns:a="http://schemas.openxmlformats.org/drawingml/2006/main" xmlns:r="http://schemas.openxmlformats.org/officeDocument/2006/relationships" xmlns:p="http://schemas.openxmlformats.org/presentationml/2006/main" showMasterSp="0" showMasterPhAnim="0">
   <p:cSld>
     <p:spTree>
       <p:nvGrpSpPr>
-        <p:cNvPr id="247" name="Shape 247"/>
+        <p:cNvPr id="1" name="Shape 247"/>
         <p:cNvGrpSpPr/>
         <p:nvPr/>
       </p:nvGrpSpPr>
@@ -1363,19 +1531,26 @@
       <p:sp>
         <p:nvSpPr>
           <p:cNvPr id="248" name="Shape 248"/>
-          <p:cNvSpPr/>
+          <p:cNvSpPr>
+            <a:spLocks noGrp="1" noRot="1" noChangeAspect="1"/>
+          </p:cNvSpPr>
           <p:nvPr>
-            <p:ph idx="2" type="sldImg"/>
+            <p:ph type="sldImg" idx="2"/>
           </p:nvPr>
         </p:nvSpPr>
         <p:spPr>
           <a:xfrm>
-            <a:off x="381300" y="685800"/>
+            <a:off x="381000" y="685800"/>
             <a:ext cx="6096000" cy="3429000"/>
           </a:xfrm>
           <a:custGeom>
+            <a:avLst/>
+            <a:gdLst/>
+            <a:ahLst/>
+            <a:cxnLst/>
+            <a:rect l="0" t="0" r="0" b="0"/>
             <a:pathLst>
-              <a:path extrusionOk="0" h="120000" w="120000">
+              <a:path w="120000" h="120000" extrusionOk="0">
                 <a:moveTo>
                   <a:pt x="0" y="0"/>
                 </a:moveTo>
@@ -1397,9 +1572,11 @@
       <p:sp>
         <p:nvSpPr>
           <p:cNvPr id="249" name="Shape 249"/>
-          <p:cNvSpPr txBox="1"/>
+          <p:cNvSpPr txBox="1">
+            <a:spLocks noGrp="1"/>
+          </p:cNvSpPr>
           <p:nvPr>
-            <p:ph idx="1" type="body"/>
+            <p:ph type="body" idx="1"/>
           </p:nvPr>
         </p:nvSpPr>
         <p:spPr>
@@ -1412,7 +1589,7 @@
           </a:prstGeom>
         </p:spPr>
         <p:txBody>
-          <a:bodyPr anchorCtr="0" anchor="t" bIns="91425" lIns="91425" rIns="91425" tIns="91425">
+          <a:bodyPr lIns="91425" tIns="91425" rIns="91425" bIns="91425" anchor="t" anchorCtr="0">
             <a:noAutofit/>
           </a:bodyPr>
           <a:lstStyle/>
@@ -1423,9 +1600,6 @@
               </a:spcBef>
               <a:buNone/>
             </a:pPr>
-            <a:r>
-              <a:t/>
-            </a:r>
             <a:endParaRPr/>
           </a:p>
         </p:txBody>
@@ -1439,11 +1613,11 @@
 </file>
 
 <file path=ppt/notesSlides/notesSlide2.xml><?xml version="1.0" encoding="utf-8"?>
-<p:notes xmlns:a="http://schemas.openxmlformats.org/drawingml/2006/main" xmlns:r="http://schemas.openxmlformats.org/officeDocument/2006/relationships" xmlns:mc="http://schemas.openxmlformats.org/markup-compatibility/2006" xmlns:mv="urn:schemas-microsoft-com:mac:vml" xmlns:p="http://schemas.openxmlformats.org/presentationml/2006/main" xmlns:c="http://schemas.openxmlformats.org/drawingml/2006/chart" xmlns:dgm="http://schemas.openxmlformats.org/drawingml/2006/diagram" xmlns:o="urn:schemas-microsoft-com:office:office" xmlns:v="urn:schemas-microsoft-com:vml" xmlns:pvml="urn:schemas-microsoft-com:office:powerpoint" xmlns:com="http://schemas.openxmlformats.org/drawingml/2006/compatibility" xmlns:p14="http://schemas.microsoft.com/office/powerpoint/2010/main" showMasterPhAnim="0" showMasterSp="0">
+<p:notes xmlns:a="http://schemas.openxmlformats.org/drawingml/2006/main" xmlns:r="http://schemas.openxmlformats.org/officeDocument/2006/relationships" xmlns:p="http://schemas.openxmlformats.org/presentationml/2006/main" showMasterSp="0" showMasterPhAnim="0">
   <p:cSld>
     <p:spTree>
       <p:nvGrpSpPr>
-        <p:cNvPr id="56" name="Shape 56"/>
+        <p:cNvPr id="1" name="Shape 56"/>
         <p:cNvGrpSpPr/>
         <p:nvPr/>
       </p:nvGrpSpPr>
@@ -1458,19 +1632,26 @@
       <p:sp>
         <p:nvSpPr>
           <p:cNvPr id="57" name="Shape 57"/>
-          <p:cNvSpPr/>
+          <p:cNvSpPr>
+            <a:spLocks noGrp="1" noRot="1" noChangeAspect="1"/>
+          </p:cNvSpPr>
           <p:nvPr>
-            <p:ph idx="2" type="sldImg"/>
+            <p:ph type="sldImg" idx="2"/>
           </p:nvPr>
         </p:nvSpPr>
         <p:spPr>
           <a:xfrm>
-            <a:off x="381300" y="685800"/>
+            <a:off x="381000" y="685800"/>
             <a:ext cx="6096000" cy="3429000"/>
           </a:xfrm>
           <a:custGeom>
+            <a:avLst/>
+            <a:gdLst/>
+            <a:ahLst/>
+            <a:cxnLst/>
+            <a:rect l="0" t="0" r="0" b="0"/>
             <a:pathLst>
-              <a:path extrusionOk="0" h="120000" w="120000">
+              <a:path w="120000" h="120000" extrusionOk="0">
                 <a:moveTo>
                   <a:pt x="0" y="0"/>
                 </a:moveTo>
@@ -1492,9 +1673,11 @@
       <p:sp>
         <p:nvSpPr>
           <p:cNvPr id="58" name="Shape 58"/>
-          <p:cNvSpPr txBox="1"/>
+          <p:cNvSpPr txBox="1">
+            <a:spLocks noGrp="1"/>
+          </p:cNvSpPr>
           <p:nvPr>
-            <p:ph idx="1" type="body"/>
+            <p:ph type="body" idx="1"/>
           </p:nvPr>
         </p:nvSpPr>
         <p:spPr>
@@ -1507,7 +1690,7 @@
           </a:prstGeom>
         </p:spPr>
         <p:txBody>
-          <a:bodyPr anchorCtr="0" anchor="t" bIns="91425" lIns="91425" rIns="91425" tIns="91425">
+          <a:bodyPr lIns="91425" tIns="91425" rIns="91425" bIns="91425" anchor="t" anchorCtr="0">
             <a:noAutofit/>
           </a:bodyPr>
           <a:lstStyle/>
@@ -1518,9 +1701,6 @@
               </a:spcBef>
               <a:buNone/>
             </a:pPr>
-            <a:r>
-              <a:t/>
-            </a:r>
             <a:endParaRPr/>
           </a:p>
         </p:txBody>
@@ -1534,11 +1714,11 @@
 </file>
 
 <file path=ppt/notesSlides/notesSlide20.xml><?xml version="1.0" encoding="utf-8"?>
-<p:notes xmlns:a="http://schemas.openxmlformats.org/drawingml/2006/main" xmlns:r="http://schemas.openxmlformats.org/officeDocument/2006/relationships" xmlns:mc="http://schemas.openxmlformats.org/markup-compatibility/2006" xmlns:mv="urn:schemas-microsoft-com:mac:vml" xmlns:p="http://schemas.openxmlformats.org/presentationml/2006/main" xmlns:c="http://schemas.openxmlformats.org/drawingml/2006/chart" xmlns:dgm="http://schemas.openxmlformats.org/drawingml/2006/diagram" xmlns:o="urn:schemas-microsoft-com:office:office" xmlns:v="urn:schemas-microsoft-com:vml" xmlns:pvml="urn:schemas-microsoft-com:office:powerpoint" xmlns:com="http://schemas.openxmlformats.org/drawingml/2006/compatibility" xmlns:p14="http://schemas.microsoft.com/office/powerpoint/2010/main" showMasterPhAnim="0" showMasterSp="0">
+<p:notes xmlns:a="http://schemas.openxmlformats.org/drawingml/2006/main" xmlns:r="http://schemas.openxmlformats.org/officeDocument/2006/relationships" xmlns:p="http://schemas.openxmlformats.org/presentationml/2006/main" showMasterSp="0" showMasterPhAnim="0">
   <p:cSld>
     <p:spTree>
       <p:nvGrpSpPr>
-        <p:cNvPr id="262" name="Shape 262"/>
+        <p:cNvPr id="1" name="Shape 262"/>
         <p:cNvGrpSpPr/>
         <p:nvPr/>
       </p:nvGrpSpPr>
@@ -1553,19 +1733,26 @@
       <p:sp>
         <p:nvSpPr>
           <p:cNvPr id="263" name="Shape 263"/>
-          <p:cNvSpPr/>
+          <p:cNvSpPr>
+            <a:spLocks noGrp="1" noRot="1" noChangeAspect="1"/>
+          </p:cNvSpPr>
           <p:nvPr>
-            <p:ph idx="2" type="sldImg"/>
+            <p:ph type="sldImg" idx="2"/>
           </p:nvPr>
         </p:nvSpPr>
         <p:spPr>
           <a:xfrm>
-            <a:off x="381300" y="685800"/>
+            <a:off x="381000" y="685800"/>
             <a:ext cx="6096000" cy="3429000"/>
           </a:xfrm>
           <a:custGeom>
+            <a:avLst/>
+            <a:gdLst/>
+            <a:ahLst/>
+            <a:cxnLst/>
+            <a:rect l="0" t="0" r="0" b="0"/>
             <a:pathLst>
-              <a:path extrusionOk="0" h="120000" w="120000">
+              <a:path w="120000" h="120000" extrusionOk="0">
                 <a:moveTo>
                   <a:pt x="0" y="0"/>
                 </a:moveTo>
@@ -1587,9 +1774,11 @@
       <p:sp>
         <p:nvSpPr>
           <p:cNvPr id="264" name="Shape 264"/>
-          <p:cNvSpPr txBox="1"/>
+          <p:cNvSpPr txBox="1">
+            <a:spLocks noGrp="1"/>
+          </p:cNvSpPr>
           <p:nvPr>
-            <p:ph idx="1" type="body"/>
+            <p:ph type="body" idx="1"/>
           </p:nvPr>
         </p:nvSpPr>
         <p:spPr>
@@ -1602,7 +1791,7 @@
           </a:prstGeom>
         </p:spPr>
         <p:txBody>
-          <a:bodyPr anchorCtr="0" anchor="t" bIns="91425" lIns="91425" rIns="91425" tIns="91425">
+          <a:bodyPr lIns="91425" tIns="91425" rIns="91425" bIns="91425" anchor="t" anchorCtr="0">
             <a:noAutofit/>
           </a:bodyPr>
           <a:lstStyle/>
@@ -1613,9 +1802,6 @@
               </a:spcBef>
               <a:buNone/>
             </a:pPr>
-            <a:r>
-              <a:t/>
-            </a:r>
             <a:endParaRPr/>
           </a:p>
         </p:txBody>
@@ -1629,11 +1815,11 @@
 </file>
 
 <file path=ppt/notesSlides/notesSlide21.xml><?xml version="1.0" encoding="utf-8"?>
-<p:notes xmlns:a="http://schemas.openxmlformats.org/drawingml/2006/main" xmlns:r="http://schemas.openxmlformats.org/officeDocument/2006/relationships" xmlns:mc="http://schemas.openxmlformats.org/markup-compatibility/2006" xmlns:mv="urn:schemas-microsoft-com:mac:vml" xmlns:p="http://schemas.openxmlformats.org/presentationml/2006/main" xmlns:c="http://schemas.openxmlformats.org/drawingml/2006/chart" xmlns:dgm="http://schemas.openxmlformats.org/drawingml/2006/diagram" xmlns:o="urn:schemas-microsoft-com:office:office" xmlns:v="urn:schemas-microsoft-com:vml" xmlns:pvml="urn:schemas-microsoft-com:office:powerpoint" xmlns:com="http://schemas.openxmlformats.org/drawingml/2006/compatibility" xmlns:p14="http://schemas.microsoft.com/office/powerpoint/2010/main" showMasterPhAnim="0" showMasterSp="0">
+<p:notes xmlns:a="http://schemas.openxmlformats.org/drawingml/2006/main" xmlns:r="http://schemas.openxmlformats.org/officeDocument/2006/relationships" xmlns:p="http://schemas.openxmlformats.org/presentationml/2006/main" showMasterSp="0" showMasterPhAnim="0">
   <p:cSld>
     <p:spTree>
       <p:nvGrpSpPr>
-        <p:cNvPr id="267" name="Shape 267"/>
+        <p:cNvPr id="1" name="Shape 267"/>
         <p:cNvGrpSpPr/>
         <p:nvPr/>
       </p:nvGrpSpPr>
@@ -1648,19 +1834,26 @@
       <p:sp>
         <p:nvSpPr>
           <p:cNvPr id="268" name="Shape 268"/>
-          <p:cNvSpPr/>
+          <p:cNvSpPr>
+            <a:spLocks noGrp="1" noRot="1" noChangeAspect="1"/>
+          </p:cNvSpPr>
           <p:nvPr>
-            <p:ph idx="2" type="sldImg"/>
+            <p:ph type="sldImg" idx="2"/>
           </p:nvPr>
         </p:nvSpPr>
         <p:spPr>
           <a:xfrm>
-            <a:off x="381300" y="685800"/>
+            <a:off x="381000" y="685800"/>
             <a:ext cx="6096000" cy="3429000"/>
           </a:xfrm>
           <a:custGeom>
+            <a:avLst/>
+            <a:gdLst/>
+            <a:ahLst/>
+            <a:cxnLst/>
+            <a:rect l="0" t="0" r="0" b="0"/>
             <a:pathLst>
-              <a:path extrusionOk="0" h="120000" w="120000">
+              <a:path w="120000" h="120000" extrusionOk="0">
                 <a:moveTo>
                   <a:pt x="0" y="0"/>
                 </a:moveTo>
@@ -1682,9 +1875,11 @@
       <p:sp>
         <p:nvSpPr>
           <p:cNvPr id="269" name="Shape 269"/>
-          <p:cNvSpPr txBox="1"/>
+          <p:cNvSpPr txBox="1">
+            <a:spLocks noGrp="1"/>
+          </p:cNvSpPr>
           <p:nvPr>
-            <p:ph idx="1" type="body"/>
+            <p:ph type="body" idx="1"/>
           </p:nvPr>
         </p:nvSpPr>
         <p:spPr>
@@ -1697,7 +1892,7 @@
           </a:prstGeom>
         </p:spPr>
         <p:txBody>
-          <a:bodyPr anchorCtr="0" anchor="t" bIns="91425" lIns="91425" rIns="91425" tIns="91425">
+          <a:bodyPr lIns="91425" tIns="91425" rIns="91425" bIns="91425" anchor="t" anchorCtr="0">
             <a:noAutofit/>
           </a:bodyPr>
           <a:lstStyle/>
@@ -1708,9 +1903,6 @@
               </a:spcBef>
               <a:buNone/>
             </a:pPr>
-            <a:r>
-              <a:t/>
-            </a:r>
             <a:endParaRPr/>
           </a:p>
         </p:txBody>
@@ -1724,11 +1916,11 @@
 </file>
 
 <file path=ppt/notesSlides/notesSlide22.xml><?xml version="1.0" encoding="utf-8"?>
-<p:notes xmlns:a="http://schemas.openxmlformats.org/drawingml/2006/main" xmlns:r="http://schemas.openxmlformats.org/officeDocument/2006/relationships" xmlns:mc="http://schemas.openxmlformats.org/markup-compatibility/2006" xmlns:mv="urn:schemas-microsoft-com:mac:vml" xmlns:p="http://schemas.openxmlformats.org/presentationml/2006/main" xmlns:c="http://schemas.openxmlformats.org/drawingml/2006/chart" xmlns:dgm="http://schemas.openxmlformats.org/drawingml/2006/diagram" xmlns:o="urn:schemas-microsoft-com:office:office" xmlns:v="urn:schemas-microsoft-com:vml" xmlns:pvml="urn:schemas-microsoft-com:office:powerpoint" xmlns:com="http://schemas.openxmlformats.org/drawingml/2006/compatibility" xmlns:p14="http://schemas.microsoft.com/office/powerpoint/2010/main" showMasterPhAnim="0" showMasterSp="0">
+<p:notes xmlns:a="http://schemas.openxmlformats.org/drawingml/2006/main" xmlns:r="http://schemas.openxmlformats.org/officeDocument/2006/relationships" xmlns:p="http://schemas.openxmlformats.org/presentationml/2006/main" showMasterSp="0" showMasterPhAnim="0">
   <p:cSld>
     <p:spTree>
       <p:nvGrpSpPr>
-        <p:cNvPr id="282" name="Shape 282"/>
+        <p:cNvPr id="1" name="Shape 282"/>
         <p:cNvGrpSpPr/>
         <p:nvPr/>
       </p:nvGrpSpPr>
@@ -1743,19 +1935,26 @@
       <p:sp>
         <p:nvSpPr>
           <p:cNvPr id="283" name="Shape 283"/>
-          <p:cNvSpPr/>
+          <p:cNvSpPr>
+            <a:spLocks noGrp="1" noRot="1" noChangeAspect="1"/>
+          </p:cNvSpPr>
           <p:nvPr>
-            <p:ph idx="2" type="sldImg"/>
+            <p:ph type="sldImg" idx="2"/>
           </p:nvPr>
         </p:nvSpPr>
         <p:spPr>
           <a:xfrm>
-            <a:off x="381300" y="685800"/>
+            <a:off x="381000" y="685800"/>
             <a:ext cx="6096000" cy="3429000"/>
           </a:xfrm>
           <a:custGeom>
+            <a:avLst/>
+            <a:gdLst/>
+            <a:ahLst/>
+            <a:cxnLst/>
+            <a:rect l="0" t="0" r="0" b="0"/>
             <a:pathLst>
-              <a:path extrusionOk="0" h="120000" w="120000">
+              <a:path w="120000" h="120000" extrusionOk="0">
                 <a:moveTo>
                   <a:pt x="0" y="0"/>
                 </a:moveTo>
@@ -1777,9 +1976,11 @@
       <p:sp>
         <p:nvSpPr>
           <p:cNvPr id="284" name="Shape 284"/>
-          <p:cNvSpPr txBox="1"/>
+          <p:cNvSpPr txBox="1">
+            <a:spLocks noGrp="1"/>
+          </p:cNvSpPr>
           <p:nvPr>
-            <p:ph idx="1" type="body"/>
+            <p:ph type="body" idx="1"/>
           </p:nvPr>
         </p:nvSpPr>
         <p:spPr>
@@ -1792,7 +1993,7 @@
           </a:prstGeom>
         </p:spPr>
         <p:txBody>
-          <a:bodyPr anchorCtr="0" anchor="t" bIns="91425" lIns="91425" rIns="91425" tIns="91425">
+          <a:bodyPr lIns="91425" tIns="91425" rIns="91425" bIns="91425" anchor="t" anchorCtr="0">
             <a:noAutofit/>
           </a:bodyPr>
           <a:lstStyle/>
@@ -1803,9 +2004,6 @@
               </a:spcBef>
               <a:buNone/>
             </a:pPr>
-            <a:r>
-              <a:t/>
-            </a:r>
             <a:endParaRPr/>
           </a:p>
         </p:txBody>
@@ -1819,11 +2017,11 @@
 </file>
 
 <file path=ppt/notesSlides/notesSlide23.xml><?xml version="1.0" encoding="utf-8"?>
-<p:notes xmlns:a="http://schemas.openxmlformats.org/drawingml/2006/main" xmlns:r="http://schemas.openxmlformats.org/officeDocument/2006/relationships" xmlns:mc="http://schemas.openxmlformats.org/markup-compatibility/2006" xmlns:mv="urn:schemas-microsoft-com:mac:vml" xmlns:p="http://schemas.openxmlformats.org/presentationml/2006/main" xmlns:c="http://schemas.openxmlformats.org/drawingml/2006/chart" xmlns:dgm="http://schemas.openxmlformats.org/drawingml/2006/diagram" xmlns:o="urn:schemas-microsoft-com:office:office" xmlns:v="urn:schemas-microsoft-com:vml" xmlns:pvml="urn:schemas-microsoft-com:office:powerpoint" xmlns:com="http://schemas.openxmlformats.org/drawingml/2006/compatibility" xmlns:p14="http://schemas.microsoft.com/office/powerpoint/2010/main" showMasterPhAnim="0" showMasterSp="0">
+<p:notes xmlns:a="http://schemas.openxmlformats.org/drawingml/2006/main" xmlns:r="http://schemas.openxmlformats.org/officeDocument/2006/relationships" xmlns:p="http://schemas.openxmlformats.org/presentationml/2006/main" showMasterSp="0" showMasterPhAnim="0">
   <p:cSld>
     <p:spTree>
       <p:nvGrpSpPr>
-        <p:cNvPr id="297" name="Shape 297"/>
+        <p:cNvPr id="1" name="Shape 297"/>
         <p:cNvGrpSpPr/>
         <p:nvPr/>
       </p:nvGrpSpPr>
@@ -1838,19 +2036,26 @@
       <p:sp>
         <p:nvSpPr>
           <p:cNvPr id="298" name="Shape 298"/>
-          <p:cNvSpPr/>
+          <p:cNvSpPr>
+            <a:spLocks noGrp="1" noRot="1" noChangeAspect="1"/>
+          </p:cNvSpPr>
           <p:nvPr>
-            <p:ph idx="2" type="sldImg"/>
+            <p:ph type="sldImg" idx="2"/>
           </p:nvPr>
         </p:nvSpPr>
         <p:spPr>
           <a:xfrm>
-            <a:off x="381300" y="685800"/>
+            <a:off x="381000" y="685800"/>
             <a:ext cx="6096000" cy="3429000"/>
           </a:xfrm>
           <a:custGeom>
+            <a:avLst/>
+            <a:gdLst/>
+            <a:ahLst/>
+            <a:cxnLst/>
+            <a:rect l="0" t="0" r="0" b="0"/>
             <a:pathLst>
-              <a:path extrusionOk="0" h="120000" w="120000">
+              <a:path w="120000" h="120000" extrusionOk="0">
                 <a:moveTo>
                   <a:pt x="0" y="0"/>
                 </a:moveTo>
@@ -1872,9 +2077,11 @@
       <p:sp>
         <p:nvSpPr>
           <p:cNvPr id="299" name="Shape 299"/>
-          <p:cNvSpPr txBox="1"/>
+          <p:cNvSpPr txBox="1">
+            <a:spLocks noGrp="1"/>
+          </p:cNvSpPr>
           <p:nvPr>
-            <p:ph idx="1" type="body"/>
+            <p:ph type="body" idx="1"/>
           </p:nvPr>
         </p:nvSpPr>
         <p:spPr>
@@ -1887,7 +2094,7 @@
           </a:prstGeom>
         </p:spPr>
         <p:txBody>
-          <a:bodyPr anchorCtr="0" anchor="t" bIns="91425" lIns="91425" rIns="91425" tIns="91425">
+          <a:bodyPr lIns="91425" tIns="91425" rIns="91425" bIns="91425" anchor="t" anchorCtr="0">
             <a:noAutofit/>
           </a:bodyPr>
           <a:lstStyle/>
@@ -1898,9 +2105,6 @@
               </a:spcBef>
               <a:buNone/>
             </a:pPr>
-            <a:r>
-              <a:t/>
-            </a:r>
             <a:endParaRPr/>
           </a:p>
         </p:txBody>
@@ -1914,11 +2118,11 @@
 </file>
 
 <file path=ppt/notesSlides/notesSlide24.xml><?xml version="1.0" encoding="utf-8"?>
-<p:notes xmlns:a="http://schemas.openxmlformats.org/drawingml/2006/main" xmlns:r="http://schemas.openxmlformats.org/officeDocument/2006/relationships" xmlns:mc="http://schemas.openxmlformats.org/markup-compatibility/2006" xmlns:mv="urn:schemas-microsoft-com:mac:vml" xmlns:p="http://schemas.openxmlformats.org/presentationml/2006/main" xmlns:c="http://schemas.openxmlformats.org/drawingml/2006/chart" xmlns:dgm="http://schemas.openxmlformats.org/drawingml/2006/diagram" xmlns:o="urn:schemas-microsoft-com:office:office" xmlns:v="urn:schemas-microsoft-com:vml" xmlns:pvml="urn:schemas-microsoft-com:office:powerpoint" xmlns:com="http://schemas.openxmlformats.org/drawingml/2006/compatibility" xmlns:p14="http://schemas.microsoft.com/office/powerpoint/2010/main" showMasterPhAnim="0" showMasterSp="0">
+<p:notes xmlns:a="http://schemas.openxmlformats.org/drawingml/2006/main" xmlns:r="http://schemas.openxmlformats.org/officeDocument/2006/relationships" xmlns:p="http://schemas.openxmlformats.org/presentationml/2006/main" showMasterSp="0" showMasterPhAnim="0">
   <p:cSld>
     <p:spTree>
       <p:nvGrpSpPr>
-        <p:cNvPr id="312" name="Shape 312"/>
+        <p:cNvPr id="1" name="Shape 312"/>
         <p:cNvGrpSpPr/>
         <p:nvPr/>
       </p:nvGrpSpPr>
@@ -1933,19 +2137,26 @@
       <p:sp>
         <p:nvSpPr>
           <p:cNvPr id="313" name="Shape 313"/>
-          <p:cNvSpPr/>
+          <p:cNvSpPr>
+            <a:spLocks noGrp="1" noRot="1" noChangeAspect="1"/>
+          </p:cNvSpPr>
           <p:nvPr>
-            <p:ph idx="2" type="sldImg"/>
+            <p:ph type="sldImg" idx="2"/>
           </p:nvPr>
         </p:nvSpPr>
         <p:spPr>
           <a:xfrm>
-            <a:off x="381300" y="685800"/>
+            <a:off x="381000" y="685800"/>
             <a:ext cx="6096000" cy="3429000"/>
           </a:xfrm>
           <a:custGeom>
+            <a:avLst/>
+            <a:gdLst/>
+            <a:ahLst/>
+            <a:cxnLst/>
+            <a:rect l="0" t="0" r="0" b="0"/>
             <a:pathLst>
-              <a:path extrusionOk="0" h="120000" w="120000">
+              <a:path w="120000" h="120000" extrusionOk="0">
                 <a:moveTo>
                   <a:pt x="0" y="0"/>
                 </a:moveTo>
@@ -1967,9 +2178,11 @@
       <p:sp>
         <p:nvSpPr>
           <p:cNvPr id="314" name="Shape 314"/>
-          <p:cNvSpPr txBox="1"/>
+          <p:cNvSpPr txBox="1">
+            <a:spLocks noGrp="1"/>
+          </p:cNvSpPr>
           <p:nvPr>
-            <p:ph idx="1" type="body"/>
+            <p:ph type="body" idx="1"/>
           </p:nvPr>
         </p:nvSpPr>
         <p:spPr>
@@ -1982,7 +2195,7 @@
           </a:prstGeom>
         </p:spPr>
         <p:txBody>
-          <a:bodyPr anchorCtr="0" anchor="t" bIns="91425" lIns="91425" rIns="91425" tIns="91425">
+          <a:bodyPr lIns="91425" tIns="91425" rIns="91425" bIns="91425" anchor="t" anchorCtr="0">
             <a:noAutofit/>
           </a:bodyPr>
           <a:lstStyle/>
@@ -1993,9 +2206,6 @@
               </a:spcBef>
               <a:buNone/>
             </a:pPr>
-            <a:r>
-              <a:t/>
-            </a:r>
             <a:endParaRPr/>
           </a:p>
         </p:txBody>
@@ -2009,11 +2219,11 @@
 </file>
 
 <file path=ppt/notesSlides/notesSlide25.xml><?xml version="1.0" encoding="utf-8"?>
-<p:notes xmlns:a="http://schemas.openxmlformats.org/drawingml/2006/main" xmlns:r="http://schemas.openxmlformats.org/officeDocument/2006/relationships" xmlns:mc="http://schemas.openxmlformats.org/markup-compatibility/2006" xmlns:mv="urn:schemas-microsoft-com:mac:vml" xmlns:p="http://schemas.openxmlformats.org/presentationml/2006/main" xmlns:c="http://schemas.openxmlformats.org/drawingml/2006/chart" xmlns:dgm="http://schemas.openxmlformats.org/drawingml/2006/diagram" xmlns:o="urn:schemas-microsoft-com:office:office" xmlns:v="urn:schemas-microsoft-com:vml" xmlns:pvml="urn:schemas-microsoft-com:office:powerpoint" xmlns:com="http://schemas.openxmlformats.org/drawingml/2006/compatibility" xmlns:p14="http://schemas.microsoft.com/office/powerpoint/2010/main" showMasterPhAnim="0" showMasterSp="0">
+<p:notes xmlns:a="http://schemas.openxmlformats.org/drawingml/2006/main" xmlns:r="http://schemas.openxmlformats.org/officeDocument/2006/relationships" xmlns:p="http://schemas.openxmlformats.org/presentationml/2006/main" showMasterSp="0" showMasterPhAnim="0">
   <p:cSld>
     <p:spTree>
       <p:nvGrpSpPr>
-        <p:cNvPr id="327" name="Shape 327"/>
+        <p:cNvPr id="1" name="Shape 327"/>
         <p:cNvGrpSpPr/>
         <p:nvPr/>
       </p:nvGrpSpPr>
@@ -2028,19 +2238,26 @@
       <p:sp>
         <p:nvSpPr>
           <p:cNvPr id="328" name="Shape 328"/>
-          <p:cNvSpPr/>
+          <p:cNvSpPr>
+            <a:spLocks noGrp="1" noRot="1" noChangeAspect="1"/>
+          </p:cNvSpPr>
           <p:nvPr>
-            <p:ph idx="2" type="sldImg"/>
+            <p:ph type="sldImg" idx="2"/>
           </p:nvPr>
         </p:nvSpPr>
         <p:spPr>
           <a:xfrm>
-            <a:off x="381300" y="685800"/>
+            <a:off x="381000" y="685800"/>
             <a:ext cx="6096000" cy="3429000"/>
           </a:xfrm>
           <a:custGeom>
+            <a:avLst/>
+            <a:gdLst/>
+            <a:ahLst/>
+            <a:cxnLst/>
+            <a:rect l="0" t="0" r="0" b="0"/>
             <a:pathLst>
-              <a:path extrusionOk="0" h="120000" w="120000">
+              <a:path w="120000" h="120000" extrusionOk="0">
                 <a:moveTo>
                   <a:pt x="0" y="0"/>
                 </a:moveTo>
@@ -2062,9 +2279,11 @@
       <p:sp>
         <p:nvSpPr>
           <p:cNvPr id="329" name="Shape 329"/>
-          <p:cNvSpPr txBox="1"/>
+          <p:cNvSpPr txBox="1">
+            <a:spLocks noGrp="1"/>
+          </p:cNvSpPr>
           <p:nvPr>
-            <p:ph idx="1" type="body"/>
+            <p:ph type="body" idx="1"/>
           </p:nvPr>
         </p:nvSpPr>
         <p:spPr>
@@ -2077,7 +2296,7 @@
           </a:prstGeom>
         </p:spPr>
         <p:txBody>
-          <a:bodyPr anchorCtr="0" anchor="t" bIns="91425" lIns="91425" rIns="91425" tIns="91425">
+          <a:bodyPr lIns="91425" tIns="91425" rIns="91425" bIns="91425" anchor="t" anchorCtr="0">
             <a:noAutofit/>
           </a:bodyPr>
           <a:lstStyle/>
@@ -2088,9 +2307,6 @@
               </a:spcBef>
               <a:buNone/>
             </a:pPr>
-            <a:r>
-              <a:t/>
-            </a:r>
             <a:endParaRPr/>
           </a:p>
         </p:txBody>
@@ -2104,11 +2320,11 @@
 </file>
 
 <file path=ppt/notesSlides/notesSlide26.xml><?xml version="1.0" encoding="utf-8"?>
-<p:notes xmlns:a="http://schemas.openxmlformats.org/drawingml/2006/main" xmlns:r="http://schemas.openxmlformats.org/officeDocument/2006/relationships" xmlns:mc="http://schemas.openxmlformats.org/markup-compatibility/2006" xmlns:mv="urn:schemas-microsoft-com:mac:vml" xmlns:p="http://schemas.openxmlformats.org/presentationml/2006/main" xmlns:c="http://schemas.openxmlformats.org/drawingml/2006/chart" xmlns:dgm="http://schemas.openxmlformats.org/drawingml/2006/diagram" xmlns:o="urn:schemas-microsoft-com:office:office" xmlns:v="urn:schemas-microsoft-com:vml" xmlns:pvml="urn:schemas-microsoft-com:office:powerpoint" xmlns:com="http://schemas.openxmlformats.org/drawingml/2006/compatibility" xmlns:p14="http://schemas.microsoft.com/office/powerpoint/2010/main" showMasterPhAnim="0" showMasterSp="0">
+<p:notes xmlns:a="http://schemas.openxmlformats.org/drawingml/2006/main" xmlns:r="http://schemas.openxmlformats.org/officeDocument/2006/relationships" xmlns:p="http://schemas.openxmlformats.org/presentationml/2006/main" showMasterSp="0" showMasterPhAnim="0">
   <p:cSld>
     <p:spTree>
       <p:nvGrpSpPr>
-        <p:cNvPr id="342" name="Shape 342"/>
+        <p:cNvPr id="1" name="Shape 342"/>
         <p:cNvGrpSpPr/>
         <p:nvPr/>
       </p:nvGrpSpPr>
@@ -2123,19 +2339,26 @@
       <p:sp>
         <p:nvSpPr>
           <p:cNvPr id="343" name="Shape 343"/>
-          <p:cNvSpPr/>
+          <p:cNvSpPr>
+            <a:spLocks noGrp="1" noRot="1" noChangeAspect="1"/>
+          </p:cNvSpPr>
           <p:nvPr>
-            <p:ph idx="2" type="sldImg"/>
+            <p:ph type="sldImg" idx="2"/>
           </p:nvPr>
         </p:nvSpPr>
         <p:spPr>
           <a:xfrm>
-            <a:off x="381300" y="685800"/>
+            <a:off x="381000" y="685800"/>
             <a:ext cx="6096000" cy="3429000"/>
           </a:xfrm>
           <a:custGeom>
+            <a:avLst/>
+            <a:gdLst/>
+            <a:ahLst/>
+            <a:cxnLst/>
+            <a:rect l="0" t="0" r="0" b="0"/>
             <a:pathLst>
-              <a:path extrusionOk="0" h="120000" w="120000">
+              <a:path w="120000" h="120000" extrusionOk="0">
                 <a:moveTo>
                   <a:pt x="0" y="0"/>
                 </a:moveTo>
@@ -2157,9 +2380,11 @@
       <p:sp>
         <p:nvSpPr>
           <p:cNvPr id="344" name="Shape 344"/>
-          <p:cNvSpPr txBox="1"/>
+          <p:cNvSpPr txBox="1">
+            <a:spLocks noGrp="1"/>
+          </p:cNvSpPr>
           <p:nvPr>
-            <p:ph idx="1" type="body"/>
+            <p:ph type="body" idx="1"/>
           </p:nvPr>
         </p:nvSpPr>
         <p:spPr>
@@ -2172,7 +2397,7 @@
           </a:prstGeom>
         </p:spPr>
         <p:txBody>
-          <a:bodyPr anchorCtr="0" anchor="t" bIns="91425" lIns="91425" rIns="91425" tIns="91425">
+          <a:bodyPr lIns="91425" tIns="91425" rIns="91425" bIns="91425" anchor="t" anchorCtr="0">
             <a:noAutofit/>
           </a:bodyPr>
           <a:lstStyle/>
@@ -2183,9 +2408,6 @@
               </a:spcBef>
               <a:buNone/>
             </a:pPr>
-            <a:r>
-              <a:t/>
-            </a:r>
             <a:endParaRPr/>
           </a:p>
         </p:txBody>
@@ -2199,11 +2421,11 @@
 </file>
 
 <file path=ppt/notesSlides/notesSlide27.xml><?xml version="1.0" encoding="utf-8"?>
-<p:notes xmlns:a="http://schemas.openxmlformats.org/drawingml/2006/main" xmlns:r="http://schemas.openxmlformats.org/officeDocument/2006/relationships" xmlns:mc="http://schemas.openxmlformats.org/markup-compatibility/2006" xmlns:mv="urn:schemas-microsoft-com:mac:vml" xmlns:p="http://schemas.openxmlformats.org/presentationml/2006/main" xmlns:c="http://schemas.openxmlformats.org/drawingml/2006/chart" xmlns:dgm="http://schemas.openxmlformats.org/drawingml/2006/diagram" xmlns:o="urn:schemas-microsoft-com:office:office" xmlns:v="urn:schemas-microsoft-com:vml" xmlns:pvml="urn:schemas-microsoft-com:office:powerpoint" xmlns:com="http://schemas.openxmlformats.org/drawingml/2006/compatibility" xmlns:p14="http://schemas.microsoft.com/office/powerpoint/2010/main" showMasterPhAnim="0" showMasterSp="0">
+<p:notes xmlns:a="http://schemas.openxmlformats.org/drawingml/2006/main" xmlns:r="http://schemas.openxmlformats.org/officeDocument/2006/relationships" xmlns:p="http://schemas.openxmlformats.org/presentationml/2006/main" showMasterSp="0" showMasterPhAnim="0">
   <p:cSld>
     <p:spTree>
       <p:nvGrpSpPr>
-        <p:cNvPr id="347" name="Shape 347"/>
+        <p:cNvPr id="1" name="Shape 347"/>
         <p:cNvGrpSpPr/>
         <p:nvPr/>
       </p:nvGrpSpPr>
@@ -2218,19 +2440,26 @@
       <p:sp>
         <p:nvSpPr>
           <p:cNvPr id="348" name="Shape 348"/>
-          <p:cNvSpPr/>
+          <p:cNvSpPr>
+            <a:spLocks noGrp="1" noRot="1" noChangeAspect="1"/>
+          </p:cNvSpPr>
           <p:nvPr>
-            <p:ph idx="2" type="sldImg"/>
+            <p:ph type="sldImg" idx="2"/>
           </p:nvPr>
         </p:nvSpPr>
         <p:spPr>
           <a:xfrm>
-            <a:off x="381300" y="685800"/>
+            <a:off x="381000" y="685800"/>
             <a:ext cx="6096000" cy="3429000"/>
           </a:xfrm>
           <a:custGeom>
+            <a:avLst/>
+            <a:gdLst/>
+            <a:ahLst/>
+            <a:cxnLst/>
+            <a:rect l="0" t="0" r="0" b="0"/>
             <a:pathLst>
-              <a:path extrusionOk="0" h="120000" w="120000">
+              <a:path w="120000" h="120000" extrusionOk="0">
                 <a:moveTo>
                   <a:pt x="0" y="0"/>
                 </a:moveTo>
@@ -2252,9 +2481,11 @@
       <p:sp>
         <p:nvSpPr>
           <p:cNvPr id="349" name="Shape 349"/>
-          <p:cNvSpPr txBox="1"/>
+          <p:cNvSpPr txBox="1">
+            <a:spLocks noGrp="1"/>
+          </p:cNvSpPr>
           <p:nvPr>
-            <p:ph idx="1" type="body"/>
+            <p:ph type="body" idx="1"/>
           </p:nvPr>
         </p:nvSpPr>
         <p:spPr>
@@ -2267,7 +2498,7 @@
           </a:prstGeom>
         </p:spPr>
         <p:txBody>
-          <a:bodyPr anchorCtr="0" anchor="t" bIns="91425" lIns="91425" rIns="91425" tIns="91425">
+          <a:bodyPr lIns="91425" tIns="91425" rIns="91425" bIns="91425" anchor="t" anchorCtr="0">
             <a:noAutofit/>
           </a:bodyPr>
           <a:lstStyle/>
@@ -2278,9 +2509,6 @@
               </a:spcBef>
               <a:buNone/>
             </a:pPr>
-            <a:r>
-              <a:t/>
-            </a:r>
             <a:endParaRPr/>
           </a:p>
         </p:txBody>
@@ -2294,11 +2522,11 @@
 </file>
 
 <file path=ppt/notesSlides/notesSlide28.xml><?xml version="1.0" encoding="utf-8"?>
-<p:notes xmlns:a="http://schemas.openxmlformats.org/drawingml/2006/main" xmlns:r="http://schemas.openxmlformats.org/officeDocument/2006/relationships" xmlns:mc="http://schemas.openxmlformats.org/markup-compatibility/2006" xmlns:mv="urn:schemas-microsoft-com:mac:vml" xmlns:p="http://schemas.openxmlformats.org/presentationml/2006/main" xmlns:c="http://schemas.openxmlformats.org/drawingml/2006/chart" xmlns:dgm="http://schemas.openxmlformats.org/drawingml/2006/diagram" xmlns:o="urn:schemas-microsoft-com:office:office" xmlns:v="urn:schemas-microsoft-com:vml" xmlns:pvml="urn:schemas-microsoft-com:office:powerpoint" xmlns:com="http://schemas.openxmlformats.org/drawingml/2006/compatibility" xmlns:p14="http://schemas.microsoft.com/office/powerpoint/2010/main" showMasterPhAnim="0" showMasterSp="0">
+<p:notes xmlns:a="http://schemas.openxmlformats.org/drawingml/2006/main" xmlns:r="http://schemas.openxmlformats.org/officeDocument/2006/relationships" xmlns:p="http://schemas.openxmlformats.org/presentationml/2006/main" showMasterSp="0" showMasterPhAnim="0">
   <p:cSld>
     <p:spTree>
       <p:nvGrpSpPr>
-        <p:cNvPr id="355" name="Shape 355"/>
+        <p:cNvPr id="1" name="Shape 355"/>
         <p:cNvGrpSpPr/>
         <p:nvPr/>
       </p:nvGrpSpPr>
@@ -2313,19 +2541,26 @@
       <p:sp>
         <p:nvSpPr>
           <p:cNvPr id="356" name="Shape 356"/>
-          <p:cNvSpPr/>
+          <p:cNvSpPr>
+            <a:spLocks noGrp="1" noRot="1" noChangeAspect="1"/>
+          </p:cNvSpPr>
           <p:nvPr>
-            <p:ph idx="2" type="sldImg"/>
+            <p:ph type="sldImg" idx="2"/>
           </p:nvPr>
         </p:nvSpPr>
         <p:spPr>
           <a:xfrm>
-            <a:off x="381300" y="685800"/>
+            <a:off x="381000" y="685800"/>
             <a:ext cx="6096000" cy="3429000"/>
           </a:xfrm>
           <a:custGeom>
+            <a:avLst/>
+            <a:gdLst/>
+            <a:ahLst/>
+            <a:cxnLst/>
+            <a:rect l="0" t="0" r="0" b="0"/>
             <a:pathLst>
-              <a:path extrusionOk="0" h="120000" w="120000">
+              <a:path w="120000" h="120000" extrusionOk="0">
                 <a:moveTo>
                   <a:pt x="0" y="0"/>
                 </a:moveTo>
@@ -2347,9 +2582,11 @@
       <p:sp>
         <p:nvSpPr>
           <p:cNvPr id="357" name="Shape 357"/>
-          <p:cNvSpPr txBox="1"/>
+          <p:cNvSpPr txBox="1">
+            <a:spLocks noGrp="1"/>
+          </p:cNvSpPr>
           <p:nvPr>
-            <p:ph idx="1" type="body"/>
+            <p:ph type="body" idx="1"/>
           </p:nvPr>
         </p:nvSpPr>
         <p:spPr>
@@ -2362,7 +2599,7 @@
           </a:prstGeom>
         </p:spPr>
         <p:txBody>
-          <a:bodyPr anchorCtr="0" anchor="t" bIns="91425" lIns="91425" rIns="91425" tIns="91425">
+          <a:bodyPr lIns="91425" tIns="91425" rIns="91425" bIns="91425" anchor="t" anchorCtr="0">
             <a:noAutofit/>
           </a:bodyPr>
           <a:lstStyle/>
@@ -2373,9 +2610,6 @@
               </a:spcBef>
               <a:buNone/>
             </a:pPr>
-            <a:r>
-              <a:t/>
-            </a:r>
             <a:endParaRPr/>
           </a:p>
         </p:txBody>
@@ -2389,11 +2623,11 @@
 </file>
 
 <file path=ppt/notesSlides/notesSlide3.xml><?xml version="1.0" encoding="utf-8"?>
-<p:notes xmlns:a="http://schemas.openxmlformats.org/drawingml/2006/main" xmlns:r="http://schemas.openxmlformats.org/officeDocument/2006/relationships" xmlns:mc="http://schemas.openxmlformats.org/markup-compatibility/2006" xmlns:mv="urn:schemas-microsoft-com:mac:vml" xmlns:p="http://schemas.openxmlformats.org/presentationml/2006/main" xmlns:c="http://schemas.openxmlformats.org/drawingml/2006/chart" xmlns:dgm="http://schemas.openxmlformats.org/drawingml/2006/diagram" xmlns:o="urn:schemas-microsoft-com:office:office" xmlns:v="urn:schemas-microsoft-com:vml" xmlns:pvml="urn:schemas-microsoft-com:office:powerpoint" xmlns:com="http://schemas.openxmlformats.org/drawingml/2006/compatibility" xmlns:p14="http://schemas.microsoft.com/office/powerpoint/2010/main" showMasterPhAnim="0" showMasterSp="0">
+<p:notes xmlns:a="http://schemas.openxmlformats.org/drawingml/2006/main" xmlns:r="http://schemas.openxmlformats.org/officeDocument/2006/relationships" xmlns:p="http://schemas.openxmlformats.org/presentationml/2006/main" showMasterSp="0" showMasterPhAnim="0">
   <p:cSld>
     <p:spTree>
       <p:nvGrpSpPr>
-        <p:cNvPr id="62" name="Shape 62"/>
+        <p:cNvPr id="1" name="Shape 62"/>
         <p:cNvGrpSpPr/>
         <p:nvPr/>
       </p:nvGrpSpPr>
@@ -2408,19 +2642,26 @@
       <p:sp>
         <p:nvSpPr>
           <p:cNvPr id="63" name="Shape 63"/>
-          <p:cNvSpPr/>
+          <p:cNvSpPr>
+            <a:spLocks noGrp="1" noRot="1" noChangeAspect="1"/>
+          </p:cNvSpPr>
           <p:nvPr>
-            <p:ph idx="2" type="sldImg"/>
+            <p:ph type="sldImg" idx="2"/>
           </p:nvPr>
         </p:nvSpPr>
         <p:spPr>
           <a:xfrm>
-            <a:off x="381300" y="685800"/>
+            <a:off x="381000" y="685800"/>
             <a:ext cx="6096000" cy="3429000"/>
           </a:xfrm>
           <a:custGeom>
+            <a:avLst/>
+            <a:gdLst/>
+            <a:ahLst/>
+            <a:cxnLst/>
+            <a:rect l="0" t="0" r="0" b="0"/>
             <a:pathLst>
-              <a:path extrusionOk="0" h="120000" w="120000">
+              <a:path w="120000" h="120000" extrusionOk="0">
                 <a:moveTo>
                   <a:pt x="0" y="0"/>
                 </a:moveTo>
@@ -2442,9 +2683,11 @@
       <p:sp>
         <p:nvSpPr>
           <p:cNvPr id="64" name="Shape 64"/>
-          <p:cNvSpPr txBox="1"/>
+          <p:cNvSpPr txBox="1">
+            <a:spLocks noGrp="1"/>
+          </p:cNvSpPr>
           <p:nvPr>
-            <p:ph idx="1" type="body"/>
+            <p:ph type="body" idx="1"/>
           </p:nvPr>
         </p:nvSpPr>
         <p:spPr>
@@ -2457,7 +2700,7 @@
           </a:prstGeom>
         </p:spPr>
         <p:txBody>
-          <a:bodyPr anchorCtr="0" anchor="t" bIns="91425" lIns="91425" rIns="91425" tIns="91425">
+          <a:bodyPr lIns="91425" tIns="91425" rIns="91425" bIns="91425" anchor="t" anchorCtr="0">
             <a:noAutofit/>
           </a:bodyPr>
           <a:lstStyle/>
@@ -2468,9 +2711,6 @@
               </a:spcBef>
               <a:buNone/>
             </a:pPr>
-            <a:r>
-              <a:t/>
-            </a:r>
             <a:endParaRPr/>
           </a:p>
         </p:txBody>
@@ -2484,11 +2724,11 @@
 </file>
 
 <file path=ppt/notesSlides/notesSlide4.xml><?xml version="1.0" encoding="utf-8"?>
-<p:notes xmlns:a="http://schemas.openxmlformats.org/drawingml/2006/main" xmlns:r="http://schemas.openxmlformats.org/officeDocument/2006/relationships" xmlns:mc="http://schemas.openxmlformats.org/markup-compatibility/2006" xmlns:mv="urn:schemas-microsoft-com:mac:vml" xmlns:p="http://schemas.openxmlformats.org/presentationml/2006/main" xmlns:c="http://schemas.openxmlformats.org/drawingml/2006/chart" xmlns:dgm="http://schemas.openxmlformats.org/drawingml/2006/diagram" xmlns:o="urn:schemas-microsoft-com:office:office" xmlns:v="urn:schemas-microsoft-com:vml" xmlns:pvml="urn:schemas-microsoft-com:office:powerpoint" xmlns:com="http://schemas.openxmlformats.org/drawingml/2006/compatibility" xmlns:p14="http://schemas.microsoft.com/office/powerpoint/2010/main" showMasterPhAnim="0" showMasterSp="0">
+<p:notes xmlns:a="http://schemas.openxmlformats.org/drawingml/2006/main" xmlns:r="http://schemas.openxmlformats.org/officeDocument/2006/relationships" xmlns:p="http://schemas.openxmlformats.org/presentationml/2006/main" showMasterSp="0" showMasterPhAnim="0">
   <p:cSld>
     <p:spTree>
       <p:nvGrpSpPr>
-        <p:cNvPr id="67" name="Shape 67"/>
+        <p:cNvPr id="1" name="Shape 67"/>
         <p:cNvGrpSpPr/>
         <p:nvPr/>
       </p:nvGrpSpPr>
@@ -2503,19 +2743,26 @@
       <p:sp>
         <p:nvSpPr>
           <p:cNvPr id="68" name="Shape 68"/>
-          <p:cNvSpPr/>
+          <p:cNvSpPr>
+            <a:spLocks noGrp="1" noRot="1" noChangeAspect="1"/>
+          </p:cNvSpPr>
           <p:nvPr>
-            <p:ph idx="2" type="sldImg"/>
+            <p:ph type="sldImg" idx="2"/>
           </p:nvPr>
         </p:nvSpPr>
         <p:spPr>
           <a:xfrm>
-            <a:off x="381300" y="685800"/>
+            <a:off x="381000" y="685800"/>
             <a:ext cx="6096000" cy="3429000"/>
           </a:xfrm>
           <a:custGeom>
+            <a:avLst/>
+            <a:gdLst/>
+            <a:ahLst/>
+            <a:cxnLst/>
+            <a:rect l="0" t="0" r="0" b="0"/>
             <a:pathLst>
-              <a:path extrusionOk="0" h="120000" w="120000">
+              <a:path w="120000" h="120000" extrusionOk="0">
                 <a:moveTo>
                   <a:pt x="0" y="0"/>
                 </a:moveTo>
@@ -2537,9 +2784,11 @@
       <p:sp>
         <p:nvSpPr>
           <p:cNvPr id="69" name="Shape 69"/>
-          <p:cNvSpPr txBox="1"/>
+          <p:cNvSpPr txBox="1">
+            <a:spLocks noGrp="1"/>
+          </p:cNvSpPr>
           <p:nvPr>
-            <p:ph idx="1" type="body"/>
+            <p:ph type="body" idx="1"/>
           </p:nvPr>
         </p:nvSpPr>
         <p:spPr>
@@ -2552,7 +2801,7 @@
           </a:prstGeom>
         </p:spPr>
         <p:txBody>
-          <a:bodyPr anchorCtr="0" anchor="t" bIns="91425" lIns="91425" rIns="91425" tIns="91425">
+          <a:bodyPr lIns="91425" tIns="91425" rIns="91425" bIns="91425" anchor="t" anchorCtr="0">
             <a:noAutofit/>
           </a:bodyPr>
           <a:lstStyle/>
@@ -2579,11 +2828,11 @@
 </file>
 
 <file path=ppt/notesSlides/notesSlide5.xml><?xml version="1.0" encoding="utf-8"?>
-<p:notes xmlns:a="http://schemas.openxmlformats.org/drawingml/2006/main" xmlns:r="http://schemas.openxmlformats.org/officeDocument/2006/relationships" xmlns:mc="http://schemas.openxmlformats.org/markup-compatibility/2006" xmlns:mv="urn:schemas-microsoft-com:mac:vml" xmlns:p="http://schemas.openxmlformats.org/presentationml/2006/main" xmlns:c="http://schemas.openxmlformats.org/drawingml/2006/chart" xmlns:dgm="http://schemas.openxmlformats.org/drawingml/2006/diagram" xmlns:o="urn:schemas-microsoft-com:office:office" xmlns:v="urn:schemas-microsoft-com:vml" xmlns:pvml="urn:schemas-microsoft-com:office:powerpoint" xmlns:com="http://schemas.openxmlformats.org/drawingml/2006/compatibility" xmlns:p14="http://schemas.microsoft.com/office/powerpoint/2010/main" showMasterPhAnim="0" showMasterSp="0">
+<p:notes xmlns:a="http://schemas.openxmlformats.org/drawingml/2006/main" xmlns:r="http://schemas.openxmlformats.org/officeDocument/2006/relationships" xmlns:p="http://schemas.openxmlformats.org/presentationml/2006/main" showMasterSp="0" showMasterPhAnim="0">
   <p:cSld>
     <p:spTree>
       <p:nvGrpSpPr>
-        <p:cNvPr id="75" name="Shape 75"/>
+        <p:cNvPr id="1" name="Shape 75"/>
         <p:cNvGrpSpPr/>
         <p:nvPr/>
       </p:nvGrpSpPr>
@@ -2598,19 +2847,26 @@
       <p:sp>
         <p:nvSpPr>
           <p:cNvPr id="76" name="Shape 76"/>
-          <p:cNvSpPr/>
+          <p:cNvSpPr>
+            <a:spLocks noGrp="1" noRot="1" noChangeAspect="1"/>
+          </p:cNvSpPr>
           <p:nvPr>
-            <p:ph idx="2" type="sldImg"/>
+            <p:ph type="sldImg" idx="2"/>
           </p:nvPr>
         </p:nvSpPr>
         <p:spPr>
           <a:xfrm>
-            <a:off x="381300" y="685800"/>
+            <a:off x="381000" y="685800"/>
             <a:ext cx="6096000" cy="3429000"/>
           </a:xfrm>
           <a:custGeom>
+            <a:avLst/>
+            <a:gdLst/>
+            <a:ahLst/>
+            <a:cxnLst/>
+            <a:rect l="0" t="0" r="0" b="0"/>
             <a:pathLst>
-              <a:path extrusionOk="0" h="120000" w="120000">
+              <a:path w="120000" h="120000" extrusionOk="0">
                 <a:moveTo>
                   <a:pt x="0" y="0"/>
                 </a:moveTo>
@@ -2632,9 +2888,11 @@
       <p:sp>
         <p:nvSpPr>
           <p:cNvPr id="77" name="Shape 77"/>
-          <p:cNvSpPr txBox="1"/>
+          <p:cNvSpPr txBox="1">
+            <a:spLocks noGrp="1"/>
+          </p:cNvSpPr>
           <p:nvPr>
-            <p:ph idx="1" type="body"/>
+            <p:ph type="body" idx="1"/>
           </p:nvPr>
         </p:nvSpPr>
         <p:spPr>
@@ -2647,7 +2905,7 @@
           </a:prstGeom>
         </p:spPr>
         <p:txBody>
-          <a:bodyPr anchorCtr="0" anchor="t" bIns="91425" lIns="91425" rIns="91425" tIns="91425">
+          <a:bodyPr lIns="91425" tIns="91425" rIns="91425" bIns="91425" anchor="t" anchorCtr="0">
             <a:noAutofit/>
           </a:bodyPr>
           <a:lstStyle/>
@@ -2658,9 +2916,6 @@
               </a:spcBef>
               <a:buNone/>
             </a:pPr>
-            <a:r>
-              <a:t/>
-            </a:r>
             <a:endParaRPr/>
           </a:p>
         </p:txBody>
@@ -2674,11 +2929,11 @@
 </file>
 
 <file path=ppt/notesSlides/notesSlide6.xml><?xml version="1.0" encoding="utf-8"?>
-<p:notes xmlns:a="http://schemas.openxmlformats.org/drawingml/2006/main" xmlns:r="http://schemas.openxmlformats.org/officeDocument/2006/relationships" xmlns:mc="http://schemas.openxmlformats.org/markup-compatibility/2006" xmlns:mv="urn:schemas-microsoft-com:mac:vml" xmlns:p="http://schemas.openxmlformats.org/presentationml/2006/main" xmlns:c="http://schemas.openxmlformats.org/drawingml/2006/chart" xmlns:dgm="http://schemas.openxmlformats.org/drawingml/2006/diagram" xmlns:o="urn:schemas-microsoft-com:office:office" xmlns:v="urn:schemas-microsoft-com:vml" xmlns:pvml="urn:schemas-microsoft-com:office:powerpoint" xmlns:com="http://schemas.openxmlformats.org/drawingml/2006/compatibility" xmlns:p14="http://schemas.microsoft.com/office/powerpoint/2010/main" showMasterPhAnim="0" showMasterSp="0">
+<p:notes xmlns:a="http://schemas.openxmlformats.org/drawingml/2006/main" xmlns:r="http://schemas.openxmlformats.org/officeDocument/2006/relationships" xmlns:p="http://schemas.openxmlformats.org/presentationml/2006/main" showMasterSp="0" showMasterPhAnim="0">
   <p:cSld>
     <p:spTree>
       <p:nvGrpSpPr>
-        <p:cNvPr id="84" name="Shape 84"/>
+        <p:cNvPr id="1" name="Shape 84"/>
         <p:cNvGrpSpPr/>
         <p:nvPr/>
       </p:nvGrpSpPr>
@@ -2693,19 +2948,26 @@
       <p:sp>
         <p:nvSpPr>
           <p:cNvPr id="85" name="Shape 85"/>
-          <p:cNvSpPr/>
+          <p:cNvSpPr>
+            <a:spLocks noGrp="1" noRot="1" noChangeAspect="1"/>
+          </p:cNvSpPr>
           <p:nvPr>
-            <p:ph idx="2" type="sldImg"/>
+            <p:ph type="sldImg" idx="2"/>
           </p:nvPr>
         </p:nvSpPr>
         <p:spPr>
           <a:xfrm>
-            <a:off x="381300" y="685800"/>
+            <a:off x="381000" y="685800"/>
             <a:ext cx="6096000" cy="3429000"/>
           </a:xfrm>
           <a:custGeom>
+            <a:avLst/>
+            <a:gdLst/>
+            <a:ahLst/>
+            <a:cxnLst/>
+            <a:rect l="0" t="0" r="0" b="0"/>
             <a:pathLst>
-              <a:path extrusionOk="0" h="120000" w="120000">
+              <a:path w="120000" h="120000" extrusionOk="0">
                 <a:moveTo>
                   <a:pt x="0" y="0"/>
                 </a:moveTo>
@@ -2727,9 +2989,11 @@
       <p:sp>
         <p:nvSpPr>
           <p:cNvPr id="86" name="Shape 86"/>
-          <p:cNvSpPr txBox="1"/>
+          <p:cNvSpPr txBox="1">
+            <a:spLocks noGrp="1"/>
+          </p:cNvSpPr>
           <p:nvPr>
-            <p:ph idx="1" type="body"/>
+            <p:ph type="body" idx="1"/>
           </p:nvPr>
         </p:nvSpPr>
         <p:spPr>
@@ -2742,7 +3006,7 @@
           </a:prstGeom>
         </p:spPr>
         <p:txBody>
-          <a:bodyPr anchorCtr="0" anchor="t" bIns="91425" lIns="91425" rIns="91425" tIns="91425">
+          <a:bodyPr lIns="91425" tIns="91425" rIns="91425" bIns="91425" anchor="t" anchorCtr="0">
             <a:noAutofit/>
           </a:bodyPr>
           <a:lstStyle/>
@@ -2753,9 +3017,6 @@
               </a:spcBef>
               <a:buNone/>
             </a:pPr>
-            <a:r>
-              <a:t/>
-            </a:r>
             <a:endParaRPr/>
           </a:p>
         </p:txBody>
@@ -2769,11 +3030,11 @@
 </file>
 
 <file path=ppt/notesSlides/notesSlide7.xml><?xml version="1.0" encoding="utf-8"?>
-<p:notes xmlns:a="http://schemas.openxmlformats.org/drawingml/2006/main" xmlns:r="http://schemas.openxmlformats.org/officeDocument/2006/relationships" xmlns:mc="http://schemas.openxmlformats.org/markup-compatibility/2006" xmlns:mv="urn:schemas-microsoft-com:mac:vml" xmlns:p="http://schemas.openxmlformats.org/presentationml/2006/main" xmlns:c="http://schemas.openxmlformats.org/drawingml/2006/chart" xmlns:dgm="http://schemas.openxmlformats.org/drawingml/2006/diagram" xmlns:o="urn:schemas-microsoft-com:office:office" xmlns:v="urn:schemas-microsoft-com:vml" xmlns:pvml="urn:schemas-microsoft-com:office:powerpoint" xmlns:com="http://schemas.openxmlformats.org/drawingml/2006/compatibility" xmlns:p14="http://schemas.microsoft.com/office/powerpoint/2010/main" showMasterPhAnim="0" showMasterSp="0">
+<p:notes xmlns:a="http://schemas.openxmlformats.org/drawingml/2006/main" xmlns:r="http://schemas.openxmlformats.org/officeDocument/2006/relationships" xmlns:p="http://schemas.openxmlformats.org/presentationml/2006/main" showMasterSp="0" showMasterPhAnim="0">
   <p:cSld>
     <p:spTree>
       <p:nvGrpSpPr>
-        <p:cNvPr id="93" name="Shape 93"/>
+        <p:cNvPr id="1" name="Shape 93"/>
         <p:cNvGrpSpPr/>
         <p:nvPr/>
       </p:nvGrpSpPr>
@@ -2788,19 +3049,26 @@
       <p:sp>
         <p:nvSpPr>
           <p:cNvPr id="94" name="Shape 94"/>
-          <p:cNvSpPr/>
+          <p:cNvSpPr>
+            <a:spLocks noGrp="1" noRot="1" noChangeAspect="1"/>
+          </p:cNvSpPr>
           <p:nvPr>
-            <p:ph idx="2" type="sldImg"/>
+            <p:ph type="sldImg" idx="2"/>
           </p:nvPr>
         </p:nvSpPr>
         <p:spPr>
           <a:xfrm>
-            <a:off x="381300" y="685800"/>
+            <a:off x="381000" y="685800"/>
             <a:ext cx="6096000" cy="3429000"/>
           </a:xfrm>
           <a:custGeom>
+            <a:avLst/>
+            <a:gdLst/>
+            <a:ahLst/>
+            <a:cxnLst/>
+            <a:rect l="0" t="0" r="0" b="0"/>
             <a:pathLst>
-              <a:path extrusionOk="0" h="120000" w="120000">
+              <a:path w="120000" h="120000" extrusionOk="0">
                 <a:moveTo>
                   <a:pt x="0" y="0"/>
                 </a:moveTo>
@@ -2822,9 +3090,11 @@
       <p:sp>
         <p:nvSpPr>
           <p:cNvPr id="95" name="Shape 95"/>
-          <p:cNvSpPr txBox="1"/>
+          <p:cNvSpPr txBox="1">
+            <a:spLocks noGrp="1"/>
+          </p:cNvSpPr>
           <p:nvPr>
-            <p:ph idx="1" type="body"/>
+            <p:ph type="body" idx="1"/>
           </p:nvPr>
         </p:nvSpPr>
         <p:spPr>
@@ -2837,7 +3107,7 @@
           </a:prstGeom>
         </p:spPr>
         <p:txBody>
-          <a:bodyPr anchorCtr="0" anchor="t" bIns="91425" lIns="91425" rIns="91425" tIns="91425">
+          <a:bodyPr lIns="91425" tIns="91425" rIns="91425" bIns="91425" anchor="t" anchorCtr="0">
             <a:noAutofit/>
           </a:bodyPr>
           <a:lstStyle/>
@@ -2848,9 +3118,6 @@
               </a:spcBef>
               <a:buNone/>
             </a:pPr>
-            <a:r>
-              <a:t/>
-            </a:r>
             <a:endParaRPr/>
           </a:p>
         </p:txBody>
@@ -2864,11 +3131,11 @@
 </file>
 
 <file path=ppt/notesSlides/notesSlide8.xml><?xml version="1.0" encoding="utf-8"?>
-<p:notes xmlns:a="http://schemas.openxmlformats.org/drawingml/2006/main" xmlns:r="http://schemas.openxmlformats.org/officeDocument/2006/relationships" xmlns:mc="http://schemas.openxmlformats.org/markup-compatibility/2006" xmlns:mv="urn:schemas-microsoft-com:mac:vml" xmlns:p="http://schemas.openxmlformats.org/presentationml/2006/main" xmlns:c="http://schemas.openxmlformats.org/drawingml/2006/chart" xmlns:dgm="http://schemas.openxmlformats.org/drawingml/2006/diagram" xmlns:o="urn:schemas-microsoft-com:office:office" xmlns:v="urn:schemas-microsoft-com:vml" xmlns:pvml="urn:schemas-microsoft-com:office:powerpoint" xmlns:com="http://schemas.openxmlformats.org/drawingml/2006/compatibility" xmlns:p14="http://schemas.microsoft.com/office/powerpoint/2010/main" showMasterPhAnim="0" showMasterSp="0">
+<p:notes xmlns:a="http://schemas.openxmlformats.org/drawingml/2006/main" xmlns:r="http://schemas.openxmlformats.org/officeDocument/2006/relationships" xmlns:p="http://schemas.openxmlformats.org/presentationml/2006/main" showMasterSp="0" showMasterPhAnim="0">
   <p:cSld>
     <p:spTree>
       <p:nvGrpSpPr>
-        <p:cNvPr id="102" name="Shape 102"/>
+        <p:cNvPr id="1" name="Shape 102"/>
         <p:cNvGrpSpPr/>
         <p:nvPr/>
       </p:nvGrpSpPr>
@@ -2883,19 +3150,26 @@
       <p:sp>
         <p:nvSpPr>
           <p:cNvPr id="103" name="Shape 103"/>
-          <p:cNvSpPr/>
+          <p:cNvSpPr>
+            <a:spLocks noGrp="1" noRot="1" noChangeAspect="1"/>
+          </p:cNvSpPr>
           <p:nvPr>
-            <p:ph idx="2" type="sldImg"/>
+            <p:ph type="sldImg" idx="2"/>
           </p:nvPr>
         </p:nvSpPr>
         <p:spPr>
           <a:xfrm>
-            <a:off x="381300" y="685800"/>
+            <a:off x="381000" y="685800"/>
             <a:ext cx="6096000" cy="3429000"/>
           </a:xfrm>
           <a:custGeom>
+            <a:avLst/>
+            <a:gdLst/>
+            <a:ahLst/>
+            <a:cxnLst/>
+            <a:rect l="0" t="0" r="0" b="0"/>
             <a:pathLst>
-              <a:path extrusionOk="0" h="120000" w="120000">
+              <a:path w="120000" h="120000" extrusionOk="0">
                 <a:moveTo>
                   <a:pt x="0" y="0"/>
                 </a:moveTo>
@@ -2917,9 +3191,11 @@
       <p:sp>
         <p:nvSpPr>
           <p:cNvPr id="104" name="Shape 104"/>
-          <p:cNvSpPr txBox="1"/>
+          <p:cNvSpPr txBox="1">
+            <a:spLocks noGrp="1"/>
+          </p:cNvSpPr>
           <p:nvPr>
-            <p:ph idx="1" type="body"/>
+            <p:ph type="body" idx="1"/>
           </p:nvPr>
         </p:nvSpPr>
         <p:spPr>
@@ -2932,7 +3208,7 @@
           </a:prstGeom>
         </p:spPr>
         <p:txBody>
-          <a:bodyPr anchorCtr="0" anchor="t" bIns="91425" lIns="91425" rIns="91425" tIns="91425">
+          <a:bodyPr lIns="91425" tIns="91425" rIns="91425" bIns="91425" anchor="t" anchorCtr="0">
             <a:noAutofit/>
           </a:bodyPr>
           <a:lstStyle/>
@@ -2943,9 +3219,6 @@
               </a:spcBef>
               <a:buNone/>
             </a:pPr>
-            <a:r>
-              <a:t/>
-            </a:r>
             <a:endParaRPr/>
           </a:p>
         </p:txBody>
@@ -2959,11 +3232,11 @@
 </file>
 
 <file path=ppt/notesSlides/notesSlide9.xml><?xml version="1.0" encoding="utf-8"?>
-<p:notes xmlns:a="http://schemas.openxmlformats.org/drawingml/2006/main" xmlns:r="http://schemas.openxmlformats.org/officeDocument/2006/relationships" xmlns:mc="http://schemas.openxmlformats.org/markup-compatibility/2006" xmlns:mv="urn:schemas-microsoft-com:mac:vml" xmlns:p="http://schemas.openxmlformats.org/presentationml/2006/main" xmlns:c="http://schemas.openxmlformats.org/drawingml/2006/chart" xmlns:dgm="http://schemas.openxmlformats.org/drawingml/2006/diagram" xmlns:o="urn:schemas-microsoft-com:office:office" xmlns:v="urn:schemas-microsoft-com:vml" xmlns:pvml="urn:schemas-microsoft-com:office:powerpoint" xmlns:com="http://schemas.openxmlformats.org/drawingml/2006/compatibility" xmlns:p14="http://schemas.microsoft.com/office/powerpoint/2010/main" showMasterPhAnim="0" showMasterSp="0">
+<p:notes xmlns:a="http://schemas.openxmlformats.org/drawingml/2006/main" xmlns:r="http://schemas.openxmlformats.org/officeDocument/2006/relationships" xmlns:p="http://schemas.openxmlformats.org/presentationml/2006/main" showMasterSp="0" showMasterPhAnim="0">
   <p:cSld>
     <p:spTree>
       <p:nvGrpSpPr>
-        <p:cNvPr id="121" name="Shape 121"/>
+        <p:cNvPr id="1" name="Shape 121"/>
         <p:cNvGrpSpPr/>
         <p:nvPr/>
       </p:nvGrpSpPr>
@@ -2978,19 +3251,26 @@
       <p:sp>
         <p:nvSpPr>
           <p:cNvPr id="122" name="Shape 122"/>
-          <p:cNvSpPr/>
+          <p:cNvSpPr>
+            <a:spLocks noGrp="1" noRot="1" noChangeAspect="1"/>
+          </p:cNvSpPr>
           <p:nvPr>
-            <p:ph idx="2" type="sldImg"/>
+            <p:ph type="sldImg" idx="2"/>
           </p:nvPr>
         </p:nvSpPr>
         <p:spPr>
           <a:xfrm>
-            <a:off x="381300" y="685800"/>
+            <a:off x="381000" y="685800"/>
             <a:ext cx="6096000" cy="3429000"/>
           </a:xfrm>
           <a:custGeom>
+            <a:avLst/>
+            <a:gdLst/>
+            <a:ahLst/>
+            <a:cxnLst/>
+            <a:rect l="0" t="0" r="0" b="0"/>
             <a:pathLst>
-              <a:path extrusionOk="0" h="120000" w="120000">
+              <a:path w="120000" h="120000" extrusionOk="0">
                 <a:moveTo>
                   <a:pt x="0" y="0"/>
                 </a:moveTo>
@@ -3012,9 +3292,11 @@
       <p:sp>
         <p:nvSpPr>
           <p:cNvPr id="123" name="Shape 123"/>
-          <p:cNvSpPr txBox="1"/>
+          <p:cNvSpPr txBox="1">
+            <a:spLocks noGrp="1"/>
+          </p:cNvSpPr>
           <p:nvPr>
-            <p:ph idx="1" type="body"/>
+            <p:ph type="body" idx="1"/>
           </p:nvPr>
         </p:nvSpPr>
         <p:spPr>
@@ -3027,7 +3309,7 @@
           </a:prstGeom>
         </p:spPr>
         <p:txBody>
-          <a:bodyPr anchorCtr="0" anchor="t" bIns="91425" lIns="91425" rIns="91425" tIns="91425">
+          <a:bodyPr lIns="91425" tIns="91425" rIns="91425" bIns="91425" anchor="t" anchorCtr="0">
             <a:noAutofit/>
           </a:bodyPr>
           <a:lstStyle/>
@@ -3038,9 +3320,6 @@
               </a:spcBef>
               <a:buNone/>
             </a:pPr>
-            <a:r>
-              <a:t/>
-            </a:r>
             <a:endParaRPr/>
           </a:p>
         </p:txBody>
@@ -3054,11 +3333,11 @@
 </file>
 
 <file path=ppt/slideLayouts/slideLayout1.xml><?xml version="1.0" encoding="utf-8"?>
-<p:sldLayout xmlns:a="http://schemas.openxmlformats.org/drawingml/2006/main" xmlns:r="http://schemas.openxmlformats.org/officeDocument/2006/relationships" xmlns:mc="http://schemas.openxmlformats.org/markup-compatibility/2006" xmlns:mv="urn:schemas-microsoft-com:mac:vml" xmlns:p="http://schemas.openxmlformats.org/presentationml/2006/main" xmlns:c="http://schemas.openxmlformats.org/drawingml/2006/chart" xmlns:dgm="http://schemas.openxmlformats.org/drawingml/2006/diagram" xmlns:o="urn:schemas-microsoft-com:office:office" xmlns:v="urn:schemas-microsoft-com:vml" xmlns:pvml="urn:schemas-microsoft-com:office:powerpoint" xmlns:com="http://schemas.openxmlformats.org/drawingml/2006/compatibility" xmlns:p14="http://schemas.microsoft.com/office/powerpoint/2010/main" type="title">
+<p:sldLayout xmlns:a="http://schemas.openxmlformats.org/drawingml/2006/main" xmlns:r="http://schemas.openxmlformats.org/officeDocument/2006/relationships" xmlns:p="http://schemas.openxmlformats.org/presentationml/2006/main" type="title">
   <p:cSld name="Title slide">
     <p:spTree>
       <p:nvGrpSpPr>
-        <p:cNvPr id="9" name="Shape 9"/>
+        <p:cNvPr id="1" name="Shape 9"/>
         <p:cNvGrpSpPr/>
         <p:nvPr/>
       </p:nvGrpSpPr>
@@ -3073,7 +3352,9 @@
       <p:sp>
         <p:nvSpPr>
           <p:cNvPr id="10" name="Shape 10"/>
-          <p:cNvSpPr txBox="1"/>
+          <p:cNvSpPr txBox="1">
+            <a:spLocks noGrp="1"/>
+          </p:cNvSpPr>
           <p:nvPr>
             <p:ph type="ctrTitle"/>
           </p:nvPr>
@@ -3088,65 +3369,65 @@
           </a:prstGeom>
         </p:spPr>
         <p:txBody>
-          <a:bodyPr anchorCtr="0" anchor="b" bIns="91425" lIns="91425" rIns="91425" tIns="91425"/>
+          <a:bodyPr lIns="91425" tIns="91425" rIns="91425" bIns="91425" anchor="b" anchorCtr="0"/>
           <a:lstStyle>
-            <a:lvl1pPr lvl="0" rtl="0" algn="ctr">
+            <a:lvl1pPr lvl="0" algn="ctr" rtl="0">
               <a:spcBef>
                 <a:spcPts val="0"/>
               </a:spcBef>
               <a:buSzPct val="100000"/>
               <a:defRPr sz="5200"/>
             </a:lvl1pPr>
-            <a:lvl2pPr lvl="1" rtl="0" algn="ctr">
+            <a:lvl2pPr lvl="1" algn="ctr" rtl="0">
               <a:spcBef>
                 <a:spcPts val="0"/>
               </a:spcBef>
               <a:buSzPct val="100000"/>
               <a:defRPr sz="5200"/>
             </a:lvl2pPr>
-            <a:lvl3pPr lvl="2" rtl="0" algn="ctr">
+            <a:lvl3pPr lvl="2" algn="ctr" rtl="0">
               <a:spcBef>
                 <a:spcPts val="0"/>
               </a:spcBef>
               <a:buSzPct val="100000"/>
               <a:defRPr sz="5200"/>
             </a:lvl3pPr>
-            <a:lvl4pPr lvl="3" rtl="0" algn="ctr">
+            <a:lvl4pPr lvl="3" algn="ctr" rtl="0">
               <a:spcBef>
                 <a:spcPts val="0"/>
               </a:spcBef>
               <a:buSzPct val="100000"/>
               <a:defRPr sz="5200"/>
             </a:lvl4pPr>
-            <a:lvl5pPr lvl="4" rtl="0" algn="ctr">
+            <a:lvl5pPr lvl="4" algn="ctr" rtl="0">
               <a:spcBef>
                 <a:spcPts val="0"/>
               </a:spcBef>
               <a:buSzPct val="100000"/>
               <a:defRPr sz="5200"/>
             </a:lvl5pPr>
-            <a:lvl6pPr lvl="5" rtl="0" algn="ctr">
+            <a:lvl6pPr lvl="5" algn="ctr" rtl="0">
               <a:spcBef>
                 <a:spcPts val="0"/>
               </a:spcBef>
               <a:buSzPct val="100000"/>
               <a:defRPr sz="5200"/>
             </a:lvl6pPr>
-            <a:lvl7pPr lvl="6" rtl="0" algn="ctr">
+            <a:lvl7pPr lvl="6" algn="ctr" rtl="0">
               <a:spcBef>
                 <a:spcPts val="0"/>
               </a:spcBef>
               <a:buSzPct val="100000"/>
               <a:defRPr sz="5200"/>
             </a:lvl7pPr>
-            <a:lvl8pPr lvl="7" rtl="0" algn="ctr">
+            <a:lvl8pPr lvl="7" algn="ctr" rtl="0">
               <a:spcBef>
                 <a:spcPts val="0"/>
               </a:spcBef>
               <a:buSzPct val="100000"/>
               <a:defRPr sz="5200"/>
             </a:lvl8pPr>
-            <a:lvl9pPr lvl="8" rtl="0" algn="ctr">
+            <a:lvl9pPr lvl="8" algn="ctr" rtl="0">
               <a:spcBef>
                 <a:spcPts val="0"/>
               </a:spcBef>
@@ -3154,15 +3435,19 @@
               <a:defRPr sz="5200"/>
             </a:lvl9pPr>
           </a:lstStyle>
-          <a:p/>
+          <a:p>
+            <a:endParaRPr/>
+          </a:p>
         </p:txBody>
       </p:sp>
       <p:sp>
         <p:nvSpPr>
           <p:cNvPr id="11" name="Shape 11"/>
-          <p:cNvSpPr txBox="1"/>
+          <p:cNvSpPr txBox="1">
+            <a:spLocks noGrp="1"/>
+          </p:cNvSpPr>
           <p:nvPr>
-            <p:ph idx="1" type="subTitle"/>
+            <p:ph type="subTitle" idx="1"/>
           </p:nvPr>
         </p:nvSpPr>
         <p:spPr>
@@ -3175,9 +3460,9 @@
           </a:prstGeom>
         </p:spPr>
         <p:txBody>
-          <a:bodyPr anchorCtr="0" anchor="t" bIns="91425" lIns="91425" rIns="91425" tIns="91425"/>
+          <a:bodyPr lIns="91425" tIns="91425" rIns="91425" bIns="91425" anchor="t" anchorCtr="0"/>
           <a:lstStyle>
-            <a:lvl1pPr lvl="0" rtl="0" algn="ctr">
+            <a:lvl1pPr lvl="0" algn="ctr" rtl="0">
               <a:lnSpc>
                 <a:spcPct val="100000"/>
               </a:lnSpc>
@@ -3191,7 +3476,7 @@
               <a:buNone/>
               <a:defRPr sz="2800"/>
             </a:lvl1pPr>
-            <a:lvl2pPr lvl="1" rtl="0" algn="ctr">
+            <a:lvl2pPr lvl="1" algn="ctr" rtl="0">
               <a:lnSpc>
                 <a:spcPct val="100000"/>
               </a:lnSpc>
@@ -3205,7 +3490,7 @@
               <a:buNone/>
               <a:defRPr sz="2800"/>
             </a:lvl2pPr>
-            <a:lvl3pPr lvl="2" rtl="0" algn="ctr">
+            <a:lvl3pPr lvl="2" algn="ctr" rtl="0">
               <a:lnSpc>
                 <a:spcPct val="100000"/>
               </a:lnSpc>
@@ -3219,7 +3504,7 @@
               <a:buNone/>
               <a:defRPr sz="2800"/>
             </a:lvl3pPr>
-            <a:lvl4pPr lvl="3" rtl="0" algn="ctr">
+            <a:lvl4pPr lvl="3" algn="ctr" rtl="0">
               <a:lnSpc>
                 <a:spcPct val="100000"/>
               </a:lnSpc>
@@ -3233,7 +3518,7 @@
               <a:buNone/>
               <a:defRPr sz="2800"/>
             </a:lvl4pPr>
-            <a:lvl5pPr lvl="4" rtl="0" algn="ctr">
+            <a:lvl5pPr lvl="4" algn="ctr" rtl="0">
               <a:lnSpc>
                 <a:spcPct val="100000"/>
               </a:lnSpc>
@@ -3247,7 +3532,7 @@
               <a:buNone/>
               <a:defRPr sz="2800"/>
             </a:lvl5pPr>
-            <a:lvl6pPr lvl="5" rtl="0" algn="ctr">
+            <a:lvl6pPr lvl="5" algn="ctr" rtl="0">
               <a:lnSpc>
                 <a:spcPct val="100000"/>
               </a:lnSpc>
@@ -3261,7 +3546,7 @@
               <a:buNone/>
               <a:defRPr sz="2800"/>
             </a:lvl6pPr>
-            <a:lvl7pPr lvl="6" rtl="0" algn="ctr">
+            <a:lvl7pPr lvl="6" algn="ctr" rtl="0">
               <a:lnSpc>
                 <a:spcPct val="100000"/>
               </a:lnSpc>
@@ -3275,7 +3560,7 @@
               <a:buNone/>
               <a:defRPr sz="2800"/>
             </a:lvl7pPr>
-            <a:lvl8pPr lvl="7" rtl="0" algn="ctr">
+            <a:lvl8pPr lvl="7" algn="ctr" rtl="0">
               <a:lnSpc>
                 <a:spcPct val="100000"/>
               </a:lnSpc>
@@ -3289,7 +3574,7 @@
               <a:buNone/>
               <a:defRPr sz="2800"/>
             </a:lvl8pPr>
-            <a:lvl9pPr lvl="8" rtl="0" algn="ctr">
+            <a:lvl9pPr lvl="8" algn="ctr" rtl="0">
               <a:lnSpc>
                 <a:spcPct val="100000"/>
               </a:lnSpc>
@@ -3304,15 +3589,19 @@
               <a:defRPr sz="2800"/>
             </a:lvl9pPr>
           </a:lstStyle>
-          <a:p/>
+          <a:p>
+            <a:endParaRPr/>
+          </a:p>
         </p:txBody>
       </p:sp>
       <p:sp>
         <p:nvSpPr>
           <p:cNvPr id="12" name="Shape 12"/>
-          <p:cNvSpPr txBox="1"/>
+          <p:cNvSpPr txBox="1">
+            <a:spLocks noGrp="1"/>
+          </p:cNvSpPr>
           <p:nvPr>
-            <p:ph idx="12" type="sldNum"/>
+            <p:ph type="sldNum" idx="12"/>
           </p:nvPr>
         </p:nvSpPr>
         <p:spPr>
@@ -3325,7 +3614,7 @@
           </a:prstGeom>
         </p:spPr>
         <p:txBody>
-          <a:bodyPr anchorCtr="0" anchor="ctr" bIns="91425" lIns="91425" rIns="91425" tIns="91425">
+          <a:bodyPr lIns="91425" tIns="91425" rIns="91425" bIns="91425" anchor="ctr" anchorCtr="0">
             <a:noAutofit/>
           </a:bodyPr>
           <a:lstStyle/>
@@ -3340,6 +3629,7 @@
               <a:rPr lang="ko"/>
               <a:t>‹#›</a:t>
             </a:fld>
+            <a:endParaRPr lang="ko"/>
           </a:p>
         </p:txBody>
       </p:sp>
@@ -3352,11 +3642,11 @@
 </file>
 
 <file path=ppt/slideLayouts/slideLayout10.xml><?xml version="1.0" encoding="utf-8"?>
-<p:sldLayout xmlns:a="http://schemas.openxmlformats.org/drawingml/2006/main" xmlns:r="http://schemas.openxmlformats.org/officeDocument/2006/relationships" xmlns:mc="http://schemas.openxmlformats.org/markup-compatibility/2006" xmlns:mv="urn:schemas-microsoft-com:mac:vml" xmlns:p="http://schemas.openxmlformats.org/presentationml/2006/main" xmlns:c="http://schemas.openxmlformats.org/drawingml/2006/chart" xmlns:dgm="http://schemas.openxmlformats.org/drawingml/2006/diagram" xmlns:o="urn:schemas-microsoft-com:office:office" xmlns:v="urn:schemas-microsoft-com:vml" xmlns:pvml="urn:schemas-microsoft-com:office:powerpoint" xmlns:com="http://schemas.openxmlformats.org/drawingml/2006/compatibility" xmlns:p14="http://schemas.microsoft.com/office/powerpoint/2010/main">
+<p:sldLayout xmlns:a="http://schemas.openxmlformats.org/drawingml/2006/main" xmlns:r="http://schemas.openxmlformats.org/officeDocument/2006/relationships" xmlns:p="http://schemas.openxmlformats.org/presentationml/2006/main">
   <p:cSld name="Big number">
     <p:spTree>
       <p:nvGrpSpPr>
-        <p:cNvPr id="44" name="Shape 44"/>
+        <p:cNvPr id="1" name="Shape 44"/>
         <p:cNvGrpSpPr/>
         <p:nvPr/>
       </p:nvGrpSpPr>
@@ -3371,7 +3661,9 @@
       <p:sp>
         <p:nvSpPr>
           <p:cNvPr id="45" name="Shape 45"/>
-          <p:cNvSpPr txBox="1"/>
+          <p:cNvSpPr txBox="1">
+            <a:spLocks noGrp="1"/>
+          </p:cNvSpPr>
           <p:nvPr>
             <p:ph type="title"/>
           </p:nvPr>
@@ -3386,65 +3678,65 @@
           </a:prstGeom>
         </p:spPr>
         <p:txBody>
-          <a:bodyPr anchorCtr="0" anchor="b" bIns="91425" lIns="91425" rIns="91425" tIns="91425"/>
+          <a:bodyPr lIns="91425" tIns="91425" rIns="91425" bIns="91425" anchor="b" anchorCtr="0"/>
           <a:lstStyle>
-            <a:lvl1pPr lvl="0" rtl="0" algn="ctr">
+            <a:lvl1pPr lvl="0" algn="ctr" rtl="0">
               <a:spcBef>
                 <a:spcPts val="0"/>
               </a:spcBef>
               <a:buSzPct val="100000"/>
               <a:defRPr sz="12000"/>
             </a:lvl1pPr>
-            <a:lvl2pPr lvl="1" rtl="0" algn="ctr">
+            <a:lvl2pPr lvl="1" algn="ctr" rtl="0">
               <a:spcBef>
                 <a:spcPts val="0"/>
               </a:spcBef>
               <a:buSzPct val="100000"/>
               <a:defRPr sz="12000"/>
             </a:lvl2pPr>
-            <a:lvl3pPr lvl="2" rtl="0" algn="ctr">
+            <a:lvl3pPr lvl="2" algn="ctr" rtl="0">
               <a:spcBef>
                 <a:spcPts val="0"/>
               </a:spcBef>
               <a:buSzPct val="100000"/>
               <a:defRPr sz="12000"/>
             </a:lvl3pPr>
-            <a:lvl4pPr lvl="3" rtl="0" algn="ctr">
+            <a:lvl4pPr lvl="3" algn="ctr" rtl="0">
               <a:spcBef>
                 <a:spcPts val="0"/>
               </a:spcBef>
               <a:buSzPct val="100000"/>
               <a:defRPr sz="12000"/>
             </a:lvl4pPr>
-            <a:lvl5pPr lvl="4" rtl="0" algn="ctr">
+            <a:lvl5pPr lvl="4" algn="ctr" rtl="0">
               <a:spcBef>
                 <a:spcPts val="0"/>
               </a:spcBef>
               <a:buSzPct val="100000"/>
               <a:defRPr sz="12000"/>
             </a:lvl5pPr>
-            <a:lvl6pPr lvl="5" rtl="0" algn="ctr">
+            <a:lvl6pPr lvl="5" algn="ctr" rtl="0">
               <a:spcBef>
                 <a:spcPts val="0"/>
               </a:spcBef>
               <a:buSzPct val="100000"/>
               <a:defRPr sz="12000"/>
             </a:lvl6pPr>
-            <a:lvl7pPr lvl="6" rtl="0" algn="ctr">
+            <a:lvl7pPr lvl="6" algn="ctr" rtl="0">
               <a:spcBef>
                 <a:spcPts val="0"/>
               </a:spcBef>
               <a:buSzPct val="100000"/>
               <a:defRPr sz="12000"/>
             </a:lvl7pPr>
-            <a:lvl8pPr lvl="7" rtl="0" algn="ctr">
+            <a:lvl8pPr lvl="7" algn="ctr" rtl="0">
               <a:spcBef>
                 <a:spcPts val="0"/>
               </a:spcBef>
               <a:buSzPct val="100000"/>
               <a:defRPr sz="12000"/>
             </a:lvl8pPr>
-            <a:lvl9pPr lvl="8" rtl="0" algn="ctr">
+            <a:lvl9pPr lvl="8" algn="ctr" rtl="0">
               <a:spcBef>
                 <a:spcPts val="0"/>
               </a:spcBef>
@@ -3452,15 +3744,19 @@
               <a:defRPr sz="12000"/>
             </a:lvl9pPr>
           </a:lstStyle>
-          <a:p/>
+          <a:p>
+            <a:endParaRPr/>
+          </a:p>
         </p:txBody>
       </p:sp>
       <p:sp>
         <p:nvSpPr>
           <p:cNvPr id="46" name="Shape 46"/>
-          <p:cNvSpPr txBox="1"/>
+          <p:cNvSpPr txBox="1">
+            <a:spLocks noGrp="1"/>
+          </p:cNvSpPr>
           <p:nvPr>
-            <p:ph idx="1" type="body"/>
+            <p:ph type="body" idx="1"/>
           </p:nvPr>
         </p:nvSpPr>
         <p:spPr>
@@ -3473,72 +3769,76 @@
           </a:prstGeom>
         </p:spPr>
         <p:txBody>
-          <a:bodyPr anchorCtr="0" anchor="t" bIns="91425" lIns="91425" rIns="91425" tIns="91425"/>
+          <a:bodyPr lIns="91425" tIns="91425" rIns="91425" bIns="91425" anchor="t" anchorCtr="0"/>
           <a:lstStyle>
-            <a:lvl1pPr lvl="0" rtl="0" algn="ctr">
+            <a:lvl1pPr lvl="0" algn="ctr" rtl="0">
               <a:spcBef>
                 <a:spcPts val="0"/>
               </a:spcBef>
               <a:defRPr/>
             </a:lvl1pPr>
-            <a:lvl2pPr lvl="1" rtl="0" algn="ctr">
+            <a:lvl2pPr lvl="1" algn="ctr" rtl="0">
               <a:spcBef>
                 <a:spcPts val="0"/>
               </a:spcBef>
               <a:defRPr/>
             </a:lvl2pPr>
-            <a:lvl3pPr lvl="2" rtl="0" algn="ctr">
+            <a:lvl3pPr lvl="2" algn="ctr" rtl="0">
               <a:spcBef>
                 <a:spcPts val="0"/>
               </a:spcBef>
               <a:defRPr/>
             </a:lvl3pPr>
-            <a:lvl4pPr lvl="3" rtl="0" algn="ctr">
+            <a:lvl4pPr lvl="3" algn="ctr" rtl="0">
               <a:spcBef>
                 <a:spcPts val="0"/>
               </a:spcBef>
               <a:defRPr/>
             </a:lvl4pPr>
-            <a:lvl5pPr lvl="4" rtl="0" algn="ctr">
+            <a:lvl5pPr lvl="4" algn="ctr" rtl="0">
               <a:spcBef>
                 <a:spcPts val="0"/>
               </a:spcBef>
               <a:defRPr/>
             </a:lvl5pPr>
-            <a:lvl6pPr lvl="5" rtl="0" algn="ctr">
+            <a:lvl6pPr lvl="5" algn="ctr" rtl="0">
               <a:spcBef>
                 <a:spcPts val="0"/>
               </a:spcBef>
               <a:defRPr/>
             </a:lvl6pPr>
-            <a:lvl7pPr lvl="6" rtl="0" algn="ctr">
+            <a:lvl7pPr lvl="6" algn="ctr" rtl="0">
               <a:spcBef>
                 <a:spcPts val="0"/>
               </a:spcBef>
               <a:defRPr/>
             </a:lvl7pPr>
-            <a:lvl8pPr lvl="7" rtl="0" algn="ctr">
+            <a:lvl8pPr lvl="7" algn="ctr" rtl="0">
               <a:spcBef>
                 <a:spcPts val="0"/>
               </a:spcBef>
               <a:defRPr/>
             </a:lvl8pPr>
-            <a:lvl9pPr lvl="8" rtl="0" algn="ctr">
+            <a:lvl9pPr lvl="8" algn="ctr" rtl="0">
               <a:spcBef>
                 <a:spcPts val="0"/>
               </a:spcBef>
               <a:defRPr/>
             </a:lvl9pPr>
           </a:lstStyle>
-          <a:p/>
+          <a:p>
+            <a:endParaRPr/>
+          </a:p>
         </p:txBody>
       </p:sp>
       <p:sp>
         <p:nvSpPr>
           <p:cNvPr id="47" name="Shape 47"/>
-          <p:cNvSpPr txBox="1"/>
+          <p:cNvSpPr txBox="1">
+            <a:spLocks noGrp="1"/>
+          </p:cNvSpPr>
           <p:nvPr>
-            <p:ph idx="12" type="sldNum"/>
+            <p:ph type="sldNum" idx="12"/>
           </p:nvPr>
         </p:nvSpPr>
         <p:spPr>
@@ -3551,7 +3851,7 @@
           </a:prstGeom>
         </p:spPr>
         <p:txBody>
-          <a:bodyPr anchorCtr="0" anchor="ctr" bIns="91425" lIns="91425" rIns="91425" tIns="91425">
+          <a:bodyPr lIns="91425" tIns="91425" rIns="91425" bIns="91425" anchor="ctr" anchorCtr="0">
             <a:noAutofit/>
           </a:bodyPr>
           <a:lstStyle/>
@@ -3566,6 +3866,7 @@
               <a:rPr lang="ko"/>
               <a:t>‹#›</a:t>
             </a:fld>
+            <a:endParaRPr lang="ko"/>
           </a:p>
         </p:txBody>
       </p:sp>
@@ -3578,11 +3879,11 @@
 </file>
 
 <file path=ppt/slideLayouts/slideLayout11.xml><?xml version="1.0" encoding="utf-8"?>
-<p:sldLayout xmlns:a="http://schemas.openxmlformats.org/drawingml/2006/main" xmlns:r="http://schemas.openxmlformats.org/officeDocument/2006/relationships" xmlns:mc="http://schemas.openxmlformats.org/markup-compatibility/2006" xmlns:mv="urn:schemas-microsoft-com:mac:vml" xmlns:p="http://schemas.openxmlformats.org/presentationml/2006/main" xmlns:c="http://schemas.openxmlformats.org/drawingml/2006/chart" xmlns:dgm="http://schemas.openxmlformats.org/drawingml/2006/diagram" xmlns:o="urn:schemas-microsoft-com:office:office" xmlns:v="urn:schemas-microsoft-com:vml" xmlns:pvml="urn:schemas-microsoft-com:office:powerpoint" xmlns:com="http://schemas.openxmlformats.org/drawingml/2006/compatibility" xmlns:p14="http://schemas.microsoft.com/office/powerpoint/2010/main" type="blank">
+<p:sldLayout xmlns:a="http://schemas.openxmlformats.org/drawingml/2006/main" xmlns:r="http://schemas.openxmlformats.org/officeDocument/2006/relationships" xmlns:p="http://schemas.openxmlformats.org/presentationml/2006/main" type="blank">
   <p:cSld name="Blank">
     <p:spTree>
       <p:nvGrpSpPr>
-        <p:cNvPr id="48" name="Shape 48"/>
+        <p:cNvPr id="1" name="Shape 48"/>
         <p:cNvGrpSpPr/>
         <p:nvPr/>
       </p:nvGrpSpPr>
@@ -3597,9 +3898,11 @@
       <p:sp>
         <p:nvSpPr>
           <p:cNvPr id="49" name="Shape 49"/>
-          <p:cNvSpPr txBox="1"/>
+          <p:cNvSpPr txBox="1">
+            <a:spLocks noGrp="1"/>
+          </p:cNvSpPr>
           <p:nvPr>
-            <p:ph idx="12" type="sldNum"/>
+            <p:ph type="sldNum" idx="12"/>
           </p:nvPr>
         </p:nvSpPr>
         <p:spPr>
@@ -3612,7 +3915,7 @@
           </a:prstGeom>
         </p:spPr>
         <p:txBody>
-          <a:bodyPr anchorCtr="0" anchor="ctr" bIns="91425" lIns="91425" rIns="91425" tIns="91425">
+          <a:bodyPr lIns="91425" tIns="91425" rIns="91425" bIns="91425" anchor="ctr" anchorCtr="0">
             <a:noAutofit/>
           </a:bodyPr>
           <a:lstStyle/>
@@ -3627,6 +3930,7 @@
               <a:rPr lang="ko"/>
               <a:t>‹#›</a:t>
             </a:fld>
+            <a:endParaRPr lang="ko"/>
           </a:p>
         </p:txBody>
       </p:sp>
@@ -3639,11 +3943,11 @@
 </file>
 
 <file path=ppt/slideLayouts/slideLayout2.xml><?xml version="1.0" encoding="utf-8"?>
-<p:sldLayout xmlns:a="http://schemas.openxmlformats.org/drawingml/2006/main" xmlns:r="http://schemas.openxmlformats.org/officeDocument/2006/relationships" xmlns:mc="http://schemas.openxmlformats.org/markup-compatibility/2006" xmlns:mv="urn:schemas-microsoft-com:mac:vml" xmlns:p="http://schemas.openxmlformats.org/presentationml/2006/main" xmlns:c="http://schemas.openxmlformats.org/drawingml/2006/chart" xmlns:dgm="http://schemas.openxmlformats.org/drawingml/2006/diagram" xmlns:o="urn:schemas-microsoft-com:office:office" xmlns:v="urn:schemas-microsoft-com:vml" xmlns:pvml="urn:schemas-microsoft-com:office:powerpoint" xmlns:com="http://schemas.openxmlformats.org/drawingml/2006/compatibility" xmlns:p14="http://schemas.microsoft.com/office/powerpoint/2010/main" type="secHead">
+<p:sldLayout xmlns:a="http://schemas.openxmlformats.org/drawingml/2006/main" xmlns:r="http://schemas.openxmlformats.org/officeDocument/2006/relationships" xmlns:p="http://schemas.openxmlformats.org/presentationml/2006/main" type="secHead">
   <p:cSld name="Section header">
     <p:spTree>
       <p:nvGrpSpPr>
-        <p:cNvPr id="13" name="Shape 13"/>
+        <p:cNvPr id="1" name="Shape 13"/>
         <p:cNvGrpSpPr/>
         <p:nvPr/>
       </p:nvGrpSpPr>
@@ -3658,7 +3962,9 @@
       <p:sp>
         <p:nvSpPr>
           <p:cNvPr id="14" name="Shape 14"/>
-          <p:cNvSpPr txBox="1"/>
+          <p:cNvSpPr txBox="1">
+            <a:spLocks noGrp="1"/>
+          </p:cNvSpPr>
           <p:nvPr>
             <p:ph type="title"/>
           </p:nvPr>
@@ -3673,65 +3979,65 @@
           </a:prstGeom>
         </p:spPr>
         <p:txBody>
-          <a:bodyPr anchorCtr="0" anchor="ctr" bIns="91425" lIns="91425" rIns="91425" tIns="91425"/>
+          <a:bodyPr lIns="91425" tIns="91425" rIns="91425" bIns="91425" anchor="ctr" anchorCtr="0"/>
           <a:lstStyle>
-            <a:lvl1pPr lvl="0" rtl="0" algn="ctr">
+            <a:lvl1pPr lvl="0" algn="ctr" rtl="0">
               <a:spcBef>
                 <a:spcPts val="0"/>
               </a:spcBef>
               <a:buSzPct val="100000"/>
               <a:defRPr sz="3600"/>
             </a:lvl1pPr>
-            <a:lvl2pPr lvl="1" rtl="0" algn="ctr">
+            <a:lvl2pPr lvl="1" algn="ctr" rtl="0">
               <a:spcBef>
                 <a:spcPts val="0"/>
               </a:spcBef>
               <a:buSzPct val="100000"/>
               <a:defRPr sz="3600"/>
             </a:lvl2pPr>
-            <a:lvl3pPr lvl="2" rtl="0" algn="ctr">
+            <a:lvl3pPr lvl="2" algn="ctr" rtl="0">
               <a:spcBef>
                 <a:spcPts val="0"/>
               </a:spcBef>
               <a:buSzPct val="100000"/>
               <a:defRPr sz="3600"/>
             </a:lvl3pPr>
-            <a:lvl4pPr lvl="3" rtl="0" algn="ctr">
+            <a:lvl4pPr lvl="3" algn="ctr" rtl="0">
               <a:spcBef>
                 <a:spcPts val="0"/>
               </a:spcBef>
               <a:buSzPct val="100000"/>
               <a:defRPr sz="3600"/>
             </a:lvl4pPr>
-            <a:lvl5pPr lvl="4" rtl="0" algn="ctr">
+            <a:lvl5pPr lvl="4" algn="ctr" rtl="0">
               <a:spcBef>
                 <a:spcPts val="0"/>
               </a:spcBef>
               <a:buSzPct val="100000"/>
               <a:defRPr sz="3600"/>
             </a:lvl5pPr>
-            <a:lvl6pPr lvl="5" rtl="0" algn="ctr">
+            <a:lvl6pPr lvl="5" algn="ctr" rtl="0">
               <a:spcBef>
                 <a:spcPts val="0"/>
               </a:spcBef>
               <a:buSzPct val="100000"/>
               <a:defRPr sz="3600"/>
             </a:lvl6pPr>
-            <a:lvl7pPr lvl="6" rtl="0" algn="ctr">
+            <a:lvl7pPr lvl="6" algn="ctr" rtl="0">
               <a:spcBef>
                 <a:spcPts val="0"/>
               </a:spcBef>
               <a:buSzPct val="100000"/>
               <a:defRPr sz="3600"/>
             </a:lvl7pPr>
-            <a:lvl8pPr lvl="7" rtl="0" algn="ctr">
+            <a:lvl8pPr lvl="7" algn="ctr" rtl="0">
               <a:spcBef>
                 <a:spcPts val="0"/>
               </a:spcBef>
               <a:buSzPct val="100000"/>
               <a:defRPr sz="3600"/>
             </a:lvl8pPr>
-            <a:lvl9pPr lvl="8" rtl="0" algn="ctr">
+            <a:lvl9pPr lvl="8" algn="ctr" rtl="0">
               <a:spcBef>
                 <a:spcPts val="0"/>
               </a:spcBef>
@@ -3739,15 +4045,19 @@
               <a:defRPr sz="3600"/>
             </a:lvl9pPr>
           </a:lstStyle>
-          <a:p/>
+          <a:p>
+            <a:endParaRPr/>
+          </a:p>
         </p:txBody>
       </p:sp>
       <p:sp>
         <p:nvSpPr>
           <p:cNvPr id="15" name="Shape 15"/>
-          <p:cNvSpPr txBox="1"/>
+          <p:cNvSpPr txBox="1">
+            <a:spLocks noGrp="1"/>
+          </p:cNvSpPr>
           <p:nvPr>
-            <p:ph idx="12" type="sldNum"/>
+            <p:ph type="sldNum" idx="12"/>
           </p:nvPr>
         </p:nvSpPr>
         <p:spPr>
@@ -3760,7 +4070,7 @@
           </a:prstGeom>
         </p:spPr>
         <p:txBody>
-          <a:bodyPr anchorCtr="0" anchor="ctr" bIns="91425" lIns="91425" rIns="91425" tIns="91425">
+          <a:bodyPr lIns="91425" tIns="91425" rIns="91425" bIns="91425" anchor="ctr" anchorCtr="0">
             <a:noAutofit/>
           </a:bodyPr>
           <a:lstStyle/>
@@ -3775,6 +4085,7 @@
               <a:rPr lang="ko"/>
               <a:t>‹#›</a:t>
             </a:fld>
+            <a:endParaRPr lang="ko"/>
           </a:p>
         </p:txBody>
       </p:sp>
@@ -3787,11 +4098,11 @@
 </file>
 
 <file path=ppt/slideLayouts/slideLayout3.xml><?xml version="1.0" encoding="utf-8"?>
-<p:sldLayout xmlns:a="http://schemas.openxmlformats.org/drawingml/2006/main" xmlns:r="http://schemas.openxmlformats.org/officeDocument/2006/relationships" xmlns:mc="http://schemas.openxmlformats.org/markup-compatibility/2006" xmlns:mv="urn:schemas-microsoft-com:mac:vml" xmlns:p="http://schemas.openxmlformats.org/presentationml/2006/main" xmlns:c="http://schemas.openxmlformats.org/drawingml/2006/chart" xmlns:dgm="http://schemas.openxmlformats.org/drawingml/2006/diagram" xmlns:o="urn:schemas-microsoft-com:office:office" xmlns:v="urn:schemas-microsoft-com:vml" xmlns:pvml="urn:schemas-microsoft-com:office:powerpoint" xmlns:com="http://schemas.openxmlformats.org/drawingml/2006/compatibility" xmlns:p14="http://schemas.microsoft.com/office/powerpoint/2010/main" type="tx">
+<p:sldLayout xmlns:a="http://schemas.openxmlformats.org/drawingml/2006/main" xmlns:r="http://schemas.openxmlformats.org/officeDocument/2006/relationships" xmlns:p="http://schemas.openxmlformats.org/presentationml/2006/main" type="tx">
   <p:cSld name="Title and body">
     <p:spTree>
       <p:nvGrpSpPr>
-        <p:cNvPr id="16" name="Shape 16"/>
+        <p:cNvPr id="1" name="Shape 16"/>
         <p:cNvGrpSpPr/>
         <p:nvPr/>
       </p:nvGrpSpPr>
@@ -3806,7 +4117,9 @@
       <p:sp>
         <p:nvSpPr>
           <p:cNvPr id="17" name="Shape 17"/>
-          <p:cNvSpPr txBox="1"/>
+          <p:cNvSpPr txBox="1">
+            <a:spLocks noGrp="1"/>
+          </p:cNvSpPr>
           <p:nvPr>
             <p:ph type="title"/>
           </p:nvPr>
@@ -3821,7 +4134,7 @@
           </a:prstGeom>
         </p:spPr>
         <p:txBody>
-          <a:bodyPr anchorCtr="0" anchor="t" bIns="91425" lIns="91425" rIns="91425" tIns="91425"/>
+          <a:bodyPr lIns="91425" tIns="91425" rIns="91425" bIns="91425" anchor="t" anchorCtr="0"/>
           <a:lstStyle>
             <a:lvl1pPr lvl="0" rtl="0">
               <a:spcBef>
@@ -3878,15 +4191,19 @@
               <a:defRPr/>
             </a:lvl9pPr>
           </a:lstStyle>
-          <a:p/>
+          <a:p>
+            <a:endParaRPr/>
+          </a:p>
         </p:txBody>
       </p:sp>
       <p:sp>
         <p:nvSpPr>
           <p:cNvPr id="18" name="Shape 18"/>
-          <p:cNvSpPr txBox="1"/>
+          <p:cNvSpPr txBox="1">
+            <a:spLocks noGrp="1"/>
+          </p:cNvSpPr>
           <p:nvPr>
-            <p:ph idx="1" type="body"/>
+            <p:ph type="body" idx="1"/>
           </p:nvPr>
         </p:nvSpPr>
         <p:spPr>
@@ -3899,7 +4216,7 @@
           </a:prstGeom>
         </p:spPr>
         <p:txBody>
-          <a:bodyPr anchorCtr="0" anchor="t" bIns="91425" lIns="91425" rIns="91425" tIns="91425"/>
+          <a:bodyPr lIns="91425" tIns="91425" rIns="91425" bIns="91425" anchor="t" anchorCtr="0"/>
           <a:lstStyle>
             <a:lvl1pPr lvl="0" rtl="0">
               <a:spcBef>
@@ -3956,15 +4273,19 @@
               <a:defRPr/>
             </a:lvl9pPr>
           </a:lstStyle>
-          <a:p/>
+          <a:p>
+            <a:endParaRPr/>
+          </a:p>
         </p:txBody>
       </p:sp>
       <p:sp>
         <p:nvSpPr>
           <p:cNvPr id="19" name="Shape 19"/>
-          <p:cNvSpPr txBox="1"/>
+          <p:cNvSpPr txBox="1">
+            <a:spLocks noGrp="1"/>
+          </p:cNvSpPr>
           <p:nvPr>
-            <p:ph idx="12" type="sldNum"/>
+            <p:ph type="sldNum" idx="12"/>
           </p:nvPr>
         </p:nvSpPr>
         <p:spPr>
@@ -3977,7 +4298,7 @@
           </a:prstGeom>
         </p:spPr>
         <p:txBody>
-          <a:bodyPr anchorCtr="0" anchor="ctr" bIns="91425" lIns="91425" rIns="91425" tIns="91425">
+          <a:bodyPr lIns="91425" tIns="91425" rIns="91425" bIns="91425" anchor="ctr" anchorCtr="0">
             <a:noAutofit/>
           </a:bodyPr>
           <a:lstStyle/>
@@ -3992,6 +4313,7 @@
               <a:rPr lang="ko"/>
               <a:t>‹#›</a:t>
             </a:fld>
+            <a:endParaRPr lang="ko"/>
           </a:p>
         </p:txBody>
       </p:sp>
@@ -4004,11 +4326,11 @@
 </file>
 
 <file path=ppt/slideLayouts/slideLayout4.xml><?xml version="1.0" encoding="utf-8"?>
-<p:sldLayout xmlns:a="http://schemas.openxmlformats.org/drawingml/2006/main" xmlns:r="http://schemas.openxmlformats.org/officeDocument/2006/relationships" xmlns:mc="http://schemas.openxmlformats.org/markup-compatibility/2006" xmlns:mv="urn:schemas-microsoft-com:mac:vml" xmlns:p="http://schemas.openxmlformats.org/presentationml/2006/main" xmlns:c="http://schemas.openxmlformats.org/drawingml/2006/chart" xmlns:dgm="http://schemas.openxmlformats.org/drawingml/2006/diagram" xmlns:o="urn:schemas-microsoft-com:office:office" xmlns:v="urn:schemas-microsoft-com:vml" xmlns:pvml="urn:schemas-microsoft-com:office:powerpoint" xmlns:com="http://schemas.openxmlformats.org/drawingml/2006/compatibility" xmlns:p14="http://schemas.microsoft.com/office/powerpoint/2010/main" type="twoColTx">
+<p:sldLayout xmlns:a="http://schemas.openxmlformats.org/drawingml/2006/main" xmlns:r="http://schemas.openxmlformats.org/officeDocument/2006/relationships" xmlns:p="http://schemas.openxmlformats.org/presentationml/2006/main" type="twoColTx">
   <p:cSld name="Title and two columns">
     <p:spTree>
       <p:nvGrpSpPr>
-        <p:cNvPr id="20" name="Shape 20"/>
+        <p:cNvPr id="1" name="Shape 20"/>
         <p:cNvGrpSpPr/>
         <p:nvPr/>
       </p:nvGrpSpPr>
@@ -4023,7 +4345,9 @@
       <p:sp>
         <p:nvSpPr>
           <p:cNvPr id="21" name="Shape 21"/>
-          <p:cNvSpPr txBox="1"/>
+          <p:cNvSpPr txBox="1">
+            <a:spLocks noGrp="1"/>
+          </p:cNvSpPr>
           <p:nvPr>
             <p:ph type="title"/>
           </p:nvPr>
@@ -4038,7 +4362,7 @@
           </a:prstGeom>
         </p:spPr>
         <p:txBody>
-          <a:bodyPr anchorCtr="0" anchor="t" bIns="91425" lIns="91425" rIns="91425" tIns="91425"/>
+          <a:bodyPr lIns="91425" tIns="91425" rIns="91425" bIns="91425" anchor="t" anchorCtr="0"/>
           <a:lstStyle>
             <a:lvl1pPr lvl="0" rtl="0">
               <a:spcBef>
@@ -4095,15 +4419,19 @@
               <a:defRPr/>
             </a:lvl9pPr>
           </a:lstStyle>
-          <a:p/>
+          <a:p>
+            <a:endParaRPr/>
+          </a:p>
         </p:txBody>
       </p:sp>
       <p:sp>
         <p:nvSpPr>
           <p:cNvPr id="22" name="Shape 22"/>
-          <p:cNvSpPr txBox="1"/>
+          <p:cNvSpPr txBox="1">
+            <a:spLocks noGrp="1"/>
+          </p:cNvSpPr>
           <p:nvPr>
-            <p:ph idx="1" type="body"/>
+            <p:ph type="body" idx="1"/>
           </p:nvPr>
         </p:nvSpPr>
         <p:spPr>
@@ -4116,7 +4444,7 @@
           </a:prstGeom>
         </p:spPr>
         <p:txBody>
-          <a:bodyPr anchorCtr="0" anchor="t" bIns="91425" lIns="91425" rIns="91425" tIns="91425"/>
+          <a:bodyPr lIns="91425" tIns="91425" rIns="91425" bIns="91425" anchor="t" anchorCtr="0"/>
           <a:lstStyle>
             <a:lvl1pPr lvl="0" rtl="0">
               <a:spcBef>
@@ -4182,15 +4510,19 @@
               <a:defRPr sz="1200"/>
             </a:lvl9pPr>
           </a:lstStyle>
-          <a:p/>
+          <a:p>
+            <a:endParaRPr/>
+          </a:p>
         </p:txBody>
       </p:sp>
       <p:sp>
         <p:nvSpPr>
           <p:cNvPr id="23" name="Shape 23"/>
-          <p:cNvSpPr txBox="1"/>
+          <p:cNvSpPr txBox="1">
+            <a:spLocks noGrp="1"/>
+          </p:cNvSpPr>
           <p:nvPr>
-            <p:ph idx="2" type="body"/>
+            <p:ph type="body" idx="2"/>
           </p:nvPr>
         </p:nvSpPr>
         <p:spPr>
@@ -4203,7 +4535,7 @@
           </a:prstGeom>
         </p:spPr>
         <p:txBody>
-          <a:bodyPr anchorCtr="0" anchor="t" bIns="91425" lIns="91425" rIns="91425" tIns="91425"/>
+          <a:bodyPr lIns="91425" tIns="91425" rIns="91425" bIns="91425" anchor="t" anchorCtr="0"/>
           <a:lstStyle>
             <a:lvl1pPr lvl="0" rtl="0">
               <a:spcBef>
@@ -4269,15 +4601,19 @@
               <a:defRPr sz="1200"/>
             </a:lvl9pPr>
           </a:lstStyle>
-          <a:p/>
+          <a:p>
+            <a:endParaRPr/>
+          </a:p>
         </p:txBody>
       </p:sp>
       <p:sp>
         <p:nvSpPr>
           <p:cNvPr id="24" name="Shape 24"/>
-          <p:cNvSpPr txBox="1"/>
+          <p:cNvSpPr txBox="1">
+            <a:spLocks noGrp="1"/>
+          </p:cNvSpPr>
           <p:nvPr>
-            <p:ph idx="12" type="sldNum"/>
+            <p:ph type="sldNum" idx="12"/>
           </p:nvPr>
         </p:nvSpPr>
         <p:spPr>
@@ -4290,7 +4626,7 @@
           </a:prstGeom>
         </p:spPr>
         <p:txBody>
-          <a:bodyPr anchorCtr="0" anchor="ctr" bIns="91425" lIns="91425" rIns="91425" tIns="91425">
+          <a:bodyPr lIns="91425" tIns="91425" rIns="91425" bIns="91425" anchor="ctr" anchorCtr="0">
             <a:noAutofit/>
           </a:bodyPr>
           <a:lstStyle/>
@@ -4305,6 +4641,7 @@
               <a:rPr lang="ko"/>
               <a:t>‹#›</a:t>
             </a:fld>
+            <a:endParaRPr lang="ko"/>
           </a:p>
         </p:txBody>
       </p:sp>
@@ -4317,11 +4654,11 @@
 </file>
 
 <file path=ppt/slideLayouts/slideLayout5.xml><?xml version="1.0" encoding="utf-8"?>
-<p:sldLayout xmlns:a="http://schemas.openxmlformats.org/drawingml/2006/main" xmlns:r="http://schemas.openxmlformats.org/officeDocument/2006/relationships" xmlns:mc="http://schemas.openxmlformats.org/markup-compatibility/2006" xmlns:mv="urn:schemas-microsoft-com:mac:vml" xmlns:p="http://schemas.openxmlformats.org/presentationml/2006/main" xmlns:c="http://schemas.openxmlformats.org/drawingml/2006/chart" xmlns:dgm="http://schemas.openxmlformats.org/drawingml/2006/diagram" xmlns:o="urn:schemas-microsoft-com:office:office" xmlns:v="urn:schemas-microsoft-com:vml" xmlns:pvml="urn:schemas-microsoft-com:office:powerpoint" xmlns:com="http://schemas.openxmlformats.org/drawingml/2006/compatibility" xmlns:p14="http://schemas.microsoft.com/office/powerpoint/2010/main" type="titleOnly">
+<p:sldLayout xmlns:a="http://schemas.openxmlformats.org/drawingml/2006/main" xmlns:r="http://schemas.openxmlformats.org/officeDocument/2006/relationships" xmlns:p="http://schemas.openxmlformats.org/presentationml/2006/main" type="titleOnly">
   <p:cSld name="Title only">
     <p:spTree>
       <p:nvGrpSpPr>
-        <p:cNvPr id="25" name="Shape 25"/>
+        <p:cNvPr id="1" name="Shape 25"/>
         <p:cNvGrpSpPr/>
         <p:nvPr/>
       </p:nvGrpSpPr>
@@ -4336,7 +4673,9 @@
       <p:sp>
         <p:nvSpPr>
           <p:cNvPr id="26" name="Shape 26"/>
-          <p:cNvSpPr txBox="1"/>
+          <p:cNvSpPr txBox="1">
+            <a:spLocks noGrp="1"/>
+          </p:cNvSpPr>
           <p:nvPr>
             <p:ph type="title"/>
           </p:nvPr>
@@ -4351,7 +4690,7 @@
           </a:prstGeom>
         </p:spPr>
         <p:txBody>
-          <a:bodyPr anchorCtr="0" anchor="t" bIns="91425" lIns="91425" rIns="91425" tIns="91425"/>
+          <a:bodyPr lIns="91425" tIns="91425" rIns="91425" bIns="91425" anchor="t" anchorCtr="0"/>
           <a:lstStyle>
             <a:lvl1pPr lvl="0" rtl="0">
               <a:spcBef>
@@ -4408,15 +4747,19 @@
               <a:defRPr/>
             </a:lvl9pPr>
           </a:lstStyle>
-          <a:p/>
+          <a:p>
+            <a:endParaRPr/>
+          </a:p>
         </p:txBody>
       </p:sp>
       <p:sp>
         <p:nvSpPr>
           <p:cNvPr id="27" name="Shape 27"/>
-          <p:cNvSpPr txBox="1"/>
+          <p:cNvSpPr txBox="1">
+            <a:spLocks noGrp="1"/>
+          </p:cNvSpPr>
           <p:nvPr>
-            <p:ph idx="12" type="sldNum"/>
+            <p:ph type="sldNum" idx="12"/>
           </p:nvPr>
         </p:nvSpPr>
         <p:spPr>
@@ -4429,7 +4772,7 @@
           </a:prstGeom>
         </p:spPr>
         <p:txBody>
-          <a:bodyPr anchorCtr="0" anchor="ctr" bIns="91425" lIns="91425" rIns="91425" tIns="91425">
+          <a:bodyPr lIns="91425" tIns="91425" rIns="91425" bIns="91425" anchor="ctr" anchorCtr="0">
             <a:noAutofit/>
           </a:bodyPr>
           <a:lstStyle/>
@@ -4444,6 +4787,7 @@
               <a:rPr lang="ko"/>
               <a:t>‹#›</a:t>
             </a:fld>
+            <a:endParaRPr lang="ko"/>
           </a:p>
         </p:txBody>
       </p:sp>
@@ -4456,11 +4800,11 @@
 </file>
 
 <file path=ppt/slideLayouts/slideLayout6.xml><?xml version="1.0" encoding="utf-8"?>
-<p:sldLayout xmlns:a="http://schemas.openxmlformats.org/drawingml/2006/main" xmlns:r="http://schemas.openxmlformats.org/officeDocument/2006/relationships" xmlns:mc="http://schemas.openxmlformats.org/markup-compatibility/2006" xmlns:mv="urn:schemas-microsoft-com:mac:vml" xmlns:p="http://schemas.openxmlformats.org/presentationml/2006/main" xmlns:c="http://schemas.openxmlformats.org/drawingml/2006/chart" xmlns:dgm="http://schemas.openxmlformats.org/drawingml/2006/diagram" xmlns:o="urn:schemas-microsoft-com:office:office" xmlns:v="urn:schemas-microsoft-com:vml" xmlns:pvml="urn:schemas-microsoft-com:office:powerpoint" xmlns:com="http://schemas.openxmlformats.org/drawingml/2006/compatibility" xmlns:p14="http://schemas.microsoft.com/office/powerpoint/2010/main">
+<p:sldLayout xmlns:a="http://schemas.openxmlformats.org/drawingml/2006/main" xmlns:r="http://schemas.openxmlformats.org/officeDocument/2006/relationships" xmlns:p="http://schemas.openxmlformats.org/presentationml/2006/main">
   <p:cSld name="One column text">
     <p:spTree>
       <p:nvGrpSpPr>
-        <p:cNvPr id="28" name="Shape 28"/>
+        <p:cNvPr id="1" name="Shape 28"/>
         <p:cNvGrpSpPr/>
         <p:nvPr/>
       </p:nvGrpSpPr>
@@ -4475,7 +4819,9 @@
       <p:sp>
         <p:nvSpPr>
           <p:cNvPr id="29" name="Shape 29"/>
-          <p:cNvSpPr txBox="1"/>
+          <p:cNvSpPr txBox="1">
+            <a:spLocks noGrp="1"/>
+          </p:cNvSpPr>
           <p:nvPr>
             <p:ph type="title"/>
           </p:nvPr>
@@ -4490,7 +4836,7 @@
           </a:prstGeom>
         </p:spPr>
         <p:txBody>
-          <a:bodyPr anchorCtr="0" anchor="b" bIns="91425" lIns="91425" rIns="91425" tIns="91425"/>
+          <a:bodyPr lIns="91425" tIns="91425" rIns="91425" bIns="91425" anchor="b" anchorCtr="0"/>
           <a:lstStyle>
             <a:lvl1pPr lvl="0" rtl="0">
               <a:spcBef>
@@ -4556,15 +4902,19 @@
               <a:defRPr sz="2400"/>
             </a:lvl9pPr>
           </a:lstStyle>
-          <a:p/>
+          <a:p>
+            <a:endParaRPr/>
+          </a:p>
         </p:txBody>
       </p:sp>
       <p:sp>
         <p:nvSpPr>
           <p:cNvPr id="30" name="Shape 30"/>
-          <p:cNvSpPr txBox="1"/>
+          <p:cNvSpPr txBox="1">
+            <a:spLocks noGrp="1"/>
+          </p:cNvSpPr>
           <p:nvPr>
-            <p:ph idx="1" type="body"/>
+            <p:ph type="body" idx="1"/>
           </p:nvPr>
         </p:nvSpPr>
         <p:spPr>
@@ -4577,7 +4927,7 @@
           </a:prstGeom>
         </p:spPr>
         <p:txBody>
-          <a:bodyPr anchorCtr="0" anchor="t" bIns="91425" lIns="91425" rIns="91425" tIns="91425"/>
+          <a:bodyPr lIns="91425" tIns="91425" rIns="91425" bIns="91425" anchor="t" anchorCtr="0"/>
           <a:lstStyle>
             <a:lvl1pPr lvl="0" rtl="0">
               <a:spcBef>
@@ -4643,15 +4993,19 @@
               <a:defRPr sz="1200"/>
             </a:lvl9pPr>
           </a:lstStyle>
-          <a:p/>
+          <a:p>
+            <a:endParaRPr/>
+          </a:p>
         </p:txBody>
       </p:sp>
       <p:sp>
         <p:nvSpPr>
           <p:cNvPr id="31" name="Shape 31"/>
-          <p:cNvSpPr txBox="1"/>
+          <p:cNvSpPr txBox="1">
+            <a:spLocks noGrp="1"/>
+          </p:cNvSpPr>
           <p:nvPr>
-            <p:ph idx="12" type="sldNum"/>
+            <p:ph type="sldNum" idx="12"/>
           </p:nvPr>
         </p:nvSpPr>
         <p:spPr>
@@ -4664,7 +5018,7 @@
           </a:prstGeom>
         </p:spPr>
         <p:txBody>
-          <a:bodyPr anchorCtr="0" anchor="ctr" bIns="91425" lIns="91425" rIns="91425" tIns="91425">
+          <a:bodyPr lIns="91425" tIns="91425" rIns="91425" bIns="91425" anchor="ctr" anchorCtr="0">
             <a:noAutofit/>
           </a:bodyPr>
           <a:lstStyle/>
@@ -4679,6 +5033,7 @@
               <a:rPr lang="ko"/>
               <a:t>‹#›</a:t>
             </a:fld>
+            <a:endParaRPr lang="ko"/>
           </a:p>
         </p:txBody>
       </p:sp>
@@ -4691,11 +5046,11 @@
 </file>
 
 <file path=ppt/slideLayouts/slideLayout7.xml><?xml version="1.0" encoding="utf-8"?>
-<p:sldLayout xmlns:a="http://schemas.openxmlformats.org/drawingml/2006/main" xmlns:r="http://schemas.openxmlformats.org/officeDocument/2006/relationships" xmlns:mc="http://schemas.openxmlformats.org/markup-compatibility/2006" xmlns:mv="urn:schemas-microsoft-com:mac:vml" xmlns:p="http://schemas.openxmlformats.org/presentationml/2006/main" xmlns:c="http://schemas.openxmlformats.org/drawingml/2006/chart" xmlns:dgm="http://schemas.openxmlformats.org/drawingml/2006/diagram" xmlns:o="urn:schemas-microsoft-com:office:office" xmlns:v="urn:schemas-microsoft-com:vml" xmlns:pvml="urn:schemas-microsoft-com:office:powerpoint" xmlns:com="http://schemas.openxmlformats.org/drawingml/2006/compatibility" xmlns:p14="http://schemas.microsoft.com/office/powerpoint/2010/main">
+<p:sldLayout xmlns:a="http://schemas.openxmlformats.org/drawingml/2006/main" xmlns:r="http://schemas.openxmlformats.org/officeDocument/2006/relationships" xmlns:p="http://schemas.openxmlformats.org/presentationml/2006/main">
   <p:cSld name="Main point">
     <p:spTree>
       <p:nvGrpSpPr>
-        <p:cNvPr id="32" name="Shape 32"/>
+        <p:cNvPr id="1" name="Shape 32"/>
         <p:cNvGrpSpPr/>
         <p:nvPr/>
       </p:nvGrpSpPr>
@@ -4710,7 +5065,9 @@
       <p:sp>
         <p:nvSpPr>
           <p:cNvPr id="33" name="Shape 33"/>
-          <p:cNvSpPr txBox="1"/>
+          <p:cNvSpPr txBox="1">
+            <a:spLocks noGrp="1"/>
+          </p:cNvSpPr>
           <p:nvPr>
             <p:ph type="title"/>
           </p:nvPr>
@@ -4725,7 +5082,7 @@
           </a:prstGeom>
         </p:spPr>
         <p:txBody>
-          <a:bodyPr anchorCtr="0" anchor="ctr" bIns="91425" lIns="91425" rIns="91425" tIns="91425"/>
+          <a:bodyPr lIns="91425" tIns="91425" rIns="91425" bIns="91425" anchor="ctr" anchorCtr="0"/>
           <a:lstStyle>
             <a:lvl1pPr lvl="0" rtl="0">
               <a:spcBef>
@@ -4791,15 +5148,19 @@
               <a:defRPr sz="4800"/>
             </a:lvl9pPr>
           </a:lstStyle>
-          <a:p/>
+          <a:p>
+            <a:endParaRPr/>
+          </a:p>
         </p:txBody>
       </p:sp>
       <p:sp>
         <p:nvSpPr>
           <p:cNvPr id="34" name="Shape 34"/>
-          <p:cNvSpPr txBox="1"/>
+          <p:cNvSpPr txBox="1">
+            <a:spLocks noGrp="1"/>
+          </p:cNvSpPr>
           <p:nvPr>
-            <p:ph idx="12" type="sldNum"/>
+            <p:ph type="sldNum" idx="12"/>
           </p:nvPr>
         </p:nvSpPr>
         <p:spPr>
@@ -4812,7 +5173,7 @@
           </a:prstGeom>
         </p:spPr>
         <p:txBody>
-          <a:bodyPr anchorCtr="0" anchor="ctr" bIns="91425" lIns="91425" rIns="91425" tIns="91425">
+          <a:bodyPr lIns="91425" tIns="91425" rIns="91425" bIns="91425" anchor="ctr" anchorCtr="0">
             <a:noAutofit/>
           </a:bodyPr>
           <a:lstStyle/>
@@ -4827,6 +5188,7 @@
               <a:rPr lang="ko"/>
               <a:t>‹#›</a:t>
             </a:fld>
+            <a:endParaRPr lang="ko"/>
           </a:p>
         </p:txBody>
       </p:sp>
@@ -4839,11 +5201,11 @@
 </file>
 
 <file path=ppt/slideLayouts/slideLayout8.xml><?xml version="1.0" encoding="utf-8"?>
-<p:sldLayout xmlns:a="http://schemas.openxmlformats.org/drawingml/2006/main" xmlns:r="http://schemas.openxmlformats.org/officeDocument/2006/relationships" xmlns:mc="http://schemas.openxmlformats.org/markup-compatibility/2006" xmlns:mv="urn:schemas-microsoft-com:mac:vml" xmlns:p="http://schemas.openxmlformats.org/presentationml/2006/main" xmlns:c="http://schemas.openxmlformats.org/drawingml/2006/chart" xmlns:dgm="http://schemas.openxmlformats.org/drawingml/2006/diagram" xmlns:o="urn:schemas-microsoft-com:office:office" xmlns:v="urn:schemas-microsoft-com:vml" xmlns:pvml="urn:schemas-microsoft-com:office:powerpoint" xmlns:com="http://schemas.openxmlformats.org/drawingml/2006/compatibility" xmlns:p14="http://schemas.microsoft.com/office/powerpoint/2010/main">
+<p:sldLayout xmlns:a="http://schemas.openxmlformats.org/drawingml/2006/main" xmlns:r="http://schemas.openxmlformats.org/officeDocument/2006/relationships" xmlns:p="http://schemas.openxmlformats.org/presentationml/2006/main">
   <p:cSld name="Section title and description">
     <p:spTree>
       <p:nvGrpSpPr>
-        <p:cNvPr id="35" name="Shape 35"/>
+        <p:cNvPr id="1" name="Shape 35"/>
         <p:cNvGrpSpPr/>
         <p:nvPr/>
       </p:nvGrpSpPr>
@@ -4877,7 +5239,7 @@
           </a:ln>
         </p:spPr>
         <p:txBody>
-          <a:bodyPr anchorCtr="0" anchor="ctr" bIns="91425" lIns="91425" rIns="91425" tIns="91425">
+          <a:bodyPr lIns="91425" tIns="91425" rIns="91425" bIns="91425" anchor="ctr" anchorCtr="0">
             <a:noAutofit/>
           </a:bodyPr>
           <a:lstStyle/>
@@ -4888,9 +5250,6 @@
               </a:spcBef>
               <a:buNone/>
             </a:pPr>
-            <a:r>
-              <a:t/>
-            </a:r>
             <a:endParaRPr/>
           </a:p>
         </p:txBody>
@@ -4898,7 +5257,9 @@
       <p:sp>
         <p:nvSpPr>
           <p:cNvPr id="37" name="Shape 37"/>
-          <p:cNvSpPr txBox="1"/>
+          <p:cNvSpPr txBox="1">
+            <a:spLocks noGrp="1"/>
+          </p:cNvSpPr>
           <p:nvPr>
             <p:ph type="title"/>
           </p:nvPr>
@@ -4913,65 +5274,65 @@
           </a:prstGeom>
         </p:spPr>
         <p:txBody>
-          <a:bodyPr anchorCtr="0" anchor="b" bIns="91425" lIns="91425" rIns="91425" tIns="91425"/>
+          <a:bodyPr lIns="91425" tIns="91425" rIns="91425" bIns="91425" anchor="b" anchorCtr="0"/>
           <a:lstStyle>
-            <a:lvl1pPr lvl="0" rtl="0" algn="ctr">
+            <a:lvl1pPr lvl="0" algn="ctr" rtl="0">
               <a:spcBef>
                 <a:spcPts val="0"/>
               </a:spcBef>
               <a:buSzPct val="100000"/>
               <a:defRPr sz="4200"/>
             </a:lvl1pPr>
-            <a:lvl2pPr lvl="1" rtl="0" algn="ctr">
+            <a:lvl2pPr lvl="1" algn="ctr" rtl="0">
               <a:spcBef>
                 <a:spcPts val="0"/>
               </a:spcBef>
               <a:buSzPct val="100000"/>
               <a:defRPr sz="4200"/>
             </a:lvl2pPr>
-            <a:lvl3pPr lvl="2" rtl="0" algn="ctr">
+            <a:lvl3pPr lvl="2" algn="ctr" rtl="0">
               <a:spcBef>
                 <a:spcPts val="0"/>
               </a:spcBef>
               <a:buSzPct val="100000"/>
               <a:defRPr sz="4200"/>
             </a:lvl3pPr>
-            <a:lvl4pPr lvl="3" rtl="0" algn="ctr">
+            <a:lvl4pPr lvl="3" algn="ctr" rtl="0">
               <a:spcBef>
                 <a:spcPts val="0"/>
               </a:spcBef>
               <a:buSzPct val="100000"/>
               <a:defRPr sz="4200"/>
             </a:lvl4pPr>
-            <a:lvl5pPr lvl="4" rtl="0" algn="ctr">
+            <a:lvl5pPr lvl="4" algn="ctr" rtl="0">
               <a:spcBef>
                 <a:spcPts val="0"/>
               </a:spcBef>
               <a:buSzPct val="100000"/>
               <a:defRPr sz="4200"/>
             </a:lvl5pPr>
-            <a:lvl6pPr lvl="5" rtl="0" algn="ctr">
+            <a:lvl6pPr lvl="5" algn="ctr" rtl="0">
               <a:spcBef>
                 <a:spcPts val="0"/>
               </a:spcBef>
               <a:buSzPct val="100000"/>
               <a:defRPr sz="4200"/>
             </a:lvl6pPr>
-            <a:lvl7pPr lvl="6" rtl="0" algn="ctr">
+            <a:lvl7pPr lvl="6" algn="ctr" rtl="0">
               <a:spcBef>
                 <a:spcPts val="0"/>
               </a:spcBef>
               <a:buSzPct val="100000"/>
               <a:defRPr sz="4200"/>
             </a:lvl7pPr>
-            <a:lvl8pPr lvl="7" rtl="0" algn="ctr">
+            <a:lvl8pPr lvl="7" algn="ctr" rtl="0">
               <a:spcBef>
                 <a:spcPts val="0"/>
               </a:spcBef>
               <a:buSzPct val="100000"/>
               <a:defRPr sz="4200"/>
             </a:lvl8pPr>
-            <a:lvl9pPr lvl="8" rtl="0" algn="ctr">
+            <a:lvl9pPr lvl="8" algn="ctr" rtl="0">
               <a:spcBef>
                 <a:spcPts val="0"/>
               </a:spcBef>
@@ -4979,15 +5340,19 @@
               <a:defRPr sz="4200"/>
             </a:lvl9pPr>
           </a:lstStyle>
-          <a:p/>
+          <a:p>
+            <a:endParaRPr/>
+          </a:p>
         </p:txBody>
       </p:sp>
       <p:sp>
         <p:nvSpPr>
           <p:cNvPr id="38" name="Shape 38"/>
-          <p:cNvSpPr txBox="1"/>
+          <p:cNvSpPr txBox="1">
+            <a:spLocks noGrp="1"/>
+          </p:cNvSpPr>
           <p:nvPr>
-            <p:ph idx="1" type="subTitle"/>
+            <p:ph type="subTitle" idx="1"/>
           </p:nvPr>
         </p:nvSpPr>
         <p:spPr>
@@ -5000,9 +5365,9 @@
           </a:prstGeom>
         </p:spPr>
         <p:txBody>
-          <a:bodyPr anchorCtr="0" anchor="t" bIns="91425" lIns="91425" rIns="91425" tIns="91425"/>
+          <a:bodyPr lIns="91425" tIns="91425" rIns="91425" bIns="91425" anchor="t" anchorCtr="0"/>
           <a:lstStyle>
-            <a:lvl1pPr lvl="0" rtl="0" algn="ctr">
+            <a:lvl1pPr lvl="0" algn="ctr" rtl="0">
               <a:lnSpc>
                 <a:spcPct val="100000"/>
               </a:lnSpc>
@@ -5016,7 +5381,7 @@
               <a:buNone/>
               <a:defRPr sz="2100"/>
             </a:lvl1pPr>
-            <a:lvl2pPr lvl="1" rtl="0" algn="ctr">
+            <a:lvl2pPr lvl="1" algn="ctr" rtl="0">
               <a:lnSpc>
                 <a:spcPct val="100000"/>
               </a:lnSpc>
@@ -5030,7 +5395,7 @@
               <a:buNone/>
               <a:defRPr sz="2100"/>
             </a:lvl2pPr>
-            <a:lvl3pPr lvl="2" rtl="0" algn="ctr">
+            <a:lvl3pPr lvl="2" algn="ctr" rtl="0">
               <a:lnSpc>
                 <a:spcPct val="100000"/>
               </a:lnSpc>
@@ -5044,7 +5409,7 @@
               <a:buNone/>
               <a:defRPr sz="2100"/>
             </a:lvl3pPr>
-            <a:lvl4pPr lvl="3" rtl="0" algn="ctr">
+            <a:lvl4pPr lvl="3" algn="ctr" rtl="0">
               <a:lnSpc>
                 <a:spcPct val="100000"/>
               </a:lnSpc>
@@ -5058,7 +5423,7 @@
               <a:buNone/>
               <a:defRPr sz="2100"/>
             </a:lvl4pPr>
-            <a:lvl5pPr lvl="4" rtl="0" algn="ctr">
+            <a:lvl5pPr lvl="4" algn="ctr" rtl="0">
               <a:lnSpc>
                 <a:spcPct val="100000"/>
               </a:lnSpc>
@@ -5072,7 +5437,7 @@
               <a:buNone/>
               <a:defRPr sz="2100"/>
             </a:lvl5pPr>
-            <a:lvl6pPr lvl="5" rtl="0" algn="ctr">
+            <a:lvl6pPr lvl="5" algn="ctr" rtl="0">
               <a:lnSpc>
                 <a:spcPct val="100000"/>
               </a:lnSpc>
@@ -5086,7 +5451,7 @@
               <a:buNone/>
               <a:defRPr sz="2100"/>
             </a:lvl6pPr>
-            <a:lvl7pPr lvl="6" rtl="0" algn="ctr">
+            <a:lvl7pPr lvl="6" algn="ctr" rtl="0">
               <a:lnSpc>
                 <a:spcPct val="100000"/>
               </a:lnSpc>
@@ -5100,7 +5465,7 @@
               <a:buNone/>
               <a:defRPr sz="2100"/>
             </a:lvl7pPr>
-            <a:lvl8pPr lvl="7" rtl="0" algn="ctr">
+            <a:lvl8pPr lvl="7" algn="ctr" rtl="0">
               <a:lnSpc>
                 <a:spcPct val="100000"/>
               </a:lnSpc>
@@ -5114,7 +5479,7 @@
               <a:buNone/>
               <a:defRPr sz="2100"/>
             </a:lvl8pPr>
-            <a:lvl9pPr lvl="8" rtl="0" algn="ctr">
+            <a:lvl9pPr lvl="8" algn="ctr" rtl="0">
               <a:lnSpc>
                 <a:spcPct val="100000"/>
               </a:lnSpc>
@@ -5129,15 +5494,19 @@
               <a:defRPr sz="2100"/>
             </a:lvl9pPr>
           </a:lstStyle>
-          <a:p/>
+          <a:p>
+            <a:endParaRPr/>
+          </a:p>
         </p:txBody>
       </p:sp>
       <p:sp>
         <p:nvSpPr>
           <p:cNvPr id="39" name="Shape 39"/>
-          <p:cNvSpPr txBox="1"/>
+          <p:cNvSpPr txBox="1">
+            <a:spLocks noGrp="1"/>
+          </p:cNvSpPr>
           <p:nvPr>
-            <p:ph idx="2" type="body"/>
+            <p:ph type="body" idx="2"/>
           </p:nvPr>
         </p:nvSpPr>
         <p:spPr>
@@ -5150,7 +5519,7 @@
           </a:prstGeom>
         </p:spPr>
         <p:txBody>
-          <a:bodyPr anchorCtr="0" anchor="ctr" bIns="91425" lIns="91425" rIns="91425" tIns="91425"/>
+          <a:bodyPr lIns="91425" tIns="91425" rIns="91425" bIns="91425" anchor="ctr" anchorCtr="0"/>
           <a:lstStyle>
             <a:lvl1pPr lvl="0" rtl="0">
               <a:spcBef>
@@ -5207,15 +5576,19 @@
               <a:defRPr/>
             </a:lvl9pPr>
           </a:lstStyle>
-          <a:p/>
+          <a:p>
+            <a:endParaRPr/>
+          </a:p>
         </p:txBody>
       </p:sp>
       <p:sp>
         <p:nvSpPr>
           <p:cNvPr id="40" name="Shape 40"/>
-          <p:cNvSpPr txBox="1"/>
+          <p:cNvSpPr txBox="1">
+            <a:spLocks noGrp="1"/>
+          </p:cNvSpPr>
           <p:nvPr>
-            <p:ph idx="12" type="sldNum"/>
+            <p:ph type="sldNum" idx="12"/>
           </p:nvPr>
         </p:nvSpPr>
         <p:spPr>
@@ -5228,7 +5601,7 @@
           </a:prstGeom>
         </p:spPr>
         <p:txBody>
-          <a:bodyPr anchorCtr="0" anchor="ctr" bIns="91425" lIns="91425" rIns="91425" tIns="91425">
+          <a:bodyPr lIns="91425" tIns="91425" rIns="91425" bIns="91425" anchor="ctr" anchorCtr="0">
             <a:noAutofit/>
           </a:bodyPr>
           <a:lstStyle/>
@@ -5243,6 +5616,7 @@
               <a:rPr lang="ko"/>
               <a:t>‹#›</a:t>
             </a:fld>
+            <a:endParaRPr lang="ko"/>
           </a:p>
         </p:txBody>
       </p:sp>
@@ -5255,11 +5629,11 @@
 </file>
 
 <file path=ppt/slideLayouts/slideLayout9.xml><?xml version="1.0" encoding="utf-8"?>
-<p:sldLayout xmlns:a="http://schemas.openxmlformats.org/drawingml/2006/main" xmlns:r="http://schemas.openxmlformats.org/officeDocument/2006/relationships" xmlns:mc="http://schemas.openxmlformats.org/markup-compatibility/2006" xmlns:mv="urn:schemas-microsoft-com:mac:vml" xmlns:p="http://schemas.openxmlformats.org/presentationml/2006/main" xmlns:c="http://schemas.openxmlformats.org/drawingml/2006/chart" xmlns:dgm="http://schemas.openxmlformats.org/drawingml/2006/diagram" xmlns:o="urn:schemas-microsoft-com:office:office" xmlns:v="urn:schemas-microsoft-com:vml" xmlns:pvml="urn:schemas-microsoft-com:office:powerpoint" xmlns:com="http://schemas.openxmlformats.org/drawingml/2006/compatibility" xmlns:p14="http://schemas.microsoft.com/office/powerpoint/2010/main">
+<p:sldLayout xmlns:a="http://schemas.openxmlformats.org/drawingml/2006/main" xmlns:r="http://schemas.openxmlformats.org/officeDocument/2006/relationships" xmlns:p="http://schemas.openxmlformats.org/presentationml/2006/main">
   <p:cSld name="Caption">
     <p:spTree>
       <p:nvGrpSpPr>
-        <p:cNvPr id="41" name="Shape 41"/>
+        <p:cNvPr id="1" name="Shape 41"/>
         <p:cNvGrpSpPr/>
         <p:nvPr/>
       </p:nvGrpSpPr>
@@ -5274,9 +5648,11 @@
       <p:sp>
         <p:nvSpPr>
           <p:cNvPr id="42" name="Shape 42"/>
-          <p:cNvSpPr txBox="1"/>
+          <p:cNvSpPr txBox="1">
+            <a:spLocks noGrp="1"/>
+          </p:cNvSpPr>
           <p:nvPr>
-            <p:ph idx="1" type="body"/>
+            <p:ph type="body" idx="1"/>
           </p:nvPr>
         </p:nvSpPr>
         <p:spPr>
@@ -5289,7 +5665,7 @@
           </a:prstGeom>
         </p:spPr>
         <p:txBody>
-          <a:bodyPr anchorCtr="0" anchor="ctr" bIns="91425" lIns="91425" rIns="91425" tIns="91425"/>
+          <a:bodyPr lIns="91425" tIns="91425" rIns="91425" bIns="91425" anchor="ctr" anchorCtr="0"/>
           <a:lstStyle>
             <a:lvl1pPr lvl="0" rtl="0">
               <a:lnSpc>
@@ -5305,15 +5681,19 @@
               <a:defRPr/>
             </a:lvl1pPr>
           </a:lstStyle>
-          <a:p/>
+          <a:p>
+            <a:endParaRPr/>
+          </a:p>
         </p:txBody>
       </p:sp>
       <p:sp>
         <p:nvSpPr>
           <p:cNvPr id="43" name="Shape 43"/>
-          <p:cNvSpPr txBox="1"/>
+          <p:cNvSpPr txBox="1">
+            <a:spLocks noGrp="1"/>
+          </p:cNvSpPr>
           <p:nvPr>
-            <p:ph idx="12" type="sldNum"/>
+            <p:ph type="sldNum" idx="12"/>
           </p:nvPr>
         </p:nvSpPr>
         <p:spPr>
@@ -5326,7 +5706,7 @@
           </a:prstGeom>
         </p:spPr>
         <p:txBody>
-          <a:bodyPr anchorCtr="0" anchor="ctr" bIns="91425" lIns="91425" rIns="91425" tIns="91425">
+          <a:bodyPr lIns="91425" tIns="91425" rIns="91425" bIns="91425" anchor="ctr" anchorCtr="0">
             <a:noAutofit/>
           </a:bodyPr>
           <a:lstStyle/>
@@ -5341,6 +5721,7 @@
               <a:rPr lang="ko"/>
               <a:t>‹#›</a:t>
             </a:fld>
+            <a:endParaRPr lang="ko"/>
           </a:p>
         </p:txBody>
       </p:sp>
@@ -5353,18 +5734,19 @@
 </file>
 
 <file path=ppt/slideMasters/slideMaster1.xml><?xml version="1.0" encoding="utf-8"?>
-<p:sldMaster xmlns:a="http://schemas.openxmlformats.org/drawingml/2006/main" xmlns:r="http://schemas.openxmlformats.org/officeDocument/2006/relationships" xmlns:mc="http://schemas.openxmlformats.org/markup-compatibility/2006" xmlns:mv="urn:schemas-microsoft-com:mac:vml" xmlns:p="http://schemas.openxmlformats.org/presentationml/2006/main" xmlns:c="http://schemas.openxmlformats.org/drawingml/2006/chart" xmlns:dgm="http://schemas.openxmlformats.org/drawingml/2006/diagram" xmlns:o="urn:schemas-microsoft-com:office:office" xmlns:v="urn:schemas-microsoft-com:vml" xmlns:pvml="urn:schemas-microsoft-com:office:powerpoint" xmlns:com="http://schemas.openxmlformats.org/drawingml/2006/compatibility" xmlns:p14="http://schemas.microsoft.com/office/powerpoint/2010/main">
+<p:sldMaster xmlns:a="http://schemas.openxmlformats.org/drawingml/2006/main" xmlns:r="http://schemas.openxmlformats.org/officeDocument/2006/relationships" xmlns:p="http://schemas.openxmlformats.org/presentationml/2006/main">
   <p:cSld>
     <p:bg>
       <p:bgPr>
         <a:solidFill>
           <a:schemeClr val="lt1"/>
         </a:solidFill>
+        <a:effectLst/>
       </p:bgPr>
     </p:bg>
     <p:spTree>
       <p:nvGrpSpPr>
-        <p:cNvPr id="5" name="Shape 5"/>
+        <p:cNvPr id="1" name="Shape 5"/>
         <p:cNvGrpSpPr/>
         <p:nvPr/>
       </p:nvGrpSpPr>
@@ -5379,7 +5761,9 @@
       <p:sp>
         <p:nvSpPr>
           <p:cNvPr id="6" name="Shape 6"/>
-          <p:cNvSpPr txBox="1"/>
+          <p:cNvSpPr txBox="1">
+            <a:spLocks noGrp="1"/>
+          </p:cNvSpPr>
           <p:nvPr>
             <p:ph type="title"/>
           </p:nvPr>
@@ -5398,7 +5782,7 @@
           </a:ln>
         </p:spPr>
         <p:txBody>
-          <a:bodyPr anchorCtr="0" anchor="t" bIns="91425" lIns="91425" rIns="91425" tIns="91425"/>
+          <a:bodyPr lIns="91425" tIns="91425" rIns="91425" bIns="91425" anchor="t" anchorCtr="0"/>
           <a:lstStyle>
             <a:lvl1pPr lvl="0" rtl="0">
               <a:spcBef>
@@ -5536,15 +5920,19 @@
               </a:defRPr>
             </a:lvl9pPr>
           </a:lstStyle>
-          <a:p/>
+          <a:p>
+            <a:endParaRPr/>
+          </a:p>
         </p:txBody>
       </p:sp>
       <p:sp>
         <p:nvSpPr>
           <p:cNvPr id="7" name="Shape 7"/>
-          <p:cNvSpPr txBox="1"/>
+          <p:cNvSpPr txBox="1">
+            <a:spLocks noGrp="1"/>
+          </p:cNvSpPr>
           <p:nvPr>
-            <p:ph idx="1" type="body"/>
+            <p:ph type="body" idx="1"/>
           </p:nvPr>
         </p:nvSpPr>
         <p:spPr>
@@ -5561,7 +5949,7 @@
           </a:ln>
         </p:spPr>
         <p:txBody>
-          <a:bodyPr anchorCtr="0" anchor="t" bIns="91425" lIns="91425" rIns="91425" tIns="91425"/>
+          <a:bodyPr lIns="91425" tIns="91425" rIns="91425" bIns="91425" anchor="t" anchorCtr="0"/>
           <a:lstStyle>
             <a:lvl1pPr lvl="0" rtl="0">
               <a:lnSpc>
@@ -5736,15 +6124,19 @@
               </a:defRPr>
             </a:lvl9pPr>
           </a:lstStyle>
-          <a:p/>
+          <a:p>
+            <a:endParaRPr/>
+          </a:p>
         </p:txBody>
       </p:sp>
       <p:sp>
         <p:nvSpPr>
           <p:cNvPr id="8" name="Shape 8"/>
-          <p:cNvSpPr txBox="1"/>
+          <p:cNvSpPr txBox="1">
+            <a:spLocks noGrp="1"/>
+          </p:cNvSpPr>
           <p:nvPr>
-            <p:ph idx="12" type="sldNum"/>
+            <p:ph type="sldNum" idx="12"/>
           </p:nvPr>
         </p:nvSpPr>
         <p:spPr>
@@ -5761,12 +6153,12 @@
           </a:ln>
         </p:spPr>
         <p:txBody>
-          <a:bodyPr anchorCtr="0" anchor="ctr" bIns="91425" lIns="91425" rIns="91425" tIns="91425">
+          <a:bodyPr lIns="91425" tIns="91425" rIns="91425" bIns="91425" anchor="ctr" anchorCtr="0">
             <a:noAutofit/>
           </a:bodyPr>
           <a:lstStyle/>
           <a:p>
-            <a:pPr lvl="0" rtl="0" algn="r">
+            <a:pPr lvl="0" algn="r" rtl="0">
               <a:spcBef>
                 <a:spcPts val="0"/>
               </a:spcBef>
@@ -5780,12 +6172,17 @@
               </a:rPr>
               <a:t>‹#›</a:t>
             </a:fld>
+            <a:endParaRPr lang="ko" sz="1000">
+              <a:solidFill>
+                <a:schemeClr val="dk2"/>
+              </a:solidFill>
+            </a:endParaRPr>
           </a:p>
         </p:txBody>
       </p:sp>
     </p:spTree>
   </p:cSld>
-  <p:clrMap accent1="accent1" accent2="accent2" accent3="accent3" accent4="accent4" accent5="accent5" accent6="accent6" bg1="lt1" bg2="dk2" tx1="dk1" tx2="lt2" folHlink="folHlink" hlink="hlink"/>
+  <p:clrMap bg1="lt1" tx1="dk1" bg2="dk2" tx2="lt2" accent1="accent1" accent2="accent2" accent3="accent3" accent4="accent4" accent5="accent5" accent6="accent6" hlink="hlink" folHlink="folHlink"/>
   <p:sldLayoutIdLst>
     <p:sldLayoutId id="2147483648" r:id="rId1"/>
     <p:sldLayoutId id="2147483649" r:id="rId2"/>
@@ -5799,10 +6196,10 @@
     <p:sldLayoutId id="2147483657" r:id="rId10"/>
     <p:sldLayoutId id="2147483658" r:id="rId11"/>
   </p:sldLayoutIdLst>
-  <p:hf dt="0" ftr="0" hdr="0" sldNum="0"/>
+  <p:hf sldNum="0" hdr="0" ftr="0" dt="0"/>
   <p:txStyles>
     <p:titleStyle>
-      <a:defPPr lvl="0" marR="0" rtl="0" algn="l">
+      <a:defPPr marR="0" lvl="0" algn="l" rtl="0">
         <a:lnSpc>
           <a:spcPct val="100000"/>
         </a:lnSpc>
@@ -5813,7 +6210,7 @@
           <a:spcPts val="0"/>
         </a:spcAft>
       </a:defPPr>
-      <a:lvl1pPr lvl="0" marR="0" rtl="0" algn="l">
+      <a:lvl1pPr marR="0" lvl="0" algn="l" rtl="0">
         <a:lnSpc>
           <a:spcPct val="100000"/>
         </a:lnSpc>
@@ -5824,7 +6221,7 @@
           <a:spcPts val="0"/>
         </a:spcAft>
         <a:buNone/>
-        <a:defRPr b="0" i="0" sz="1400" u="none" cap="none" strike="noStrike">
+        <a:defRPr sz="1400" b="0" i="0" u="none" strike="noStrike" cap="none">
           <a:solidFill>
             <a:srgbClr val="000000"/>
           </a:solidFill>
@@ -5836,7 +6233,7 @@
       </a:lvl1pPr>
     </p:titleStyle>
     <p:bodyStyle>
-      <a:defPPr lvl="0" marR="0" rtl="0" algn="l">
+      <a:defPPr marR="0" lvl="0" algn="l" rtl="0">
         <a:lnSpc>
           <a:spcPct val="100000"/>
         </a:lnSpc>
@@ -5847,7 +6244,7 @@
           <a:spcPts val="0"/>
         </a:spcAft>
       </a:defPPr>
-      <a:lvl1pPr lvl="0" marR="0" rtl="0" algn="l">
+      <a:lvl1pPr marR="0" lvl="0" algn="l" rtl="0">
         <a:lnSpc>
           <a:spcPct val="100000"/>
         </a:lnSpc>
@@ -5858,7 +6255,7 @@
           <a:spcPts val="0"/>
         </a:spcAft>
         <a:buNone/>
-        <a:defRPr b="0" i="0" sz="1400" u="none" cap="none" strike="noStrike">
+        <a:defRPr sz="1400" b="0" i="0" u="none" strike="noStrike" cap="none">
           <a:solidFill>
             <a:srgbClr val="000000"/>
           </a:solidFill>
@@ -5868,7 +6265,7 @@
           <a:sym typeface="Arial"/>
         </a:defRPr>
       </a:lvl1pPr>
-      <a:lvl2pPr lvl="1" marR="0" rtl="0" algn="l">
+      <a:lvl2pPr marR="0" lvl="1" algn="l" rtl="0">
         <a:lnSpc>
           <a:spcPct val="100000"/>
         </a:lnSpc>
@@ -5879,7 +6276,7 @@
           <a:spcPts val="0"/>
         </a:spcAft>
         <a:buNone/>
-        <a:defRPr b="0" i="0" sz="1400" u="none" cap="none" strike="noStrike">
+        <a:defRPr sz="1400" b="0" i="0" u="none" strike="noStrike" cap="none">
           <a:solidFill>
             <a:srgbClr val="000000"/>
           </a:solidFill>
@@ -5889,7 +6286,7 @@
           <a:sym typeface="Arial"/>
         </a:defRPr>
       </a:lvl2pPr>
-      <a:lvl3pPr lvl="2" marR="0" rtl="0" algn="l">
+      <a:lvl3pPr marR="0" lvl="2" algn="l" rtl="0">
         <a:lnSpc>
           <a:spcPct val="100000"/>
         </a:lnSpc>
@@ -5900,7 +6297,7 @@
           <a:spcPts val="0"/>
         </a:spcAft>
         <a:buNone/>
-        <a:defRPr b="0" i="0" sz="1400" u="none" cap="none" strike="noStrike">
+        <a:defRPr sz="1400" b="0" i="0" u="none" strike="noStrike" cap="none">
           <a:solidFill>
             <a:srgbClr val="000000"/>
           </a:solidFill>
@@ -5910,7 +6307,7 @@
           <a:sym typeface="Arial"/>
         </a:defRPr>
       </a:lvl3pPr>
-      <a:lvl4pPr lvl="3" marR="0" rtl="0" algn="l">
+      <a:lvl4pPr marR="0" lvl="3" algn="l" rtl="0">
         <a:lnSpc>
           <a:spcPct val="100000"/>
         </a:lnSpc>
@@ -5921,7 +6318,7 @@
           <a:spcPts val="0"/>
         </a:spcAft>
         <a:buNone/>
-        <a:defRPr b="0" i="0" sz="1400" u="none" cap="none" strike="noStrike">
+        <a:defRPr sz="1400" b="0" i="0" u="none" strike="noStrike" cap="none">
           <a:solidFill>
             <a:srgbClr val="000000"/>
           </a:solidFill>
@@ -5931,7 +6328,7 @@
           <a:sym typeface="Arial"/>
         </a:defRPr>
       </a:lvl4pPr>
-      <a:lvl5pPr lvl="4" marR="0" rtl="0" algn="l">
+      <a:lvl5pPr marR="0" lvl="4" algn="l" rtl="0">
         <a:lnSpc>
           <a:spcPct val="100000"/>
         </a:lnSpc>
@@ -5942,7 +6339,7 @@
           <a:spcPts val="0"/>
         </a:spcAft>
         <a:buNone/>
-        <a:defRPr b="0" i="0" sz="1400" u="none" cap="none" strike="noStrike">
+        <a:defRPr sz="1400" b="0" i="0" u="none" strike="noStrike" cap="none">
           <a:solidFill>
             <a:srgbClr val="000000"/>
           </a:solidFill>
@@ -5952,7 +6349,7 @@
           <a:sym typeface="Arial"/>
         </a:defRPr>
       </a:lvl5pPr>
-      <a:lvl6pPr lvl="5" marR="0" rtl="0" algn="l">
+      <a:lvl6pPr marR="0" lvl="5" algn="l" rtl="0">
         <a:lnSpc>
           <a:spcPct val="100000"/>
         </a:lnSpc>
@@ -5963,7 +6360,7 @@
           <a:spcPts val="0"/>
         </a:spcAft>
         <a:buNone/>
-        <a:defRPr b="0" i="0" sz="1400" u="none" cap="none" strike="noStrike">
+        <a:defRPr sz="1400" b="0" i="0" u="none" strike="noStrike" cap="none">
           <a:solidFill>
             <a:srgbClr val="000000"/>
           </a:solidFill>
@@ -5973,7 +6370,7 @@
           <a:sym typeface="Arial"/>
         </a:defRPr>
       </a:lvl6pPr>
-      <a:lvl7pPr lvl="6" marR="0" rtl="0" algn="l">
+      <a:lvl7pPr marR="0" lvl="6" algn="l" rtl="0">
         <a:lnSpc>
           <a:spcPct val="100000"/>
         </a:lnSpc>
@@ -5984,7 +6381,7 @@
           <a:spcPts val="0"/>
         </a:spcAft>
         <a:buNone/>
-        <a:defRPr b="0" i="0" sz="1400" u="none" cap="none" strike="noStrike">
+        <a:defRPr sz="1400" b="0" i="0" u="none" strike="noStrike" cap="none">
           <a:solidFill>
             <a:srgbClr val="000000"/>
           </a:solidFill>
@@ -5994,7 +6391,7 @@
           <a:sym typeface="Arial"/>
         </a:defRPr>
       </a:lvl7pPr>
-      <a:lvl8pPr lvl="7" marR="0" rtl="0" algn="l">
+      <a:lvl8pPr marR="0" lvl="7" algn="l" rtl="0">
         <a:lnSpc>
           <a:spcPct val="100000"/>
         </a:lnSpc>
@@ -6005,7 +6402,7 @@
           <a:spcPts val="0"/>
         </a:spcAft>
         <a:buNone/>
-        <a:defRPr b="0" i="0" sz="1400" u="none" cap="none" strike="noStrike">
+        <a:defRPr sz="1400" b="0" i="0" u="none" strike="noStrike" cap="none">
           <a:solidFill>
             <a:srgbClr val="000000"/>
           </a:solidFill>
@@ -6015,7 +6412,7 @@
           <a:sym typeface="Arial"/>
         </a:defRPr>
       </a:lvl8pPr>
-      <a:lvl9pPr lvl="8" marR="0" rtl="0" algn="l">
+      <a:lvl9pPr marR="0" lvl="8" algn="l" rtl="0">
         <a:lnSpc>
           <a:spcPct val="100000"/>
         </a:lnSpc>
@@ -6026,7 +6423,7 @@
           <a:spcPts val="0"/>
         </a:spcAft>
         <a:buNone/>
-        <a:defRPr b="0" i="0" sz="1400" u="none" cap="none" strike="noStrike">
+        <a:defRPr sz="1400" b="0" i="0" u="none" strike="noStrike" cap="none">
           <a:solidFill>
             <a:srgbClr val="000000"/>
           </a:solidFill>
@@ -6038,7 +6435,7 @@
       </a:lvl9pPr>
     </p:bodyStyle>
     <p:otherStyle>
-      <a:defPPr lvl="0" marR="0" rtl="0" algn="l">
+      <a:defPPr marR="0" lvl="0" algn="l" rtl="0">
         <a:lnSpc>
           <a:spcPct val="100000"/>
         </a:lnSpc>
@@ -6049,7 +6446,7 @@
           <a:spcPts val="0"/>
         </a:spcAft>
       </a:defPPr>
-      <a:lvl1pPr lvl="0" marR="0" rtl="0" algn="l">
+      <a:lvl1pPr marR="0" lvl="0" algn="l" rtl="0">
         <a:lnSpc>
           <a:spcPct val="100000"/>
         </a:lnSpc>
@@ -6060,7 +6457,7 @@
           <a:spcPts val="0"/>
         </a:spcAft>
         <a:buNone/>
-        <a:defRPr b="0" i="0" sz="1400" u="none" cap="none" strike="noStrike">
+        <a:defRPr sz="1400" b="0" i="0" u="none" strike="noStrike" cap="none">
           <a:solidFill>
             <a:srgbClr val="000000"/>
           </a:solidFill>
@@ -6070,7 +6467,7 @@
           <a:sym typeface="Arial"/>
         </a:defRPr>
       </a:lvl1pPr>
-      <a:lvl2pPr lvl="1" marR="0" rtl="0" algn="l">
+      <a:lvl2pPr marR="0" lvl="1" algn="l" rtl="0">
         <a:lnSpc>
           <a:spcPct val="100000"/>
         </a:lnSpc>
@@ -6081,7 +6478,7 @@
           <a:spcPts val="0"/>
         </a:spcAft>
         <a:buNone/>
-        <a:defRPr b="0" i="0" sz="1400" u="none" cap="none" strike="noStrike">
+        <a:defRPr sz="1400" b="0" i="0" u="none" strike="noStrike" cap="none">
           <a:solidFill>
             <a:srgbClr val="000000"/>
           </a:solidFill>
@@ -6091,7 +6488,7 @@
           <a:sym typeface="Arial"/>
         </a:defRPr>
       </a:lvl2pPr>
-      <a:lvl3pPr lvl="2" marR="0" rtl="0" algn="l">
+      <a:lvl3pPr marR="0" lvl="2" algn="l" rtl="0">
         <a:lnSpc>
           <a:spcPct val="100000"/>
         </a:lnSpc>
@@ -6102,7 +6499,7 @@
           <a:spcPts val="0"/>
         </a:spcAft>
         <a:buNone/>
-        <a:defRPr b="0" i="0" sz="1400" u="none" cap="none" strike="noStrike">
+        <a:defRPr sz="1400" b="0" i="0" u="none" strike="noStrike" cap="none">
           <a:solidFill>
             <a:srgbClr val="000000"/>
           </a:solidFill>
@@ -6112,7 +6509,7 @@
           <a:sym typeface="Arial"/>
         </a:defRPr>
       </a:lvl3pPr>
-      <a:lvl4pPr lvl="3" marR="0" rtl="0" algn="l">
+      <a:lvl4pPr marR="0" lvl="3" algn="l" rtl="0">
         <a:lnSpc>
           <a:spcPct val="100000"/>
         </a:lnSpc>
@@ -6123,7 +6520,7 @@
           <a:spcPts val="0"/>
         </a:spcAft>
         <a:buNone/>
-        <a:defRPr b="0" i="0" sz="1400" u="none" cap="none" strike="noStrike">
+        <a:defRPr sz="1400" b="0" i="0" u="none" strike="noStrike" cap="none">
           <a:solidFill>
             <a:srgbClr val="000000"/>
           </a:solidFill>
@@ -6133,7 +6530,7 @@
           <a:sym typeface="Arial"/>
         </a:defRPr>
       </a:lvl4pPr>
-      <a:lvl5pPr lvl="4" marR="0" rtl="0" algn="l">
+      <a:lvl5pPr marR="0" lvl="4" algn="l" rtl="0">
         <a:lnSpc>
           <a:spcPct val="100000"/>
         </a:lnSpc>
@@ -6144,7 +6541,7 @@
           <a:spcPts val="0"/>
         </a:spcAft>
         <a:buNone/>
-        <a:defRPr b="0" i="0" sz="1400" u="none" cap="none" strike="noStrike">
+        <a:defRPr sz="1400" b="0" i="0" u="none" strike="noStrike" cap="none">
           <a:solidFill>
             <a:srgbClr val="000000"/>
           </a:solidFill>
@@ -6154,7 +6551,7 @@
           <a:sym typeface="Arial"/>
         </a:defRPr>
       </a:lvl5pPr>
-      <a:lvl6pPr lvl="5" marR="0" rtl="0" algn="l">
+      <a:lvl6pPr marR="0" lvl="5" algn="l" rtl="0">
         <a:lnSpc>
           <a:spcPct val="100000"/>
         </a:lnSpc>
@@ -6165,7 +6562,7 @@
           <a:spcPts val="0"/>
         </a:spcAft>
         <a:buNone/>
-        <a:defRPr b="0" i="0" sz="1400" u="none" cap="none" strike="noStrike">
+        <a:defRPr sz="1400" b="0" i="0" u="none" strike="noStrike" cap="none">
           <a:solidFill>
             <a:srgbClr val="000000"/>
           </a:solidFill>
@@ -6175,7 +6572,7 @@
           <a:sym typeface="Arial"/>
         </a:defRPr>
       </a:lvl6pPr>
-      <a:lvl7pPr lvl="6" marR="0" rtl="0" algn="l">
+      <a:lvl7pPr marR="0" lvl="6" algn="l" rtl="0">
         <a:lnSpc>
           <a:spcPct val="100000"/>
         </a:lnSpc>
@@ -6186,7 +6583,7 @@
           <a:spcPts val="0"/>
         </a:spcAft>
         <a:buNone/>
-        <a:defRPr b="0" i="0" sz="1400" u="none" cap="none" strike="noStrike">
+        <a:defRPr sz="1400" b="0" i="0" u="none" strike="noStrike" cap="none">
           <a:solidFill>
             <a:srgbClr val="000000"/>
           </a:solidFill>
@@ -6196,7 +6593,7 @@
           <a:sym typeface="Arial"/>
         </a:defRPr>
       </a:lvl7pPr>
-      <a:lvl8pPr lvl="7" marR="0" rtl="0" algn="l">
+      <a:lvl8pPr marR="0" lvl="7" algn="l" rtl="0">
         <a:lnSpc>
           <a:spcPct val="100000"/>
         </a:lnSpc>
@@ -6207,7 +6604,7 @@
           <a:spcPts val="0"/>
         </a:spcAft>
         <a:buNone/>
-        <a:defRPr b="0" i="0" sz="1400" u="none" cap="none" strike="noStrike">
+        <a:defRPr sz="1400" b="0" i="0" u="none" strike="noStrike" cap="none">
           <a:solidFill>
             <a:srgbClr val="000000"/>
           </a:solidFill>
@@ -6217,7 +6614,7 @@
           <a:sym typeface="Arial"/>
         </a:defRPr>
       </a:lvl8pPr>
-      <a:lvl9pPr lvl="8" marR="0" rtl="0" algn="l">
+      <a:lvl9pPr marR="0" lvl="8" algn="l" rtl="0">
         <a:lnSpc>
           <a:spcPct val="100000"/>
         </a:lnSpc>
@@ -6228,7 +6625,7 @@
           <a:spcPts val="0"/>
         </a:spcAft>
         <a:buNone/>
-        <a:defRPr b="0" i="0" sz="1400" u="none" cap="none" strike="noStrike">
+        <a:defRPr sz="1400" b="0" i="0" u="none" strike="noStrike" cap="none">
           <a:solidFill>
             <a:srgbClr val="000000"/>
           </a:solidFill>
@@ -6244,11 +6641,11 @@
 </file>
 
 <file path=ppt/slides/slide1.xml><?xml version="1.0" encoding="utf-8"?>
-<p:sld xmlns:a="http://schemas.openxmlformats.org/drawingml/2006/main" xmlns:r="http://schemas.openxmlformats.org/officeDocument/2006/relationships" xmlns:mc="http://schemas.openxmlformats.org/markup-compatibility/2006" xmlns:mv="urn:schemas-microsoft-com:mac:vml" xmlns:p="http://schemas.openxmlformats.org/presentationml/2006/main" xmlns:c="http://schemas.openxmlformats.org/drawingml/2006/chart" xmlns:dgm="http://schemas.openxmlformats.org/drawingml/2006/diagram" xmlns:o="urn:schemas-microsoft-com:office:office" xmlns:v="urn:schemas-microsoft-com:vml" xmlns:pvml="urn:schemas-microsoft-com:office:powerpoint" xmlns:com="http://schemas.openxmlformats.org/drawingml/2006/compatibility" xmlns:p14="http://schemas.microsoft.com/office/powerpoint/2010/main">
+<p:sld xmlns:a="http://schemas.openxmlformats.org/drawingml/2006/main" xmlns:r="http://schemas.openxmlformats.org/officeDocument/2006/relationships" xmlns:p="http://schemas.openxmlformats.org/presentationml/2006/main">
   <p:cSld>
     <p:spTree>
       <p:nvGrpSpPr>
-        <p:cNvPr id="53" name="Shape 53"/>
+        <p:cNvPr id="1" name="Shape 53"/>
         <p:cNvGrpSpPr/>
         <p:nvPr/>
       </p:nvGrpSpPr>
@@ -6263,7 +6660,9 @@
       <p:sp>
         <p:nvSpPr>
           <p:cNvPr id="54" name="Shape 54"/>
-          <p:cNvSpPr txBox="1"/>
+          <p:cNvSpPr txBox="1">
+            <a:spLocks noGrp="1"/>
+          </p:cNvSpPr>
           <p:nvPr>
             <p:ph type="title"/>
           </p:nvPr>
@@ -6278,12 +6677,12 @@
           </a:prstGeom>
         </p:spPr>
         <p:txBody>
-          <a:bodyPr anchorCtr="0" anchor="t" bIns="91425" lIns="91425" rIns="91425" tIns="91425">
+          <a:bodyPr lIns="91425" tIns="91425" rIns="91425" bIns="91425" anchor="t" anchorCtr="0">
             <a:noAutofit/>
           </a:bodyPr>
           <a:lstStyle/>
           <a:p>
-            <a:pPr lvl="0" rtl="0" algn="ctr">
+            <a:pPr lvl="0" algn="ctr" rtl="0">
               <a:spcBef>
                 <a:spcPts val="0"/>
               </a:spcBef>
@@ -6295,7 +6694,7 @@
             </a:r>
           </a:p>
           <a:p>
-            <a:pPr lvl="0" rtl="0" algn="ctr">
+            <a:pPr lvl="0" algn="ctr" rtl="0">
               <a:spcBef>
                 <a:spcPts val="0"/>
               </a:spcBef>
@@ -6313,9 +6712,6 @@
               </a:spcBef>
               <a:buNone/>
             </a:pPr>
-            <a:r>
-              <a:t/>
-            </a:r>
             <a:endParaRPr/>
           </a:p>
         </p:txBody>
@@ -6323,9 +6719,11 @@
       <p:sp>
         <p:nvSpPr>
           <p:cNvPr id="55" name="Shape 55"/>
-          <p:cNvSpPr txBox="1"/>
+          <p:cNvSpPr txBox="1">
+            <a:spLocks noGrp="1"/>
+          </p:cNvSpPr>
           <p:nvPr>
-            <p:ph idx="1" type="body"/>
+            <p:ph type="body" idx="1"/>
           </p:nvPr>
         </p:nvSpPr>
         <p:spPr>
@@ -6338,7 +6736,7 @@
           </a:prstGeom>
         </p:spPr>
         <p:txBody>
-          <a:bodyPr anchorCtr="0" anchor="t" bIns="91425" lIns="91425" rIns="91425" tIns="91425">
+          <a:bodyPr lIns="91425" tIns="91425" rIns="91425" bIns="91425" anchor="t" anchorCtr="0">
             <a:noAutofit/>
           </a:bodyPr>
           <a:lstStyle/>
@@ -6350,7 +6748,7 @@
               <a:buNone/>
             </a:pPr>
             <a:r>
-              <a:rPr b="1" lang="ko" sz="1200"/>
+              <a:rPr lang="ko" sz="1200" b="1"/>
               <a:t>이유비, 장산, 정성윤</a:t>
             </a:r>
           </a:p>
@@ -6365,11 +6763,11 @@
 </file>
 
 <file path=ppt/slides/slide10.xml><?xml version="1.0" encoding="utf-8"?>
-<p:sld xmlns:a="http://schemas.openxmlformats.org/drawingml/2006/main" xmlns:r="http://schemas.openxmlformats.org/officeDocument/2006/relationships" xmlns:mc="http://schemas.openxmlformats.org/markup-compatibility/2006" xmlns:mv="urn:schemas-microsoft-com:mac:vml" xmlns:p="http://schemas.openxmlformats.org/presentationml/2006/main" xmlns:c="http://schemas.openxmlformats.org/drawingml/2006/chart" xmlns:dgm="http://schemas.openxmlformats.org/drawingml/2006/diagram" xmlns:o="urn:schemas-microsoft-com:office:office" xmlns:v="urn:schemas-microsoft-com:vml" xmlns:pvml="urn:schemas-microsoft-com:office:powerpoint" xmlns:com="http://schemas.openxmlformats.org/drawingml/2006/compatibility" xmlns:p14="http://schemas.microsoft.com/office/powerpoint/2010/main">
+<p:sld xmlns:a="http://schemas.openxmlformats.org/drawingml/2006/main" xmlns:r="http://schemas.openxmlformats.org/officeDocument/2006/relationships" xmlns:p="http://schemas.openxmlformats.org/presentationml/2006/main">
   <p:cSld>
     <p:spTree>
       <p:nvGrpSpPr>
-        <p:cNvPr id="142" name="Shape 142"/>
+        <p:cNvPr id="1" name="Shape 142"/>
         <p:cNvGrpSpPr/>
         <p:nvPr/>
       </p:nvGrpSpPr>
@@ -6396,14 +6794,14 @@
             <a:avLst/>
           </a:prstGeom>
           <a:noFill/>
-          <a:ln cap="flat" cmpd="sng" w="9525">
+          <a:ln w="9525" cap="flat" cmpd="sng">
             <a:solidFill>
               <a:schemeClr val="dk2"/>
             </a:solidFill>
             <a:prstDash val="solid"/>
             <a:round/>
-            <a:headEnd len="lg" w="lg" type="none"/>
-            <a:tailEnd len="lg" w="lg" type="none"/>
+            <a:headEnd type="none" w="lg" len="lg"/>
+            <a:tailEnd type="none" w="lg" len="lg"/>
           </a:ln>
         </p:spPr>
       </p:cxnSp>
@@ -6427,7 +6825,7 @@
           </a:ln>
         </p:spPr>
         <p:txBody>
-          <a:bodyPr anchorCtr="0" anchor="t" bIns="91425" lIns="91425" rIns="91425" tIns="91425">
+          <a:bodyPr lIns="91425" tIns="91425" rIns="91425" bIns="91425" anchor="t" anchorCtr="0">
             <a:noAutofit/>
           </a:bodyPr>
           <a:lstStyle/>
@@ -6438,9 +6836,6 @@
               </a:spcBef>
               <a:buNone/>
             </a:pPr>
-            <a:r>
-              <a:t/>
-            </a:r>
             <a:endParaRPr/>
           </a:p>
         </p:txBody>
@@ -6465,12 +6860,12 @@
           </a:ln>
         </p:spPr>
         <p:txBody>
-          <a:bodyPr anchorCtr="0" anchor="t" bIns="91425" lIns="91425" rIns="91425" tIns="91425">
+          <a:bodyPr lIns="91425" tIns="91425" rIns="91425" bIns="91425" anchor="t" anchorCtr="0">
             <a:noAutofit/>
           </a:bodyPr>
           <a:lstStyle/>
           <a:p>
-            <a:pPr lvl="0" rtl="0" algn="r">
+            <a:pPr lvl="0" algn="r" rtl="0">
               <a:spcBef>
                 <a:spcPts val="0"/>
               </a:spcBef>
@@ -6575,7 +6970,7 @@
             </a:ln>
           </p:spPr>
           <p:txBody>
-            <a:bodyPr anchorCtr="0" anchor="ctr" bIns="91425" lIns="91425" rIns="91425" tIns="91425">
+            <a:bodyPr lIns="91425" tIns="91425" rIns="91425" bIns="91425" anchor="ctr" anchorCtr="0">
               <a:noAutofit/>
             </a:bodyPr>
             <a:lstStyle/>
@@ -6586,9 +6981,6 @@
                 </a:spcBef>
                 <a:buNone/>
               </a:pPr>
-              <a:r>
-                <a:t/>
-              </a:r>
               <a:endParaRPr/>
             </a:p>
           </p:txBody>
@@ -6615,7 +7007,7 @@
             </a:ln>
           </p:spPr>
           <p:txBody>
-            <a:bodyPr anchorCtr="0" anchor="ctr" bIns="91425" lIns="91425" rIns="91425" tIns="91425">
+            <a:bodyPr lIns="91425" tIns="91425" rIns="91425" bIns="91425" anchor="ctr" anchorCtr="0">
               <a:noAutofit/>
             </a:bodyPr>
             <a:lstStyle/>
@@ -6626,9 +7018,6 @@
                 </a:spcBef>
                 <a:buNone/>
               </a:pPr>
-              <a:r>
-                <a:t/>
-              </a:r>
               <a:endParaRPr/>
             </a:p>
           </p:txBody>
@@ -6655,7 +7044,7 @@
             </a:ln>
           </p:spPr>
           <p:txBody>
-            <a:bodyPr anchorCtr="0" anchor="ctr" bIns="91425" lIns="91425" rIns="91425" tIns="91425">
+            <a:bodyPr lIns="91425" tIns="91425" rIns="91425" bIns="91425" anchor="ctr" anchorCtr="0">
               <a:noAutofit/>
             </a:bodyPr>
             <a:lstStyle/>
@@ -6666,9 +7055,6 @@
                 </a:spcBef>
                 <a:buNone/>
               </a:pPr>
-              <a:r>
-                <a:t/>
-              </a:r>
               <a:endParaRPr/>
             </a:p>
           </p:txBody>
@@ -6710,7 +7096,7 @@
             </a:ln>
           </p:spPr>
           <p:txBody>
-            <a:bodyPr anchorCtr="0" anchor="ctr" bIns="91425" lIns="91425" rIns="91425" tIns="91425">
+            <a:bodyPr lIns="91425" tIns="91425" rIns="91425" bIns="91425" anchor="ctr" anchorCtr="0">
               <a:noAutofit/>
             </a:bodyPr>
             <a:lstStyle/>
@@ -6721,9 +7107,6 @@
                 </a:spcBef>
                 <a:buNone/>
               </a:pPr>
-              <a:r>
-                <a:t/>
-              </a:r>
               <a:endParaRPr/>
             </a:p>
           </p:txBody>
@@ -6750,7 +7133,7 @@
             </a:ln>
           </p:spPr>
           <p:txBody>
-            <a:bodyPr anchorCtr="0" anchor="ctr" bIns="91425" lIns="91425" rIns="91425" tIns="91425">
+            <a:bodyPr lIns="91425" tIns="91425" rIns="91425" bIns="91425" anchor="ctr" anchorCtr="0">
               <a:noAutofit/>
             </a:bodyPr>
             <a:lstStyle/>
@@ -6761,9 +7144,6 @@
                 </a:spcBef>
                 <a:buNone/>
               </a:pPr>
-              <a:r>
-                <a:t/>
-              </a:r>
               <a:endParaRPr/>
             </a:p>
           </p:txBody>
@@ -6790,7 +7170,7 @@
             </a:ln>
           </p:spPr>
           <p:txBody>
-            <a:bodyPr anchorCtr="0" anchor="ctr" bIns="91425" lIns="91425" rIns="91425" tIns="91425">
+            <a:bodyPr lIns="91425" tIns="91425" rIns="91425" bIns="91425" anchor="ctr" anchorCtr="0">
               <a:noAutofit/>
             </a:bodyPr>
             <a:lstStyle/>
@@ -6801,9 +7181,6 @@
                 </a:spcBef>
                 <a:buNone/>
               </a:pPr>
-              <a:r>
-                <a:t/>
-              </a:r>
               <a:endParaRPr/>
             </a:p>
           </p:txBody>
@@ -6829,12 +7206,12 @@
           </a:ln>
         </p:spPr>
         <p:txBody>
-          <a:bodyPr anchorCtr="0" anchor="t" bIns="91425" lIns="91425" rIns="91425" tIns="91425">
+          <a:bodyPr lIns="91425" tIns="91425" rIns="91425" bIns="91425" anchor="t" anchorCtr="0">
             <a:noAutofit/>
           </a:bodyPr>
           <a:lstStyle/>
           <a:p>
-            <a:pPr indent="-228600" lvl="0" marL="457200" rtl="0">
+            <a:pPr marL="457200" lvl="0" indent="-228600" rtl="0">
               <a:spcBef>
                 <a:spcPts val="0"/>
               </a:spcBef>
@@ -6846,7 +7223,7 @@
             </a:r>
           </a:p>
           <a:p>
-            <a:pPr indent="-228600" lvl="0" marL="457200">
+            <a:pPr marL="457200" lvl="0" indent="-228600">
               <a:spcBef>
                 <a:spcPts val="0"/>
               </a:spcBef>
@@ -6868,11 +7245,11 @@
 </file>
 
 <file path=ppt/slides/slide11.xml><?xml version="1.0" encoding="utf-8"?>
-<p:sld xmlns:a="http://schemas.openxmlformats.org/drawingml/2006/main" xmlns:r="http://schemas.openxmlformats.org/officeDocument/2006/relationships" xmlns:mc="http://schemas.openxmlformats.org/markup-compatibility/2006" xmlns:mv="urn:schemas-microsoft-com:mac:vml" xmlns:p="http://schemas.openxmlformats.org/presentationml/2006/main" xmlns:c="http://schemas.openxmlformats.org/drawingml/2006/chart" xmlns:dgm="http://schemas.openxmlformats.org/drawingml/2006/diagram" xmlns:o="urn:schemas-microsoft-com:office:office" xmlns:v="urn:schemas-microsoft-com:vml" xmlns:pvml="urn:schemas-microsoft-com:office:powerpoint" xmlns:com="http://schemas.openxmlformats.org/drawingml/2006/compatibility" xmlns:p14="http://schemas.microsoft.com/office/powerpoint/2010/main">
+<p:sld xmlns:a="http://schemas.openxmlformats.org/drawingml/2006/main" xmlns:r="http://schemas.openxmlformats.org/officeDocument/2006/relationships" xmlns:p="http://schemas.openxmlformats.org/presentationml/2006/main">
   <p:cSld>
     <p:spTree>
       <p:nvGrpSpPr>
-        <p:cNvPr id="160" name="Shape 160"/>
+        <p:cNvPr id="1" name="Shape 160"/>
         <p:cNvGrpSpPr/>
         <p:nvPr/>
       </p:nvGrpSpPr>
@@ -6887,7 +7264,9 @@
       <p:sp>
         <p:nvSpPr>
           <p:cNvPr id="161" name="Shape 161"/>
-          <p:cNvSpPr txBox="1"/>
+          <p:cNvSpPr txBox="1">
+            <a:spLocks noGrp="1"/>
+          </p:cNvSpPr>
           <p:nvPr>
             <p:ph type="title"/>
           </p:nvPr>
@@ -6902,12 +7281,12 @@
           </a:prstGeom>
         </p:spPr>
         <p:txBody>
-          <a:bodyPr anchorCtr="0" anchor="t" bIns="91425" lIns="91425" rIns="91425" tIns="91425">
+          <a:bodyPr lIns="91425" tIns="91425" rIns="91425" bIns="91425" anchor="t" anchorCtr="0">
             <a:noAutofit/>
           </a:bodyPr>
           <a:lstStyle/>
           <a:p>
-            <a:pPr lvl="0" rtl="0" algn="ctr">
+            <a:pPr lvl="0" algn="ctr" rtl="0">
               <a:spcBef>
                 <a:spcPts val="0"/>
               </a:spcBef>
@@ -6929,11 +7308,11 @@
 </file>
 
 <file path=ppt/slides/slide12.xml><?xml version="1.0" encoding="utf-8"?>
-<p:sld xmlns:a="http://schemas.openxmlformats.org/drawingml/2006/main" xmlns:r="http://schemas.openxmlformats.org/officeDocument/2006/relationships" xmlns:mc="http://schemas.openxmlformats.org/markup-compatibility/2006" xmlns:mv="urn:schemas-microsoft-com:mac:vml" xmlns:p="http://schemas.openxmlformats.org/presentationml/2006/main" xmlns:c="http://schemas.openxmlformats.org/drawingml/2006/chart" xmlns:dgm="http://schemas.openxmlformats.org/drawingml/2006/diagram" xmlns:o="urn:schemas-microsoft-com:office:office" xmlns:v="urn:schemas-microsoft-com:vml" xmlns:pvml="urn:schemas-microsoft-com:office:powerpoint" xmlns:com="http://schemas.openxmlformats.org/drawingml/2006/compatibility" xmlns:p14="http://schemas.microsoft.com/office/powerpoint/2010/main">
+<p:sld xmlns:a="http://schemas.openxmlformats.org/drawingml/2006/main" xmlns:r="http://schemas.openxmlformats.org/officeDocument/2006/relationships" xmlns:p="http://schemas.openxmlformats.org/presentationml/2006/main">
   <p:cSld>
     <p:spTree>
       <p:nvGrpSpPr>
-        <p:cNvPr id="165" name="Shape 165"/>
+        <p:cNvPr id="1" name="Shape 165"/>
         <p:cNvGrpSpPr/>
         <p:nvPr/>
       </p:nvGrpSpPr>
@@ -6960,14 +7339,14 @@
             <a:avLst/>
           </a:prstGeom>
           <a:noFill/>
-          <a:ln cap="flat" cmpd="sng" w="9525">
+          <a:ln w="9525" cap="flat" cmpd="sng">
             <a:solidFill>
               <a:schemeClr val="dk2"/>
             </a:solidFill>
             <a:prstDash val="solid"/>
             <a:round/>
-            <a:headEnd len="lg" w="lg" type="none"/>
-            <a:tailEnd len="lg" w="lg" type="none"/>
+            <a:headEnd type="none" w="lg" len="lg"/>
+            <a:tailEnd type="none" w="lg" len="lg"/>
           </a:ln>
         </p:spPr>
       </p:cxnSp>
@@ -6991,7 +7370,7 @@
           </a:ln>
         </p:spPr>
         <p:txBody>
-          <a:bodyPr anchorCtr="0" anchor="t" bIns="91425" lIns="91425" rIns="91425" tIns="91425">
+          <a:bodyPr lIns="91425" tIns="91425" rIns="91425" bIns="91425" anchor="t" anchorCtr="0">
             <a:noAutofit/>
           </a:bodyPr>
           <a:lstStyle/>
@@ -7002,9 +7381,6 @@
               </a:spcBef>
               <a:buNone/>
             </a:pPr>
-            <a:r>
-              <a:t/>
-            </a:r>
             <a:endParaRPr/>
           </a:p>
         </p:txBody>
@@ -7029,12 +7405,12 @@
           </a:ln>
         </p:spPr>
         <p:txBody>
-          <a:bodyPr anchorCtr="0" anchor="t" bIns="91425" lIns="91425" rIns="91425" tIns="91425">
+          <a:bodyPr lIns="91425" tIns="91425" rIns="91425" bIns="91425" anchor="t" anchorCtr="0">
             <a:noAutofit/>
           </a:bodyPr>
           <a:lstStyle/>
           <a:p>
-            <a:pPr lvl="0" rtl="0" algn="r">
+            <a:pPr lvl="0" algn="r" rtl="0">
               <a:spcBef>
                 <a:spcPts val="0"/>
               </a:spcBef>
@@ -7067,36 +7443,44 @@
           </a:ln>
         </p:spPr>
         <p:txBody>
-          <a:bodyPr anchorCtr="0" anchor="t" bIns="91425" lIns="91425" rIns="91425" tIns="91425">
+          <a:bodyPr lIns="91425" tIns="91425" rIns="91425" bIns="91425" anchor="t" anchorCtr="0">
             <a:noAutofit/>
           </a:bodyPr>
           <a:lstStyle/>
           <a:p>
-            <a:pPr indent="-228600" lvl="0" marL="457200" rtl="0">
+            <a:pPr marL="457200" lvl="0" indent="-228600" rtl="0">
               <a:spcBef>
                 <a:spcPts val="0"/>
               </a:spcBef>
               <a:buAutoNum type="arabicPeriod"/>
             </a:pPr>
+            <a:r>
+              <a:rPr lang="ko" dirty="0"/>
+              <a:t>기본 LRU 와 Random 기반 코드를 아래 환경에서 비교</a:t>
+            </a:r>
+          </a:p>
+          <a:p>
+            <a:pPr marL="457200" lvl="0" indent="-228600" rtl="0">
+              <a:spcBef>
+                <a:spcPts val="0"/>
+              </a:spcBef>
+              <a:buAutoNum type="arabicPeriod"/>
+            </a:pPr>
+            <a:r>
+              <a:rPr lang="ko" dirty="0"/>
+              <a:t>pyt</a:t>
+            </a:r>
+            <a:r>
+              <a:rPr lang="en-US" altLang="ko"/>
+              <a:t>pc</a:t>
+            </a:r>
             <a:r>
               <a:rPr lang="ko"/>
-              <a:t>기본 LRU 와 Random 기반 코드를 아래 환경에서 비교</a:t>
+              <a:t>c 조건</a:t>
             </a:r>
           </a:p>
           <a:p>
-            <a:pPr indent="-228600" lvl="0" marL="457200" rtl="0">
-              <a:spcBef>
-                <a:spcPts val="0"/>
-              </a:spcBef>
-              <a:buAutoNum type="arabicPeriod"/>
-            </a:pPr>
-            <a:r>
-              <a:rPr lang="ko"/>
-              <a:t>pytppc 조건</a:t>
-            </a:r>
-          </a:p>
-          <a:p>
-            <a:pPr indent="-228600" lvl="1" marL="914400" rtl="0">
+            <a:pPr marL="914400" lvl="1" indent="-228600" rtl="0">
               <a:lnSpc>
                 <a:spcPct val="145000"/>
               </a:lnSpc>
@@ -7106,7 +7490,7 @@
               <a:buAutoNum type="alphaLcPeriod"/>
             </a:pPr>
             <a:r>
-              <a:rPr lang="ko" sz="1000">
+              <a:rPr lang="ko" sz="1000" dirty="0">
                 <a:solidFill>
                   <a:srgbClr val="333333"/>
                 </a:solidFill>
@@ -7122,62 +7506,62 @@
             </a:r>
           </a:p>
           <a:p>
-            <a:pPr indent="-228600" lvl="1" marL="914400" rtl="0">
+            <a:pPr marL="914400" lvl="1" indent="-228600" rtl="0">
               <a:spcBef>
                 <a:spcPts val="0"/>
               </a:spcBef>
               <a:buAutoNum type="alphaLcPeriod"/>
             </a:pPr>
             <a:r>
-              <a:rPr lang="ko"/>
+              <a:rPr lang="ko" dirty="0"/>
               <a:t>journal = delete &amp; wal</a:t>
             </a:r>
           </a:p>
           <a:p>
-            <a:pPr indent="-228600" lvl="0" marL="457200" rtl="0">
+            <a:pPr marL="457200" lvl="0" indent="-228600" rtl="0">
               <a:spcBef>
                 <a:spcPts val="0"/>
               </a:spcBef>
               <a:buAutoNum type="arabicPeriod"/>
             </a:pPr>
             <a:r>
-              <a:rPr lang="ko"/>
+              <a:rPr lang="ko" dirty="0"/>
               <a:t>페이지 캐시 사이즈 변경</a:t>
             </a:r>
           </a:p>
           <a:p>
-            <a:pPr indent="-228600" lvl="1" marL="914400" rtl="0">
+            <a:pPr marL="914400" lvl="1" indent="-228600" rtl="0">
               <a:spcBef>
                 <a:spcPts val="0"/>
               </a:spcBef>
               <a:buAutoNum type="alphaLcPeriod"/>
             </a:pPr>
             <a:r>
-              <a:rPr lang="ko"/>
+              <a:rPr lang="ko" dirty="0"/>
               <a:t>src/sqliteLimit.h 내부 기본 페이지 옵션 변경(다음 슬라이드 참조)</a:t>
             </a:r>
           </a:p>
           <a:p>
-            <a:pPr indent="-228600" lvl="1" marL="914400" rtl="0">
+            <a:pPr marL="914400" lvl="1" indent="-228600" rtl="0">
               <a:spcBef>
                 <a:spcPts val="0"/>
               </a:spcBef>
               <a:buAutoNum type="alphaLcPeriod"/>
             </a:pPr>
             <a:r>
-              <a:rPr lang="ko"/>
+              <a:rPr lang="ko" dirty="0"/>
               <a:t>기본 값 -2000</a:t>
             </a:r>
           </a:p>
           <a:p>
-            <a:pPr indent="-228600" lvl="1" marL="914400" rtl="0">
+            <a:pPr marL="914400" lvl="1" indent="-228600" rtl="0">
               <a:spcBef>
                 <a:spcPts val="0"/>
               </a:spcBef>
               <a:buAutoNum type="alphaLcPeriod"/>
             </a:pPr>
             <a:r>
-              <a:rPr lang="ko">
+              <a:rPr lang="ko" dirty="0">
                 <a:solidFill>
                   <a:schemeClr val="dk1"/>
                 </a:solidFill>
@@ -7185,7 +7569,7 @@
               <a:t> LRU와 RANDOM로 나눠  </a:t>
             </a:r>
             <a:r>
-              <a:rPr lang="ko"/>
+              <a:rPr lang="ko" dirty="0"/>
               <a:t>아래 N 크기 별 값을 변경하여 delete와 wal 모두 수행 </a:t>
             </a:r>
           </a:p>
@@ -7199,7 +7583,7 @@
         </p:nvGraphicFramePr>
         <p:xfrm>
           <a:off x="-40400" y="3776400"/>
-          <a:ext cx="3000000" cy="3000000"/>
+          <a:ext cx="9224775" cy="822650"/>
         </p:xfrm>
         <a:graphic>
           <a:graphicData uri="http://schemas.openxmlformats.org/drawingml/2006/table">
@@ -7209,22 +7593,74 @@
                 <a:tableStyleId>{55B7EBAF-2498-4ED4-A843-6823EDC158FE}</a:tableStyleId>
               </a:tblPr>
               <a:tblGrid>
-                <a:gridCol w="1024975"/>
-                <a:gridCol w="1024975"/>
-                <a:gridCol w="1024975"/>
-                <a:gridCol w="1024975"/>
-                <a:gridCol w="1024975"/>
-                <a:gridCol w="1024975"/>
-                <a:gridCol w="1024975"/>
-                <a:gridCol w="1024975"/>
-                <a:gridCol w="1024975"/>
+                <a:gridCol w="1024975">
+                  <a:extLst>
+                    <a:ext uri="{9D8B030D-6E8A-4147-A177-3AD203B41FA5}">
+                      <a16:colId xmlns:a16="http://schemas.microsoft.com/office/drawing/2014/main" val="20000"/>
+                    </a:ext>
+                  </a:extLst>
+                </a:gridCol>
+                <a:gridCol w="1024975">
+                  <a:extLst>
+                    <a:ext uri="{9D8B030D-6E8A-4147-A177-3AD203B41FA5}">
+                      <a16:colId xmlns:a16="http://schemas.microsoft.com/office/drawing/2014/main" val="20001"/>
+                    </a:ext>
+                  </a:extLst>
+                </a:gridCol>
+                <a:gridCol w="1024975">
+                  <a:extLst>
+                    <a:ext uri="{9D8B030D-6E8A-4147-A177-3AD203B41FA5}">
+                      <a16:colId xmlns:a16="http://schemas.microsoft.com/office/drawing/2014/main" val="20002"/>
+                    </a:ext>
+                  </a:extLst>
+                </a:gridCol>
+                <a:gridCol w="1024975">
+                  <a:extLst>
+                    <a:ext uri="{9D8B030D-6E8A-4147-A177-3AD203B41FA5}">
+                      <a16:colId xmlns:a16="http://schemas.microsoft.com/office/drawing/2014/main" val="20003"/>
+                    </a:ext>
+                  </a:extLst>
+                </a:gridCol>
+                <a:gridCol w="1024975">
+                  <a:extLst>
+                    <a:ext uri="{9D8B030D-6E8A-4147-A177-3AD203B41FA5}">
+                      <a16:colId xmlns:a16="http://schemas.microsoft.com/office/drawing/2014/main" val="20004"/>
+                    </a:ext>
+                  </a:extLst>
+                </a:gridCol>
+                <a:gridCol w="1024975">
+                  <a:extLst>
+                    <a:ext uri="{9D8B030D-6E8A-4147-A177-3AD203B41FA5}">
+                      <a16:colId xmlns:a16="http://schemas.microsoft.com/office/drawing/2014/main" val="20005"/>
+                    </a:ext>
+                  </a:extLst>
+                </a:gridCol>
+                <a:gridCol w="1024975">
+                  <a:extLst>
+                    <a:ext uri="{9D8B030D-6E8A-4147-A177-3AD203B41FA5}">
+                      <a16:colId xmlns:a16="http://schemas.microsoft.com/office/drawing/2014/main" val="20006"/>
+                    </a:ext>
+                  </a:extLst>
+                </a:gridCol>
+                <a:gridCol w="1024975">
+                  <a:extLst>
+                    <a:ext uri="{9D8B030D-6E8A-4147-A177-3AD203B41FA5}">
+                      <a16:colId xmlns:a16="http://schemas.microsoft.com/office/drawing/2014/main" val="20007"/>
+                    </a:ext>
+                  </a:extLst>
+                </a:gridCol>
+                <a:gridCol w="1024975">
+                  <a:extLst>
+                    <a:ext uri="{9D8B030D-6E8A-4147-A177-3AD203B41FA5}">
+                      <a16:colId xmlns:a16="http://schemas.microsoft.com/office/drawing/2014/main" val="20008"/>
+                    </a:ext>
+                  </a:extLst>
+                </a:gridCol>
               </a:tblGrid>
               <a:tr h="418200">
                 <a:tc>
                   <a:txBody>
-                    <a:bodyPr>
-                      <a:noAutofit/>
-                    </a:bodyPr>
+                    <a:bodyPr/>
                     <a:lstStyle/>
                     <a:p>
                       <a:pPr lvl="0" rtl="0">
@@ -7239,13 +7675,11 @@
                       </a:r>
                     </a:p>
                   </a:txBody>
-                  <a:tcPr marT="91425" marB="91425" marR="91425" marL="91425"/>
+                  <a:tcPr marL="91425" marR="91425" marT="91425" marB="91425"/>
                 </a:tc>
                 <a:tc>
                   <a:txBody>
-                    <a:bodyPr>
-                      <a:noAutofit/>
-                    </a:bodyPr>
+                    <a:bodyPr/>
                     <a:lstStyle/>
                     <a:p>
                       <a:pPr lvl="0" rtl="0">
@@ -7260,13 +7694,11 @@
                       </a:r>
                     </a:p>
                   </a:txBody>
-                  <a:tcPr marT="91425" marB="91425" marR="91425" marL="91425"/>
+                  <a:tcPr marL="91425" marR="91425" marT="91425" marB="91425"/>
                 </a:tc>
                 <a:tc>
                   <a:txBody>
-                    <a:bodyPr>
-                      <a:noAutofit/>
-                    </a:bodyPr>
+                    <a:bodyPr/>
                     <a:lstStyle/>
                     <a:p>
                       <a:pPr lvl="0" rtl="0">
@@ -7281,13 +7713,11 @@
                       </a:r>
                     </a:p>
                   </a:txBody>
-                  <a:tcPr marT="91425" marB="91425" marR="91425" marL="91425"/>
+                  <a:tcPr marL="91425" marR="91425" marT="91425" marB="91425"/>
                 </a:tc>
                 <a:tc>
                   <a:txBody>
-                    <a:bodyPr>
-                      <a:noAutofit/>
-                    </a:bodyPr>
+                    <a:bodyPr/>
                     <a:lstStyle/>
                     <a:p>
                       <a:pPr lvl="0" rtl="0">
@@ -7302,13 +7732,11 @@
                       </a:r>
                     </a:p>
                   </a:txBody>
-                  <a:tcPr marT="91425" marB="91425" marR="91425" marL="91425"/>
+                  <a:tcPr marL="91425" marR="91425" marT="91425" marB="91425"/>
                 </a:tc>
                 <a:tc>
                   <a:txBody>
-                    <a:bodyPr>
-                      <a:noAutofit/>
-                    </a:bodyPr>
+                    <a:bodyPr/>
                     <a:lstStyle/>
                     <a:p>
                       <a:pPr lvl="0" rtl="0">
@@ -7323,13 +7751,11 @@
                       </a:r>
                     </a:p>
                   </a:txBody>
-                  <a:tcPr marT="91425" marB="91425" marR="91425" marL="91425"/>
+                  <a:tcPr marL="91425" marR="91425" marT="91425" marB="91425"/>
                 </a:tc>
                 <a:tc>
                   <a:txBody>
-                    <a:bodyPr>
-                      <a:noAutofit/>
-                    </a:bodyPr>
+                    <a:bodyPr/>
                     <a:lstStyle/>
                     <a:p>
                       <a:pPr lvl="0" rtl="0">
@@ -7344,13 +7770,11 @@
                       </a:r>
                     </a:p>
                   </a:txBody>
-                  <a:tcPr marT="91425" marB="91425" marR="91425" marL="91425"/>
+                  <a:tcPr marL="91425" marR="91425" marT="91425" marB="91425"/>
                 </a:tc>
                 <a:tc>
                   <a:txBody>
-                    <a:bodyPr>
-                      <a:noAutofit/>
-                    </a:bodyPr>
+                    <a:bodyPr/>
                     <a:lstStyle/>
                     <a:p>
                       <a:pPr lvl="0" rtl="0">
@@ -7365,13 +7789,11 @@
                       </a:r>
                     </a:p>
                   </a:txBody>
-                  <a:tcPr marT="91425" marB="91425" marR="91425" marL="91425"/>
+                  <a:tcPr marL="91425" marR="91425" marT="91425" marB="91425"/>
                 </a:tc>
                 <a:tc>
                   <a:txBody>
-                    <a:bodyPr>
-                      <a:noAutofit/>
-                    </a:bodyPr>
+                    <a:bodyPr/>
                     <a:lstStyle/>
                     <a:p>
                       <a:pPr lvl="0" rtl="0">
@@ -7386,13 +7808,11 @@
                       </a:r>
                     </a:p>
                   </a:txBody>
-                  <a:tcPr marT="91425" marB="91425" marR="91425" marL="91425"/>
+                  <a:tcPr marL="91425" marR="91425" marT="91425" marB="91425"/>
                 </a:tc>
                 <a:tc>
                   <a:txBody>
-                    <a:bodyPr>
-                      <a:noAutofit/>
-                    </a:bodyPr>
+                    <a:bodyPr/>
                     <a:lstStyle/>
                     <a:p>
                       <a:pPr lvl="0" rtl="0">
@@ -7407,15 +7827,18 @@
                       </a:r>
                     </a:p>
                   </a:txBody>
-                  <a:tcPr marT="91425" marB="91425" marR="91425" marL="91425"/>
+                  <a:tcPr marL="91425" marR="91425" marT="91425" marB="91425"/>
                 </a:tc>
+                <a:extLst>
+                  <a:ext uri="{0D108BD9-81ED-4DB2-BD59-A6C34878D82A}">
+                    <a16:rowId xmlns:a16="http://schemas.microsoft.com/office/drawing/2014/main" val="10000"/>
+                  </a:ext>
+                </a:extLst>
               </a:tr>
               <a:tr h="404450">
                 <a:tc>
                   <a:txBody>
-                    <a:bodyPr>
-                      <a:noAutofit/>
-                    </a:bodyPr>
+                    <a:bodyPr/>
                     <a:lstStyle/>
                     <a:p>
                       <a:pPr lvl="0" rtl="0">
@@ -7434,13 +7857,11 @@
                       </a:r>
                     </a:p>
                   </a:txBody>
-                  <a:tcPr marT="91425" marB="91425" marR="91425" marL="91425"/>
+                  <a:tcPr marL="91425" marR="91425" marT="91425" marB="91425"/>
                 </a:tc>
                 <a:tc>
                   <a:txBody>
-                    <a:bodyPr>
-                      <a:noAutofit/>
-                    </a:bodyPr>
+                    <a:bodyPr/>
                     <a:lstStyle/>
                     <a:p>
                       <a:pPr lvl="0" rtl="0">
@@ -7464,13 +7885,11 @@
                       </a:r>
                     </a:p>
                   </a:txBody>
-                  <a:tcPr marT="91425" marB="91425" marR="91425" marL="91425"/>
+                  <a:tcPr marL="91425" marR="91425" marT="91425" marB="91425"/>
                 </a:tc>
                 <a:tc>
                   <a:txBody>
-                    <a:bodyPr>
-                      <a:noAutofit/>
-                    </a:bodyPr>
+                    <a:bodyPr/>
                     <a:lstStyle/>
                     <a:p>
                       <a:pPr lvl="0" rtl="0">
@@ -7494,13 +7913,11 @@
                       </a:r>
                     </a:p>
                   </a:txBody>
-                  <a:tcPr marT="91425" marB="91425" marR="91425" marL="91425"/>
+                  <a:tcPr marL="91425" marR="91425" marT="91425" marB="91425"/>
                 </a:tc>
                 <a:tc>
                   <a:txBody>
-                    <a:bodyPr>
-                      <a:noAutofit/>
-                    </a:bodyPr>
+                    <a:bodyPr/>
                     <a:lstStyle/>
                     <a:p>
                       <a:pPr lvl="0" rtl="0">
@@ -7524,13 +7941,11 @@
                       </a:r>
                     </a:p>
                   </a:txBody>
-                  <a:tcPr marT="91425" marB="91425" marR="91425" marL="91425"/>
+                  <a:tcPr marL="91425" marR="91425" marT="91425" marB="91425"/>
                 </a:tc>
                 <a:tc>
                   <a:txBody>
-                    <a:bodyPr>
-                      <a:noAutofit/>
-                    </a:bodyPr>
+                    <a:bodyPr/>
                     <a:lstStyle/>
                     <a:p>
                       <a:pPr lvl="0" rtl="0">
@@ -7554,13 +7969,11 @@
                       </a:r>
                     </a:p>
                   </a:txBody>
-                  <a:tcPr marT="91425" marB="91425" marR="91425" marL="91425"/>
+                  <a:tcPr marL="91425" marR="91425" marT="91425" marB="91425"/>
                 </a:tc>
                 <a:tc>
                   <a:txBody>
-                    <a:bodyPr>
-                      <a:noAutofit/>
-                    </a:bodyPr>
+                    <a:bodyPr/>
                     <a:lstStyle/>
                     <a:p>
                       <a:pPr lvl="0" rtl="0">
@@ -7575,13 +7988,11 @@
                       </a:r>
                     </a:p>
                   </a:txBody>
-                  <a:tcPr marT="91425" marB="91425" marR="91425" marL="91425"/>
+                  <a:tcPr marL="91425" marR="91425" marT="91425" marB="91425"/>
                 </a:tc>
                 <a:tc>
                   <a:txBody>
-                    <a:bodyPr>
-                      <a:noAutofit/>
-                    </a:bodyPr>
+                    <a:bodyPr/>
                     <a:lstStyle/>
                     <a:p>
                       <a:pPr lvl="0" rtl="0">
@@ -7605,13 +8016,11 @@
                       </a:r>
                     </a:p>
                   </a:txBody>
-                  <a:tcPr marT="91425" marB="91425" marR="91425" marL="91425"/>
+                  <a:tcPr marL="91425" marR="91425" marT="91425" marB="91425"/>
                 </a:tc>
                 <a:tc>
                   <a:txBody>
-                    <a:bodyPr>
-                      <a:noAutofit/>
-                    </a:bodyPr>
+                    <a:bodyPr/>
                     <a:lstStyle/>
                     <a:p>
                       <a:pPr lvl="0" rtl="0">
@@ -7635,13 +8044,11 @@
                       </a:r>
                     </a:p>
                   </a:txBody>
-                  <a:tcPr marT="91425" marB="91425" marR="91425" marL="91425"/>
+                  <a:tcPr marL="91425" marR="91425" marT="91425" marB="91425"/>
                 </a:tc>
                 <a:tc>
                   <a:txBody>
-                    <a:bodyPr>
-                      <a:noAutofit/>
-                    </a:bodyPr>
+                    <a:bodyPr/>
                     <a:lstStyle/>
                     <a:p>
                       <a:pPr lvl="0" rtl="0">
@@ -7665,8 +8072,13 @@
                       </a:r>
                     </a:p>
                   </a:txBody>
-                  <a:tcPr marT="91425" marB="91425" marR="91425" marL="91425"/>
+                  <a:tcPr marL="91425" marR="91425" marT="91425" marB="91425"/>
                 </a:tc>
+                <a:extLst>
+                  <a:ext uri="{0D108BD9-81ED-4DB2-BD59-A6C34878D82A}">
+                    <a16:rowId xmlns:a16="http://schemas.microsoft.com/office/drawing/2014/main" val="10001"/>
+                  </a:ext>
+                </a:extLst>
               </a:tr>
             </a:tbl>
           </a:graphicData>
@@ -7692,7 +8104,7 @@
           </a:ln>
         </p:spPr>
         <p:txBody>
-          <a:bodyPr anchorCtr="0" anchor="t" bIns="91425" lIns="91425" rIns="91425" tIns="91425">
+          <a:bodyPr lIns="91425" tIns="91425" rIns="91425" bIns="91425" anchor="t" anchorCtr="0">
             <a:noAutofit/>
           </a:bodyPr>
           <a:lstStyle/>
@@ -7719,11 +8131,11 @@
 </file>
 
 <file path=ppt/slides/slide13.xml><?xml version="1.0" encoding="utf-8"?>
-<p:sld xmlns:a="http://schemas.openxmlformats.org/drawingml/2006/main" xmlns:r="http://schemas.openxmlformats.org/officeDocument/2006/relationships" xmlns:mc="http://schemas.openxmlformats.org/markup-compatibility/2006" xmlns:mv="urn:schemas-microsoft-com:mac:vml" xmlns:p="http://schemas.openxmlformats.org/presentationml/2006/main" xmlns:c="http://schemas.openxmlformats.org/drawingml/2006/chart" xmlns:dgm="http://schemas.openxmlformats.org/drawingml/2006/diagram" xmlns:o="urn:schemas-microsoft-com:office:office" xmlns:v="urn:schemas-microsoft-com:vml" xmlns:pvml="urn:schemas-microsoft-com:office:powerpoint" xmlns:com="http://schemas.openxmlformats.org/drawingml/2006/compatibility" xmlns:p14="http://schemas.microsoft.com/office/powerpoint/2010/main">
+<p:sld xmlns:a="http://schemas.openxmlformats.org/drawingml/2006/main" xmlns:r="http://schemas.openxmlformats.org/officeDocument/2006/relationships" xmlns:p="http://schemas.openxmlformats.org/presentationml/2006/main">
   <p:cSld>
     <p:spTree>
       <p:nvGrpSpPr>
-        <p:cNvPr id="175" name="Shape 175"/>
+        <p:cNvPr id="1" name="Shape 175"/>
         <p:cNvGrpSpPr/>
         <p:nvPr/>
       </p:nvGrpSpPr>
@@ -7750,14 +8162,14 @@
             <a:avLst/>
           </a:prstGeom>
           <a:noFill/>
-          <a:ln cap="flat" cmpd="sng" w="9525">
+          <a:ln w="9525" cap="flat" cmpd="sng">
             <a:solidFill>
               <a:schemeClr val="dk2"/>
             </a:solidFill>
             <a:prstDash val="solid"/>
             <a:round/>
-            <a:headEnd len="lg" w="lg" type="none"/>
-            <a:tailEnd len="lg" w="lg" type="none"/>
+            <a:headEnd type="none" w="lg" len="lg"/>
+            <a:tailEnd type="none" w="lg" len="lg"/>
           </a:ln>
         </p:spPr>
       </p:cxnSp>
@@ -7781,7 +8193,7 @@
           </a:ln>
         </p:spPr>
         <p:txBody>
-          <a:bodyPr anchorCtr="0" anchor="t" bIns="91425" lIns="91425" rIns="91425" tIns="91425">
+          <a:bodyPr lIns="91425" tIns="91425" rIns="91425" bIns="91425" anchor="t" anchorCtr="0">
             <a:noAutofit/>
           </a:bodyPr>
           <a:lstStyle/>
@@ -7792,9 +8204,6 @@
               </a:spcBef>
               <a:buNone/>
             </a:pPr>
-            <a:r>
-              <a:t/>
-            </a:r>
             <a:endParaRPr/>
           </a:p>
         </p:txBody>
@@ -7819,12 +8228,12 @@
           </a:ln>
         </p:spPr>
         <p:txBody>
-          <a:bodyPr anchorCtr="0" anchor="t" bIns="91425" lIns="91425" rIns="91425" tIns="91425">
+          <a:bodyPr lIns="91425" tIns="91425" rIns="91425" bIns="91425" anchor="t" anchorCtr="0">
             <a:noAutofit/>
           </a:bodyPr>
           <a:lstStyle/>
           <a:p>
-            <a:pPr lvl="0" rtl="0" algn="r">
+            <a:pPr lvl="0" algn="r" rtl="0">
               <a:spcBef>
                 <a:spcPts val="0"/>
               </a:spcBef>
@@ -7857,7 +8266,7 @@
           </a:ln>
         </p:spPr>
         <p:txBody>
-          <a:bodyPr anchorCtr="0" anchor="t" bIns="91425" lIns="91425" rIns="91425" tIns="91425">
+          <a:bodyPr lIns="91425" tIns="91425" rIns="91425" bIns="91425" anchor="t" anchorCtr="0">
             <a:noAutofit/>
           </a:bodyPr>
           <a:lstStyle/>
@@ -7898,7 +8307,7 @@
             </a:r>
           </a:p>
           <a:p>
-            <a:pPr indent="457200" lvl="0" rtl="0">
+            <a:pPr lvl="0" indent="457200" rtl="0">
               <a:spcBef>
                 <a:spcPts val="0"/>
               </a:spcBef>
@@ -7913,7 +8322,7 @@
       </p:sp>
       <p:pic>
         <p:nvPicPr>
-          <p:cNvPr descr="sqliteLitimi.h 파일.PNG" id="180" name="Shape 180"/>
+          <p:cNvPr id="180" name="Shape 180" descr="sqliteLitimi.h 파일.PNG"/>
           <p:cNvPicPr preferRelativeResize="0"/>
           <p:nvPr/>
         </p:nvPicPr>
@@ -7959,7 +8368,7 @@
           </a:ln>
         </p:spPr>
         <p:txBody>
-          <a:bodyPr anchorCtr="0" anchor="t" bIns="91425" lIns="91425" rIns="91425" tIns="91425">
+          <a:bodyPr lIns="91425" tIns="91425" rIns="91425" bIns="91425" anchor="t" anchorCtr="0">
             <a:noAutofit/>
           </a:bodyPr>
           <a:lstStyle/>
@@ -7986,11 +8395,11 @@
 </file>
 
 <file path=ppt/slides/slide14.xml><?xml version="1.0" encoding="utf-8"?>
-<p:sld xmlns:a="http://schemas.openxmlformats.org/drawingml/2006/main" xmlns:r="http://schemas.openxmlformats.org/officeDocument/2006/relationships" xmlns:mc="http://schemas.openxmlformats.org/markup-compatibility/2006" xmlns:mv="urn:schemas-microsoft-com:mac:vml" xmlns:p="http://schemas.openxmlformats.org/presentationml/2006/main" xmlns:c="http://schemas.openxmlformats.org/drawingml/2006/chart" xmlns:dgm="http://schemas.openxmlformats.org/drawingml/2006/diagram" xmlns:o="urn:schemas-microsoft-com:office:office" xmlns:v="urn:schemas-microsoft-com:vml" xmlns:pvml="urn:schemas-microsoft-com:office:powerpoint" xmlns:com="http://schemas.openxmlformats.org/drawingml/2006/compatibility" xmlns:p14="http://schemas.microsoft.com/office/powerpoint/2010/main">
+<p:sld xmlns:a="http://schemas.openxmlformats.org/drawingml/2006/main" xmlns:r="http://schemas.openxmlformats.org/officeDocument/2006/relationships" xmlns:p="http://schemas.openxmlformats.org/presentationml/2006/main">
   <p:cSld>
     <p:spTree>
       <p:nvGrpSpPr>
-        <p:cNvPr id="185" name="Shape 185"/>
+        <p:cNvPr id="1" name="Shape 185"/>
         <p:cNvGrpSpPr/>
         <p:nvPr/>
       </p:nvGrpSpPr>
@@ -8005,7 +8414,9 @@
       <p:sp>
         <p:nvSpPr>
           <p:cNvPr id="186" name="Shape 186"/>
-          <p:cNvSpPr txBox="1"/>
+          <p:cNvSpPr txBox="1">
+            <a:spLocks noGrp="1"/>
+          </p:cNvSpPr>
           <p:nvPr>
             <p:ph type="title"/>
           </p:nvPr>
@@ -8020,12 +8431,12 @@
           </a:prstGeom>
         </p:spPr>
         <p:txBody>
-          <a:bodyPr anchorCtr="0" anchor="t" bIns="91425" lIns="91425" rIns="91425" tIns="91425">
+          <a:bodyPr lIns="91425" tIns="91425" rIns="91425" bIns="91425" anchor="t" anchorCtr="0">
             <a:noAutofit/>
           </a:bodyPr>
           <a:lstStyle/>
           <a:p>
-            <a:pPr lvl="0" rtl="0" algn="ctr">
+            <a:pPr lvl="0" algn="ctr" rtl="0">
               <a:spcBef>
                 <a:spcPts val="0"/>
               </a:spcBef>
@@ -8047,11 +8458,11 @@
 </file>
 
 <file path=ppt/slides/slide15.xml><?xml version="1.0" encoding="utf-8"?>
-<p:sld xmlns:a="http://schemas.openxmlformats.org/drawingml/2006/main" xmlns:r="http://schemas.openxmlformats.org/officeDocument/2006/relationships" xmlns:mc="http://schemas.openxmlformats.org/markup-compatibility/2006" xmlns:mv="urn:schemas-microsoft-com:mac:vml" xmlns:p="http://schemas.openxmlformats.org/presentationml/2006/main" xmlns:c="http://schemas.openxmlformats.org/drawingml/2006/chart" xmlns:dgm="http://schemas.openxmlformats.org/drawingml/2006/diagram" xmlns:o="urn:schemas-microsoft-com:office:office" xmlns:v="urn:schemas-microsoft-com:vml" xmlns:pvml="urn:schemas-microsoft-com:office:powerpoint" xmlns:com="http://schemas.openxmlformats.org/drawingml/2006/compatibility" xmlns:p14="http://schemas.microsoft.com/office/powerpoint/2010/main">
+<p:sld xmlns:a="http://schemas.openxmlformats.org/drawingml/2006/main" xmlns:r="http://schemas.openxmlformats.org/officeDocument/2006/relationships" xmlns:p="http://schemas.openxmlformats.org/presentationml/2006/main">
   <p:cSld>
     <p:spTree>
       <p:nvGrpSpPr>
-        <p:cNvPr id="190" name="Shape 190"/>
+        <p:cNvPr id="1" name="Shape 190"/>
         <p:cNvGrpSpPr/>
         <p:nvPr/>
       </p:nvGrpSpPr>
@@ -8078,14 +8489,14 @@
             <a:avLst/>
           </a:prstGeom>
           <a:noFill/>
-          <a:ln cap="flat" cmpd="sng" w="9525">
+          <a:ln w="9525" cap="flat" cmpd="sng">
             <a:solidFill>
               <a:schemeClr val="dk2"/>
             </a:solidFill>
             <a:prstDash val="solid"/>
             <a:round/>
-            <a:headEnd len="lg" w="lg" type="none"/>
-            <a:tailEnd len="lg" w="lg" type="none"/>
+            <a:headEnd type="none" w="lg" len="lg"/>
+            <a:tailEnd type="none" w="lg" len="lg"/>
           </a:ln>
         </p:spPr>
       </p:cxnSp>
@@ -8109,7 +8520,7 @@
           </a:ln>
         </p:spPr>
         <p:txBody>
-          <a:bodyPr anchorCtr="0" anchor="t" bIns="91425" lIns="91425" rIns="91425" tIns="91425">
+          <a:bodyPr lIns="91425" tIns="91425" rIns="91425" bIns="91425" anchor="t" anchorCtr="0">
             <a:noAutofit/>
           </a:bodyPr>
           <a:lstStyle/>
@@ -8120,9 +8531,6 @@
               </a:spcBef>
               <a:buNone/>
             </a:pPr>
-            <a:r>
-              <a:t/>
-            </a:r>
             <a:endParaRPr/>
           </a:p>
         </p:txBody>
@@ -8147,12 +8555,12 @@
           </a:ln>
         </p:spPr>
         <p:txBody>
-          <a:bodyPr anchorCtr="0" anchor="t" bIns="91425" lIns="91425" rIns="91425" tIns="91425">
+          <a:bodyPr lIns="91425" tIns="91425" rIns="91425" bIns="91425" anchor="t" anchorCtr="0">
             <a:noAutofit/>
           </a:bodyPr>
           <a:lstStyle/>
           <a:p>
-            <a:pPr lvl="0" rtl="0" algn="r">
+            <a:pPr lvl="0" algn="r" rtl="0">
               <a:spcBef>
                 <a:spcPts val="0"/>
               </a:spcBef>
@@ -8167,7 +8575,7 @@
       </p:sp>
       <p:pic>
         <p:nvPicPr>
-          <p:cNvPr descr="LRU_128000B_ubuntu_harddisk_delete.PNG" id="194" name="Shape 194"/>
+          <p:cNvPr id="194" name="Shape 194" descr="LRU_128000B_ubuntu_harddisk_delete.PNG"/>
           <p:cNvPicPr preferRelativeResize="0"/>
           <p:nvPr/>
         </p:nvPicPr>
@@ -8213,7 +8621,7 @@
           </a:ln>
         </p:spPr>
         <p:txBody>
-          <a:bodyPr anchorCtr="0" anchor="t" bIns="91425" lIns="91425" rIns="91425" tIns="91425">
+          <a:bodyPr lIns="91425" tIns="91425" rIns="91425" bIns="91425" anchor="t" anchorCtr="0">
             <a:noAutofit/>
           </a:bodyPr>
           <a:lstStyle/>
@@ -8233,7 +8641,7 @@
       </p:sp>
       <p:pic>
         <p:nvPicPr>
-          <p:cNvPr descr="LRU_128000B_ubuntu_harddisk_wal.PNG" id="196" name="Shape 196"/>
+          <p:cNvPr id="196" name="Shape 196" descr="LRU_128000B_ubuntu_harddisk_wal.PNG"/>
           <p:cNvPicPr preferRelativeResize="0"/>
           <p:nvPr/>
         </p:nvPicPr>
@@ -8279,7 +8687,7 @@
           </a:ln>
         </p:spPr>
         <p:txBody>
-          <a:bodyPr anchorCtr="0" anchor="t" bIns="91425" lIns="91425" rIns="91425" tIns="91425">
+          <a:bodyPr lIns="91425" tIns="91425" rIns="91425" bIns="91425" anchor="t" anchorCtr="0">
             <a:noAutofit/>
           </a:bodyPr>
           <a:lstStyle/>
@@ -8299,7 +8707,7 @@
       </p:sp>
       <p:pic>
         <p:nvPicPr>
-          <p:cNvPr descr="RANDOM_128000B_ubuntu_harddisk_delete.PNG" id="198" name="Shape 198"/>
+          <p:cNvPr id="198" name="Shape 198" descr="RANDOM_128000B_ubuntu_harddisk_delete.PNG"/>
           <p:cNvPicPr preferRelativeResize="0"/>
           <p:nvPr/>
         </p:nvPicPr>
@@ -8345,7 +8753,7 @@
           </a:ln>
         </p:spPr>
         <p:txBody>
-          <a:bodyPr anchorCtr="0" anchor="t" bIns="91425" lIns="91425" rIns="91425" tIns="91425">
+          <a:bodyPr lIns="91425" tIns="91425" rIns="91425" bIns="91425" anchor="t" anchorCtr="0">
             <a:noAutofit/>
           </a:bodyPr>
           <a:lstStyle/>
@@ -8365,7 +8773,7 @@
       </p:sp>
       <p:pic>
         <p:nvPicPr>
-          <p:cNvPr descr="RANDOM_128000B_ubuntu_harddisk_wal.PNG" id="200" name="Shape 200"/>
+          <p:cNvPr id="200" name="Shape 200" descr="RANDOM_128000B_ubuntu_harddisk_wal.PNG"/>
           <p:cNvPicPr preferRelativeResize="0"/>
           <p:nvPr/>
         </p:nvPicPr>
@@ -8411,7 +8819,7 @@
           </a:ln>
         </p:spPr>
         <p:txBody>
-          <a:bodyPr anchorCtr="0" anchor="t" bIns="91425" lIns="91425" rIns="91425" tIns="91425">
+          <a:bodyPr lIns="91425" tIns="91425" rIns="91425" bIns="91425" anchor="t" anchorCtr="0">
             <a:noAutofit/>
           </a:bodyPr>
           <a:lstStyle/>
@@ -8438,11 +8846,11 @@
 </file>
 
 <file path=ppt/slides/slide16.xml><?xml version="1.0" encoding="utf-8"?>
-<p:sld xmlns:a="http://schemas.openxmlformats.org/drawingml/2006/main" xmlns:r="http://schemas.openxmlformats.org/officeDocument/2006/relationships" xmlns:mc="http://schemas.openxmlformats.org/markup-compatibility/2006" xmlns:mv="urn:schemas-microsoft-com:mac:vml" xmlns:p="http://schemas.openxmlformats.org/presentationml/2006/main" xmlns:c="http://schemas.openxmlformats.org/drawingml/2006/chart" xmlns:dgm="http://schemas.openxmlformats.org/drawingml/2006/diagram" xmlns:o="urn:schemas-microsoft-com:office:office" xmlns:v="urn:schemas-microsoft-com:vml" xmlns:pvml="urn:schemas-microsoft-com:office:powerpoint" xmlns:com="http://schemas.openxmlformats.org/drawingml/2006/compatibility" xmlns:p14="http://schemas.microsoft.com/office/powerpoint/2010/main">
+<p:sld xmlns:a="http://schemas.openxmlformats.org/drawingml/2006/main" xmlns:r="http://schemas.openxmlformats.org/officeDocument/2006/relationships" xmlns:p="http://schemas.openxmlformats.org/presentationml/2006/main">
   <p:cSld>
     <p:spTree>
       <p:nvGrpSpPr>
-        <p:cNvPr id="205" name="Shape 205"/>
+        <p:cNvPr id="1" name="Shape 205"/>
         <p:cNvGrpSpPr/>
         <p:nvPr/>
       </p:nvGrpSpPr>
@@ -8469,14 +8877,14 @@
             <a:avLst/>
           </a:prstGeom>
           <a:noFill/>
-          <a:ln cap="flat" cmpd="sng" w="9525">
+          <a:ln w="9525" cap="flat" cmpd="sng">
             <a:solidFill>
               <a:schemeClr val="dk2"/>
             </a:solidFill>
             <a:prstDash val="solid"/>
             <a:round/>
-            <a:headEnd len="lg" w="lg" type="none"/>
-            <a:tailEnd len="lg" w="lg" type="none"/>
+            <a:headEnd type="none" w="lg" len="lg"/>
+            <a:tailEnd type="none" w="lg" len="lg"/>
           </a:ln>
         </p:spPr>
       </p:cxnSp>
@@ -8500,7 +8908,7 @@
           </a:ln>
         </p:spPr>
         <p:txBody>
-          <a:bodyPr anchorCtr="0" anchor="t" bIns="91425" lIns="91425" rIns="91425" tIns="91425">
+          <a:bodyPr lIns="91425" tIns="91425" rIns="91425" bIns="91425" anchor="t" anchorCtr="0">
             <a:noAutofit/>
           </a:bodyPr>
           <a:lstStyle/>
@@ -8511,9 +8919,6 @@
               </a:spcBef>
               <a:buNone/>
             </a:pPr>
-            <a:r>
-              <a:t/>
-            </a:r>
             <a:endParaRPr/>
           </a:p>
         </p:txBody>
@@ -8538,12 +8943,12 @@
           </a:ln>
         </p:spPr>
         <p:txBody>
-          <a:bodyPr anchorCtr="0" anchor="t" bIns="91425" lIns="91425" rIns="91425" tIns="91425">
+          <a:bodyPr lIns="91425" tIns="91425" rIns="91425" bIns="91425" anchor="t" anchorCtr="0">
             <a:noAutofit/>
           </a:bodyPr>
           <a:lstStyle/>
           <a:p>
-            <a:pPr lvl="0" rtl="0" algn="r">
+            <a:pPr lvl="0" algn="r" rtl="0">
               <a:spcBef>
                 <a:spcPts val="0"/>
               </a:spcBef>
@@ -8612,7 +9017,7 @@
           </a:ln>
         </p:spPr>
         <p:txBody>
-          <a:bodyPr anchorCtr="0" anchor="t" bIns="91425" lIns="91425" rIns="91425" tIns="91425">
+          <a:bodyPr lIns="91425" tIns="91425" rIns="91425" bIns="91425" anchor="t" anchorCtr="0">
             <a:noAutofit/>
           </a:bodyPr>
           <a:lstStyle/>
@@ -8678,7 +9083,7 @@
           </a:ln>
         </p:spPr>
         <p:txBody>
-          <a:bodyPr anchorCtr="0" anchor="t" bIns="91425" lIns="91425" rIns="91425" tIns="91425">
+          <a:bodyPr lIns="91425" tIns="91425" rIns="91425" bIns="91425" anchor="t" anchorCtr="0">
             <a:noAutofit/>
           </a:bodyPr>
           <a:lstStyle/>
@@ -8744,7 +9149,7 @@
           </a:ln>
         </p:spPr>
         <p:txBody>
-          <a:bodyPr anchorCtr="0" anchor="t" bIns="91425" lIns="91425" rIns="91425" tIns="91425">
+          <a:bodyPr lIns="91425" tIns="91425" rIns="91425" bIns="91425" anchor="t" anchorCtr="0">
             <a:noAutofit/>
           </a:bodyPr>
           <a:lstStyle/>
@@ -8810,7 +9215,7 @@
           </a:ln>
         </p:spPr>
         <p:txBody>
-          <a:bodyPr anchorCtr="0" anchor="t" bIns="91425" lIns="91425" rIns="91425" tIns="91425">
+          <a:bodyPr lIns="91425" tIns="91425" rIns="91425" bIns="91425" anchor="t" anchorCtr="0">
             <a:noAutofit/>
           </a:bodyPr>
           <a:lstStyle/>
@@ -8837,11 +9242,11 @@
 </file>
 
 <file path=ppt/slides/slide17.xml><?xml version="1.0" encoding="utf-8"?>
-<p:sld xmlns:a="http://schemas.openxmlformats.org/drawingml/2006/main" xmlns:r="http://schemas.openxmlformats.org/officeDocument/2006/relationships" xmlns:mc="http://schemas.openxmlformats.org/markup-compatibility/2006" xmlns:mv="urn:schemas-microsoft-com:mac:vml" xmlns:p="http://schemas.openxmlformats.org/presentationml/2006/main" xmlns:c="http://schemas.openxmlformats.org/drawingml/2006/chart" xmlns:dgm="http://schemas.openxmlformats.org/drawingml/2006/diagram" xmlns:o="urn:schemas-microsoft-com:office:office" xmlns:v="urn:schemas-microsoft-com:vml" xmlns:pvml="urn:schemas-microsoft-com:office:powerpoint" xmlns:com="http://schemas.openxmlformats.org/drawingml/2006/compatibility" xmlns:p14="http://schemas.microsoft.com/office/powerpoint/2010/main">
+<p:sld xmlns:a="http://schemas.openxmlformats.org/drawingml/2006/main" xmlns:r="http://schemas.openxmlformats.org/officeDocument/2006/relationships" xmlns:p="http://schemas.openxmlformats.org/presentationml/2006/main">
   <p:cSld>
     <p:spTree>
       <p:nvGrpSpPr>
-        <p:cNvPr id="220" name="Shape 220"/>
+        <p:cNvPr id="1" name="Shape 220"/>
         <p:cNvGrpSpPr/>
         <p:nvPr/>
       </p:nvGrpSpPr>
@@ -8868,14 +9273,14 @@
             <a:avLst/>
           </a:prstGeom>
           <a:noFill/>
-          <a:ln cap="flat" cmpd="sng" w="9525">
+          <a:ln w="9525" cap="flat" cmpd="sng">
             <a:solidFill>
               <a:schemeClr val="dk2"/>
             </a:solidFill>
             <a:prstDash val="solid"/>
             <a:round/>
-            <a:headEnd len="lg" w="lg" type="none"/>
-            <a:tailEnd len="lg" w="lg" type="none"/>
+            <a:headEnd type="none" w="lg" len="lg"/>
+            <a:tailEnd type="none" w="lg" len="lg"/>
           </a:ln>
         </p:spPr>
       </p:cxnSp>
@@ -8899,7 +9304,7 @@
           </a:ln>
         </p:spPr>
         <p:txBody>
-          <a:bodyPr anchorCtr="0" anchor="t" bIns="91425" lIns="91425" rIns="91425" tIns="91425">
+          <a:bodyPr lIns="91425" tIns="91425" rIns="91425" bIns="91425" anchor="t" anchorCtr="0">
             <a:noAutofit/>
           </a:bodyPr>
           <a:lstStyle/>
@@ -8910,9 +9315,6 @@
               </a:spcBef>
               <a:buNone/>
             </a:pPr>
-            <a:r>
-              <a:t/>
-            </a:r>
             <a:endParaRPr/>
           </a:p>
         </p:txBody>
@@ -8937,12 +9339,12 @@
           </a:ln>
         </p:spPr>
         <p:txBody>
-          <a:bodyPr anchorCtr="0" anchor="t" bIns="91425" lIns="91425" rIns="91425" tIns="91425">
+          <a:bodyPr lIns="91425" tIns="91425" rIns="91425" bIns="91425" anchor="t" anchorCtr="0">
             <a:noAutofit/>
           </a:bodyPr>
           <a:lstStyle/>
           <a:p>
-            <a:pPr lvl="0" rtl="0" algn="r">
+            <a:pPr lvl="0" algn="r" rtl="0">
               <a:spcBef>
                 <a:spcPts val="0"/>
               </a:spcBef>
@@ -9095,7 +9497,7 @@
           </a:ln>
         </p:spPr>
         <p:txBody>
-          <a:bodyPr anchorCtr="0" anchor="t" bIns="91425" lIns="91425" rIns="91425" tIns="91425">
+          <a:bodyPr lIns="91425" tIns="91425" rIns="91425" bIns="91425" anchor="t" anchorCtr="0">
             <a:noAutofit/>
           </a:bodyPr>
           <a:lstStyle/>
@@ -9133,7 +9535,7 @@
           </a:ln>
         </p:spPr>
         <p:txBody>
-          <a:bodyPr anchorCtr="0" anchor="t" bIns="91425" lIns="91425" rIns="91425" tIns="91425">
+          <a:bodyPr lIns="91425" tIns="91425" rIns="91425" bIns="91425" anchor="t" anchorCtr="0">
             <a:noAutofit/>
           </a:bodyPr>
           <a:lstStyle/>
@@ -9171,7 +9573,7 @@
           </a:ln>
         </p:spPr>
         <p:txBody>
-          <a:bodyPr anchorCtr="0" anchor="t" bIns="91425" lIns="91425" rIns="91425" tIns="91425">
+          <a:bodyPr lIns="91425" tIns="91425" rIns="91425" bIns="91425" anchor="t" anchorCtr="0">
             <a:noAutofit/>
           </a:bodyPr>
           <a:lstStyle/>
@@ -9209,7 +9611,7 @@
           </a:ln>
         </p:spPr>
         <p:txBody>
-          <a:bodyPr anchorCtr="0" anchor="t" bIns="91425" lIns="91425" rIns="91425" tIns="91425">
+          <a:bodyPr lIns="91425" tIns="91425" rIns="91425" bIns="91425" anchor="t" anchorCtr="0">
             <a:noAutofit/>
           </a:bodyPr>
           <a:lstStyle/>
@@ -9236,11 +9638,11 @@
 </file>
 
 <file path=ppt/slides/slide18.xml><?xml version="1.0" encoding="utf-8"?>
-<p:sld xmlns:a="http://schemas.openxmlformats.org/drawingml/2006/main" xmlns:r="http://schemas.openxmlformats.org/officeDocument/2006/relationships" xmlns:mc="http://schemas.openxmlformats.org/markup-compatibility/2006" xmlns:mv="urn:schemas-microsoft-com:mac:vml" xmlns:p="http://schemas.openxmlformats.org/presentationml/2006/main" xmlns:c="http://schemas.openxmlformats.org/drawingml/2006/chart" xmlns:dgm="http://schemas.openxmlformats.org/drawingml/2006/diagram" xmlns:o="urn:schemas-microsoft-com:office:office" xmlns:v="urn:schemas-microsoft-com:vml" xmlns:pvml="urn:schemas-microsoft-com:office:powerpoint" xmlns:com="http://schemas.openxmlformats.org/drawingml/2006/compatibility" xmlns:p14="http://schemas.microsoft.com/office/powerpoint/2010/main">
+<p:sld xmlns:a="http://schemas.openxmlformats.org/drawingml/2006/main" xmlns:r="http://schemas.openxmlformats.org/officeDocument/2006/relationships" xmlns:p="http://schemas.openxmlformats.org/presentationml/2006/main">
   <p:cSld>
     <p:spTree>
       <p:nvGrpSpPr>
-        <p:cNvPr id="235" name="Shape 235"/>
+        <p:cNvPr id="1" name="Shape 235"/>
         <p:cNvGrpSpPr/>
         <p:nvPr/>
       </p:nvGrpSpPr>
@@ -9267,14 +9669,14 @@
             <a:avLst/>
           </a:prstGeom>
           <a:noFill/>
-          <a:ln cap="flat" cmpd="sng" w="9525">
+          <a:ln w="9525" cap="flat" cmpd="sng">
             <a:solidFill>
               <a:schemeClr val="dk2"/>
             </a:solidFill>
             <a:prstDash val="solid"/>
             <a:round/>
-            <a:headEnd len="lg" w="lg" type="none"/>
-            <a:tailEnd len="lg" w="lg" type="none"/>
+            <a:headEnd type="none" w="lg" len="lg"/>
+            <a:tailEnd type="none" w="lg" len="lg"/>
           </a:ln>
         </p:spPr>
       </p:cxnSp>
@@ -9298,7 +9700,7 @@
           </a:ln>
         </p:spPr>
         <p:txBody>
-          <a:bodyPr anchorCtr="0" anchor="t" bIns="91425" lIns="91425" rIns="91425" tIns="91425">
+          <a:bodyPr lIns="91425" tIns="91425" rIns="91425" bIns="91425" anchor="t" anchorCtr="0">
             <a:noAutofit/>
           </a:bodyPr>
           <a:lstStyle/>
@@ -9309,9 +9711,6 @@
               </a:spcBef>
               <a:buNone/>
             </a:pPr>
-            <a:r>
-              <a:t/>
-            </a:r>
             <a:endParaRPr/>
           </a:p>
         </p:txBody>
@@ -9336,12 +9735,12 @@
           </a:ln>
         </p:spPr>
         <p:txBody>
-          <a:bodyPr anchorCtr="0" anchor="t" bIns="91425" lIns="91425" rIns="91425" tIns="91425">
+          <a:bodyPr lIns="91425" tIns="91425" rIns="91425" bIns="91425" anchor="t" anchorCtr="0">
             <a:noAutofit/>
           </a:bodyPr>
           <a:lstStyle/>
           <a:p>
-            <a:pPr lvl="0" rtl="0" algn="r">
+            <a:pPr lvl="0" algn="r" rtl="0">
               <a:spcBef>
                 <a:spcPts val="0"/>
               </a:spcBef>
@@ -9361,15 +9760,12 @@
             </a:r>
           </a:p>
           <a:p>
-            <a:pPr lvl="0" rtl="0" algn="ctr">
-              <a:spcBef>
-                <a:spcPts val="0"/>
-              </a:spcBef>
-              <a:buNone/>
-            </a:pPr>
-            <a:r>
-              <a:t/>
-            </a:r>
+            <a:pPr lvl="0" algn="ctr" rtl="0">
+              <a:spcBef>
+                <a:spcPts val="0"/>
+              </a:spcBef>
+              <a:buNone/>
+            </a:pPr>
             <a:endParaRPr/>
           </a:p>
         </p:txBody>
@@ -9394,7 +9790,7 @@
           </a:ln>
         </p:spPr>
         <p:txBody>
-          <a:bodyPr anchorCtr="0" anchor="t" bIns="91425" lIns="91425" rIns="91425" tIns="91425">
+          <a:bodyPr lIns="91425" tIns="91425" rIns="91425" bIns="91425" anchor="t" anchorCtr="0">
             <a:noAutofit/>
           </a:bodyPr>
           <a:lstStyle/>
@@ -9432,7 +9828,7 @@
           </a:ln>
         </p:spPr>
         <p:txBody>
-          <a:bodyPr anchorCtr="0" anchor="t" bIns="91425" lIns="91425" rIns="91425" tIns="91425">
+          <a:bodyPr lIns="91425" tIns="91425" rIns="91425" bIns="91425" anchor="t" anchorCtr="0">
             <a:noAutofit/>
           </a:bodyPr>
           <a:lstStyle/>
@@ -9470,7 +9866,7 @@
           </a:ln>
         </p:spPr>
         <p:txBody>
-          <a:bodyPr anchorCtr="0" anchor="t" bIns="91425" lIns="91425" rIns="91425" tIns="91425">
+          <a:bodyPr lIns="91425" tIns="91425" rIns="91425" bIns="91425" anchor="t" anchorCtr="0">
             <a:noAutofit/>
           </a:bodyPr>
           <a:lstStyle/>
@@ -9508,7 +9904,7 @@
           </a:ln>
         </p:spPr>
         <p:txBody>
-          <a:bodyPr anchorCtr="0" anchor="t" bIns="91425" lIns="91425" rIns="91425" tIns="91425">
+          <a:bodyPr lIns="91425" tIns="91425" rIns="91425" bIns="91425" anchor="t" anchorCtr="0">
             <a:noAutofit/>
           </a:bodyPr>
           <a:lstStyle/>
@@ -9647,11 +10043,11 @@
 </file>
 
 <file path=ppt/slides/slide19.xml><?xml version="1.0" encoding="utf-8"?>
-<p:sld xmlns:a="http://schemas.openxmlformats.org/drawingml/2006/main" xmlns:r="http://schemas.openxmlformats.org/officeDocument/2006/relationships" xmlns:mc="http://schemas.openxmlformats.org/markup-compatibility/2006" xmlns:mv="urn:schemas-microsoft-com:mac:vml" xmlns:p="http://schemas.openxmlformats.org/presentationml/2006/main" xmlns:c="http://schemas.openxmlformats.org/drawingml/2006/chart" xmlns:dgm="http://schemas.openxmlformats.org/drawingml/2006/diagram" xmlns:o="urn:schemas-microsoft-com:office:office" xmlns:v="urn:schemas-microsoft-com:vml" xmlns:pvml="urn:schemas-microsoft-com:office:powerpoint" xmlns:com="http://schemas.openxmlformats.org/drawingml/2006/compatibility" xmlns:p14="http://schemas.microsoft.com/office/powerpoint/2010/main">
+<p:sld xmlns:a="http://schemas.openxmlformats.org/drawingml/2006/main" xmlns:r="http://schemas.openxmlformats.org/officeDocument/2006/relationships" xmlns:p="http://schemas.openxmlformats.org/presentationml/2006/main">
   <p:cSld>
     <p:spTree>
       <p:nvGrpSpPr>
-        <p:cNvPr id="250" name="Shape 250"/>
+        <p:cNvPr id="1" name="Shape 250"/>
         <p:cNvGrpSpPr/>
         <p:nvPr/>
       </p:nvGrpSpPr>
@@ -9678,14 +10074,14 @@
             <a:avLst/>
           </a:prstGeom>
           <a:noFill/>
-          <a:ln cap="flat" cmpd="sng" w="9525">
+          <a:ln w="9525" cap="flat" cmpd="sng">
             <a:solidFill>
               <a:schemeClr val="dk2"/>
             </a:solidFill>
             <a:prstDash val="solid"/>
             <a:round/>
-            <a:headEnd len="lg" w="lg" type="none"/>
-            <a:tailEnd len="lg" w="lg" type="none"/>
+            <a:headEnd type="none" w="lg" len="lg"/>
+            <a:tailEnd type="none" w="lg" len="lg"/>
           </a:ln>
         </p:spPr>
       </p:cxnSp>
@@ -9709,7 +10105,7 @@
           </a:ln>
         </p:spPr>
         <p:txBody>
-          <a:bodyPr anchorCtr="0" anchor="t" bIns="91425" lIns="91425" rIns="91425" tIns="91425">
+          <a:bodyPr lIns="91425" tIns="91425" rIns="91425" bIns="91425" anchor="t" anchorCtr="0">
             <a:noAutofit/>
           </a:bodyPr>
           <a:lstStyle/>
@@ -9720,9 +10116,6 @@
               </a:spcBef>
               <a:buNone/>
             </a:pPr>
-            <a:r>
-              <a:t/>
-            </a:r>
             <a:endParaRPr/>
           </a:p>
         </p:txBody>
@@ -9747,12 +10140,12 @@
           </a:ln>
         </p:spPr>
         <p:txBody>
-          <a:bodyPr anchorCtr="0" anchor="t" bIns="91425" lIns="91425" rIns="91425" tIns="91425">
+          <a:bodyPr lIns="91425" tIns="91425" rIns="91425" bIns="91425" anchor="t" anchorCtr="0">
             <a:noAutofit/>
           </a:bodyPr>
           <a:lstStyle/>
           <a:p>
-            <a:pPr lvl="0" rtl="0" algn="r">
+            <a:pPr lvl="0" algn="r" rtl="0">
               <a:spcBef>
                 <a:spcPts val="0"/>
               </a:spcBef>
@@ -9793,7 +10186,7 @@
           </a:ln>
         </p:spPr>
         <p:txBody>
-          <a:bodyPr anchorCtr="0" anchor="t" bIns="91425" lIns="91425" rIns="91425" tIns="91425">
+          <a:bodyPr lIns="91425" tIns="91425" rIns="91425" bIns="91425" anchor="t" anchorCtr="0">
             <a:noAutofit/>
           </a:bodyPr>
           <a:lstStyle/>
@@ -9831,7 +10224,7 @@
           </a:ln>
         </p:spPr>
         <p:txBody>
-          <a:bodyPr anchorCtr="0" anchor="t" bIns="91425" lIns="91425" rIns="91425" tIns="91425">
+          <a:bodyPr lIns="91425" tIns="91425" rIns="91425" bIns="91425" anchor="t" anchorCtr="0">
             <a:noAutofit/>
           </a:bodyPr>
           <a:lstStyle/>
@@ -9869,7 +10262,7 @@
           </a:ln>
         </p:spPr>
         <p:txBody>
-          <a:bodyPr anchorCtr="0" anchor="t" bIns="91425" lIns="91425" rIns="91425" tIns="91425">
+          <a:bodyPr lIns="91425" tIns="91425" rIns="91425" bIns="91425" anchor="t" anchorCtr="0">
             <a:noAutofit/>
           </a:bodyPr>
           <a:lstStyle/>
@@ -9907,7 +10300,7 @@
           </a:ln>
         </p:spPr>
         <p:txBody>
-          <a:bodyPr anchorCtr="0" anchor="t" bIns="91425" lIns="91425" rIns="91425" tIns="91425">
+          <a:bodyPr lIns="91425" tIns="91425" rIns="91425" bIns="91425" anchor="t" anchorCtr="0">
             <a:noAutofit/>
           </a:bodyPr>
           <a:lstStyle/>
@@ -10046,11 +10439,11 @@
 </file>
 
 <file path=ppt/slides/slide2.xml><?xml version="1.0" encoding="utf-8"?>
-<p:sld xmlns:a="http://schemas.openxmlformats.org/drawingml/2006/main" xmlns:r="http://schemas.openxmlformats.org/officeDocument/2006/relationships" xmlns:mc="http://schemas.openxmlformats.org/markup-compatibility/2006" xmlns:mv="urn:schemas-microsoft-com:mac:vml" xmlns:p="http://schemas.openxmlformats.org/presentationml/2006/main" xmlns:c="http://schemas.openxmlformats.org/drawingml/2006/chart" xmlns:dgm="http://schemas.openxmlformats.org/drawingml/2006/diagram" xmlns:o="urn:schemas-microsoft-com:office:office" xmlns:v="urn:schemas-microsoft-com:vml" xmlns:pvml="urn:schemas-microsoft-com:office:powerpoint" xmlns:com="http://schemas.openxmlformats.org/drawingml/2006/compatibility" xmlns:p14="http://schemas.microsoft.com/office/powerpoint/2010/main">
+<p:sld xmlns:a="http://schemas.openxmlformats.org/drawingml/2006/main" xmlns:r="http://schemas.openxmlformats.org/officeDocument/2006/relationships" xmlns:p="http://schemas.openxmlformats.org/presentationml/2006/main">
   <p:cSld>
     <p:spTree>
       <p:nvGrpSpPr>
-        <p:cNvPr id="59" name="Shape 59"/>
+        <p:cNvPr id="1" name="Shape 59"/>
         <p:cNvGrpSpPr/>
         <p:nvPr/>
       </p:nvGrpSpPr>
@@ -10065,7 +10458,9 @@
       <p:sp>
         <p:nvSpPr>
           <p:cNvPr id="60" name="Shape 60"/>
-          <p:cNvSpPr txBox="1"/>
+          <p:cNvSpPr txBox="1">
+            <a:spLocks noGrp="1"/>
+          </p:cNvSpPr>
           <p:nvPr>
             <p:ph type="title"/>
           </p:nvPr>
@@ -10080,7 +10475,7 @@
           </a:prstGeom>
         </p:spPr>
         <p:txBody>
-          <a:bodyPr anchorCtr="0" anchor="t" bIns="91425" lIns="91425" rIns="91425" tIns="91425">
+          <a:bodyPr lIns="91425" tIns="91425" rIns="91425" bIns="91425" anchor="t" anchorCtr="0">
             <a:noAutofit/>
           </a:bodyPr>
           <a:lstStyle/>
@@ -10101,9 +10496,11 @@
       <p:sp>
         <p:nvSpPr>
           <p:cNvPr id="61" name="Shape 61"/>
-          <p:cNvSpPr txBox="1"/>
+          <p:cNvSpPr txBox="1">
+            <a:spLocks noGrp="1"/>
+          </p:cNvSpPr>
           <p:nvPr>
-            <p:ph idx="1" type="body"/>
+            <p:ph type="body" idx="1"/>
           </p:nvPr>
         </p:nvSpPr>
         <p:spPr>
@@ -10116,12 +10513,12 @@
           </a:prstGeom>
         </p:spPr>
         <p:txBody>
-          <a:bodyPr anchorCtr="0" anchor="t" bIns="91425" lIns="91425" rIns="91425" tIns="91425">
+          <a:bodyPr lIns="91425" tIns="91425" rIns="91425" bIns="91425" anchor="t" anchorCtr="0">
             <a:noAutofit/>
           </a:bodyPr>
           <a:lstStyle/>
           <a:p>
-            <a:pPr indent="-228600" lvl="0" marL="457200" rtl="0">
+            <a:pPr marL="457200" lvl="0" indent="-228600" rtl="0">
               <a:spcBef>
                 <a:spcPts val="0"/>
               </a:spcBef>
@@ -10139,13 +10536,10 @@
               </a:spcBef>
               <a:buNone/>
             </a:pPr>
-            <a:r>
-              <a:t/>
-            </a:r>
             <a:endParaRPr/>
           </a:p>
           <a:p>
-            <a:pPr indent="-228600" lvl="0" marL="457200" rtl="0">
+            <a:pPr marL="457200" lvl="0" indent="-228600" rtl="0">
               <a:spcBef>
                 <a:spcPts val="0"/>
               </a:spcBef>
@@ -10163,13 +10557,10 @@
               </a:spcBef>
               <a:buNone/>
             </a:pPr>
-            <a:r>
-              <a:t/>
-            </a:r>
             <a:endParaRPr/>
           </a:p>
           <a:p>
-            <a:pPr indent="-228600" lvl="0" marL="457200" rtl="0">
+            <a:pPr marL="457200" lvl="0" indent="-228600" rtl="0">
               <a:spcBef>
                 <a:spcPts val="0"/>
               </a:spcBef>
@@ -10191,11 +10582,11 @@
 </file>
 
 <file path=ppt/slides/slide20.xml><?xml version="1.0" encoding="utf-8"?>
-<p:sld xmlns:a="http://schemas.openxmlformats.org/drawingml/2006/main" xmlns:r="http://schemas.openxmlformats.org/officeDocument/2006/relationships" xmlns:mc="http://schemas.openxmlformats.org/markup-compatibility/2006" xmlns:mv="urn:schemas-microsoft-com:mac:vml" xmlns:p="http://schemas.openxmlformats.org/presentationml/2006/main" xmlns:c="http://schemas.openxmlformats.org/drawingml/2006/chart" xmlns:dgm="http://schemas.openxmlformats.org/drawingml/2006/diagram" xmlns:o="urn:schemas-microsoft-com:office:office" xmlns:v="urn:schemas-microsoft-com:vml" xmlns:pvml="urn:schemas-microsoft-com:office:powerpoint" xmlns:com="http://schemas.openxmlformats.org/drawingml/2006/compatibility" xmlns:p14="http://schemas.microsoft.com/office/powerpoint/2010/main">
+<p:sld xmlns:a="http://schemas.openxmlformats.org/drawingml/2006/main" xmlns:r="http://schemas.openxmlformats.org/officeDocument/2006/relationships" xmlns:p="http://schemas.openxmlformats.org/presentationml/2006/main">
   <p:cSld>
     <p:spTree>
       <p:nvGrpSpPr>
-        <p:cNvPr id="265" name="Shape 265"/>
+        <p:cNvPr id="1" name="Shape 265"/>
         <p:cNvGrpSpPr/>
         <p:nvPr/>
       </p:nvGrpSpPr>
@@ -10210,7 +10601,9 @@
       <p:sp>
         <p:nvSpPr>
           <p:cNvPr id="266" name="Shape 266"/>
-          <p:cNvSpPr txBox="1"/>
+          <p:cNvSpPr txBox="1">
+            <a:spLocks noGrp="1"/>
+          </p:cNvSpPr>
           <p:nvPr>
             <p:ph type="title"/>
           </p:nvPr>
@@ -10225,12 +10618,12 @@
           </a:prstGeom>
         </p:spPr>
         <p:txBody>
-          <a:bodyPr anchorCtr="0" anchor="t" bIns="91425" lIns="91425" rIns="91425" tIns="91425">
+          <a:bodyPr lIns="91425" tIns="91425" rIns="91425" bIns="91425" anchor="t" anchorCtr="0">
             <a:noAutofit/>
           </a:bodyPr>
           <a:lstStyle/>
           <a:p>
-            <a:pPr lvl="0" rtl="0" algn="ctr">
+            <a:pPr lvl="0" algn="ctr" rtl="0">
               <a:spcBef>
                 <a:spcPts val="0"/>
               </a:spcBef>
@@ -10252,11 +10645,11 @@
 </file>
 
 <file path=ppt/slides/slide21.xml><?xml version="1.0" encoding="utf-8"?>
-<p:sld xmlns:a="http://schemas.openxmlformats.org/drawingml/2006/main" xmlns:r="http://schemas.openxmlformats.org/officeDocument/2006/relationships" xmlns:mc="http://schemas.openxmlformats.org/markup-compatibility/2006" xmlns:mv="urn:schemas-microsoft-com:mac:vml" xmlns:p="http://schemas.openxmlformats.org/presentationml/2006/main" xmlns:c="http://schemas.openxmlformats.org/drawingml/2006/chart" xmlns:dgm="http://schemas.openxmlformats.org/drawingml/2006/diagram" xmlns:o="urn:schemas-microsoft-com:office:office" xmlns:v="urn:schemas-microsoft-com:vml" xmlns:pvml="urn:schemas-microsoft-com:office:powerpoint" xmlns:com="http://schemas.openxmlformats.org/drawingml/2006/compatibility" xmlns:p14="http://schemas.microsoft.com/office/powerpoint/2010/main">
+<p:sld xmlns:a="http://schemas.openxmlformats.org/drawingml/2006/main" xmlns:r="http://schemas.openxmlformats.org/officeDocument/2006/relationships" xmlns:p="http://schemas.openxmlformats.org/presentationml/2006/main">
   <p:cSld>
     <p:spTree>
       <p:nvGrpSpPr>
-        <p:cNvPr id="270" name="Shape 270"/>
+        <p:cNvPr id="1" name="Shape 270"/>
         <p:cNvGrpSpPr/>
         <p:nvPr/>
       </p:nvGrpSpPr>
@@ -10283,14 +10676,14 @@
             <a:avLst/>
           </a:prstGeom>
           <a:noFill/>
-          <a:ln cap="flat" cmpd="sng" w="9525">
+          <a:ln w="9525" cap="flat" cmpd="sng">
             <a:solidFill>
               <a:schemeClr val="dk2"/>
             </a:solidFill>
             <a:prstDash val="solid"/>
             <a:round/>
-            <a:headEnd len="lg" w="lg" type="none"/>
-            <a:tailEnd len="lg" w="lg" type="none"/>
+            <a:headEnd type="none" w="lg" len="lg"/>
+            <a:tailEnd type="none" w="lg" len="lg"/>
           </a:ln>
         </p:spPr>
       </p:cxnSp>
@@ -10314,7 +10707,7 @@
           </a:ln>
         </p:spPr>
         <p:txBody>
-          <a:bodyPr anchorCtr="0" anchor="t" bIns="91425" lIns="91425" rIns="91425" tIns="91425">
+          <a:bodyPr lIns="91425" tIns="91425" rIns="91425" bIns="91425" anchor="t" anchorCtr="0">
             <a:noAutofit/>
           </a:bodyPr>
           <a:lstStyle/>
@@ -10325,9 +10718,6 @@
               </a:spcBef>
               <a:buNone/>
             </a:pPr>
-            <a:r>
-              <a:t/>
-            </a:r>
             <a:endParaRPr/>
           </a:p>
         </p:txBody>
@@ -10352,12 +10742,12 @@
           </a:ln>
         </p:spPr>
         <p:txBody>
-          <a:bodyPr anchorCtr="0" anchor="t" bIns="91425" lIns="91425" rIns="91425" tIns="91425">
+          <a:bodyPr lIns="91425" tIns="91425" rIns="91425" bIns="91425" anchor="t" anchorCtr="0">
             <a:noAutofit/>
           </a:bodyPr>
           <a:lstStyle/>
           <a:p>
-            <a:pPr lvl="0" rtl="0" algn="r">
+            <a:pPr lvl="0" algn="r" rtl="0">
               <a:spcBef>
                 <a:spcPts val="0"/>
               </a:spcBef>
@@ -10394,7 +10784,7 @@
           </a:ln>
         </p:spPr>
         <p:txBody>
-          <a:bodyPr anchorCtr="0" anchor="t" bIns="91425" lIns="91425" rIns="91425" tIns="91425">
+          <a:bodyPr lIns="91425" tIns="91425" rIns="91425" bIns="91425" anchor="t" anchorCtr="0">
             <a:noAutofit/>
           </a:bodyPr>
           <a:lstStyle/>
@@ -10407,15 +10797,7 @@
             </a:pPr>
             <a:r>
               <a:rPr lang="ko"/>
-              <a:t>LRU wal_128</a:t>
-            </a:r>
-            <a:r>
-              <a:rPr lang="ko"/>
-              <a:t>000</a:t>
-            </a:r>
-            <a:r>
-              <a:rPr lang="ko"/>
-              <a:t>B</a:t>
+              <a:t>LRU wal_128000B</a:t>
             </a:r>
           </a:p>
         </p:txBody>
@@ -10440,7 +10822,7 @@
           </a:ln>
         </p:spPr>
         <p:txBody>
-          <a:bodyPr anchorCtr="0" anchor="t" bIns="91425" lIns="91425" rIns="91425" tIns="91425">
+          <a:bodyPr lIns="91425" tIns="91425" rIns="91425" bIns="91425" anchor="t" anchorCtr="0">
             <a:noAutofit/>
           </a:bodyPr>
           <a:lstStyle/>
@@ -10453,15 +10835,7 @@
             </a:pPr>
             <a:r>
               <a:rPr lang="ko"/>
-              <a:t>Random wal_128</a:t>
-            </a:r>
-            <a:r>
-              <a:rPr lang="ko"/>
-              <a:t>000</a:t>
-            </a:r>
-            <a:r>
-              <a:rPr lang="ko"/>
-              <a:t>B</a:t>
+              <a:t>Random wal_128000B</a:t>
             </a:r>
           </a:p>
         </p:txBody>
@@ -10486,7 +10860,7 @@
           </a:ln>
         </p:spPr>
         <p:txBody>
-          <a:bodyPr anchorCtr="0" anchor="t" bIns="91425" lIns="91425" rIns="91425" tIns="91425">
+          <a:bodyPr lIns="91425" tIns="91425" rIns="91425" bIns="91425" anchor="t" anchorCtr="0">
             <a:noAutofit/>
           </a:bodyPr>
           <a:lstStyle/>
@@ -10499,15 +10873,7 @@
             </a:pPr>
             <a:r>
               <a:rPr lang="ko"/>
-              <a:t>LRU delete_128</a:t>
-            </a:r>
-            <a:r>
-              <a:rPr lang="ko"/>
-              <a:t>000</a:t>
-            </a:r>
-            <a:r>
-              <a:rPr lang="ko"/>
-              <a:t>B</a:t>
+              <a:t>LRU delete_128000B</a:t>
             </a:r>
           </a:p>
         </p:txBody>
@@ -10532,7 +10898,7 @@
           </a:ln>
         </p:spPr>
         <p:txBody>
-          <a:bodyPr anchorCtr="0" anchor="t" bIns="91425" lIns="91425" rIns="91425" tIns="91425">
+          <a:bodyPr lIns="91425" tIns="91425" rIns="91425" bIns="91425" anchor="t" anchorCtr="0">
             <a:noAutofit/>
           </a:bodyPr>
           <a:lstStyle/>
@@ -10545,15 +10911,7 @@
             </a:pPr>
             <a:r>
               <a:rPr lang="ko"/>
-              <a:t>Random delete_128</a:t>
-            </a:r>
-            <a:r>
-              <a:rPr lang="ko"/>
-              <a:t>000</a:t>
-            </a:r>
-            <a:r>
-              <a:rPr lang="ko"/>
-              <a:t>B</a:t>
+              <a:t>Random delete_128000B</a:t>
             </a:r>
           </a:p>
         </p:txBody>
@@ -10679,11 +11037,11 @@
 </file>
 
 <file path=ppt/slides/slide22.xml><?xml version="1.0" encoding="utf-8"?>
-<p:sld xmlns:a="http://schemas.openxmlformats.org/drawingml/2006/main" xmlns:r="http://schemas.openxmlformats.org/officeDocument/2006/relationships" xmlns:mc="http://schemas.openxmlformats.org/markup-compatibility/2006" xmlns:mv="urn:schemas-microsoft-com:mac:vml" xmlns:p="http://schemas.openxmlformats.org/presentationml/2006/main" xmlns:c="http://schemas.openxmlformats.org/drawingml/2006/chart" xmlns:dgm="http://schemas.openxmlformats.org/drawingml/2006/diagram" xmlns:o="urn:schemas-microsoft-com:office:office" xmlns:v="urn:schemas-microsoft-com:vml" xmlns:pvml="urn:schemas-microsoft-com:office:powerpoint" xmlns:com="http://schemas.openxmlformats.org/drawingml/2006/compatibility" xmlns:p14="http://schemas.microsoft.com/office/powerpoint/2010/main">
+<p:sld xmlns:a="http://schemas.openxmlformats.org/drawingml/2006/main" xmlns:r="http://schemas.openxmlformats.org/officeDocument/2006/relationships" xmlns:p="http://schemas.openxmlformats.org/presentationml/2006/main">
   <p:cSld>
     <p:spTree>
       <p:nvGrpSpPr>
-        <p:cNvPr id="285" name="Shape 285"/>
+        <p:cNvPr id="1" name="Shape 285"/>
         <p:cNvGrpSpPr/>
         <p:nvPr/>
       </p:nvGrpSpPr>
@@ -10710,14 +11068,14 @@
             <a:avLst/>
           </a:prstGeom>
           <a:noFill/>
-          <a:ln cap="flat" cmpd="sng" w="9525">
+          <a:ln w="9525" cap="flat" cmpd="sng">
             <a:solidFill>
               <a:schemeClr val="dk2"/>
             </a:solidFill>
             <a:prstDash val="solid"/>
             <a:round/>
-            <a:headEnd len="lg" w="lg" type="none"/>
-            <a:tailEnd len="lg" w="lg" type="none"/>
+            <a:headEnd type="none" w="lg" len="lg"/>
+            <a:tailEnd type="none" w="lg" len="lg"/>
           </a:ln>
         </p:spPr>
       </p:cxnSp>
@@ -10741,7 +11099,7 @@
           </a:ln>
         </p:spPr>
         <p:txBody>
-          <a:bodyPr anchorCtr="0" anchor="t" bIns="91425" lIns="91425" rIns="91425" tIns="91425">
+          <a:bodyPr lIns="91425" tIns="91425" rIns="91425" bIns="91425" anchor="t" anchorCtr="0">
             <a:noAutofit/>
           </a:bodyPr>
           <a:lstStyle/>
@@ -10752,9 +11110,6 @@
               </a:spcBef>
               <a:buNone/>
             </a:pPr>
-            <a:r>
-              <a:t/>
-            </a:r>
             <a:endParaRPr/>
           </a:p>
         </p:txBody>
@@ -10779,12 +11134,12 @@
           </a:ln>
         </p:spPr>
         <p:txBody>
-          <a:bodyPr anchorCtr="0" anchor="t" bIns="91425" lIns="91425" rIns="91425" tIns="91425">
+          <a:bodyPr lIns="91425" tIns="91425" rIns="91425" bIns="91425" anchor="t" anchorCtr="0">
             <a:noAutofit/>
           </a:bodyPr>
           <a:lstStyle/>
           <a:p>
-            <a:pPr lvl="0" rtl="0" algn="r">
+            <a:pPr lvl="0" algn="r" rtl="0">
               <a:spcBef>
                 <a:spcPts val="0"/>
               </a:spcBef>
@@ -10821,7 +11176,7 @@
           </a:ln>
         </p:spPr>
         <p:txBody>
-          <a:bodyPr anchorCtr="0" anchor="t" bIns="91425" lIns="91425" rIns="91425" tIns="91425">
+          <a:bodyPr lIns="91425" tIns="91425" rIns="91425" bIns="91425" anchor="t" anchorCtr="0">
             <a:noAutofit/>
           </a:bodyPr>
           <a:lstStyle/>
@@ -10834,15 +11189,7 @@
             </a:pPr>
             <a:r>
               <a:rPr lang="ko"/>
-              <a:t>LRU wal_256</a:t>
-            </a:r>
-            <a:r>
-              <a:rPr lang="ko"/>
-              <a:t>000</a:t>
-            </a:r>
-            <a:r>
-              <a:rPr lang="ko"/>
-              <a:t>B</a:t>
+              <a:t>LRU wal_256000B</a:t>
             </a:r>
           </a:p>
         </p:txBody>
@@ -10867,7 +11214,7 @@
           </a:ln>
         </p:spPr>
         <p:txBody>
-          <a:bodyPr anchorCtr="0" anchor="t" bIns="91425" lIns="91425" rIns="91425" tIns="91425">
+          <a:bodyPr lIns="91425" tIns="91425" rIns="91425" bIns="91425" anchor="t" anchorCtr="0">
             <a:noAutofit/>
           </a:bodyPr>
           <a:lstStyle/>
@@ -10880,15 +11227,7 @@
             </a:pPr>
             <a:r>
               <a:rPr lang="ko"/>
-              <a:t>Random wal_256</a:t>
-            </a:r>
-            <a:r>
-              <a:rPr lang="ko"/>
-              <a:t>000</a:t>
-            </a:r>
-            <a:r>
-              <a:rPr lang="ko"/>
-              <a:t>B</a:t>
+              <a:t>Random wal_256000B</a:t>
             </a:r>
           </a:p>
         </p:txBody>
@@ -10913,7 +11252,7 @@
           </a:ln>
         </p:spPr>
         <p:txBody>
-          <a:bodyPr anchorCtr="0" anchor="t" bIns="91425" lIns="91425" rIns="91425" tIns="91425">
+          <a:bodyPr lIns="91425" tIns="91425" rIns="91425" bIns="91425" anchor="t" anchorCtr="0">
             <a:noAutofit/>
           </a:bodyPr>
           <a:lstStyle/>
@@ -10926,15 +11265,7 @@
             </a:pPr>
             <a:r>
               <a:rPr lang="ko"/>
-              <a:t>LRU delete_256</a:t>
-            </a:r>
-            <a:r>
-              <a:rPr lang="ko"/>
-              <a:t>000</a:t>
-            </a:r>
-            <a:r>
-              <a:rPr lang="ko"/>
-              <a:t>B</a:t>
+              <a:t>LRU delete_256000B</a:t>
             </a:r>
           </a:p>
         </p:txBody>
@@ -10959,7 +11290,7 @@
           </a:ln>
         </p:spPr>
         <p:txBody>
-          <a:bodyPr anchorCtr="0" anchor="t" bIns="91425" lIns="91425" rIns="91425" tIns="91425">
+          <a:bodyPr lIns="91425" tIns="91425" rIns="91425" bIns="91425" anchor="t" anchorCtr="0">
             <a:noAutofit/>
           </a:bodyPr>
           <a:lstStyle/>
@@ -10972,15 +11303,7 @@
             </a:pPr>
             <a:r>
               <a:rPr lang="ko"/>
-              <a:t>Random delete_256</a:t>
-            </a:r>
-            <a:r>
-              <a:rPr lang="ko"/>
-              <a:t>000</a:t>
-            </a:r>
-            <a:r>
-              <a:rPr lang="ko"/>
-              <a:t>B</a:t>
+              <a:t>Random delete_256000B</a:t>
             </a:r>
           </a:p>
         </p:txBody>
@@ -11071,7 +11394,7 @@
       </p:pic>
       <p:pic>
         <p:nvPicPr>
-          <p:cNvPr descr="LRU_256000B_ssd_delete.PNG" id="296" name="Shape 296"/>
+          <p:cNvPr id="296" name="Shape 296" descr="LRU_256000B_ssd_delete.PNG"/>
           <p:cNvPicPr preferRelativeResize="0"/>
           <p:nvPr/>
         </p:nvPicPr>
@@ -11106,11 +11429,11 @@
 </file>
 
 <file path=ppt/slides/slide23.xml><?xml version="1.0" encoding="utf-8"?>
-<p:sld xmlns:a="http://schemas.openxmlformats.org/drawingml/2006/main" xmlns:r="http://schemas.openxmlformats.org/officeDocument/2006/relationships" xmlns:mc="http://schemas.openxmlformats.org/markup-compatibility/2006" xmlns:mv="urn:schemas-microsoft-com:mac:vml" xmlns:p="http://schemas.openxmlformats.org/presentationml/2006/main" xmlns:c="http://schemas.openxmlformats.org/drawingml/2006/chart" xmlns:dgm="http://schemas.openxmlformats.org/drawingml/2006/diagram" xmlns:o="urn:schemas-microsoft-com:office:office" xmlns:v="urn:schemas-microsoft-com:vml" xmlns:pvml="urn:schemas-microsoft-com:office:powerpoint" xmlns:com="http://schemas.openxmlformats.org/drawingml/2006/compatibility" xmlns:p14="http://schemas.microsoft.com/office/powerpoint/2010/main">
+<p:sld xmlns:a="http://schemas.openxmlformats.org/drawingml/2006/main" xmlns:r="http://schemas.openxmlformats.org/officeDocument/2006/relationships" xmlns:p="http://schemas.openxmlformats.org/presentationml/2006/main">
   <p:cSld>
     <p:spTree>
       <p:nvGrpSpPr>
-        <p:cNvPr id="300" name="Shape 300"/>
+        <p:cNvPr id="1" name="Shape 300"/>
         <p:cNvGrpSpPr/>
         <p:nvPr/>
       </p:nvGrpSpPr>
@@ -11137,14 +11460,14 @@
             <a:avLst/>
           </a:prstGeom>
           <a:noFill/>
-          <a:ln cap="flat" cmpd="sng" w="9525">
+          <a:ln w="9525" cap="flat" cmpd="sng">
             <a:solidFill>
               <a:schemeClr val="dk2"/>
             </a:solidFill>
             <a:prstDash val="solid"/>
             <a:round/>
-            <a:headEnd len="lg" w="lg" type="none"/>
-            <a:tailEnd len="lg" w="lg" type="none"/>
+            <a:headEnd type="none" w="lg" len="lg"/>
+            <a:tailEnd type="none" w="lg" len="lg"/>
           </a:ln>
         </p:spPr>
       </p:cxnSp>
@@ -11168,7 +11491,7 @@
           </a:ln>
         </p:spPr>
         <p:txBody>
-          <a:bodyPr anchorCtr="0" anchor="t" bIns="91425" lIns="91425" rIns="91425" tIns="91425">
+          <a:bodyPr lIns="91425" tIns="91425" rIns="91425" bIns="91425" anchor="t" anchorCtr="0">
             <a:noAutofit/>
           </a:bodyPr>
           <a:lstStyle/>
@@ -11179,9 +11502,6 @@
               </a:spcBef>
               <a:buNone/>
             </a:pPr>
-            <a:r>
-              <a:t/>
-            </a:r>
             <a:endParaRPr/>
           </a:p>
         </p:txBody>
@@ -11206,12 +11526,12 @@
           </a:ln>
         </p:spPr>
         <p:txBody>
-          <a:bodyPr anchorCtr="0" anchor="t" bIns="91425" lIns="91425" rIns="91425" tIns="91425">
+          <a:bodyPr lIns="91425" tIns="91425" rIns="91425" bIns="91425" anchor="t" anchorCtr="0">
             <a:noAutofit/>
           </a:bodyPr>
           <a:lstStyle/>
           <a:p>
-            <a:pPr lvl="0" rtl="0" algn="r">
+            <a:pPr lvl="0" algn="r" rtl="0">
               <a:spcBef>
                 <a:spcPts val="0"/>
               </a:spcBef>
@@ -11248,7 +11568,7 @@
           </a:ln>
         </p:spPr>
         <p:txBody>
-          <a:bodyPr anchorCtr="0" anchor="t" bIns="91425" lIns="91425" rIns="91425" tIns="91425">
+          <a:bodyPr lIns="91425" tIns="91425" rIns="91425" bIns="91425" anchor="t" anchorCtr="0">
             <a:noAutofit/>
           </a:bodyPr>
           <a:lstStyle/>
@@ -11261,15 +11581,7 @@
             </a:pPr>
             <a:r>
               <a:rPr lang="ko"/>
-              <a:t>LRU wal_512</a:t>
-            </a:r>
-            <a:r>
-              <a:rPr lang="ko"/>
-              <a:t>000</a:t>
-            </a:r>
-            <a:r>
-              <a:rPr lang="ko"/>
-              <a:t>B</a:t>
+              <a:t>LRU wal_512000B</a:t>
             </a:r>
           </a:p>
         </p:txBody>
@@ -11294,7 +11606,7 @@
           </a:ln>
         </p:spPr>
         <p:txBody>
-          <a:bodyPr anchorCtr="0" anchor="t" bIns="91425" lIns="91425" rIns="91425" tIns="91425">
+          <a:bodyPr lIns="91425" tIns="91425" rIns="91425" bIns="91425" anchor="t" anchorCtr="0">
             <a:noAutofit/>
           </a:bodyPr>
           <a:lstStyle/>
@@ -11307,15 +11619,7 @@
             </a:pPr>
             <a:r>
               <a:rPr lang="ko"/>
-              <a:t>Random wal_512</a:t>
-            </a:r>
-            <a:r>
-              <a:rPr lang="ko"/>
-              <a:t>000</a:t>
-            </a:r>
-            <a:r>
-              <a:rPr lang="ko"/>
-              <a:t>B</a:t>
+              <a:t>Random wal_512000B</a:t>
             </a:r>
           </a:p>
         </p:txBody>
@@ -11340,7 +11644,7 @@
           </a:ln>
         </p:spPr>
         <p:txBody>
-          <a:bodyPr anchorCtr="0" anchor="t" bIns="91425" lIns="91425" rIns="91425" tIns="91425">
+          <a:bodyPr lIns="91425" tIns="91425" rIns="91425" bIns="91425" anchor="t" anchorCtr="0">
             <a:noAutofit/>
           </a:bodyPr>
           <a:lstStyle/>
@@ -11353,15 +11657,7 @@
             </a:pPr>
             <a:r>
               <a:rPr lang="ko"/>
-              <a:t>LRU delete_512</a:t>
-            </a:r>
-            <a:r>
-              <a:rPr lang="ko"/>
-              <a:t>000</a:t>
-            </a:r>
-            <a:r>
-              <a:rPr lang="ko"/>
-              <a:t>B</a:t>
+              <a:t>LRU delete_512000B</a:t>
             </a:r>
           </a:p>
         </p:txBody>
@@ -11386,7 +11682,7 @@
           </a:ln>
         </p:spPr>
         <p:txBody>
-          <a:bodyPr anchorCtr="0" anchor="t" bIns="91425" lIns="91425" rIns="91425" tIns="91425">
+          <a:bodyPr lIns="91425" tIns="91425" rIns="91425" bIns="91425" anchor="t" anchorCtr="0">
             <a:noAutofit/>
           </a:bodyPr>
           <a:lstStyle/>
@@ -11399,15 +11695,7 @@
             </a:pPr>
             <a:r>
               <a:rPr lang="ko"/>
-              <a:t>Random delete_512</a:t>
-            </a:r>
-            <a:r>
-              <a:rPr lang="ko"/>
-              <a:t>000</a:t>
-            </a:r>
-            <a:r>
-              <a:rPr lang="ko"/>
-              <a:t>B</a:t>
+              <a:t>Random delete_512000B</a:t>
             </a:r>
           </a:p>
         </p:txBody>
@@ -11533,11 +11821,11 @@
 </file>
 
 <file path=ppt/slides/slide24.xml><?xml version="1.0" encoding="utf-8"?>
-<p:sld xmlns:a="http://schemas.openxmlformats.org/drawingml/2006/main" xmlns:r="http://schemas.openxmlformats.org/officeDocument/2006/relationships" xmlns:mc="http://schemas.openxmlformats.org/markup-compatibility/2006" xmlns:mv="urn:schemas-microsoft-com:mac:vml" xmlns:p="http://schemas.openxmlformats.org/presentationml/2006/main" xmlns:c="http://schemas.openxmlformats.org/drawingml/2006/chart" xmlns:dgm="http://schemas.openxmlformats.org/drawingml/2006/diagram" xmlns:o="urn:schemas-microsoft-com:office:office" xmlns:v="urn:schemas-microsoft-com:vml" xmlns:pvml="urn:schemas-microsoft-com:office:powerpoint" xmlns:com="http://schemas.openxmlformats.org/drawingml/2006/compatibility" xmlns:p14="http://schemas.microsoft.com/office/powerpoint/2010/main">
+<p:sld xmlns:a="http://schemas.openxmlformats.org/drawingml/2006/main" xmlns:r="http://schemas.openxmlformats.org/officeDocument/2006/relationships" xmlns:p="http://schemas.openxmlformats.org/presentationml/2006/main">
   <p:cSld>
     <p:spTree>
       <p:nvGrpSpPr>
-        <p:cNvPr id="315" name="Shape 315"/>
+        <p:cNvPr id="1" name="Shape 315"/>
         <p:cNvGrpSpPr/>
         <p:nvPr/>
       </p:nvGrpSpPr>
@@ -11564,14 +11852,14 @@
             <a:avLst/>
           </a:prstGeom>
           <a:noFill/>
-          <a:ln cap="flat" cmpd="sng" w="9525">
+          <a:ln w="9525" cap="flat" cmpd="sng">
             <a:solidFill>
               <a:schemeClr val="dk2"/>
             </a:solidFill>
             <a:prstDash val="solid"/>
             <a:round/>
-            <a:headEnd len="lg" w="lg" type="none"/>
-            <a:tailEnd len="lg" w="lg" type="none"/>
+            <a:headEnd type="none" w="lg" len="lg"/>
+            <a:tailEnd type="none" w="lg" len="lg"/>
           </a:ln>
         </p:spPr>
       </p:cxnSp>
@@ -11595,7 +11883,7 @@
           </a:ln>
         </p:spPr>
         <p:txBody>
-          <a:bodyPr anchorCtr="0" anchor="t" bIns="91425" lIns="91425" rIns="91425" tIns="91425">
+          <a:bodyPr lIns="91425" tIns="91425" rIns="91425" bIns="91425" anchor="t" anchorCtr="0">
             <a:noAutofit/>
           </a:bodyPr>
           <a:lstStyle/>
@@ -11606,9 +11894,6 @@
               </a:spcBef>
               <a:buNone/>
             </a:pPr>
-            <a:r>
-              <a:t/>
-            </a:r>
             <a:endParaRPr/>
           </a:p>
         </p:txBody>
@@ -11633,12 +11918,12 @@
           </a:ln>
         </p:spPr>
         <p:txBody>
-          <a:bodyPr anchorCtr="0" anchor="t" bIns="91425" lIns="91425" rIns="91425" tIns="91425">
+          <a:bodyPr lIns="91425" tIns="91425" rIns="91425" bIns="91425" anchor="t" anchorCtr="0">
             <a:noAutofit/>
           </a:bodyPr>
           <a:lstStyle/>
           <a:p>
-            <a:pPr lvl="0" rtl="0" algn="r">
+            <a:pPr lvl="0" algn="r" rtl="0">
               <a:spcBef>
                 <a:spcPts val="0"/>
               </a:spcBef>
@@ -11654,15 +11939,12 @@
             </a:r>
           </a:p>
           <a:p>
-            <a:pPr lvl="0" rtl="0" algn="ctr">
-              <a:spcBef>
-                <a:spcPts val="0"/>
-              </a:spcBef>
-              <a:buNone/>
-            </a:pPr>
-            <a:r>
-              <a:t/>
-            </a:r>
+            <a:pPr lvl="0" algn="ctr" rtl="0">
+              <a:spcBef>
+                <a:spcPts val="0"/>
+              </a:spcBef>
+              <a:buNone/>
+            </a:pPr>
             <a:endParaRPr/>
           </a:p>
         </p:txBody>
@@ -11687,7 +11969,7 @@
           </a:ln>
         </p:spPr>
         <p:txBody>
-          <a:bodyPr anchorCtr="0" anchor="t" bIns="91425" lIns="91425" rIns="91425" tIns="91425">
+          <a:bodyPr lIns="91425" tIns="91425" rIns="91425" bIns="91425" anchor="t" anchorCtr="0">
             <a:noAutofit/>
           </a:bodyPr>
           <a:lstStyle/>
@@ -11700,15 +11982,7 @@
             </a:pPr>
             <a:r>
               <a:rPr lang="ko"/>
-              <a:t>LRU wal_1024</a:t>
-            </a:r>
-            <a:r>
-              <a:rPr lang="ko"/>
-              <a:t>000</a:t>
-            </a:r>
-            <a:r>
-              <a:rPr lang="ko"/>
-              <a:t>B</a:t>
+              <a:t>LRU wal_1024000B</a:t>
             </a:r>
           </a:p>
         </p:txBody>
@@ -11733,7 +12007,7 @@
           </a:ln>
         </p:spPr>
         <p:txBody>
-          <a:bodyPr anchorCtr="0" anchor="t" bIns="91425" lIns="91425" rIns="91425" tIns="91425">
+          <a:bodyPr lIns="91425" tIns="91425" rIns="91425" bIns="91425" anchor="t" anchorCtr="0">
             <a:noAutofit/>
           </a:bodyPr>
           <a:lstStyle/>
@@ -11771,7 +12045,7 @@
           </a:ln>
         </p:spPr>
         <p:txBody>
-          <a:bodyPr anchorCtr="0" anchor="t" bIns="91425" lIns="91425" rIns="91425" tIns="91425">
+          <a:bodyPr lIns="91425" tIns="91425" rIns="91425" bIns="91425" anchor="t" anchorCtr="0">
             <a:noAutofit/>
           </a:bodyPr>
           <a:lstStyle/>
@@ -11784,15 +12058,7 @@
             </a:pPr>
             <a:r>
               <a:rPr lang="ko"/>
-              <a:t>LRU delete_1</a:t>
-            </a:r>
-            <a:r>
-              <a:rPr lang="ko"/>
-              <a:t>024000</a:t>
-            </a:r>
-            <a:r>
-              <a:rPr lang="ko"/>
-              <a:t>B</a:t>
+              <a:t>LRU delete_1024000B</a:t>
             </a:r>
           </a:p>
         </p:txBody>
@@ -11817,7 +12083,7 @@
           </a:ln>
         </p:spPr>
         <p:txBody>
-          <a:bodyPr anchorCtr="0" anchor="t" bIns="91425" lIns="91425" rIns="91425" tIns="91425">
+          <a:bodyPr lIns="91425" tIns="91425" rIns="91425" bIns="91425" anchor="t" anchorCtr="0">
             <a:noAutofit/>
           </a:bodyPr>
           <a:lstStyle/>
@@ -11830,15 +12096,7 @@
             </a:pPr>
             <a:r>
               <a:rPr lang="ko"/>
-              <a:t>Random delete_1</a:t>
-            </a:r>
-            <a:r>
-              <a:rPr lang="ko"/>
-              <a:t>024000</a:t>
-            </a:r>
-            <a:r>
-              <a:rPr lang="ko"/>
-              <a:t>B</a:t>
+              <a:t>Random delete_1024000B</a:t>
             </a:r>
           </a:p>
         </p:txBody>
@@ -11964,11 +12222,11 @@
 </file>
 
 <file path=ppt/slides/slide25.xml><?xml version="1.0" encoding="utf-8"?>
-<p:sld xmlns:a="http://schemas.openxmlformats.org/drawingml/2006/main" xmlns:r="http://schemas.openxmlformats.org/officeDocument/2006/relationships" xmlns:mc="http://schemas.openxmlformats.org/markup-compatibility/2006" xmlns:mv="urn:schemas-microsoft-com:mac:vml" xmlns:p="http://schemas.openxmlformats.org/presentationml/2006/main" xmlns:c="http://schemas.openxmlformats.org/drawingml/2006/chart" xmlns:dgm="http://schemas.openxmlformats.org/drawingml/2006/diagram" xmlns:o="urn:schemas-microsoft-com:office:office" xmlns:v="urn:schemas-microsoft-com:vml" xmlns:pvml="urn:schemas-microsoft-com:office:powerpoint" xmlns:com="http://schemas.openxmlformats.org/drawingml/2006/compatibility" xmlns:p14="http://schemas.microsoft.com/office/powerpoint/2010/main">
+<p:sld xmlns:a="http://schemas.openxmlformats.org/drawingml/2006/main" xmlns:r="http://schemas.openxmlformats.org/officeDocument/2006/relationships" xmlns:p="http://schemas.openxmlformats.org/presentationml/2006/main">
   <p:cSld>
     <p:spTree>
       <p:nvGrpSpPr>
-        <p:cNvPr id="330" name="Shape 330"/>
+        <p:cNvPr id="1" name="Shape 330"/>
         <p:cNvGrpSpPr/>
         <p:nvPr/>
       </p:nvGrpSpPr>
@@ -11995,14 +12253,14 @@
             <a:avLst/>
           </a:prstGeom>
           <a:noFill/>
-          <a:ln cap="flat" cmpd="sng" w="9525">
+          <a:ln w="9525" cap="flat" cmpd="sng">
             <a:solidFill>
               <a:schemeClr val="dk2"/>
             </a:solidFill>
             <a:prstDash val="solid"/>
             <a:round/>
-            <a:headEnd len="lg" w="lg" type="none"/>
-            <a:tailEnd len="lg" w="lg" type="none"/>
+            <a:headEnd type="none" w="lg" len="lg"/>
+            <a:tailEnd type="none" w="lg" len="lg"/>
           </a:ln>
         </p:spPr>
       </p:cxnSp>
@@ -12026,7 +12284,7 @@
           </a:ln>
         </p:spPr>
         <p:txBody>
-          <a:bodyPr anchorCtr="0" anchor="t" bIns="91425" lIns="91425" rIns="91425" tIns="91425">
+          <a:bodyPr lIns="91425" tIns="91425" rIns="91425" bIns="91425" anchor="t" anchorCtr="0">
             <a:noAutofit/>
           </a:bodyPr>
           <a:lstStyle/>
@@ -12037,9 +12295,6 @@
               </a:spcBef>
               <a:buNone/>
             </a:pPr>
-            <a:r>
-              <a:t/>
-            </a:r>
             <a:endParaRPr/>
           </a:p>
         </p:txBody>
@@ -12064,12 +12319,12 @@
           </a:ln>
         </p:spPr>
         <p:txBody>
-          <a:bodyPr anchorCtr="0" anchor="t" bIns="91425" lIns="91425" rIns="91425" tIns="91425">
+          <a:bodyPr lIns="91425" tIns="91425" rIns="91425" bIns="91425" anchor="t" anchorCtr="0">
             <a:noAutofit/>
           </a:bodyPr>
           <a:lstStyle/>
           <a:p>
-            <a:pPr lvl="0" rtl="0" algn="r">
+            <a:pPr lvl="0" algn="r" rtl="0">
               <a:spcBef>
                 <a:spcPts val="0"/>
               </a:spcBef>
@@ -12106,7 +12361,7 @@
           </a:ln>
         </p:spPr>
         <p:txBody>
-          <a:bodyPr anchorCtr="0" anchor="t" bIns="91425" lIns="91425" rIns="91425" tIns="91425">
+          <a:bodyPr lIns="91425" tIns="91425" rIns="91425" bIns="91425" anchor="t" anchorCtr="0">
             <a:noAutofit/>
           </a:bodyPr>
           <a:lstStyle/>
@@ -12144,7 +12399,7 @@
           </a:ln>
         </p:spPr>
         <p:txBody>
-          <a:bodyPr anchorCtr="0" anchor="t" bIns="91425" lIns="91425" rIns="91425" tIns="91425">
+          <a:bodyPr lIns="91425" tIns="91425" rIns="91425" bIns="91425" anchor="t" anchorCtr="0">
             <a:noAutofit/>
           </a:bodyPr>
           <a:lstStyle/>
@@ -12182,7 +12437,7 @@
           </a:ln>
         </p:spPr>
         <p:txBody>
-          <a:bodyPr anchorCtr="0" anchor="t" bIns="91425" lIns="91425" rIns="91425" tIns="91425">
+          <a:bodyPr lIns="91425" tIns="91425" rIns="91425" bIns="91425" anchor="t" anchorCtr="0">
             <a:noAutofit/>
           </a:bodyPr>
           <a:lstStyle/>
@@ -12220,7 +12475,7 @@
           </a:ln>
         </p:spPr>
         <p:txBody>
-          <a:bodyPr anchorCtr="0" anchor="t" bIns="91425" lIns="91425" rIns="91425" tIns="91425">
+          <a:bodyPr lIns="91425" tIns="91425" rIns="91425" bIns="91425" anchor="t" anchorCtr="0">
             <a:noAutofit/>
           </a:bodyPr>
           <a:lstStyle/>
@@ -12359,11 +12614,11 @@
 </file>
 
 <file path=ppt/slides/slide26.xml><?xml version="1.0" encoding="utf-8"?>
-<p:sld xmlns:a="http://schemas.openxmlformats.org/drawingml/2006/main" xmlns:r="http://schemas.openxmlformats.org/officeDocument/2006/relationships" xmlns:mc="http://schemas.openxmlformats.org/markup-compatibility/2006" xmlns:mv="urn:schemas-microsoft-com:mac:vml" xmlns:p="http://schemas.openxmlformats.org/presentationml/2006/main" xmlns:c="http://schemas.openxmlformats.org/drawingml/2006/chart" xmlns:dgm="http://schemas.openxmlformats.org/drawingml/2006/diagram" xmlns:o="urn:schemas-microsoft-com:office:office" xmlns:v="urn:schemas-microsoft-com:vml" xmlns:pvml="urn:schemas-microsoft-com:office:powerpoint" xmlns:com="http://schemas.openxmlformats.org/drawingml/2006/compatibility" xmlns:p14="http://schemas.microsoft.com/office/powerpoint/2010/main">
+<p:sld xmlns:a="http://schemas.openxmlformats.org/drawingml/2006/main" xmlns:r="http://schemas.openxmlformats.org/officeDocument/2006/relationships" xmlns:p="http://schemas.openxmlformats.org/presentationml/2006/main">
   <p:cSld>
     <p:spTree>
       <p:nvGrpSpPr>
-        <p:cNvPr id="345" name="Shape 345"/>
+        <p:cNvPr id="1" name="Shape 345"/>
         <p:cNvGrpSpPr/>
         <p:nvPr/>
       </p:nvGrpSpPr>
@@ -12378,7 +12633,9 @@
       <p:sp>
         <p:nvSpPr>
           <p:cNvPr id="346" name="Shape 346"/>
-          <p:cNvSpPr txBox="1"/>
+          <p:cNvSpPr txBox="1">
+            <a:spLocks noGrp="1"/>
+          </p:cNvSpPr>
           <p:nvPr>
             <p:ph type="title"/>
           </p:nvPr>
@@ -12393,12 +12650,12 @@
           </a:prstGeom>
         </p:spPr>
         <p:txBody>
-          <a:bodyPr anchorCtr="0" anchor="t" bIns="91425" lIns="91425" rIns="91425" tIns="91425">
+          <a:bodyPr lIns="91425" tIns="91425" rIns="91425" bIns="91425" anchor="t" anchorCtr="0">
             <a:noAutofit/>
           </a:bodyPr>
           <a:lstStyle/>
           <a:p>
-            <a:pPr lvl="0" rtl="0" algn="ctr">
+            <a:pPr lvl="0" algn="ctr" rtl="0">
               <a:spcBef>
                 <a:spcPts val="0"/>
               </a:spcBef>
@@ -12420,11 +12677,11 @@
 </file>
 
 <file path=ppt/slides/slide27.xml><?xml version="1.0" encoding="utf-8"?>
-<p:sld xmlns:a="http://schemas.openxmlformats.org/drawingml/2006/main" xmlns:r="http://schemas.openxmlformats.org/officeDocument/2006/relationships" xmlns:mc="http://schemas.openxmlformats.org/markup-compatibility/2006" xmlns:mv="urn:schemas-microsoft-com:mac:vml" xmlns:p="http://schemas.openxmlformats.org/presentationml/2006/main" xmlns:c="http://schemas.openxmlformats.org/drawingml/2006/chart" xmlns:dgm="http://schemas.openxmlformats.org/drawingml/2006/diagram" xmlns:o="urn:schemas-microsoft-com:office:office" xmlns:v="urn:schemas-microsoft-com:vml" xmlns:pvml="urn:schemas-microsoft-com:office:powerpoint" xmlns:com="http://schemas.openxmlformats.org/drawingml/2006/compatibility" xmlns:p14="http://schemas.microsoft.com/office/powerpoint/2010/main">
+<p:sld xmlns:a="http://schemas.openxmlformats.org/drawingml/2006/main" xmlns:r="http://schemas.openxmlformats.org/officeDocument/2006/relationships" xmlns:p="http://schemas.openxmlformats.org/presentationml/2006/main">
   <p:cSld>
     <p:spTree>
       <p:nvGrpSpPr>
-        <p:cNvPr id="350" name="Shape 350"/>
+        <p:cNvPr id="1" name="Shape 350"/>
         <p:cNvGrpSpPr/>
         <p:nvPr/>
       </p:nvGrpSpPr>
@@ -12456,7 +12713,7 @@
           </a:ln>
         </p:spPr>
         <p:txBody>
-          <a:bodyPr anchorCtr="0" anchor="t" bIns="91425" lIns="91425" rIns="91425" tIns="91425">
+          <a:bodyPr lIns="91425" tIns="91425" rIns="91425" bIns="91425" anchor="t" anchorCtr="0">
             <a:noAutofit/>
           </a:bodyPr>
           <a:lstStyle/>
@@ -12493,9 +12750,6 @@
               <a:buFont typeface="Arial"/>
               <a:buNone/>
             </a:pPr>
-            <a:r>
-              <a:t/>
-            </a:r>
             <a:endParaRPr>
               <a:solidFill>
                 <a:schemeClr val="dk1"/>
@@ -12535,9 +12789,6 @@
               <a:buFont typeface="Arial"/>
               <a:buNone/>
             </a:pPr>
-            <a:r>
-              <a:t/>
-            </a:r>
             <a:endParaRPr>
               <a:solidFill>
                 <a:schemeClr val="dk1"/>
@@ -12584,14 +12835,14 @@
             <a:avLst/>
           </a:prstGeom>
           <a:noFill/>
-          <a:ln cap="flat" cmpd="sng" w="9525">
+          <a:ln w="9525" cap="flat" cmpd="sng">
             <a:solidFill>
               <a:schemeClr val="dk2"/>
             </a:solidFill>
             <a:prstDash val="solid"/>
             <a:round/>
-            <a:headEnd len="lg" w="lg" type="none"/>
-            <a:tailEnd len="lg" w="lg" type="none"/>
+            <a:headEnd type="none" w="lg" len="lg"/>
+            <a:tailEnd type="none" w="lg" len="lg"/>
           </a:ln>
         </p:spPr>
       </p:cxnSp>
@@ -12615,12 +12866,12 @@
           </a:ln>
         </p:spPr>
         <p:txBody>
-          <a:bodyPr anchorCtr="0" anchor="t" bIns="91425" lIns="91425" rIns="91425" tIns="91425">
+          <a:bodyPr lIns="91425" tIns="91425" rIns="91425" bIns="91425" anchor="t" anchorCtr="0">
             <a:noAutofit/>
           </a:bodyPr>
           <a:lstStyle/>
           <a:p>
-            <a:pPr lvl="0" rtl="0" algn="r">
+            <a:pPr lvl="0" algn="r" rtl="0">
               <a:spcBef>
                 <a:spcPts val="0"/>
               </a:spcBef>
@@ -12670,11 +12921,11 @@
 </file>
 
 <file path=ppt/slides/slide28.xml><?xml version="1.0" encoding="utf-8"?>
-<p:sld xmlns:a="http://schemas.openxmlformats.org/drawingml/2006/main" xmlns:r="http://schemas.openxmlformats.org/officeDocument/2006/relationships" xmlns:mc="http://schemas.openxmlformats.org/markup-compatibility/2006" xmlns:mv="urn:schemas-microsoft-com:mac:vml" xmlns:p="http://schemas.openxmlformats.org/presentationml/2006/main" xmlns:c="http://schemas.openxmlformats.org/drawingml/2006/chart" xmlns:dgm="http://schemas.openxmlformats.org/drawingml/2006/diagram" xmlns:o="urn:schemas-microsoft-com:office:office" xmlns:v="urn:schemas-microsoft-com:vml" xmlns:pvml="urn:schemas-microsoft-com:office:powerpoint" xmlns:com="http://schemas.openxmlformats.org/drawingml/2006/compatibility" xmlns:p14="http://schemas.microsoft.com/office/powerpoint/2010/main">
+<p:sld xmlns:a="http://schemas.openxmlformats.org/drawingml/2006/main" xmlns:r="http://schemas.openxmlformats.org/officeDocument/2006/relationships" xmlns:p="http://schemas.openxmlformats.org/presentationml/2006/main">
   <p:cSld>
     <p:spTree>
       <p:nvGrpSpPr>
-        <p:cNvPr id="358" name="Shape 358"/>
+        <p:cNvPr id="1" name="Shape 358"/>
         <p:cNvGrpSpPr/>
         <p:nvPr/>
       </p:nvGrpSpPr>
@@ -12706,7 +12957,7 @@
           </a:ln>
         </p:spPr>
         <p:txBody>
-          <a:bodyPr anchorCtr="0" anchor="t" bIns="91425" lIns="91425" rIns="91425" tIns="91425">
+          <a:bodyPr lIns="91425" tIns="91425" rIns="91425" bIns="91425" anchor="t" anchorCtr="0">
             <a:noAutofit/>
           </a:bodyPr>
           <a:lstStyle/>
@@ -12772,9 +13023,6 @@
               <a:buFont typeface="Arial"/>
               <a:buNone/>
             </a:pPr>
-            <a:r>
-              <a:t/>
-            </a:r>
             <a:endParaRPr>
               <a:solidFill>
                 <a:schemeClr val="dk1"/>
@@ -12798,14 +13046,14 @@
             <a:avLst/>
           </a:prstGeom>
           <a:noFill/>
-          <a:ln cap="flat" cmpd="sng" w="9525">
+          <a:ln w="9525" cap="flat" cmpd="sng">
             <a:solidFill>
               <a:schemeClr val="dk2"/>
             </a:solidFill>
             <a:prstDash val="solid"/>
             <a:round/>
-            <a:headEnd len="lg" w="lg" type="none"/>
-            <a:tailEnd len="lg" w="lg" type="none"/>
+            <a:headEnd type="none" w="lg" len="lg"/>
+            <a:tailEnd type="none" w="lg" len="lg"/>
           </a:ln>
         </p:spPr>
       </p:cxnSp>
@@ -12829,12 +13077,12 @@
           </a:ln>
         </p:spPr>
         <p:txBody>
-          <a:bodyPr anchorCtr="0" anchor="t" bIns="91425" lIns="91425" rIns="91425" tIns="91425">
+          <a:bodyPr lIns="91425" tIns="91425" rIns="91425" bIns="91425" anchor="t" anchorCtr="0">
             <a:noAutofit/>
           </a:bodyPr>
           <a:lstStyle/>
           <a:p>
-            <a:pPr lvl="0" rtl="0" algn="r">
+            <a:pPr lvl="0" algn="r" rtl="0">
               <a:spcBef>
                 <a:spcPts val="0"/>
               </a:spcBef>
@@ -12884,11 +13132,11 @@
 </file>
 
 <file path=ppt/slides/slide3.xml><?xml version="1.0" encoding="utf-8"?>
-<p:sld xmlns:a="http://schemas.openxmlformats.org/drawingml/2006/main" xmlns:r="http://schemas.openxmlformats.org/officeDocument/2006/relationships" xmlns:mc="http://schemas.openxmlformats.org/markup-compatibility/2006" xmlns:mv="urn:schemas-microsoft-com:mac:vml" xmlns:p="http://schemas.openxmlformats.org/presentationml/2006/main" xmlns:c="http://schemas.openxmlformats.org/drawingml/2006/chart" xmlns:dgm="http://schemas.openxmlformats.org/drawingml/2006/diagram" xmlns:o="urn:schemas-microsoft-com:office:office" xmlns:v="urn:schemas-microsoft-com:vml" xmlns:pvml="urn:schemas-microsoft-com:office:powerpoint" xmlns:com="http://schemas.openxmlformats.org/drawingml/2006/compatibility" xmlns:p14="http://schemas.microsoft.com/office/powerpoint/2010/main">
+<p:sld xmlns:a="http://schemas.openxmlformats.org/drawingml/2006/main" xmlns:r="http://schemas.openxmlformats.org/officeDocument/2006/relationships" xmlns:p="http://schemas.openxmlformats.org/presentationml/2006/main">
   <p:cSld>
     <p:spTree>
       <p:nvGrpSpPr>
-        <p:cNvPr id="65" name="Shape 65"/>
+        <p:cNvPr id="1" name="Shape 65"/>
         <p:cNvGrpSpPr/>
         <p:nvPr/>
       </p:nvGrpSpPr>
@@ -12903,7 +13151,9 @@
       <p:sp>
         <p:nvSpPr>
           <p:cNvPr id="66" name="Shape 66"/>
-          <p:cNvSpPr txBox="1"/>
+          <p:cNvSpPr txBox="1">
+            <a:spLocks noGrp="1"/>
+          </p:cNvSpPr>
           <p:nvPr>
             <p:ph type="title"/>
           </p:nvPr>
@@ -12918,12 +13168,12 @@
           </a:prstGeom>
         </p:spPr>
         <p:txBody>
-          <a:bodyPr anchorCtr="0" anchor="t" bIns="91425" lIns="91425" rIns="91425" tIns="91425">
+          <a:bodyPr lIns="91425" tIns="91425" rIns="91425" bIns="91425" anchor="t" anchorCtr="0">
             <a:noAutofit/>
           </a:bodyPr>
           <a:lstStyle/>
           <a:p>
-            <a:pPr lvl="0" rtl="0" algn="ctr">
+            <a:pPr lvl="0" algn="ctr" rtl="0">
               <a:spcBef>
                 <a:spcPts val="0"/>
               </a:spcBef>
@@ -12945,11 +13195,11 @@
 </file>
 
 <file path=ppt/slides/slide4.xml><?xml version="1.0" encoding="utf-8"?>
-<p:sld xmlns:a="http://schemas.openxmlformats.org/drawingml/2006/main" xmlns:r="http://schemas.openxmlformats.org/officeDocument/2006/relationships" xmlns:mc="http://schemas.openxmlformats.org/markup-compatibility/2006" xmlns:mv="urn:schemas-microsoft-com:mac:vml" xmlns:p="http://schemas.openxmlformats.org/presentationml/2006/main" xmlns:c="http://schemas.openxmlformats.org/drawingml/2006/chart" xmlns:dgm="http://schemas.openxmlformats.org/drawingml/2006/diagram" xmlns:o="urn:schemas-microsoft-com:office:office" xmlns:v="urn:schemas-microsoft-com:vml" xmlns:pvml="urn:schemas-microsoft-com:office:powerpoint" xmlns:com="http://schemas.openxmlformats.org/drawingml/2006/compatibility" xmlns:p14="http://schemas.microsoft.com/office/powerpoint/2010/main">
+<p:sld xmlns:a="http://schemas.openxmlformats.org/drawingml/2006/main" xmlns:r="http://schemas.openxmlformats.org/officeDocument/2006/relationships" xmlns:p="http://schemas.openxmlformats.org/presentationml/2006/main">
   <p:cSld>
     <p:spTree>
       <p:nvGrpSpPr>
-        <p:cNvPr id="70" name="Shape 70"/>
+        <p:cNvPr id="1" name="Shape 70"/>
         <p:cNvGrpSpPr/>
         <p:nvPr/>
       </p:nvGrpSpPr>
@@ -12976,14 +13226,14 @@
             <a:avLst/>
           </a:prstGeom>
           <a:noFill/>
-          <a:ln cap="flat" cmpd="sng" w="9525">
+          <a:ln w="9525" cap="flat" cmpd="sng">
             <a:solidFill>
               <a:schemeClr val="dk2"/>
             </a:solidFill>
             <a:prstDash val="solid"/>
             <a:round/>
-            <a:headEnd len="lg" w="lg" type="none"/>
-            <a:tailEnd len="lg" w="lg" type="none"/>
+            <a:headEnd type="none" w="lg" len="lg"/>
+            <a:tailEnd type="none" w="lg" len="lg"/>
           </a:ln>
         </p:spPr>
       </p:cxnSp>
@@ -13007,7 +13257,7 @@
           </a:ln>
         </p:spPr>
         <p:txBody>
-          <a:bodyPr anchorCtr="0" anchor="t" bIns="91425" lIns="91425" rIns="91425" tIns="91425">
+          <a:bodyPr lIns="91425" tIns="91425" rIns="91425" bIns="91425" anchor="t" anchorCtr="0">
             <a:noAutofit/>
           </a:bodyPr>
           <a:lstStyle/>
@@ -13018,9 +13268,6 @@
               </a:spcBef>
               <a:buNone/>
             </a:pPr>
-            <a:r>
-              <a:t/>
-            </a:r>
             <a:endParaRPr/>
           </a:p>
         </p:txBody>
@@ -13045,12 +13292,12 @@
           </a:ln>
         </p:spPr>
         <p:txBody>
-          <a:bodyPr anchorCtr="0" anchor="t" bIns="91425" lIns="91425" rIns="91425" tIns="91425">
+          <a:bodyPr lIns="91425" tIns="91425" rIns="91425" bIns="91425" anchor="t" anchorCtr="0">
             <a:noAutofit/>
           </a:bodyPr>
           <a:lstStyle/>
           <a:p>
-            <a:pPr lvl="0" rtl="0" algn="r">
+            <a:pPr lvl="0" algn="r" rtl="0">
               <a:spcBef>
                 <a:spcPts val="0"/>
               </a:spcBef>
@@ -13083,12 +13330,12 @@
           </a:ln>
         </p:spPr>
         <p:txBody>
-          <a:bodyPr anchorCtr="0" anchor="t" bIns="91425" lIns="91425" rIns="91425" tIns="91425">
+          <a:bodyPr lIns="91425" tIns="91425" rIns="91425" bIns="91425" anchor="t" anchorCtr="0">
             <a:noAutofit/>
           </a:bodyPr>
           <a:lstStyle/>
           <a:p>
-            <a:pPr indent="-228600" lvl="0" marL="457200" rtl="0">
+            <a:pPr marL="457200" lvl="0" indent="-228600" rtl="0">
               <a:spcBef>
                 <a:spcPts val="0"/>
               </a:spcBef>
@@ -13100,7 +13347,7 @@
             </a:r>
           </a:p>
           <a:p>
-            <a:pPr indent="-228600" lvl="0" marL="457200" rtl="0">
+            <a:pPr marL="457200" lvl="0" indent="-228600" rtl="0">
               <a:spcBef>
                 <a:spcPts val="0"/>
               </a:spcBef>
@@ -13119,7 +13366,7 @@
             </a:r>
           </a:p>
           <a:p>
-            <a:pPr indent="-228600" lvl="0" marL="457200" rtl="0">
+            <a:pPr marL="457200" lvl="0" indent="-228600" rtl="0">
               <a:spcBef>
                 <a:spcPts val="0"/>
               </a:spcBef>
@@ -13138,7 +13385,7 @@
             </a:r>
           </a:p>
           <a:p>
-            <a:pPr indent="-228600" lvl="0" marL="457200" rtl="0">
+            <a:pPr marL="457200" lvl="0" indent="-228600" rtl="0">
               <a:spcBef>
                 <a:spcPts val="0"/>
               </a:spcBef>
@@ -13163,9 +13410,6 @@
               </a:spcBef>
               <a:buNone/>
             </a:pPr>
-            <a:r>
-              <a:t/>
-            </a:r>
             <a:endParaRPr>
               <a:solidFill>
                 <a:schemeClr val="dk1"/>
@@ -13173,7 +13417,7 @@
             </a:endParaRPr>
           </a:p>
           <a:p>
-            <a:pPr indent="-228600" lvl="0" marL="457200" rtl="0">
+            <a:pPr marL="457200" lvl="0" indent="-228600" rtl="0">
               <a:spcBef>
                 <a:spcPts val="0"/>
               </a:spcBef>
@@ -13191,13 +13435,10 @@
               </a:spcBef>
               <a:buNone/>
             </a:pPr>
-            <a:r>
-              <a:t/>
-            </a:r>
             <a:endParaRPr/>
           </a:p>
           <a:p>
-            <a:pPr indent="-228600" lvl="0" marL="457200" rtl="0">
+            <a:pPr marL="457200" lvl="0" indent="-228600" rtl="0">
               <a:spcBef>
                 <a:spcPts val="0"/>
               </a:spcBef>
@@ -13215,13 +13456,10 @@
               </a:spcBef>
               <a:buNone/>
             </a:pPr>
-            <a:r>
-              <a:t/>
-            </a:r>
             <a:endParaRPr/>
           </a:p>
           <a:p>
-            <a:pPr indent="-228600" lvl="0" marL="457200" rtl="0">
+            <a:pPr marL="457200" lvl="0" indent="-228600" rtl="0">
               <a:spcBef>
                 <a:spcPts val="0"/>
               </a:spcBef>
@@ -13243,11 +13481,11 @@
 </file>
 
 <file path=ppt/slides/slide5.xml><?xml version="1.0" encoding="utf-8"?>
-<p:sld xmlns:a="http://schemas.openxmlformats.org/drawingml/2006/main" xmlns:r="http://schemas.openxmlformats.org/officeDocument/2006/relationships" xmlns:mc="http://schemas.openxmlformats.org/markup-compatibility/2006" xmlns:mv="urn:schemas-microsoft-com:mac:vml" xmlns:p="http://schemas.openxmlformats.org/presentationml/2006/main" xmlns:c="http://schemas.openxmlformats.org/drawingml/2006/chart" xmlns:dgm="http://schemas.openxmlformats.org/drawingml/2006/diagram" xmlns:o="urn:schemas-microsoft-com:office:office" xmlns:v="urn:schemas-microsoft-com:vml" xmlns:pvml="urn:schemas-microsoft-com:office:powerpoint" xmlns:com="http://schemas.openxmlformats.org/drawingml/2006/compatibility" xmlns:p14="http://schemas.microsoft.com/office/powerpoint/2010/main">
+<p:sld xmlns:a="http://schemas.openxmlformats.org/drawingml/2006/main" xmlns:r="http://schemas.openxmlformats.org/officeDocument/2006/relationships" xmlns:p="http://schemas.openxmlformats.org/presentationml/2006/main">
   <p:cSld>
     <p:spTree>
       <p:nvGrpSpPr>
-        <p:cNvPr id="78" name="Shape 78"/>
+        <p:cNvPr id="1" name="Shape 78"/>
         <p:cNvGrpSpPr/>
         <p:nvPr/>
       </p:nvGrpSpPr>
@@ -13274,14 +13512,14 @@
             <a:avLst/>
           </a:prstGeom>
           <a:noFill/>
-          <a:ln cap="flat" cmpd="sng" w="9525">
+          <a:ln w="9525" cap="flat" cmpd="sng">
             <a:solidFill>
               <a:schemeClr val="dk2"/>
             </a:solidFill>
             <a:prstDash val="solid"/>
             <a:round/>
-            <a:headEnd len="lg" w="lg" type="none"/>
-            <a:tailEnd len="lg" w="lg" type="none"/>
+            <a:headEnd type="none" w="lg" len="lg"/>
+            <a:tailEnd type="none" w="lg" len="lg"/>
           </a:ln>
         </p:spPr>
       </p:cxnSp>
@@ -13305,7 +13543,7 @@
           </a:ln>
         </p:spPr>
         <p:txBody>
-          <a:bodyPr anchorCtr="0" anchor="t" bIns="91425" lIns="91425" rIns="91425" tIns="91425">
+          <a:bodyPr lIns="91425" tIns="91425" rIns="91425" bIns="91425" anchor="t" anchorCtr="0">
             <a:noAutofit/>
           </a:bodyPr>
           <a:lstStyle/>
@@ -13316,9 +13554,6 @@
               </a:spcBef>
               <a:buNone/>
             </a:pPr>
-            <a:r>
-              <a:t/>
-            </a:r>
             <a:endParaRPr/>
           </a:p>
         </p:txBody>
@@ -13343,12 +13578,12 @@
           </a:ln>
         </p:spPr>
         <p:txBody>
-          <a:bodyPr anchorCtr="0" anchor="t" bIns="91425" lIns="91425" rIns="91425" tIns="91425">
+          <a:bodyPr lIns="91425" tIns="91425" rIns="91425" bIns="91425" anchor="t" anchorCtr="0">
             <a:noAutofit/>
           </a:bodyPr>
           <a:lstStyle/>
           <a:p>
-            <a:pPr lvl="0" rtl="0" algn="r">
+            <a:pPr lvl="0" algn="r" rtl="0">
               <a:spcBef>
                 <a:spcPts val="0"/>
               </a:spcBef>
@@ -13409,7 +13644,7 @@
           </a:ln>
         </p:spPr>
         <p:txBody>
-          <a:bodyPr anchorCtr="0" anchor="t" bIns="91425" lIns="91425" rIns="91425" tIns="91425">
+          <a:bodyPr lIns="91425" tIns="91425" rIns="91425" bIns="91425" anchor="t" anchorCtr="0">
             <a:noAutofit/>
           </a:bodyPr>
           <a:lstStyle/>
@@ -13426,7 +13661,7 @@
             </a:r>
           </a:p>
           <a:p>
-            <a:pPr indent="457200" lvl="0" rtl="0">
+            <a:pPr lvl="0" indent="457200" rtl="0">
               <a:spcBef>
                 <a:spcPts val="0"/>
               </a:spcBef>
@@ -13438,7 +13673,7 @@
             </a:r>
           </a:p>
           <a:p>
-            <a:pPr indent="457200" lvl="0" rtl="0">
+            <a:pPr lvl="0" indent="457200" rtl="0">
               <a:spcBef>
                 <a:spcPts val="0"/>
               </a:spcBef>
@@ -13450,7 +13685,7 @@
             </a:r>
           </a:p>
           <a:p>
-            <a:pPr indent="457200" lvl="0">
+            <a:pPr lvl="0" indent="457200">
               <a:spcBef>
                 <a:spcPts val="0"/>
               </a:spcBef>
@@ -13472,11 +13707,11 @@
 </file>
 
 <file path=ppt/slides/slide6.xml><?xml version="1.0" encoding="utf-8"?>
-<p:sld xmlns:a="http://schemas.openxmlformats.org/drawingml/2006/main" xmlns:r="http://schemas.openxmlformats.org/officeDocument/2006/relationships" xmlns:mc="http://schemas.openxmlformats.org/markup-compatibility/2006" xmlns:mv="urn:schemas-microsoft-com:mac:vml" xmlns:p="http://schemas.openxmlformats.org/presentationml/2006/main" xmlns:c="http://schemas.openxmlformats.org/drawingml/2006/chart" xmlns:dgm="http://schemas.openxmlformats.org/drawingml/2006/diagram" xmlns:o="urn:schemas-microsoft-com:office:office" xmlns:v="urn:schemas-microsoft-com:vml" xmlns:pvml="urn:schemas-microsoft-com:office:powerpoint" xmlns:com="http://schemas.openxmlformats.org/drawingml/2006/compatibility" xmlns:p14="http://schemas.microsoft.com/office/powerpoint/2010/main">
+<p:sld xmlns:a="http://schemas.openxmlformats.org/drawingml/2006/main" xmlns:r="http://schemas.openxmlformats.org/officeDocument/2006/relationships" xmlns:p="http://schemas.openxmlformats.org/presentationml/2006/main">
   <p:cSld>
     <p:spTree>
       <p:nvGrpSpPr>
-        <p:cNvPr id="87" name="Shape 87"/>
+        <p:cNvPr id="1" name="Shape 87"/>
         <p:cNvGrpSpPr/>
         <p:nvPr/>
       </p:nvGrpSpPr>
@@ -13503,14 +13738,14 @@
             <a:avLst/>
           </a:prstGeom>
           <a:noFill/>
-          <a:ln cap="flat" cmpd="sng" w="9525">
+          <a:ln w="9525" cap="flat" cmpd="sng">
             <a:solidFill>
               <a:schemeClr val="dk2"/>
             </a:solidFill>
             <a:prstDash val="solid"/>
             <a:round/>
-            <a:headEnd len="lg" w="lg" type="none"/>
-            <a:tailEnd len="lg" w="lg" type="none"/>
+            <a:headEnd type="none" w="lg" len="lg"/>
+            <a:tailEnd type="none" w="lg" len="lg"/>
           </a:ln>
         </p:spPr>
       </p:cxnSp>
@@ -13534,7 +13769,7 @@
           </a:ln>
         </p:spPr>
         <p:txBody>
-          <a:bodyPr anchorCtr="0" anchor="t" bIns="91425" lIns="91425" rIns="91425" tIns="91425">
+          <a:bodyPr lIns="91425" tIns="91425" rIns="91425" bIns="91425" anchor="t" anchorCtr="0">
             <a:noAutofit/>
           </a:bodyPr>
           <a:lstStyle/>
@@ -13545,9 +13780,6 @@
               </a:spcBef>
               <a:buNone/>
             </a:pPr>
-            <a:r>
-              <a:t/>
-            </a:r>
             <a:endParaRPr/>
           </a:p>
         </p:txBody>
@@ -13572,12 +13804,12 @@
           </a:ln>
         </p:spPr>
         <p:txBody>
-          <a:bodyPr anchorCtr="0" anchor="t" bIns="91425" lIns="91425" rIns="91425" tIns="91425">
+          <a:bodyPr lIns="91425" tIns="91425" rIns="91425" bIns="91425" anchor="t" anchorCtr="0">
             <a:noAutofit/>
           </a:bodyPr>
           <a:lstStyle/>
           <a:p>
-            <a:pPr lvl="0" rtl="0" algn="r">
+            <a:pPr lvl="0" algn="r" rtl="0">
               <a:spcBef>
                 <a:spcPts val="0"/>
               </a:spcBef>
@@ -13638,7 +13870,7 @@
           </a:ln>
         </p:spPr>
         <p:txBody>
-          <a:bodyPr anchorCtr="0" anchor="t" bIns="91425" lIns="91425" rIns="91425" tIns="91425">
+          <a:bodyPr lIns="91425" tIns="91425" rIns="91425" bIns="91425" anchor="t" anchorCtr="0">
             <a:noAutofit/>
           </a:bodyPr>
           <a:lstStyle/>
@@ -13655,7 +13887,7 @@
             </a:r>
           </a:p>
           <a:p>
-            <a:pPr indent="457200" lvl="0" rtl="0">
+            <a:pPr lvl="0" indent="457200" rtl="0">
               <a:spcBef>
                 <a:spcPts val="0"/>
               </a:spcBef>
@@ -13667,7 +13899,7 @@
             </a:r>
           </a:p>
           <a:p>
-            <a:pPr indent="457200" lvl="0" rtl="0">
+            <a:pPr lvl="0" indent="457200" rtl="0">
               <a:spcBef>
                 <a:spcPts val="0"/>
               </a:spcBef>
@@ -13679,7 +13911,7 @@
             </a:r>
           </a:p>
           <a:p>
-            <a:pPr indent="457200" lvl="0" rtl="0">
+            <a:pPr lvl="0" indent="457200" rtl="0">
               <a:spcBef>
                 <a:spcPts val="0"/>
               </a:spcBef>
@@ -13701,11 +13933,11 @@
 </file>
 
 <file path=ppt/slides/slide7.xml><?xml version="1.0" encoding="utf-8"?>
-<p:sld xmlns:a="http://schemas.openxmlformats.org/drawingml/2006/main" xmlns:r="http://schemas.openxmlformats.org/officeDocument/2006/relationships" xmlns:mc="http://schemas.openxmlformats.org/markup-compatibility/2006" xmlns:mv="urn:schemas-microsoft-com:mac:vml" xmlns:p="http://schemas.openxmlformats.org/presentationml/2006/main" xmlns:c="http://schemas.openxmlformats.org/drawingml/2006/chart" xmlns:dgm="http://schemas.openxmlformats.org/drawingml/2006/diagram" xmlns:o="urn:schemas-microsoft-com:office:office" xmlns:v="urn:schemas-microsoft-com:vml" xmlns:pvml="urn:schemas-microsoft-com:office:powerpoint" xmlns:com="http://schemas.openxmlformats.org/drawingml/2006/compatibility" xmlns:p14="http://schemas.microsoft.com/office/powerpoint/2010/main">
+<p:sld xmlns:a="http://schemas.openxmlformats.org/drawingml/2006/main" xmlns:r="http://schemas.openxmlformats.org/officeDocument/2006/relationships" xmlns:p="http://schemas.openxmlformats.org/presentationml/2006/main">
   <p:cSld>
     <p:spTree>
       <p:nvGrpSpPr>
-        <p:cNvPr id="96" name="Shape 96"/>
+        <p:cNvPr id="1" name="Shape 96"/>
         <p:cNvGrpSpPr/>
         <p:nvPr/>
       </p:nvGrpSpPr>
@@ -13732,14 +13964,14 @@
             <a:avLst/>
           </a:prstGeom>
           <a:noFill/>
-          <a:ln cap="flat" cmpd="sng" w="9525">
+          <a:ln w="9525" cap="flat" cmpd="sng">
             <a:solidFill>
               <a:schemeClr val="dk2"/>
             </a:solidFill>
             <a:prstDash val="solid"/>
             <a:round/>
-            <a:headEnd len="lg" w="lg" type="none"/>
-            <a:tailEnd len="lg" w="lg" type="none"/>
+            <a:headEnd type="none" w="lg" len="lg"/>
+            <a:tailEnd type="none" w="lg" len="lg"/>
           </a:ln>
         </p:spPr>
       </p:cxnSp>
@@ -13763,7 +13995,7 @@
           </a:ln>
         </p:spPr>
         <p:txBody>
-          <a:bodyPr anchorCtr="0" anchor="t" bIns="91425" lIns="91425" rIns="91425" tIns="91425">
+          <a:bodyPr lIns="91425" tIns="91425" rIns="91425" bIns="91425" anchor="t" anchorCtr="0">
             <a:noAutofit/>
           </a:bodyPr>
           <a:lstStyle/>
@@ -13774,9 +14006,6 @@
               </a:spcBef>
               <a:buNone/>
             </a:pPr>
-            <a:r>
-              <a:t/>
-            </a:r>
             <a:endParaRPr/>
           </a:p>
         </p:txBody>
@@ -13801,12 +14030,12 @@
           </a:ln>
         </p:spPr>
         <p:txBody>
-          <a:bodyPr anchorCtr="0" anchor="t" bIns="91425" lIns="91425" rIns="91425" tIns="91425">
+          <a:bodyPr lIns="91425" tIns="91425" rIns="91425" bIns="91425" anchor="t" anchorCtr="0">
             <a:noAutofit/>
           </a:bodyPr>
           <a:lstStyle/>
           <a:p>
-            <a:pPr lvl="0" rtl="0" algn="r">
+            <a:pPr lvl="0" algn="r" rtl="0">
               <a:spcBef>
                 <a:spcPts val="0"/>
               </a:spcBef>
@@ -13867,7 +14096,7 @@
           </a:ln>
         </p:spPr>
         <p:txBody>
-          <a:bodyPr anchorCtr="0" anchor="t" bIns="91425" lIns="91425" rIns="91425" tIns="91425">
+          <a:bodyPr lIns="91425" tIns="91425" rIns="91425" bIns="91425" anchor="t" anchorCtr="0">
             <a:noAutofit/>
           </a:bodyPr>
           <a:lstStyle/>
@@ -13884,7 +14113,7 @@
             </a:r>
           </a:p>
           <a:p>
-            <a:pPr indent="-228600" lvl="0" marL="457200" rtl="0">
+            <a:pPr marL="457200" lvl="0" indent="-228600" rtl="0">
               <a:spcBef>
                 <a:spcPts val="0"/>
               </a:spcBef>
@@ -13903,7 +14132,7 @@
             </a:r>
           </a:p>
           <a:p>
-            <a:pPr indent="-228600" lvl="0" marL="457200" rtl="0">
+            <a:pPr marL="457200" lvl="0" indent="-228600" rtl="0">
               <a:spcBef>
                 <a:spcPts val="0"/>
               </a:spcBef>
@@ -13922,7 +14151,7 @@
             </a:r>
           </a:p>
           <a:p>
-            <a:pPr indent="-228600" lvl="0" marL="457200">
+            <a:pPr marL="457200" lvl="0" indent="-228600">
               <a:spcBef>
                 <a:spcPts val="0"/>
               </a:spcBef>
@@ -13951,11 +14180,11 @@
 </file>
 
 <file path=ppt/slides/slide8.xml><?xml version="1.0" encoding="utf-8"?>
-<p:sld xmlns:a="http://schemas.openxmlformats.org/drawingml/2006/main" xmlns:r="http://schemas.openxmlformats.org/officeDocument/2006/relationships" xmlns:mc="http://schemas.openxmlformats.org/markup-compatibility/2006" xmlns:mv="urn:schemas-microsoft-com:mac:vml" xmlns:p="http://schemas.openxmlformats.org/presentationml/2006/main" xmlns:c="http://schemas.openxmlformats.org/drawingml/2006/chart" xmlns:dgm="http://schemas.openxmlformats.org/drawingml/2006/diagram" xmlns:o="urn:schemas-microsoft-com:office:office" xmlns:v="urn:schemas-microsoft-com:vml" xmlns:pvml="urn:schemas-microsoft-com:office:powerpoint" xmlns:com="http://schemas.openxmlformats.org/drawingml/2006/compatibility" xmlns:p14="http://schemas.microsoft.com/office/powerpoint/2010/main">
+<p:sld xmlns:a="http://schemas.openxmlformats.org/drawingml/2006/main" xmlns:r="http://schemas.openxmlformats.org/officeDocument/2006/relationships" xmlns:p="http://schemas.openxmlformats.org/presentationml/2006/main">
   <p:cSld>
     <p:spTree>
       <p:nvGrpSpPr>
-        <p:cNvPr id="105" name="Shape 105"/>
+        <p:cNvPr id="1" name="Shape 105"/>
         <p:cNvGrpSpPr/>
         <p:nvPr/>
       </p:nvGrpSpPr>
@@ -13982,14 +14211,14 @@
             <a:avLst/>
           </a:prstGeom>
           <a:noFill/>
-          <a:ln cap="flat" cmpd="sng" w="9525">
+          <a:ln w="9525" cap="flat" cmpd="sng">
             <a:solidFill>
               <a:schemeClr val="dk2"/>
             </a:solidFill>
             <a:prstDash val="solid"/>
             <a:round/>
-            <a:headEnd len="lg" w="lg" type="none"/>
-            <a:tailEnd len="lg" w="lg" type="none"/>
+            <a:headEnd type="none" w="lg" len="lg"/>
+            <a:tailEnd type="none" w="lg" len="lg"/>
           </a:ln>
         </p:spPr>
       </p:cxnSp>
@@ -14013,7 +14242,7 @@
           </a:ln>
         </p:spPr>
         <p:txBody>
-          <a:bodyPr anchorCtr="0" anchor="t" bIns="91425" lIns="91425" rIns="91425" tIns="91425">
+          <a:bodyPr lIns="91425" tIns="91425" rIns="91425" bIns="91425" anchor="t" anchorCtr="0">
             <a:noAutofit/>
           </a:bodyPr>
           <a:lstStyle/>
@@ -14024,9 +14253,6 @@
               </a:spcBef>
               <a:buNone/>
             </a:pPr>
-            <a:r>
-              <a:t/>
-            </a:r>
             <a:endParaRPr/>
           </a:p>
         </p:txBody>
@@ -14051,12 +14277,12 @@
           </a:ln>
         </p:spPr>
         <p:txBody>
-          <a:bodyPr anchorCtr="0" anchor="t" bIns="91425" lIns="91425" rIns="91425" tIns="91425">
+          <a:bodyPr lIns="91425" tIns="91425" rIns="91425" bIns="91425" anchor="t" anchorCtr="0">
             <a:noAutofit/>
           </a:bodyPr>
           <a:lstStyle/>
           <a:p>
-            <a:pPr lvl="0" rtl="0" algn="r">
+            <a:pPr lvl="0" algn="r" rtl="0">
               <a:spcBef>
                 <a:spcPts val="0"/>
               </a:spcBef>
@@ -14173,12 +14399,12 @@
           </a:ln>
         </p:spPr>
         <p:txBody>
-          <a:bodyPr anchorCtr="0" anchor="t" bIns="91425" lIns="91425" rIns="91425" tIns="91425">
+          <a:bodyPr lIns="91425" tIns="91425" rIns="91425" bIns="91425" anchor="t" anchorCtr="0">
             <a:noAutofit/>
           </a:bodyPr>
           <a:lstStyle/>
           <a:p>
-            <a:pPr indent="-228600" lvl="0" marL="457200">
+            <a:pPr marL="457200" lvl="0" indent="-228600">
               <a:spcBef>
                 <a:spcPts val="0"/>
               </a:spcBef>
@@ -14227,7 +14453,7 @@
             </a:ln>
           </p:spPr>
           <p:txBody>
-            <a:bodyPr anchorCtr="0" anchor="ctr" bIns="91425" lIns="91425" rIns="91425" tIns="91425">
+            <a:bodyPr lIns="91425" tIns="91425" rIns="91425" bIns="91425" anchor="ctr" anchorCtr="0">
               <a:noAutofit/>
             </a:bodyPr>
             <a:lstStyle/>
@@ -14238,9 +14464,6 @@
                 </a:spcBef>
                 <a:buNone/>
               </a:pPr>
-              <a:r>
-                <a:t/>
-              </a:r>
               <a:endParaRPr/>
             </a:p>
           </p:txBody>
@@ -14267,7 +14490,7 @@
             </a:ln>
           </p:spPr>
           <p:txBody>
-            <a:bodyPr anchorCtr="0" anchor="ctr" bIns="91425" lIns="91425" rIns="91425" tIns="91425">
+            <a:bodyPr lIns="91425" tIns="91425" rIns="91425" bIns="91425" anchor="ctr" anchorCtr="0">
               <a:noAutofit/>
             </a:bodyPr>
             <a:lstStyle/>
@@ -14278,9 +14501,6 @@
                 </a:spcBef>
                 <a:buNone/>
               </a:pPr>
-              <a:r>
-                <a:t/>
-              </a:r>
               <a:endParaRPr/>
             </a:p>
           </p:txBody>
@@ -14307,7 +14527,7 @@
             </a:ln>
           </p:spPr>
           <p:txBody>
-            <a:bodyPr anchorCtr="0" anchor="ctr" bIns="91425" lIns="91425" rIns="91425" tIns="91425">
+            <a:bodyPr lIns="91425" tIns="91425" rIns="91425" bIns="91425" anchor="ctr" anchorCtr="0">
               <a:noAutofit/>
             </a:bodyPr>
             <a:lstStyle/>
@@ -14318,9 +14538,6 @@
                 </a:spcBef>
                 <a:buNone/>
               </a:pPr>
-              <a:r>
-                <a:t/>
-              </a:r>
               <a:endParaRPr/>
             </a:p>
           </p:txBody>
@@ -14362,7 +14579,7 @@
             </a:ln>
           </p:spPr>
           <p:txBody>
-            <a:bodyPr anchorCtr="0" anchor="ctr" bIns="91425" lIns="91425" rIns="91425" tIns="91425">
+            <a:bodyPr lIns="91425" tIns="91425" rIns="91425" bIns="91425" anchor="ctr" anchorCtr="0">
               <a:noAutofit/>
             </a:bodyPr>
             <a:lstStyle/>
@@ -14373,9 +14590,6 @@
                 </a:spcBef>
                 <a:buNone/>
               </a:pPr>
-              <a:r>
-                <a:t/>
-              </a:r>
               <a:endParaRPr/>
             </a:p>
           </p:txBody>
@@ -14402,7 +14616,7 @@
             </a:ln>
           </p:spPr>
           <p:txBody>
-            <a:bodyPr anchorCtr="0" anchor="ctr" bIns="91425" lIns="91425" rIns="91425" tIns="91425">
+            <a:bodyPr lIns="91425" tIns="91425" rIns="91425" bIns="91425" anchor="ctr" anchorCtr="0">
               <a:noAutofit/>
             </a:bodyPr>
             <a:lstStyle/>
@@ -14413,9 +14627,6 @@
                 </a:spcBef>
                 <a:buNone/>
               </a:pPr>
-              <a:r>
-                <a:t/>
-              </a:r>
               <a:endParaRPr/>
             </a:p>
           </p:txBody>
@@ -14442,7 +14653,7 @@
             </a:ln>
           </p:spPr>
           <p:txBody>
-            <a:bodyPr anchorCtr="0" anchor="ctr" bIns="91425" lIns="91425" rIns="91425" tIns="91425">
+            <a:bodyPr lIns="91425" tIns="91425" rIns="91425" bIns="91425" anchor="ctr" anchorCtr="0">
               <a:noAutofit/>
             </a:bodyPr>
             <a:lstStyle/>
@@ -14453,9 +14664,132 @@
                 </a:spcBef>
                 <a:buNone/>
               </a:pPr>
-              <a:r>
-                <a:t/>
-              </a:r>
+              <a:endParaRPr/>
+            </a:p>
+          </p:txBody>
+        </p:sp>
+      </p:grpSp>
+      <p:grpSp>
+        <p:nvGrpSpPr>
+          <p:cNvPr id="17" name="Shape 117"/>
+          <p:cNvGrpSpPr/>
+          <p:nvPr/>
+        </p:nvGrpSpPr>
+        <p:grpSpPr>
+          <a:xfrm>
+            <a:off x="3708400" y="2389484"/>
+            <a:ext cx="1574700" cy="137700"/>
+            <a:chOff x="2489200" y="1498600"/>
+            <a:chExt cx="1574700" cy="137700"/>
+          </a:xfrm>
+        </p:grpSpPr>
+        <p:sp>
+          <p:nvSpPr>
+            <p:cNvPr id="18" name="Shape 118"/>
+            <p:cNvSpPr/>
+            <p:nvPr/>
+          </p:nvSpPr>
+          <p:spPr>
+            <a:xfrm>
+              <a:off x="3175000" y="1498600"/>
+              <a:ext cx="203100" cy="137700"/>
+            </a:xfrm>
+            <a:prstGeom prst="ellipse">
+              <a:avLst/>
+            </a:prstGeom>
+            <a:solidFill>
+              <a:srgbClr val="4A86E8"/>
+            </a:solidFill>
+            <a:ln>
+              <a:noFill/>
+            </a:ln>
+          </p:spPr>
+          <p:txBody>
+            <a:bodyPr lIns="91425" tIns="91425" rIns="91425" bIns="91425" anchor="ctr" anchorCtr="0">
+              <a:noAutofit/>
+            </a:bodyPr>
+            <a:lstStyle/>
+            <a:p>
+              <a:pPr lvl="0" rtl="0">
+                <a:spcBef>
+                  <a:spcPts val="0"/>
+                </a:spcBef>
+                <a:buNone/>
+              </a:pPr>
+              <a:endParaRPr/>
+            </a:p>
+          </p:txBody>
+        </p:sp>
+        <p:sp>
+          <p:nvSpPr>
+            <p:cNvPr id="19" name="Shape 119"/>
+            <p:cNvSpPr/>
+            <p:nvPr/>
+          </p:nvSpPr>
+          <p:spPr>
+            <a:xfrm>
+              <a:off x="3860800" y="1498600"/>
+              <a:ext cx="203100" cy="137700"/>
+            </a:xfrm>
+            <a:prstGeom prst="ellipse">
+              <a:avLst/>
+            </a:prstGeom>
+            <a:solidFill>
+              <a:srgbClr val="4A86E8"/>
+            </a:solidFill>
+            <a:ln>
+              <a:noFill/>
+            </a:ln>
+          </p:spPr>
+          <p:txBody>
+            <a:bodyPr lIns="91425" tIns="91425" rIns="91425" bIns="91425" anchor="ctr" anchorCtr="0">
+              <a:noAutofit/>
+            </a:bodyPr>
+            <a:lstStyle/>
+            <a:p>
+              <a:pPr lvl="0" rtl="0">
+                <a:spcBef>
+                  <a:spcPts val="0"/>
+                </a:spcBef>
+                <a:buNone/>
+              </a:pPr>
+              <a:endParaRPr/>
+            </a:p>
+          </p:txBody>
+        </p:sp>
+        <p:sp>
+          <p:nvSpPr>
+            <p:cNvPr id="20" name="Shape 120"/>
+            <p:cNvSpPr/>
+            <p:nvPr/>
+          </p:nvSpPr>
+          <p:spPr>
+            <a:xfrm>
+              <a:off x="2489200" y="1498600"/>
+              <a:ext cx="203100" cy="137700"/>
+            </a:xfrm>
+            <a:prstGeom prst="ellipse">
+              <a:avLst/>
+            </a:prstGeom>
+            <a:solidFill>
+              <a:srgbClr val="4A86E8"/>
+            </a:solidFill>
+            <a:ln>
+              <a:noFill/>
+            </a:ln>
+          </p:spPr>
+          <p:txBody>
+            <a:bodyPr lIns="91425" tIns="91425" rIns="91425" bIns="91425" anchor="ctr" anchorCtr="0">
+              <a:noAutofit/>
+            </a:bodyPr>
+            <a:lstStyle/>
+            <a:p>
+              <a:pPr lvl="0" rtl="0">
+                <a:spcBef>
+                  <a:spcPts val="0"/>
+                </a:spcBef>
+                <a:buNone/>
+              </a:pPr>
               <a:endParaRPr/>
             </a:p>
           </p:txBody>
@@ -14470,11 +14804,11 @@
 </file>
 
 <file path=ppt/slides/slide9.xml><?xml version="1.0" encoding="utf-8"?>
-<p:sld xmlns:a="http://schemas.openxmlformats.org/drawingml/2006/main" xmlns:r="http://schemas.openxmlformats.org/officeDocument/2006/relationships" xmlns:mc="http://schemas.openxmlformats.org/markup-compatibility/2006" xmlns:mv="urn:schemas-microsoft-com:mac:vml" xmlns:p="http://schemas.openxmlformats.org/presentationml/2006/main" xmlns:c="http://schemas.openxmlformats.org/drawingml/2006/chart" xmlns:dgm="http://schemas.openxmlformats.org/drawingml/2006/diagram" xmlns:o="urn:schemas-microsoft-com:office:office" xmlns:v="urn:schemas-microsoft-com:vml" xmlns:pvml="urn:schemas-microsoft-com:office:powerpoint" xmlns:com="http://schemas.openxmlformats.org/drawingml/2006/compatibility" xmlns:p14="http://schemas.microsoft.com/office/powerpoint/2010/main">
+<p:sld xmlns:a="http://schemas.openxmlformats.org/drawingml/2006/main" xmlns:r="http://schemas.openxmlformats.org/officeDocument/2006/relationships" xmlns:p="http://schemas.openxmlformats.org/presentationml/2006/main">
   <p:cSld>
     <p:spTree>
       <p:nvGrpSpPr>
-        <p:cNvPr id="124" name="Shape 124"/>
+        <p:cNvPr id="1" name="Shape 124"/>
         <p:cNvGrpSpPr/>
         <p:nvPr/>
       </p:nvGrpSpPr>
@@ -14501,14 +14835,14 @@
             <a:avLst/>
           </a:prstGeom>
           <a:noFill/>
-          <a:ln cap="flat" cmpd="sng" w="9525">
+          <a:ln w="9525" cap="flat" cmpd="sng">
             <a:solidFill>
               <a:schemeClr val="dk2"/>
             </a:solidFill>
             <a:prstDash val="solid"/>
             <a:round/>
-            <a:headEnd len="lg" w="lg" type="none"/>
-            <a:tailEnd len="lg" w="lg" type="none"/>
+            <a:headEnd type="none" w="lg" len="lg"/>
+            <a:tailEnd type="none" w="lg" len="lg"/>
           </a:ln>
         </p:spPr>
       </p:cxnSp>
@@ -14532,7 +14866,7 @@
           </a:ln>
         </p:spPr>
         <p:txBody>
-          <a:bodyPr anchorCtr="0" anchor="t" bIns="91425" lIns="91425" rIns="91425" tIns="91425">
+          <a:bodyPr lIns="91425" tIns="91425" rIns="91425" bIns="91425" anchor="t" anchorCtr="0">
             <a:noAutofit/>
           </a:bodyPr>
           <a:lstStyle/>
@@ -14543,9 +14877,6 @@
               </a:spcBef>
               <a:buNone/>
             </a:pPr>
-            <a:r>
-              <a:t/>
-            </a:r>
             <a:endParaRPr/>
           </a:p>
         </p:txBody>
@@ -14570,12 +14901,12 @@
           </a:ln>
         </p:spPr>
         <p:txBody>
-          <a:bodyPr anchorCtr="0" anchor="t" bIns="91425" lIns="91425" rIns="91425" tIns="91425">
+          <a:bodyPr lIns="91425" tIns="91425" rIns="91425" bIns="91425" anchor="t" anchorCtr="0">
             <a:noAutofit/>
           </a:bodyPr>
           <a:lstStyle/>
           <a:p>
-            <a:pPr lvl="0" rtl="0" algn="r">
+            <a:pPr lvl="0" algn="r" rtl="0">
               <a:spcBef>
                 <a:spcPts val="0"/>
               </a:spcBef>
@@ -14680,7 +15011,7 @@
             </a:ln>
           </p:spPr>
           <p:txBody>
-            <a:bodyPr anchorCtr="0" anchor="ctr" bIns="91425" lIns="91425" rIns="91425" tIns="91425">
+            <a:bodyPr lIns="91425" tIns="91425" rIns="91425" bIns="91425" anchor="ctr" anchorCtr="0">
               <a:noAutofit/>
             </a:bodyPr>
             <a:lstStyle/>
@@ -14691,9 +15022,6 @@
                 </a:spcBef>
                 <a:buNone/>
               </a:pPr>
-              <a:r>
-                <a:t/>
-              </a:r>
               <a:endParaRPr/>
             </a:p>
           </p:txBody>
@@ -14720,7 +15048,7 @@
             </a:ln>
           </p:spPr>
           <p:txBody>
-            <a:bodyPr anchorCtr="0" anchor="ctr" bIns="91425" lIns="91425" rIns="91425" tIns="91425">
+            <a:bodyPr lIns="91425" tIns="91425" rIns="91425" bIns="91425" anchor="ctr" anchorCtr="0">
               <a:noAutofit/>
             </a:bodyPr>
             <a:lstStyle/>
@@ -14731,9 +15059,6 @@
                 </a:spcBef>
                 <a:buNone/>
               </a:pPr>
-              <a:r>
-                <a:t/>
-              </a:r>
               <a:endParaRPr/>
             </a:p>
           </p:txBody>
@@ -14760,7 +15085,7 @@
             </a:ln>
           </p:spPr>
           <p:txBody>
-            <a:bodyPr anchorCtr="0" anchor="ctr" bIns="91425" lIns="91425" rIns="91425" tIns="91425">
+            <a:bodyPr lIns="91425" tIns="91425" rIns="91425" bIns="91425" anchor="ctr" anchorCtr="0">
               <a:noAutofit/>
             </a:bodyPr>
             <a:lstStyle/>
@@ -14771,9 +15096,6 @@
                 </a:spcBef>
                 <a:buNone/>
               </a:pPr>
-              <a:r>
-                <a:t/>
-              </a:r>
               <a:endParaRPr/>
             </a:p>
           </p:txBody>
@@ -14815,7 +15137,7 @@
             </a:ln>
           </p:spPr>
           <p:txBody>
-            <a:bodyPr anchorCtr="0" anchor="ctr" bIns="91425" lIns="91425" rIns="91425" tIns="91425">
+            <a:bodyPr lIns="91425" tIns="91425" rIns="91425" bIns="91425" anchor="ctr" anchorCtr="0">
               <a:noAutofit/>
             </a:bodyPr>
             <a:lstStyle/>
@@ -14826,9 +15148,6 @@
                 </a:spcBef>
                 <a:buNone/>
               </a:pPr>
-              <a:r>
-                <a:t/>
-              </a:r>
               <a:endParaRPr/>
             </a:p>
           </p:txBody>
@@ -14855,7 +15174,7 @@
             </a:ln>
           </p:spPr>
           <p:txBody>
-            <a:bodyPr anchorCtr="0" anchor="ctr" bIns="91425" lIns="91425" rIns="91425" tIns="91425">
+            <a:bodyPr lIns="91425" tIns="91425" rIns="91425" bIns="91425" anchor="ctr" anchorCtr="0">
               <a:noAutofit/>
             </a:bodyPr>
             <a:lstStyle/>
@@ -14866,9 +15185,6 @@
                 </a:spcBef>
                 <a:buNone/>
               </a:pPr>
-              <a:r>
-                <a:t/>
-              </a:r>
               <a:endParaRPr/>
             </a:p>
           </p:txBody>
@@ -14895,7 +15211,7 @@
             </a:ln>
           </p:spPr>
           <p:txBody>
-            <a:bodyPr anchorCtr="0" anchor="ctr" bIns="91425" lIns="91425" rIns="91425" tIns="91425">
+            <a:bodyPr lIns="91425" tIns="91425" rIns="91425" bIns="91425" anchor="ctr" anchorCtr="0">
               <a:noAutofit/>
             </a:bodyPr>
             <a:lstStyle/>
@@ -14906,9 +15222,6 @@
                 </a:spcBef>
                 <a:buNone/>
               </a:pPr>
-              <a:r>
-                <a:t/>
-              </a:r>
               <a:endParaRPr/>
             </a:p>
           </p:txBody>
@@ -14934,12 +15247,12 @@
           </a:ln>
         </p:spPr>
         <p:txBody>
-          <a:bodyPr anchorCtr="0" anchor="t" bIns="91425" lIns="91425" rIns="91425" tIns="91425">
+          <a:bodyPr lIns="91425" tIns="91425" rIns="91425" bIns="91425" anchor="t" anchorCtr="0">
             <a:noAutofit/>
           </a:bodyPr>
           <a:lstStyle/>
           <a:p>
-            <a:pPr indent="-228600" lvl="0" marL="457200" rtl="0">
+            <a:pPr marL="457200" lvl="0" indent="-228600" rtl="0">
               <a:spcBef>
                 <a:spcPts val="0"/>
               </a:spcBef>
@@ -14957,13 +15270,10 @@
               </a:spcBef>
               <a:buNone/>
             </a:pPr>
-            <a:r>
-              <a:t/>
-            </a:r>
             <a:endParaRPr/>
           </a:p>
           <a:p>
-            <a:pPr indent="-228600" lvl="0" marL="457200" rtl="0">
+            <a:pPr marL="457200" lvl="0" indent="-228600" rtl="0">
               <a:spcBef>
                 <a:spcPts val="0"/>
               </a:spcBef>
@@ -14981,13 +15291,10 @@
               </a:spcBef>
               <a:buNone/>
             </a:pPr>
-            <a:r>
-              <a:t/>
-            </a:r>
             <a:endParaRPr/>
           </a:p>
           <a:p>
-            <a:pPr indent="-228600" lvl="0" marL="457200" rtl="0">
+            <a:pPr marL="457200" lvl="0" indent="-228600" rtl="0">
               <a:spcBef>
                 <a:spcPts val="0"/>
               </a:spcBef>
@@ -15009,7 +15316,288 @@
 </file>
 
 <file path=ppt/theme/theme1.xml><?xml version="1.0" encoding="utf-8"?>
-<a:theme xmlns:a="http://schemas.openxmlformats.org/drawingml/2006/main" xmlns:r="http://schemas.openxmlformats.org/officeDocument/2006/relationships" name="Custom Theme">
+<a:theme xmlns:a="http://schemas.openxmlformats.org/drawingml/2006/main" name="simple-light-2">
+  <a:themeElements>
+    <a:clrScheme name="Simple Light">
+      <a:dk1>
+        <a:srgbClr val="000000"/>
+      </a:dk1>
+      <a:lt1>
+        <a:srgbClr val="FFFFFF"/>
+      </a:lt1>
+      <a:dk2>
+        <a:srgbClr val="595959"/>
+      </a:dk2>
+      <a:lt2>
+        <a:srgbClr val="EEEEEE"/>
+      </a:lt2>
+      <a:accent1>
+        <a:srgbClr val="FFAB40"/>
+      </a:accent1>
+      <a:accent2>
+        <a:srgbClr val="212121"/>
+      </a:accent2>
+      <a:accent3>
+        <a:srgbClr val="78909C"/>
+      </a:accent3>
+      <a:accent4>
+        <a:srgbClr val="FFAB40"/>
+      </a:accent4>
+      <a:accent5>
+        <a:srgbClr val="0097A7"/>
+      </a:accent5>
+      <a:accent6>
+        <a:srgbClr val="EEFF41"/>
+      </a:accent6>
+      <a:hlink>
+        <a:srgbClr val="0097A7"/>
+      </a:hlink>
+      <a:folHlink>
+        <a:srgbClr val="0097A7"/>
+      </a:folHlink>
+    </a:clrScheme>
+    <a:fontScheme name="Office">
+      <a:majorFont>
+        <a:latin typeface="Arial"/>
+        <a:ea typeface=""/>
+        <a:cs typeface=""/>
+        <a:font script="Jpan" typeface="ＭＳ Ｐゴシック"/>
+        <a:font script="Hang" typeface="맑은 고딕"/>
+        <a:font script="Hans" typeface="宋体"/>
+        <a:font script="Hant" typeface="新細明體"/>
+        <a:font script="Arab" typeface="Times New Roman"/>
+        <a:font script="Hebr" typeface="Times New Roman"/>
+        <a:font script="Thai" typeface="Angsana New"/>
+        <a:font script="Ethi" typeface="Nyala"/>
+        <a:font script="Beng" typeface="Vrinda"/>
+        <a:font script="Gujr" typeface="Shruti"/>
+        <a:font script="Khmr" typeface="MoolBoran"/>
+        <a:font script="Knda" typeface="Tunga"/>
+        <a:font script="Guru" typeface="Raavi"/>
+        <a:font script="Cans" typeface="Euphemia"/>
+        <a:font script="Cher" typeface="Plantagenet Cherokee"/>
+        <a:font script="Yiii" typeface="Microsoft Yi Baiti"/>
+        <a:font script="Tibt" typeface="Microsoft Himalaya"/>
+        <a:font script="Thaa" typeface="MV Boli"/>
+        <a:font script="Deva" typeface="Mangal"/>
+        <a:font script="Telu" typeface="Gautami"/>
+        <a:font script="Taml" typeface="Latha"/>
+        <a:font script="Syrc" typeface="Estrangelo Edessa"/>
+        <a:font script="Orya" typeface="Kalinga"/>
+        <a:font script="Mlym" typeface="Kartika"/>
+        <a:font script="Laoo" typeface="DokChampa"/>
+        <a:font script="Sinh" typeface="Iskoola Pota"/>
+        <a:font script="Mong" typeface="Mongolian Baiti"/>
+        <a:font script="Viet" typeface="Times New Roman"/>
+        <a:font script="Uigh" typeface="Microsoft Uighur"/>
+        <a:font script="Geor" typeface="Sylfaen"/>
+      </a:majorFont>
+      <a:minorFont>
+        <a:latin typeface="Arial"/>
+        <a:ea typeface=""/>
+        <a:cs typeface=""/>
+        <a:font script="Jpan" typeface="ＭＳ Ｐゴシック"/>
+        <a:font script="Hang" typeface="맑은 고딕"/>
+        <a:font script="Hans" typeface="宋体"/>
+        <a:font script="Hant" typeface="新細明體"/>
+        <a:font script="Arab" typeface="Arial"/>
+        <a:font script="Hebr" typeface="Arial"/>
+        <a:font script="Thai" typeface="Cordia New"/>
+        <a:font script="Ethi" typeface="Nyala"/>
+        <a:font script="Beng" typeface="Vrinda"/>
+        <a:font script="Gujr" typeface="Shruti"/>
+        <a:font script="Khmr" typeface="DaunPenh"/>
+        <a:font script="Knda" typeface="Tunga"/>
+        <a:font script="Guru" typeface="Raavi"/>
+        <a:font script="Cans" typeface="Euphemia"/>
+        <a:font script="Cher" typeface="Plantagenet Cherokee"/>
+        <a:font script="Yiii" typeface="Microsoft Yi Baiti"/>
+        <a:font script="Tibt" typeface="Microsoft Himalaya"/>
+        <a:font script="Thaa" typeface="MV Boli"/>
+        <a:font script="Deva" typeface="Mangal"/>
+        <a:font script="Telu" typeface="Gautami"/>
+        <a:font script="Taml" typeface="Latha"/>
+        <a:font script="Syrc" typeface="Estrangelo Edessa"/>
+        <a:font script="Orya" typeface="Kalinga"/>
+        <a:font script="Mlym" typeface="Kartika"/>
+        <a:font script="Laoo" typeface="DokChampa"/>
+        <a:font script="Sinh" typeface="Iskoola Pota"/>
+        <a:font script="Mong" typeface="Mongolian Baiti"/>
+        <a:font script="Viet" typeface="Arial"/>
+        <a:font script="Uigh" typeface="Microsoft Uighur"/>
+        <a:font script="Geor" typeface="Sylfaen"/>
+      </a:minorFont>
+    </a:fontScheme>
+    <a:fmtScheme name="Office">
+      <a:fillStyleLst>
+        <a:solidFill>
+          <a:schemeClr val="phClr"/>
+        </a:solidFill>
+        <a:gradFill rotWithShape="1">
+          <a:gsLst>
+            <a:gs pos="0">
+              <a:schemeClr val="phClr">
+                <a:tint val="50000"/>
+                <a:satMod val="300000"/>
+              </a:schemeClr>
+            </a:gs>
+            <a:gs pos="35000">
+              <a:schemeClr val="phClr">
+                <a:tint val="37000"/>
+                <a:satMod val="300000"/>
+              </a:schemeClr>
+            </a:gs>
+            <a:gs pos="100000">
+              <a:schemeClr val="phClr">
+                <a:tint val="15000"/>
+                <a:satMod val="350000"/>
+              </a:schemeClr>
+            </a:gs>
+          </a:gsLst>
+          <a:lin ang="16200000" scaled="1"/>
+        </a:gradFill>
+        <a:gradFill rotWithShape="1">
+          <a:gsLst>
+            <a:gs pos="0">
+              <a:schemeClr val="phClr">
+                <a:tint val="100000"/>
+                <a:shade val="100000"/>
+                <a:satMod val="130000"/>
+              </a:schemeClr>
+            </a:gs>
+            <a:gs pos="100000">
+              <a:schemeClr val="phClr">
+                <a:tint val="50000"/>
+                <a:shade val="100000"/>
+                <a:satMod val="350000"/>
+              </a:schemeClr>
+            </a:gs>
+          </a:gsLst>
+          <a:lin ang="16200000" scaled="0"/>
+        </a:gradFill>
+      </a:fillStyleLst>
+      <a:lnStyleLst>
+        <a:ln w="9525" cap="flat" cmpd="sng" algn="ctr">
+          <a:solidFill>
+            <a:schemeClr val="phClr">
+              <a:shade val="95000"/>
+              <a:satMod val="105000"/>
+            </a:schemeClr>
+          </a:solidFill>
+          <a:prstDash val="solid"/>
+        </a:ln>
+        <a:ln w="25400" cap="flat" cmpd="sng" algn="ctr">
+          <a:solidFill>
+            <a:schemeClr val="phClr"/>
+          </a:solidFill>
+          <a:prstDash val="solid"/>
+        </a:ln>
+        <a:ln w="38100" cap="flat" cmpd="sng" algn="ctr">
+          <a:solidFill>
+            <a:schemeClr val="phClr"/>
+          </a:solidFill>
+          <a:prstDash val="solid"/>
+        </a:ln>
+      </a:lnStyleLst>
+      <a:effectStyleLst>
+        <a:effectStyle>
+          <a:effectLst>
+            <a:outerShdw blurRad="40000" dist="20000" dir="5400000" rotWithShape="0">
+              <a:srgbClr val="000000">
+                <a:alpha val="38000"/>
+              </a:srgbClr>
+            </a:outerShdw>
+          </a:effectLst>
+        </a:effectStyle>
+        <a:effectStyle>
+          <a:effectLst>
+            <a:outerShdw blurRad="40000" dist="23000" dir="5400000" rotWithShape="0">
+              <a:srgbClr val="000000">
+                <a:alpha val="35000"/>
+              </a:srgbClr>
+            </a:outerShdw>
+          </a:effectLst>
+        </a:effectStyle>
+        <a:effectStyle>
+          <a:effectLst>
+            <a:outerShdw blurRad="40000" dist="23000" dir="5400000" rotWithShape="0">
+              <a:srgbClr val="000000">
+                <a:alpha val="35000"/>
+              </a:srgbClr>
+            </a:outerShdw>
+          </a:effectLst>
+          <a:scene3d>
+            <a:camera prst="orthographicFront">
+              <a:rot lat="0" lon="0" rev="0"/>
+            </a:camera>
+            <a:lightRig rig="threePt" dir="t">
+              <a:rot lat="0" lon="0" rev="1200000"/>
+            </a:lightRig>
+          </a:scene3d>
+          <a:sp3d>
+            <a:bevelT w="63500" h="25400"/>
+          </a:sp3d>
+        </a:effectStyle>
+      </a:effectStyleLst>
+      <a:bgFillStyleLst>
+        <a:solidFill>
+          <a:schemeClr val="phClr"/>
+        </a:solidFill>
+        <a:gradFill rotWithShape="1">
+          <a:gsLst>
+            <a:gs pos="0">
+              <a:schemeClr val="phClr">
+                <a:tint val="40000"/>
+                <a:satMod val="350000"/>
+              </a:schemeClr>
+            </a:gs>
+            <a:gs pos="40000">
+              <a:schemeClr val="phClr">
+                <a:tint val="45000"/>
+                <a:shade val="99000"/>
+                <a:satMod val="350000"/>
+              </a:schemeClr>
+            </a:gs>
+            <a:gs pos="100000">
+              <a:schemeClr val="phClr">
+                <a:shade val="20000"/>
+                <a:satMod val="255000"/>
+              </a:schemeClr>
+            </a:gs>
+          </a:gsLst>
+          <a:path path="circle">
+            <a:fillToRect l="50000" t="-80000" r="50000" b="180000"/>
+          </a:path>
+        </a:gradFill>
+        <a:gradFill rotWithShape="1">
+          <a:gsLst>
+            <a:gs pos="0">
+              <a:schemeClr val="phClr">
+                <a:tint val="80000"/>
+                <a:satMod val="300000"/>
+              </a:schemeClr>
+            </a:gs>
+            <a:gs pos="100000">
+              <a:schemeClr val="phClr">
+                <a:shade val="30000"/>
+                <a:satMod val="200000"/>
+              </a:schemeClr>
+            </a:gs>
+          </a:gsLst>
+          <a:path path="circle">
+            <a:fillToRect l="50000" t="50000" r="50000" b="50000"/>
+          </a:path>
+        </a:gradFill>
+      </a:bgFillStyleLst>
+    </a:fmtScheme>
+  </a:themeElements>
+  <a:objectDefaults/>
+  <a:extraClrSchemeLst/>
+</a:theme>
+</file>
+
+<file path=ppt/theme/theme2.xml><?xml version="1.0" encoding="utf-8"?>
+<a:theme xmlns:a="http://schemas.openxmlformats.org/drawingml/2006/main" name="Custom Theme">
   <a:themeElements>
     <a:clrScheme name="Default">
       <a:dk1>
@@ -15284,284 +15872,7 @@
       </a:bgFillStyleLst>
     </a:fmtScheme>
   </a:themeElements>
-</a:theme>
-</file>
-
-<file path=ppt/theme/theme2.xml><?xml version="1.0" encoding="utf-8"?>
-<a:theme xmlns:a="http://schemas.openxmlformats.org/drawingml/2006/main" xmlns:r="http://schemas.openxmlformats.org/officeDocument/2006/relationships" name="simple-light-2">
-  <a:themeElements>
-    <a:clrScheme name="Simple Light">
-      <a:dk1>
-        <a:srgbClr val="000000"/>
-      </a:dk1>
-      <a:lt1>
-        <a:srgbClr val="FFFFFF"/>
-      </a:lt1>
-      <a:dk2>
-        <a:srgbClr val="595959"/>
-      </a:dk2>
-      <a:lt2>
-        <a:srgbClr val="EEEEEE"/>
-      </a:lt2>
-      <a:accent1>
-        <a:srgbClr val="FFAB40"/>
-      </a:accent1>
-      <a:accent2>
-        <a:srgbClr val="212121"/>
-      </a:accent2>
-      <a:accent3>
-        <a:srgbClr val="78909C"/>
-      </a:accent3>
-      <a:accent4>
-        <a:srgbClr val="FFAB40"/>
-      </a:accent4>
-      <a:accent5>
-        <a:srgbClr val="0097A7"/>
-      </a:accent5>
-      <a:accent6>
-        <a:srgbClr val="EEFF41"/>
-      </a:accent6>
-      <a:hlink>
-        <a:srgbClr val="0097A7"/>
-      </a:hlink>
-      <a:folHlink>
-        <a:srgbClr val="0097A7"/>
-      </a:folHlink>
-    </a:clrScheme>
-    <a:fontScheme name="Office">
-      <a:majorFont>
-        <a:latin typeface="Arial"/>
-        <a:ea typeface=""/>
-        <a:cs typeface=""/>
-        <a:font script="Jpan" typeface="ＭＳ Ｐゴシック"/>
-        <a:font script="Hang" typeface="맑은 고딕"/>
-        <a:font script="Hans" typeface="宋体"/>
-        <a:font script="Hant" typeface="新細明體"/>
-        <a:font script="Arab" typeface="Times New Roman"/>
-        <a:font script="Hebr" typeface="Times New Roman"/>
-        <a:font script="Thai" typeface="Angsana New"/>
-        <a:font script="Ethi" typeface="Nyala"/>
-        <a:font script="Beng" typeface="Vrinda"/>
-        <a:font script="Gujr" typeface="Shruti"/>
-        <a:font script="Khmr" typeface="MoolBoran"/>
-        <a:font script="Knda" typeface="Tunga"/>
-        <a:font script="Guru" typeface="Raavi"/>
-        <a:font script="Cans" typeface="Euphemia"/>
-        <a:font script="Cher" typeface="Plantagenet Cherokee"/>
-        <a:font script="Yiii" typeface="Microsoft Yi Baiti"/>
-        <a:font script="Tibt" typeface="Microsoft Himalaya"/>
-        <a:font script="Thaa" typeface="MV Boli"/>
-        <a:font script="Deva" typeface="Mangal"/>
-        <a:font script="Telu" typeface="Gautami"/>
-        <a:font script="Taml" typeface="Latha"/>
-        <a:font script="Syrc" typeface="Estrangelo Edessa"/>
-        <a:font script="Orya" typeface="Kalinga"/>
-        <a:font script="Mlym" typeface="Kartika"/>
-        <a:font script="Laoo" typeface="DokChampa"/>
-        <a:font script="Sinh" typeface="Iskoola Pota"/>
-        <a:font script="Mong" typeface="Mongolian Baiti"/>
-        <a:font script="Viet" typeface="Times New Roman"/>
-        <a:font script="Uigh" typeface="Microsoft Uighur"/>
-        <a:font script="Geor" typeface="Sylfaen"/>
-      </a:majorFont>
-      <a:minorFont>
-        <a:latin typeface="Arial"/>
-        <a:ea typeface=""/>
-        <a:cs typeface=""/>
-        <a:font script="Jpan" typeface="ＭＳ Ｐゴシック"/>
-        <a:font script="Hang" typeface="맑은 고딕"/>
-        <a:font script="Hans" typeface="宋体"/>
-        <a:font script="Hant" typeface="新細明體"/>
-        <a:font script="Arab" typeface="Arial"/>
-        <a:font script="Hebr" typeface="Arial"/>
-        <a:font script="Thai" typeface="Cordia New"/>
-        <a:font script="Ethi" typeface="Nyala"/>
-        <a:font script="Beng" typeface="Vrinda"/>
-        <a:font script="Gujr" typeface="Shruti"/>
-        <a:font script="Khmr" typeface="DaunPenh"/>
-        <a:font script="Knda" typeface="Tunga"/>
-        <a:font script="Guru" typeface="Raavi"/>
-        <a:font script="Cans" typeface="Euphemia"/>
-        <a:font script="Cher" typeface="Plantagenet Cherokee"/>
-        <a:font script="Yiii" typeface="Microsoft Yi Baiti"/>
-        <a:font script="Tibt" typeface="Microsoft Himalaya"/>
-        <a:font script="Thaa" typeface="MV Boli"/>
-        <a:font script="Deva" typeface="Mangal"/>
-        <a:font script="Telu" typeface="Gautami"/>
-        <a:font script="Taml" typeface="Latha"/>
-        <a:font script="Syrc" typeface="Estrangelo Edessa"/>
-        <a:font script="Orya" typeface="Kalinga"/>
-        <a:font script="Mlym" typeface="Kartika"/>
-        <a:font script="Laoo" typeface="DokChampa"/>
-        <a:font script="Sinh" typeface="Iskoola Pota"/>
-        <a:font script="Mong" typeface="Mongolian Baiti"/>
-        <a:font script="Viet" typeface="Arial"/>
-        <a:font script="Uigh" typeface="Microsoft Uighur"/>
-        <a:font script="Geor" typeface="Sylfaen"/>
-      </a:minorFont>
-    </a:fontScheme>
-    <a:fmtScheme name="Office">
-      <a:fillStyleLst>
-        <a:solidFill>
-          <a:schemeClr val="phClr"/>
-        </a:solidFill>
-        <a:gradFill rotWithShape="1">
-          <a:gsLst>
-            <a:gs pos="0">
-              <a:schemeClr val="phClr">
-                <a:tint val="50000"/>
-                <a:satMod val="300000"/>
-              </a:schemeClr>
-            </a:gs>
-            <a:gs pos="35000">
-              <a:schemeClr val="phClr">
-                <a:tint val="37000"/>
-                <a:satMod val="300000"/>
-              </a:schemeClr>
-            </a:gs>
-            <a:gs pos="100000">
-              <a:schemeClr val="phClr">
-                <a:tint val="15000"/>
-                <a:satMod val="350000"/>
-              </a:schemeClr>
-            </a:gs>
-          </a:gsLst>
-          <a:lin ang="16200000" scaled="1"/>
-        </a:gradFill>
-        <a:gradFill rotWithShape="1">
-          <a:gsLst>
-            <a:gs pos="0">
-              <a:schemeClr val="phClr">
-                <a:tint val="100000"/>
-                <a:shade val="100000"/>
-                <a:satMod val="130000"/>
-              </a:schemeClr>
-            </a:gs>
-            <a:gs pos="100000">
-              <a:schemeClr val="phClr">
-                <a:tint val="50000"/>
-                <a:shade val="100000"/>
-                <a:satMod val="350000"/>
-              </a:schemeClr>
-            </a:gs>
-          </a:gsLst>
-          <a:lin ang="16200000" scaled="0"/>
-        </a:gradFill>
-      </a:fillStyleLst>
-      <a:lnStyleLst>
-        <a:ln w="9525" cap="flat" cmpd="sng" algn="ctr">
-          <a:solidFill>
-            <a:schemeClr val="phClr">
-              <a:shade val="95000"/>
-              <a:satMod val="105000"/>
-            </a:schemeClr>
-          </a:solidFill>
-          <a:prstDash val="solid"/>
-        </a:ln>
-        <a:ln w="25400" cap="flat" cmpd="sng" algn="ctr">
-          <a:solidFill>
-            <a:schemeClr val="phClr"/>
-          </a:solidFill>
-          <a:prstDash val="solid"/>
-        </a:ln>
-        <a:ln w="38100" cap="flat" cmpd="sng" algn="ctr">
-          <a:solidFill>
-            <a:schemeClr val="phClr"/>
-          </a:solidFill>
-          <a:prstDash val="solid"/>
-        </a:ln>
-      </a:lnStyleLst>
-      <a:effectStyleLst>
-        <a:effectStyle>
-          <a:effectLst>
-            <a:outerShdw blurRad="40000" dist="20000" dir="5400000" rotWithShape="0">
-              <a:srgbClr val="000000">
-                <a:alpha val="38000"/>
-              </a:srgbClr>
-            </a:outerShdw>
-          </a:effectLst>
-        </a:effectStyle>
-        <a:effectStyle>
-          <a:effectLst>
-            <a:outerShdw blurRad="40000" dist="23000" dir="5400000" rotWithShape="0">
-              <a:srgbClr val="000000">
-                <a:alpha val="35000"/>
-              </a:srgbClr>
-            </a:outerShdw>
-          </a:effectLst>
-        </a:effectStyle>
-        <a:effectStyle>
-          <a:effectLst>
-            <a:outerShdw blurRad="40000" dist="23000" dir="5400000" rotWithShape="0">
-              <a:srgbClr val="000000">
-                <a:alpha val="35000"/>
-              </a:srgbClr>
-            </a:outerShdw>
-          </a:effectLst>
-          <a:scene3d>
-            <a:camera prst="orthographicFront">
-              <a:rot lat="0" lon="0" rev="0"/>
-            </a:camera>
-            <a:lightRig rig="threePt" dir="t">
-              <a:rot lat="0" lon="0" rev="1200000"/>
-            </a:lightRig>
-          </a:scene3d>
-          <a:sp3d>
-            <a:bevelT w="63500" h="25400"/>
-          </a:sp3d>
-        </a:effectStyle>
-      </a:effectStyleLst>
-      <a:bgFillStyleLst>
-        <a:solidFill>
-          <a:schemeClr val="phClr"/>
-        </a:solidFill>
-        <a:gradFill rotWithShape="1">
-          <a:gsLst>
-            <a:gs pos="0">
-              <a:schemeClr val="phClr">
-                <a:tint val="40000"/>
-                <a:satMod val="350000"/>
-              </a:schemeClr>
-            </a:gs>
-            <a:gs pos="40000">
-              <a:schemeClr val="phClr">
-                <a:tint val="45000"/>
-                <a:shade val="99000"/>
-                <a:satMod val="350000"/>
-              </a:schemeClr>
-            </a:gs>
-            <a:gs pos="100000">
-              <a:schemeClr val="phClr">
-                <a:shade val="20000"/>
-                <a:satMod val="255000"/>
-              </a:schemeClr>
-            </a:gs>
-          </a:gsLst>
-          <a:path path="circle">
-            <a:fillToRect l="50000" t="-80000" r="50000" b="180000"/>
-          </a:path>
-        </a:gradFill>
-        <a:gradFill rotWithShape="1">
-          <a:gsLst>
-            <a:gs pos="0">
-              <a:schemeClr val="phClr">
-                <a:tint val="80000"/>
-                <a:satMod val="300000"/>
-              </a:schemeClr>
-            </a:gs>
-            <a:gs pos="100000">
-              <a:schemeClr val="phClr">
-                <a:shade val="30000"/>
-                <a:satMod val="200000"/>
-              </a:schemeClr>
-            </a:gs>
-          </a:gsLst>
-          <a:path path="circle">
-            <a:fillToRect l="50000" t="50000" r="50000" b="50000"/>
-          </a:path>
-        </a:gradFill>
-      </a:bgFillStyleLst>
-    </a:fmtScheme>
-  </a:themeElements>
+  <a:objectDefaults/>
+  <a:extraClrSchemeLst/>
 </a:theme>
 </file>